--- a/Отчет/Доклад Неповинных.pptx
+++ b/Отчет/Доклад Неповинных.pptx
@@ -7,7 +7,7 @@
     <p:sldMasterId id="2147483948" r:id="rId3"/>
   </p:sldMasterIdLst>
   <p:notesMasterIdLst>
-    <p:notesMasterId r:id="rId19"/>
+    <p:notesMasterId r:id="rId20"/>
   </p:notesMasterIdLst>
   <p:sldIdLst>
     <p:sldId id="256" r:id="rId4"/>
@@ -23,8 +23,9 @@
     <p:sldId id="262" r:id="rId14"/>
     <p:sldId id="267" r:id="rId15"/>
     <p:sldId id="268" r:id="rId16"/>
-    <p:sldId id="270" r:id="rId17"/>
-    <p:sldId id="269" r:id="rId18"/>
+    <p:sldId id="271" r:id="rId17"/>
+    <p:sldId id="270" r:id="rId18"/>
+    <p:sldId id="269" r:id="rId19"/>
   </p:sldIdLst>
   <p:sldSz cx="9144000" cy="6858000" type="screen4x3"/>
   <p:notesSz cx="6858000" cy="9144000"/>
@@ -213,7 +214,7 @@
           <a:p>
             <a:fld id="{92DF813F-1706-4352-AD8B-733ADD07516A}" type="datetimeFigureOut">
               <a:rPr lang="ru-RU" smtClean="0"/>
-              <a:t>21.04.2015</a:t>
+              <a:t>22.04.2015</a:t>
             </a:fld>
             <a:endParaRPr lang="ru-RU"/>
           </a:p>
@@ -707,7 +708,7 @@
           <a:p>
             <a:fld id="{CA6132C5-4EF7-44E9-8AC0-543A9CBD21A3}" type="datetime1">
               <a:rPr lang="ru-RU" smtClean="0"/>
-              <a:t>21.04.2015</a:t>
+              <a:t>22.04.2015</a:t>
             </a:fld>
             <a:endParaRPr lang="ru-RU"/>
           </a:p>
@@ -877,7 +878,7 @@
           <a:p>
             <a:fld id="{EF1CE88B-3451-485D-B0B9-5D3B791D9A61}" type="datetime1">
               <a:rPr lang="ru-RU" smtClean="0"/>
-              <a:t>21.04.2015</a:t>
+              <a:t>22.04.2015</a:t>
             </a:fld>
             <a:endParaRPr lang="ru-RU"/>
           </a:p>
@@ -1057,7 +1058,7 @@
           <a:p>
             <a:fld id="{1FE7C88E-07F6-4A72-8D7F-2003DD58C999}" type="datetime1">
               <a:rPr lang="ru-RU" smtClean="0"/>
-              <a:t>21.04.2015</a:t>
+              <a:t>22.04.2015</a:t>
             </a:fld>
             <a:endParaRPr lang="ru-RU"/>
           </a:p>
@@ -1260,7 +1261,7 @@
           <a:p>
             <a:fld id="{CA6132C5-4EF7-44E9-8AC0-543A9CBD21A3}" type="datetime1">
               <a:rPr lang="ru-RU" smtClean="0"/>
-              <a:t>21.04.2015</a:t>
+              <a:t>22.04.2015</a:t>
             </a:fld>
             <a:endParaRPr lang="ru-RU"/>
           </a:p>
@@ -1430,7 +1431,7 @@
           <a:p>
             <a:fld id="{3F6630A2-8F33-4019-B2B9-16E2D46DA9AF}" type="datetime1">
               <a:rPr lang="ru-RU" smtClean="0"/>
-              <a:t>21.04.2015</a:t>
+              <a:t>22.04.2015</a:t>
             </a:fld>
             <a:endParaRPr lang="ru-RU"/>
           </a:p>
@@ -1681,7 +1682,7 @@
           <a:p>
             <a:fld id="{CCE73EC7-A2E5-4B05-A3A2-EDC11E6BB65E}" type="datetime1">
               <a:rPr lang="ru-RU" smtClean="0"/>
-              <a:t>21.04.2015</a:t>
+              <a:t>22.04.2015</a:t>
             </a:fld>
             <a:endParaRPr lang="ru-RU"/>
           </a:p>
@@ -1913,7 +1914,7 @@
           <a:p>
             <a:fld id="{D3B8EC41-8B8A-432E-80E4-D3C07A84920C}" type="datetime1">
               <a:rPr lang="ru-RU" smtClean="0"/>
-              <a:t>21.04.2015</a:t>
+              <a:t>22.04.2015</a:t>
             </a:fld>
             <a:endParaRPr lang="ru-RU"/>
           </a:p>
@@ -2260,7 +2261,7 @@
           <a:p>
             <a:fld id="{A699E73B-8EDA-491A-A5C4-A553EBDA5D2E}" type="datetime1">
               <a:rPr lang="ru-RU" smtClean="0"/>
-              <a:t>21.04.2015</a:t>
+              <a:t>22.04.2015</a:t>
             </a:fld>
             <a:endParaRPr lang="ru-RU"/>
           </a:p>
@@ -2378,7 +2379,7 @@
           <a:p>
             <a:fld id="{4A785036-5E83-4504-9337-1D74968FFD10}" type="datetime1">
               <a:rPr lang="ru-RU" smtClean="0"/>
-              <a:t>21.04.2015</a:t>
+              <a:t>22.04.2015</a:t>
             </a:fld>
             <a:endParaRPr lang="ru-RU"/>
           </a:p>
@@ -2496,7 +2497,7 @@
           <a:p>
             <a:fld id="{D223FB0C-0787-4D86-8856-F1CE01B147E6}" type="datetime1">
               <a:rPr lang="ru-RU" smtClean="0"/>
-              <a:t>21.04.2015</a:t>
+              <a:t>22.04.2015</a:t>
             </a:fld>
             <a:endParaRPr lang="ru-RU"/>
           </a:p>
@@ -2780,7 +2781,7 @@
           <a:p>
             <a:fld id="{1720D9EF-0D22-4E69-8813-9F7557DA16D7}" type="datetime1">
               <a:rPr lang="ru-RU" smtClean="0"/>
-              <a:t>21.04.2015</a:t>
+              <a:t>22.04.2015</a:t>
             </a:fld>
             <a:endParaRPr lang="ru-RU"/>
           </a:p>
@@ -2950,7 +2951,7 @@
           <a:p>
             <a:fld id="{3F6630A2-8F33-4019-B2B9-16E2D46DA9AF}" type="datetime1">
               <a:rPr lang="ru-RU" smtClean="0"/>
-              <a:t>21.04.2015</a:t>
+              <a:t>22.04.2015</a:t>
             </a:fld>
             <a:endParaRPr lang="ru-RU"/>
           </a:p>
@@ -3214,7 +3215,7 @@
           <a:p>
             <a:fld id="{1D921FA4-050E-406C-836E-B49CE3F44A12}" type="datetime1">
               <a:rPr lang="ru-RU" smtClean="0"/>
-              <a:t>21.04.2015</a:t>
+              <a:t>22.04.2015</a:t>
             </a:fld>
             <a:endParaRPr lang="ru-RU"/>
           </a:p>
@@ -3384,7 +3385,7 @@
           <a:p>
             <a:fld id="{EF1CE88B-3451-485D-B0B9-5D3B791D9A61}" type="datetime1">
               <a:rPr lang="ru-RU" smtClean="0"/>
-              <a:t>21.04.2015</a:t>
+              <a:t>22.04.2015</a:t>
             </a:fld>
             <a:endParaRPr lang="ru-RU"/>
           </a:p>
@@ -3564,7 +3565,7 @@
           <a:p>
             <a:fld id="{1FE7C88E-07F6-4A72-8D7F-2003DD58C999}" type="datetime1">
               <a:rPr lang="ru-RU" smtClean="0"/>
-              <a:t>21.04.2015</a:t>
+              <a:t>22.04.2015</a:t>
             </a:fld>
             <a:endParaRPr lang="ru-RU"/>
           </a:p>
@@ -3832,7 +3833,7 @@
           <a:p>
             <a:fld id="{CA6132C5-4EF7-44E9-8AC0-543A9CBD21A3}" type="datetime1">
               <a:rPr lang="ru-RU" smtClean="0"/>
-              <a:t>21.04.2015</a:t>
+              <a:t>22.04.2015</a:t>
             </a:fld>
             <a:endParaRPr lang="ru-RU"/>
           </a:p>
@@ -4024,7 +4025,7 @@
           <a:p>
             <a:fld id="{3F6630A2-8F33-4019-B2B9-16E2D46DA9AF}" type="datetime1">
               <a:rPr lang="ru-RU" smtClean="0"/>
-              <a:t>21.04.2015</a:t>
+              <a:t>22.04.2015</a:t>
             </a:fld>
             <a:endParaRPr lang="ru-RU"/>
           </a:p>
@@ -4278,7 +4279,7 @@
           <a:p>
             <a:fld id="{CCE73EC7-A2E5-4B05-A3A2-EDC11E6BB65E}" type="datetime1">
               <a:rPr lang="ru-RU" smtClean="0"/>
-              <a:t>21.04.2015</a:t>
+              <a:t>22.04.2015</a:t>
             </a:fld>
             <a:endParaRPr lang="ru-RU"/>
           </a:p>
@@ -4604,7 +4605,7 @@
           <a:p>
             <a:fld id="{D3B8EC41-8B8A-432E-80E4-D3C07A84920C}" type="datetime1">
               <a:rPr lang="ru-RU" smtClean="0"/>
-              <a:t>21.04.2015</a:t>
+              <a:t>22.04.2015</a:t>
             </a:fld>
             <a:endParaRPr lang="ru-RU"/>
           </a:p>
@@ -5024,7 +5025,7 @@
           <a:p>
             <a:fld id="{A699E73B-8EDA-491A-A5C4-A553EBDA5D2E}" type="datetime1">
               <a:rPr lang="ru-RU" smtClean="0"/>
-              <a:t>21.04.2015</a:t>
+              <a:t>22.04.2015</a:t>
             </a:fld>
             <a:endParaRPr lang="ru-RU"/>
           </a:p>
@@ -5142,7 +5143,7 @@
           <a:p>
             <a:fld id="{4A785036-5E83-4504-9337-1D74968FFD10}" type="datetime1">
               <a:rPr lang="ru-RU" smtClean="0"/>
-              <a:t>21.04.2015</a:t>
+              <a:t>22.04.2015</a:t>
             </a:fld>
             <a:endParaRPr lang="ru-RU"/>
           </a:p>
@@ -5237,7 +5238,7 @@
           <a:p>
             <a:fld id="{D223FB0C-0787-4D86-8856-F1CE01B147E6}" type="datetime1">
               <a:rPr lang="ru-RU" smtClean="0"/>
-              <a:t>21.04.2015</a:t>
+              <a:t>22.04.2015</a:t>
             </a:fld>
             <a:endParaRPr lang="ru-RU"/>
           </a:p>
@@ -5488,7 +5489,7 @@
           <a:p>
             <a:fld id="{CCE73EC7-A2E5-4B05-A3A2-EDC11E6BB65E}" type="datetime1">
               <a:rPr lang="ru-RU" smtClean="0"/>
-              <a:t>21.04.2015</a:t>
+              <a:t>22.04.2015</a:t>
             </a:fld>
             <a:endParaRPr lang="ru-RU"/>
           </a:p>
@@ -5775,7 +5776,7 @@
           <a:p>
             <a:fld id="{1720D9EF-0D22-4E69-8813-9F7557DA16D7}" type="datetime1">
               <a:rPr lang="ru-RU" smtClean="0"/>
-              <a:t>21.04.2015</a:t>
+              <a:t>22.04.2015</a:t>
             </a:fld>
             <a:endParaRPr lang="ru-RU"/>
           </a:p>
@@ -6100,7 +6101,7 @@
           <a:p>
             <a:fld id="{1D921FA4-050E-406C-836E-B49CE3F44A12}" type="datetime1">
               <a:rPr lang="ru-RU" smtClean="0"/>
-              <a:t>21.04.2015</a:t>
+              <a:t>22.04.2015</a:t>
             </a:fld>
             <a:endParaRPr lang="ru-RU"/>
           </a:p>
@@ -6270,7 +6271,7 @@
           <a:p>
             <a:fld id="{EF1CE88B-3451-485D-B0B9-5D3B791D9A61}" type="datetime1">
               <a:rPr lang="ru-RU" smtClean="0"/>
-              <a:t>21.04.2015</a:t>
+              <a:t>22.04.2015</a:t>
             </a:fld>
             <a:endParaRPr lang="ru-RU"/>
           </a:p>
@@ -6450,7 +6451,7 @@
           <a:p>
             <a:fld id="{1FE7C88E-07F6-4A72-8D7F-2003DD58C999}" type="datetime1">
               <a:rPr lang="ru-RU" smtClean="0"/>
-              <a:t>21.04.2015</a:t>
+              <a:t>22.04.2015</a:t>
             </a:fld>
             <a:endParaRPr lang="ru-RU"/>
           </a:p>
@@ -6682,7 +6683,7 @@
           <a:p>
             <a:fld id="{D3B8EC41-8B8A-432E-80E4-D3C07A84920C}" type="datetime1">
               <a:rPr lang="ru-RU" smtClean="0"/>
-              <a:t>21.04.2015</a:t>
+              <a:t>22.04.2015</a:t>
             </a:fld>
             <a:endParaRPr lang="ru-RU"/>
           </a:p>
@@ -7029,7 +7030,7 @@
           <a:p>
             <a:fld id="{A699E73B-8EDA-491A-A5C4-A553EBDA5D2E}" type="datetime1">
               <a:rPr lang="ru-RU" smtClean="0"/>
-              <a:t>21.04.2015</a:t>
+              <a:t>22.04.2015</a:t>
             </a:fld>
             <a:endParaRPr lang="ru-RU"/>
           </a:p>
@@ -7147,7 +7148,7 @@
           <a:p>
             <a:fld id="{4A785036-5E83-4504-9337-1D74968FFD10}" type="datetime1">
               <a:rPr lang="ru-RU" smtClean="0"/>
-              <a:t>21.04.2015</a:t>
+              <a:t>22.04.2015</a:t>
             </a:fld>
             <a:endParaRPr lang="ru-RU"/>
           </a:p>
@@ -7265,7 +7266,7 @@
           <a:p>
             <a:fld id="{D223FB0C-0787-4D86-8856-F1CE01B147E6}" type="datetime1">
               <a:rPr lang="ru-RU" smtClean="0"/>
-              <a:t>21.04.2015</a:t>
+              <a:t>22.04.2015</a:t>
             </a:fld>
             <a:endParaRPr lang="ru-RU"/>
           </a:p>
@@ -7549,7 +7550,7 @@
           <a:p>
             <a:fld id="{1720D9EF-0D22-4E69-8813-9F7557DA16D7}" type="datetime1">
               <a:rPr lang="ru-RU" smtClean="0"/>
-              <a:t>21.04.2015</a:t>
+              <a:t>22.04.2015</a:t>
             </a:fld>
             <a:endParaRPr lang="ru-RU"/>
           </a:p>
@@ -7813,7 +7814,7 @@
           <a:p>
             <a:fld id="{1D921FA4-050E-406C-836E-B49CE3F44A12}" type="datetime1">
               <a:rPr lang="ru-RU" smtClean="0"/>
-              <a:t>21.04.2015</a:t>
+              <a:t>22.04.2015</a:t>
             </a:fld>
             <a:endParaRPr lang="ru-RU"/>
           </a:p>
@@ -8027,7 +8028,7 @@
           <a:p>
             <a:fld id="{4F72220C-91D8-4189-84C0-4513D35A07A8}" type="datetime1">
               <a:rPr lang="ru-RU" smtClean="0"/>
-              <a:t>21.04.2015</a:t>
+              <a:t>22.04.2015</a:t>
             </a:fld>
             <a:endParaRPr lang="ru-RU"/>
           </a:p>
@@ -8558,7 +8559,7 @@
           <a:p>
             <a:fld id="{4F72220C-91D8-4189-84C0-4513D35A07A8}" type="datetime1">
               <a:rPr lang="ru-RU" smtClean="0"/>
-              <a:t>21.04.2015</a:t>
+              <a:t>22.04.2015</a:t>
             </a:fld>
             <a:endParaRPr lang="ru-RU"/>
           </a:p>
@@ -9129,7 +9130,7 @@
           <a:p>
             <a:fld id="{4F72220C-91D8-4189-84C0-4513D35A07A8}" type="datetime1">
               <a:rPr lang="ru-RU" smtClean="0"/>
-              <a:t>21.04.2015</a:t>
+              <a:t>22.04.2015</a:t>
             </a:fld>
             <a:endParaRPr lang="ru-RU"/>
           </a:p>
@@ -9940,7 +9941,22 @@
             </a:pPr>
             <a:r>
               <a:rPr lang="ru-RU" i="1" dirty="0" smtClean="0"/>
-              <a:t>Кандидат ф.-м. наук, доцент каф. СП</a:t>
+              <a:t>Кандидат ф.-м. наук, </a:t>
+            </a:r>
+            <a:r>
+              <a:rPr lang="en-US" i="1" dirty="0" smtClean="0"/>
+              <a:t/>
+            </a:r>
+            <a:br>
+              <a:rPr lang="en-US" i="1" dirty="0" smtClean="0"/>
+            </a:br>
+            <a:r>
+              <a:rPr lang="ru-RU" i="1" dirty="0" smtClean="0"/>
+              <a:t>доцент </a:t>
+            </a:r>
+            <a:r>
+              <a:rPr lang="ru-RU" i="1" dirty="0" smtClean="0"/>
+              <a:t>каф. СП</a:t>
             </a:r>
             <a:endParaRPr lang="ru-RU" dirty="0" smtClean="0"/>
           </a:p>
@@ -10251,7 +10267,23 @@
             </a:r>
             <a:r>
               <a:rPr lang="ru-RU" i="1" dirty="0" smtClean="0"/>
-              <a:t>ВМИ-411,ЮУрГУ</a:t>
+              <a:t>ВМИ</a:t>
+            </a:r>
+            <a:r>
+              <a:rPr lang="en-US" i="1" dirty="0" smtClean="0"/>
+              <a:t>-</a:t>
+            </a:r>
+            <a:r>
+              <a:rPr lang="ru-RU" i="1" dirty="0" smtClean="0"/>
+              <a:t>411,</a:t>
+            </a:r>
+            <a:r>
+              <a:rPr lang="en-US" i="1" dirty="0" smtClean="0"/>
+              <a:t> </a:t>
+            </a:r>
+            <a:r>
+              <a:rPr lang="ru-RU" i="1" dirty="0" err="1" smtClean="0"/>
+              <a:t>ЮУрГУ</a:t>
             </a:r>
             <a:endParaRPr lang="ru-RU" dirty="0" smtClean="0"/>
           </a:p>
@@ -10761,7 +10793,12 @@
             <p:ph type="title"/>
           </p:nvPr>
         </p:nvSpPr>
-        <p:spPr/>
+        <p:spPr>
+          <a:xfrm>
+            <a:off x="765915" y="337185"/>
+            <a:ext cx="7269480" cy="1325562"/>
+          </a:xfrm>
+        </p:spPr>
         <p:txBody>
           <a:bodyPr/>
           <a:lstStyle/>
@@ -10770,26 +10807,15 @@
               <a:rPr lang="ru-RU" dirty="0" smtClean="0"/>
               <a:t>Веб-интерфейс</a:t>
             </a:r>
+            <a:r>
+              <a:rPr lang="en-US" dirty="0" smtClean="0"/>
+              <a:t>: </a:t>
+            </a:r>
+            <a:r>
+              <a:rPr lang="ru-RU" dirty="0" smtClean="0"/>
+              <a:t>рекомендации</a:t>
+            </a:r>
             <a:endParaRPr lang="ru-RU" dirty="0"/>
-          </a:p>
-        </p:txBody>
-      </p:sp>
-      <p:sp>
-        <p:nvSpPr>
-          <p:cNvPr id="3" name="Объект 2"/>
-          <p:cNvSpPr>
-            <a:spLocks noGrp="1"/>
-          </p:cNvSpPr>
-          <p:nvPr>
-            <p:ph idx="1"/>
-          </p:nvPr>
-        </p:nvSpPr>
-        <p:spPr/>
-        <p:txBody>
-          <a:bodyPr/>
-          <a:lstStyle/>
-          <a:p>
-            <a:endParaRPr lang="ru-RU"/>
           </a:p>
         </p:txBody>
       </p:sp>
@@ -10816,6 +10842,49 @@
           </a:p>
         </p:txBody>
       </p:sp>
+      <p:pic>
+        <p:nvPicPr>
+          <p:cNvPr id="1026" name="Picture 2" descr="https://pp.vk.me/c625831/v625831882/10a16/3L0pFSSXaAo.jpg"/>
+          <p:cNvPicPr>
+            <a:picLocks noGrp="1" noChangeAspect="1" noChangeArrowheads="1"/>
+          </p:cNvPicPr>
+          <p:nvPr>
+            <p:ph idx="1"/>
+          </p:nvPr>
+        </p:nvPicPr>
+        <p:blipFill>
+          <a:blip r:embed="rId2">
+            <a:extLst>
+              <a:ext uri="{28A0092B-C50C-407E-A947-70E740481C1C}">
+                <a14:useLocalDpi xmlns:a14="http://schemas.microsoft.com/office/drawing/2010/main" val="0"/>
+              </a:ext>
+            </a:extLst>
+          </a:blip>
+          <a:srcRect/>
+          <a:stretch>
+            <a:fillRect/>
+          </a:stretch>
+        </p:blipFill>
+        <p:spPr bwMode="auto">
+          <a:xfrm>
+            <a:off x="765915" y="2252968"/>
+            <a:ext cx="7212861" cy="3919233"/>
+          </a:xfrm>
+          <a:prstGeom prst="rect">
+            <a:avLst/>
+          </a:prstGeom>
+          <a:noFill/>
+          <a:extLst>
+            <a:ext uri="{909E8E84-426E-40DD-AFC4-6F175D3DCCD1}">
+              <a14:hiddenFill xmlns:a14="http://schemas.microsoft.com/office/drawing/2010/main">
+                <a:solidFill>
+                  <a:srgbClr val="FFFFFF"/>
+                </a:solidFill>
+              </a14:hiddenFill>
+            </a:ext>
+          </a:extLst>
+        </p:spPr>
+      </p:pic>
     </p:spTree>
     <p:extLst>
       <p:ext uri="{BB962C8B-B14F-4D97-AF65-F5344CB8AC3E}">
@@ -10856,14 +10925,34 @@
             <p:ph type="title"/>
           </p:nvPr>
         </p:nvSpPr>
-        <p:spPr/>
+        <p:spPr>
+          <a:xfrm>
+            <a:off x="542925" y="165735"/>
+            <a:ext cx="7269480" cy="1325562"/>
+          </a:xfrm>
+        </p:spPr>
         <p:txBody>
           <a:bodyPr/>
           <a:lstStyle/>
           <a:p>
             <a:r>
-              <a:rPr lang="ru-RU" smtClean="0"/>
-              <a:t>Эксперименты</a:t>
+              <a:rPr lang="ru-RU" dirty="0"/>
+              <a:t>Веб-интерфейс</a:t>
+            </a:r>
+            <a:r>
+              <a:rPr lang="en-US" dirty="0"/>
+              <a:t>: </a:t>
+            </a:r>
+            <a:r>
+              <a:rPr lang="ru-RU" dirty="0" smtClean="0"/>
+              <a:t/>
+            </a:r>
+            <a:br>
+              <a:rPr lang="ru-RU" dirty="0" smtClean="0"/>
+            </a:br>
+            <a:r>
+              <a:rPr lang="ru-RU" dirty="0" smtClean="0"/>
+              <a:t>поиск конкурентов</a:t>
             </a:r>
             <a:endParaRPr lang="ru-RU" dirty="0"/>
           </a:p>
@@ -10879,12 +10968,35 @@
             <p:ph idx="1"/>
           </p:nvPr>
         </p:nvSpPr>
-        <p:spPr/>
-        <p:txBody>
-          <a:bodyPr/>
-          <a:lstStyle/>
-          <a:p>
-            <a:endParaRPr lang="ru-RU"/>
+        <p:spPr>
+          <a:xfrm>
+            <a:off x="542925" y="1820864"/>
+            <a:ext cx="6446520" cy="4351337"/>
+          </a:xfrm>
+        </p:spPr>
+        <p:txBody>
+          <a:bodyPr>
+            <a:normAutofit/>
+          </a:bodyPr>
+          <a:lstStyle/>
+          <a:p>
+            <a:pPr marL="0" indent="0">
+              <a:buNone/>
+            </a:pPr>
+            <a:r>
+              <a:rPr lang="ru-RU" sz="2400" dirty="0" smtClean="0"/>
+              <a:t>Пример работы системы для поиска конкурентов веб-сайта </a:t>
+            </a:r>
+            <a:r>
+              <a:rPr lang="en-US" sz="2400" dirty="0" smtClean="0"/>
+              <a:t>redsolution.ru</a:t>
+            </a:r>
+          </a:p>
+          <a:p>
+            <a:pPr marL="0" indent="0">
+              <a:buNone/>
+            </a:pPr>
+            <a:endParaRPr lang="ru-RU" sz="2400" dirty="0"/>
           </a:p>
         </p:txBody>
       </p:sp>
@@ -10911,10 +11023,92 @@
           </a:p>
         </p:txBody>
       </p:sp>
+      <p:pic>
+        <p:nvPicPr>
+          <p:cNvPr id="2050" name="Picture 2" descr="https://pp.vk.me/c625831/v625831882/10a1d/iiQOr75_WFQ.jpg"/>
+          <p:cNvPicPr>
+            <a:picLocks noChangeAspect="1" noChangeArrowheads="1"/>
+          </p:cNvPicPr>
+          <p:nvPr/>
+        </p:nvPicPr>
+        <p:blipFill>
+          <a:blip r:embed="rId2">
+            <a:extLst>
+              <a:ext uri="{28A0092B-C50C-407E-A947-70E740481C1C}">
+                <a14:useLocalDpi xmlns:a14="http://schemas.microsoft.com/office/drawing/2010/main" val="0"/>
+              </a:ext>
+            </a:extLst>
+          </a:blip>
+          <a:srcRect/>
+          <a:stretch>
+            <a:fillRect/>
+          </a:stretch>
+        </p:blipFill>
+        <p:spPr bwMode="auto">
+          <a:xfrm>
+            <a:off x="542925" y="3160368"/>
+            <a:ext cx="3716438" cy="2833630"/>
+          </a:xfrm>
+          <a:prstGeom prst="rect">
+            <a:avLst/>
+          </a:prstGeom>
+          <a:noFill/>
+          <a:extLst>
+            <a:ext uri="{909E8E84-426E-40DD-AFC4-6F175D3DCCD1}">
+              <a14:hiddenFill xmlns:a14="http://schemas.microsoft.com/office/drawing/2010/main">
+                <a:solidFill>
+                  <a:srgbClr val="FFFFFF"/>
+                </a:solidFill>
+              </a14:hiddenFill>
+            </a:ext>
+          </a:extLst>
+        </p:spPr>
+      </p:pic>
+      <p:pic>
+        <p:nvPicPr>
+          <p:cNvPr id="2052" name="Picture 4" descr="https://pp.vk.me/c625831/v625831882/10a24/7y5GRQhNA6I.jpg"/>
+          <p:cNvPicPr>
+            <a:picLocks noChangeAspect="1" noChangeArrowheads="1"/>
+          </p:cNvPicPr>
+          <p:nvPr/>
+        </p:nvPicPr>
+        <p:blipFill>
+          <a:blip r:embed="rId3">
+            <a:extLst>
+              <a:ext uri="{28A0092B-C50C-407E-A947-70E740481C1C}">
+                <a14:useLocalDpi xmlns:a14="http://schemas.microsoft.com/office/drawing/2010/main" val="0"/>
+              </a:ext>
+            </a:extLst>
+          </a:blip>
+          <a:srcRect/>
+          <a:stretch>
+            <a:fillRect/>
+          </a:stretch>
+        </p:blipFill>
+        <p:spPr bwMode="auto">
+          <a:xfrm>
+            <a:off x="4259363" y="3055924"/>
+            <a:ext cx="3798787" cy="2938074"/>
+          </a:xfrm>
+          <a:prstGeom prst="rect">
+            <a:avLst/>
+          </a:prstGeom>
+          <a:noFill/>
+          <a:extLst>
+            <a:ext uri="{909E8E84-426E-40DD-AFC4-6F175D3DCCD1}">
+              <a14:hiddenFill xmlns:a14="http://schemas.microsoft.com/office/drawing/2010/main">
+                <a:solidFill>
+                  <a:srgbClr val="FFFFFF"/>
+                </a:solidFill>
+              </a14:hiddenFill>
+            </a:ext>
+          </a:extLst>
+        </p:spPr>
+      </p:pic>
     </p:spTree>
     <p:extLst>
       <p:ext uri="{BB962C8B-B14F-4D97-AF65-F5344CB8AC3E}">
-        <p14:creationId xmlns:p14="http://schemas.microsoft.com/office/powerpoint/2010/main" val="2783543625"/>
+        <p14:creationId xmlns:p14="http://schemas.microsoft.com/office/powerpoint/2010/main" val="1826846931"/>
       </p:ext>
     </p:extLst>
   </p:cSld>
@@ -10953,6 +11147,553 @@
         </p:nvSpPr>
         <p:spPr>
           <a:xfrm>
+            <a:off x="457203" y="-198436"/>
+            <a:ext cx="7269480" cy="1325562"/>
+          </a:xfrm>
+        </p:spPr>
+        <p:txBody>
+          <a:bodyPr/>
+          <a:lstStyle/>
+          <a:p>
+            <a:r>
+              <a:rPr lang="ru-RU" dirty="0" smtClean="0"/>
+              <a:t>Эксперименты</a:t>
+            </a:r>
+            <a:endParaRPr lang="ru-RU" dirty="0"/>
+          </a:p>
+        </p:txBody>
+      </p:sp>
+      <p:sp>
+        <p:nvSpPr>
+          <p:cNvPr id="4" name="Номер слайда 3"/>
+          <p:cNvSpPr>
+            <a:spLocks noGrp="1"/>
+          </p:cNvSpPr>
+          <p:nvPr>
+            <p:ph type="sldNum" sz="quarter" idx="12"/>
+          </p:nvPr>
+        </p:nvSpPr>
+        <p:spPr/>
+        <p:txBody>
+          <a:bodyPr/>
+          <a:lstStyle/>
+          <a:p>
+            <a:fld id="{B8FD4787-A815-42E7-9C3F-EE8E3DD8A60B}" type="slidenum">
+              <a:rPr lang="ru-RU" smtClean="0"/>
+              <a:t>15</a:t>
+            </a:fld>
+            <a:endParaRPr lang="ru-RU"/>
+          </a:p>
+        </p:txBody>
+      </p:sp>
+      <p:sp>
+        <p:nvSpPr>
+          <p:cNvPr id="5" name="Прямоугольник 4"/>
+          <p:cNvSpPr/>
+          <p:nvPr/>
+        </p:nvSpPr>
+        <p:spPr>
+          <a:xfrm>
+            <a:off x="5514975" y="2236787"/>
+            <a:ext cx="457200" cy="300038"/>
+          </a:xfrm>
+          <a:prstGeom prst="rect">
+            <a:avLst/>
+          </a:prstGeom>
+          <a:solidFill>
+            <a:srgbClr val="1F77B4"/>
+          </a:solidFill>
+        </p:spPr>
+        <p:style>
+          <a:lnRef idx="2">
+            <a:schemeClr val="accent1">
+              <a:shade val="50000"/>
+            </a:schemeClr>
+          </a:lnRef>
+          <a:fillRef idx="1">
+            <a:schemeClr val="accent1"/>
+          </a:fillRef>
+          <a:effectRef idx="0">
+            <a:schemeClr val="accent1"/>
+          </a:effectRef>
+          <a:fontRef idx="minor">
+            <a:schemeClr val="lt1"/>
+          </a:fontRef>
+        </p:style>
+        <p:txBody>
+          <a:bodyPr rtlCol="0" anchor="ctr"/>
+          <a:lstStyle/>
+          <a:p>
+            <a:pPr algn="ctr"/>
+            <a:endParaRPr lang="ru-RU"/>
+          </a:p>
+        </p:txBody>
+      </p:sp>
+      <p:sp>
+        <p:nvSpPr>
+          <p:cNvPr id="7" name="Прямоугольник 6"/>
+          <p:cNvSpPr/>
+          <p:nvPr/>
+        </p:nvSpPr>
+        <p:spPr>
+          <a:xfrm>
+            <a:off x="5514975" y="2695578"/>
+            <a:ext cx="457200" cy="300038"/>
+          </a:xfrm>
+          <a:prstGeom prst="rect">
+            <a:avLst/>
+          </a:prstGeom>
+          <a:solidFill>
+            <a:srgbClr val="D62728"/>
+          </a:solidFill>
+        </p:spPr>
+        <p:style>
+          <a:lnRef idx="2">
+            <a:schemeClr val="accent1">
+              <a:shade val="50000"/>
+            </a:schemeClr>
+          </a:lnRef>
+          <a:fillRef idx="1">
+            <a:schemeClr val="accent1"/>
+          </a:fillRef>
+          <a:effectRef idx="0">
+            <a:schemeClr val="accent1"/>
+          </a:effectRef>
+          <a:fontRef idx="minor">
+            <a:schemeClr val="lt1"/>
+          </a:fontRef>
+        </p:style>
+        <p:txBody>
+          <a:bodyPr rtlCol="0" anchor="ctr"/>
+          <a:lstStyle/>
+          <a:p>
+            <a:pPr algn="ctr"/>
+            <a:endParaRPr lang="ru-RU"/>
+          </a:p>
+        </p:txBody>
+      </p:sp>
+      <p:sp>
+        <p:nvSpPr>
+          <p:cNvPr id="8" name="Прямоугольник 7"/>
+          <p:cNvSpPr/>
+          <p:nvPr/>
+        </p:nvSpPr>
+        <p:spPr>
+          <a:xfrm>
+            <a:off x="5514975" y="3176590"/>
+            <a:ext cx="457200" cy="300038"/>
+          </a:xfrm>
+          <a:prstGeom prst="rect">
+            <a:avLst/>
+          </a:prstGeom>
+          <a:solidFill>
+            <a:srgbClr val="9467BD"/>
+          </a:solidFill>
+        </p:spPr>
+        <p:style>
+          <a:lnRef idx="2">
+            <a:schemeClr val="accent1">
+              <a:shade val="50000"/>
+            </a:schemeClr>
+          </a:lnRef>
+          <a:fillRef idx="1">
+            <a:schemeClr val="accent1"/>
+          </a:fillRef>
+          <a:effectRef idx="0">
+            <a:schemeClr val="accent1"/>
+          </a:effectRef>
+          <a:fontRef idx="minor">
+            <a:schemeClr val="lt1"/>
+          </a:fontRef>
+        </p:style>
+        <p:txBody>
+          <a:bodyPr rtlCol="0" anchor="ctr"/>
+          <a:lstStyle/>
+          <a:p>
+            <a:pPr algn="ctr"/>
+            <a:endParaRPr lang="ru-RU"/>
+          </a:p>
+        </p:txBody>
+      </p:sp>
+      <p:sp>
+        <p:nvSpPr>
+          <p:cNvPr id="9" name="Прямоугольник 8"/>
+          <p:cNvSpPr/>
+          <p:nvPr/>
+        </p:nvSpPr>
+        <p:spPr>
+          <a:xfrm>
+            <a:off x="5514975" y="3657602"/>
+            <a:ext cx="457200" cy="300038"/>
+          </a:xfrm>
+          <a:prstGeom prst="rect">
+            <a:avLst/>
+          </a:prstGeom>
+          <a:solidFill>
+            <a:srgbClr val="7F7F7F"/>
+          </a:solidFill>
+        </p:spPr>
+        <p:style>
+          <a:lnRef idx="2">
+            <a:schemeClr val="accent1">
+              <a:shade val="50000"/>
+            </a:schemeClr>
+          </a:lnRef>
+          <a:fillRef idx="1">
+            <a:schemeClr val="accent1"/>
+          </a:fillRef>
+          <a:effectRef idx="0">
+            <a:schemeClr val="accent1"/>
+          </a:effectRef>
+          <a:fontRef idx="minor">
+            <a:schemeClr val="lt1"/>
+          </a:fontRef>
+        </p:style>
+        <p:txBody>
+          <a:bodyPr rtlCol="0" anchor="ctr"/>
+          <a:lstStyle/>
+          <a:p>
+            <a:pPr algn="ctr"/>
+            <a:endParaRPr lang="ru-RU"/>
+          </a:p>
+        </p:txBody>
+      </p:sp>
+      <p:sp>
+        <p:nvSpPr>
+          <p:cNvPr id="10" name="Прямоугольник 9"/>
+          <p:cNvSpPr/>
+          <p:nvPr/>
+        </p:nvSpPr>
+        <p:spPr>
+          <a:xfrm>
+            <a:off x="5514975" y="4191001"/>
+            <a:ext cx="457200" cy="300038"/>
+          </a:xfrm>
+          <a:prstGeom prst="rect">
+            <a:avLst/>
+          </a:prstGeom>
+          <a:solidFill>
+            <a:srgbClr val="E377C2"/>
+          </a:solidFill>
+        </p:spPr>
+        <p:style>
+          <a:lnRef idx="2">
+            <a:schemeClr val="accent1">
+              <a:shade val="50000"/>
+            </a:schemeClr>
+          </a:lnRef>
+          <a:fillRef idx="1">
+            <a:schemeClr val="accent1"/>
+          </a:fillRef>
+          <a:effectRef idx="0">
+            <a:schemeClr val="accent1"/>
+          </a:effectRef>
+          <a:fontRef idx="minor">
+            <a:schemeClr val="lt1"/>
+          </a:fontRef>
+        </p:style>
+        <p:txBody>
+          <a:bodyPr rtlCol="0" anchor="ctr"/>
+          <a:lstStyle/>
+          <a:p>
+            <a:pPr algn="ctr"/>
+            <a:endParaRPr lang="ru-RU"/>
+          </a:p>
+        </p:txBody>
+      </p:sp>
+      <p:sp>
+        <p:nvSpPr>
+          <p:cNvPr id="11" name="Прямоугольник 10"/>
+          <p:cNvSpPr/>
+          <p:nvPr/>
+        </p:nvSpPr>
+        <p:spPr>
+          <a:xfrm>
+            <a:off x="5514975" y="4672013"/>
+            <a:ext cx="457200" cy="300038"/>
+          </a:xfrm>
+          <a:prstGeom prst="rect">
+            <a:avLst/>
+          </a:prstGeom>
+          <a:solidFill>
+            <a:srgbClr val="8C564B"/>
+          </a:solidFill>
+        </p:spPr>
+        <p:style>
+          <a:lnRef idx="2">
+            <a:schemeClr val="accent1">
+              <a:shade val="50000"/>
+            </a:schemeClr>
+          </a:lnRef>
+          <a:fillRef idx="1">
+            <a:schemeClr val="accent1"/>
+          </a:fillRef>
+          <a:effectRef idx="0">
+            <a:schemeClr val="accent1"/>
+          </a:effectRef>
+          <a:fontRef idx="minor">
+            <a:schemeClr val="lt1"/>
+          </a:fontRef>
+        </p:style>
+        <p:txBody>
+          <a:bodyPr rtlCol="0" anchor="ctr"/>
+          <a:lstStyle/>
+          <a:p>
+            <a:pPr algn="ctr"/>
+            <a:endParaRPr lang="ru-RU"/>
+          </a:p>
+        </p:txBody>
+      </p:sp>
+      <p:sp>
+        <p:nvSpPr>
+          <p:cNvPr id="6" name="TextBox 5"/>
+          <p:cNvSpPr txBox="1"/>
+          <p:nvPr/>
+        </p:nvSpPr>
+        <p:spPr>
+          <a:xfrm>
+            <a:off x="6086475" y="2170149"/>
+            <a:ext cx="1143000" cy="369332"/>
+          </a:xfrm>
+          <a:prstGeom prst="rect">
+            <a:avLst/>
+          </a:prstGeom>
+          <a:noFill/>
+        </p:spPr>
+        <p:txBody>
+          <a:bodyPr wrap="square" rtlCol="0">
+            <a:spAutoFit/>
+          </a:bodyPr>
+          <a:lstStyle/>
+          <a:p>
+            <a:r>
+              <a:rPr lang="en-US" dirty="0" smtClean="0"/>
+              <a:t>vk.com</a:t>
+            </a:r>
+            <a:endParaRPr lang="ru-RU" dirty="0"/>
+          </a:p>
+        </p:txBody>
+      </p:sp>
+      <p:sp>
+        <p:nvSpPr>
+          <p:cNvPr id="15" name="TextBox 14"/>
+          <p:cNvSpPr txBox="1"/>
+          <p:nvPr/>
+        </p:nvSpPr>
+        <p:spPr>
+          <a:xfrm>
+            <a:off x="6086474" y="2644259"/>
+            <a:ext cx="1257301" cy="369332"/>
+          </a:xfrm>
+          <a:prstGeom prst="rect">
+            <a:avLst/>
+          </a:prstGeom>
+          <a:noFill/>
+        </p:spPr>
+        <p:txBody>
+          <a:bodyPr wrap="square" rtlCol="0">
+            <a:spAutoFit/>
+          </a:bodyPr>
+          <a:lstStyle/>
+          <a:p>
+            <a:r>
+              <a:rPr lang="en-US" dirty="0" smtClean="0"/>
+              <a:t>ucheba.ru</a:t>
+            </a:r>
+            <a:endParaRPr lang="ru-RU" dirty="0"/>
+          </a:p>
+        </p:txBody>
+      </p:sp>
+      <p:sp>
+        <p:nvSpPr>
+          <p:cNvPr id="16" name="TextBox 15"/>
+          <p:cNvSpPr txBox="1"/>
+          <p:nvPr/>
+        </p:nvSpPr>
+        <p:spPr>
+          <a:xfrm>
+            <a:off x="6086474" y="3118369"/>
+            <a:ext cx="2214563" cy="369332"/>
+          </a:xfrm>
+          <a:prstGeom prst="rect">
+            <a:avLst/>
+          </a:prstGeom>
+          <a:noFill/>
+        </p:spPr>
+        <p:txBody>
+          <a:bodyPr wrap="square" rtlCol="0">
+            <a:spAutoFit/>
+          </a:bodyPr>
+          <a:lstStyle/>
+          <a:p>
+            <a:r>
+              <a:rPr lang="en-US" dirty="0"/>
+              <a:t>professorrating.ru</a:t>
+            </a:r>
+            <a:endParaRPr lang="ru-RU" dirty="0"/>
+          </a:p>
+        </p:txBody>
+      </p:sp>
+      <p:sp>
+        <p:nvSpPr>
+          <p:cNvPr id="17" name="TextBox 16"/>
+          <p:cNvSpPr txBox="1"/>
+          <p:nvPr/>
+        </p:nvSpPr>
+        <p:spPr>
+          <a:xfrm>
+            <a:off x="6086475" y="3622955"/>
+            <a:ext cx="2354580" cy="369332"/>
+          </a:xfrm>
+          <a:prstGeom prst="rect">
+            <a:avLst/>
+          </a:prstGeom>
+          <a:noFill/>
+        </p:spPr>
+        <p:txBody>
+          <a:bodyPr wrap="square" rtlCol="0">
+            <a:spAutoFit/>
+          </a:bodyPr>
+          <a:lstStyle/>
+          <a:p>
+            <a:r>
+              <a:rPr lang="en-US" dirty="0" smtClean="0"/>
+              <a:t>gigamark.com</a:t>
+            </a:r>
+            <a:endParaRPr lang="ru-RU" dirty="0"/>
+          </a:p>
+        </p:txBody>
+      </p:sp>
+      <p:sp>
+        <p:nvSpPr>
+          <p:cNvPr id="18" name="TextBox 17"/>
+          <p:cNvSpPr txBox="1"/>
+          <p:nvPr/>
+        </p:nvSpPr>
+        <p:spPr>
+          <a:xfrm>
+            <a:off x="6086474" y="4140850"/>
+            <a:ext cx="1143000" cy="369332"/>
+          </a:xfrm>
+          <a:prstGeom prst="rect">
+            <a:avLst/>
+          </a:prstGeom>
+          <a:noFill/>
+        </p:spPr>
+        <p:txBody>
+          <a:bodyPr wrap="square" rtlCol="0">
+            <a:spAutoFit/>
+          </a:bodyPr>
+          <a:lstStyle/>
+          <a:p>
+            <a:r>
+              <a:rPr lang="en-US" dirty="0" smtClean="0"/>
+              <a:t>thg.ru</a:t>
+            </a:r>
+            <a:endParaRPr lang="ru-RU" dirty="0"/>
+          </a:p>
+        </p:txBody>
+      </p:sp>
+      <p:sp>
+        <p:nvSpPr>
+          <p:cNvPr id="19" name="TextBox 18"/>
+          <p:cNvSpPr txBox="1"/>
+          <p:nvPr/>
+        </p:nvSpPr>
+        <p:spPr>
+          <a:xfrm>
+            <a:off x="6086475" y="4595241"/>
+            <a:ext cx="1143000" cy="369332"/>
+          </a:xfrm>
+          <a:prstGeom prst="rect">
+            <a:avLst/>
+          </a:prstGeom>
+          <a:noFill/>
+        </p:spPr>
+        <p:txBody>
+          <a:bodyPr wrap="square" rtlCol="0">
+            <a:spAutoFit/>
+          </a:bodyPr>
+          <a:lstStyle/>
+          <a:p>
+            <a:r>
+              <a:rPr lang="en-US" dirty="0"/>
+              <a:t>a</a:t>
+            </a:r>
+            <a:r>
+              <a:rPr lang="en-US" dirty="0" smtClean="0"/>
+              <a:t>vite.ru</a:t>
+            </a:r>
+            <a:endParaRPr lang="ru-RU" dirty="0"/>
+          </a:p>
+        </p:txBody>
+      </p:sp>
+      <p:pic>
+        <p:nvPicPr>
+          <p:cNvPr id="14" name="Рисунок 13"/>
+          <p:cNvPicPr>
+            <a:picLocks noChangeAspect="1"/>
+          </p:cNvPicPr>
+          <p:nvPr/>
+        </p:nvPicPr>
+        <p:blipFill>
+          <a:blip r:embed="rId2"/>
+          <a:stretch>
+            <a:fillRect/>
+          </a:stretch>
+        </p:blipFill>
+        <p:spPr>
+          <a:xfrm>
+            <a:off x="457203" y="1710154"/>
+            <a:ext cx="4616771" cy="4194934"/>
+          </a:xfrm>
+          <a:prstGeom prst="rect">
+            <a:avLst/>
+          </a:prstGeom>
+        </p:spPr>
+      </p:pic>
+    </p:spTree>
+    <p:extLst>
+      <p:ext uri="{BB962C8B-B14F-4D97-AF65-F5344CB8AC3E}">
+        <p14:creationId xmlns:p14="http://schemas.microsoft.com/office/powerpoint/2010/main" val="2783543625"/>
+      </p:ext>
+    </p:extLst>
+  </p:cSld>
+  <p:clrMapOvr>
+    <a:masterClrMapping/>
+  </p:clrMapOvr>
+</p:sld>
+</file>
+
+<file path=ppt/slides/slide16.xml><?xml version="1.0" encoding="utf-8"?>
+<p:sld xmlns:a="http://schemas.openxmlformats.org/drawingml/2006/main" xmlns:r="http://schemas.openxmlformats.org/officeDocument/2006/relationships" xmlns:p="http://schemas.openxmlformats.org/presentationml/2006/main">
+  <p:cSld>
+    <p:spTree>
+      <p:nvGrpSpPr>
+        <p:cNvPr id="1" name=""/>
+        <p:cNvGrpSpPr/>
+        <p:nvPr/>
+      </p:nvGrpSpPr>
+      <p:grpSpPr>
+        <a:xfrm>
+          <a:off x="0" y="0"/>
+          <a:ext cx="0" cy="0"/>
+          <a:chOff x="0" y="0"/>
+          <a:chExt cx="0" cy="0"/>
+        </a:xfrm>
+      </p:grpSpPr>
+      <p:sp>
+        <p:nvSpPr>
+          <p:cNvPr id="2" name="Заголовок 1"/>
+          <p:cNvSpPr>
+            <a:spLocks noGrp="1"/>
+          </p:cNvSpPr>
+          <p:nvPr>
+            <p:ph type="title"/>
+          </p:nvPr>
+        </p:nvSpPr>
+        <p:spPr>
+          <a:xfrm>
             <a:off x="946404" y="328612"/>
             <a:ext cx="7269480" cy="734059"/>
           </a:xfrm>
@@ -11086,7 +11827,6 @@
               <a:rPr lang="ru-RU" sz="2000" dirty="0"/>
               <a:t>системы</a:t>
             </a:r>
-            <a:endParaRPr lang="ru-RU" sz="2000" dirty="0"/>
           </a:p>
         </p:txBody>
       </p:sp>
@@ -11107,7 +11847,7 @@
           <a:p>
             <a:fld id="{B8FD4787-A815-42E7-9C3F-EE8E3DD8A60B}" type="slidenum">
               <a:rPr lang="ru-RU" smtClean="0"/>
-              <a:t>15</a:t>
+              <a:t>16</a:t>
             </a:fld>
             <a:endParaRPr lang="ru-RU"/>
           </a:p>
@@ -11270,11 +12010,7 @@
             </a:pPr>
             <a:r>
               <a:rPr lang="ru-RU" sz="2000" dirty="0" smtClean="0"/>
-              <a:t>Разработка сервиса рекомендаций для продвижения </a:t>
-            </a:r>
-            <a:r>
-              <a:rPr lang="ru-RU" sz="2000" dirty="0" smtClean="0"/>
-              <a:t>веб-сайта</a:t>
+              <a:t>Разработка сервиса рекомендаций для продвижения веб-сайта</a:t>
             </a:r>
             <a:endParaRPr lang="en-US" sz="2000" dirty="0" smtClean="0"/>
           </a:p>
@@ -11297,7 +12033,6 @@
               <a:rPr lang="ru-RU" sz="2000" dirty="0" smtClean="0"/>
               <a:t>Разработка пользовательского интерфейса системы</a:t>
             </a:r>
-            <a:endParaRPr lang="ru-RU" sz="2000" dirty="0" smtClean="0"/>
           </a:p>
           <a:p>
             <a:pPr marL="0" indent="0">
@@ -11623,7 +12358,7 @@
             </p:spPr>
             <p:txBody>
               <a:bodyPr>
-                <a:normAutofit fontScale="92500" lnSpcReduction="10000"/>
+                <a:normAutofit fontScale="92500"/>
               </a:bodyPr>
               <a:lstStyle/>
               <a:p>
@@ -11639,12 +12374,16 @@
                     <m:sSubSup>
                       <m:sSubSupPr>
                         <m:ctrlPr>
-                          <a:rPr lang="ru-RU" i="1"/>
+                          <a:rPr lang="ru-RU" i="1">
+                            <a:latin typeface="Cambria Math" panose="02040503050406030204" pitchFamily="18" charset="0"/>
+                          </a:rPr>
                         </m:ctrlPr>
                       </m:sSubSupPr>
                       <m:e>
                         <m:r>
-                          <a:rPr lang="ru-RU" i="1"/>
+                          <a:rPr lang="ru-RU" i="1">
+                            <a:latin typeface="Cambria Math" panose="02040503050406030204" pitchFamily="18" charset="0"/>
+                          </a:rPr>
                           <m:t>𝑝</m:t>
                         </m:r>
                       </m:e>
@@ -11652,37 +12391,49 @@
                         <m:sSub>
                           <m:sSubPr>
                             <m:ctrlPr>
-                              <a:rPr lang="ru-RU" i="1"/>
+                              <a:rPr lang="ru-RU" i="1">
+                                <a:latin typeface="Cambria Math" panose="02040503050406030204" pitchFamily="18" charset="0"/>
+                              </a:rPr>
                             </m:ctrlPr>
                           </m:sSubPr>
                           <m:e>
                             <m:sSub>
                               <m:sSubPr>
                                 <m:ctrlPr>
-                                  <a:rPr lang="ru-RU" i="1"/>
+                                  <a:rPr lang="ru-RU" i="1">
+                                    <a:latin typeface="Cambria Math" panose="02040503050406030204" pitchFamily="18" charset="0"/>
+                                  </a:rPr>
                                 </m:ctrlPr>
                               </m:sSubPr>
                               <m:e>
                                 <m:r>
-                                  <a:rPr lang="ru-RU" i="1"/>
+                                  <a:rPr lang="ru-RU" i="1">
+                                    <a:latin typeface="Cambria Math" panose="02040503050406030204" pitchFamily="18" charset="0"/>
+                                  </a:rPr>
                                   <m:t>𝑞</m:t>
                                 </m:r>
                               </m:e>
                               <m:sub>
                                 <m:r>
-                                  <a:rPr lang="ru-RU" i="1"/>
+                                  <a:rPr lang="ru-RU" i="1">
+                                    <a:latin typeface="Cambria Math" panose="02040503050406030204" pitchFamily="18" charset="0"/>
+                                  </a:rPr>
                                   <m:t>𝑖</m:t>
                                 </m:r>
                               </m:sub>
                             </m:sSub>
                             <m:r>
-                              <a:rPr lang="ru-RU" i="1"/>
+                              <a:rPr lang="ru-RU" i="1">
+                                <a:latin typeface="Cambria Math" panose="02040503050406030204" pitchFamily="18" charset="0"/>
+                              </a:rPr>
                               <m:t>𝑟</m:t>
                             </m:r>
                           </m:e>
                           <m:sub>
                             <m:r>
-                              <a:rPr lang="ru-RU" i="1"/>
+                              <a:rPr lang="ru-RU" i="1">
+                                <a:latin typeface="Cambria Math" panose="02040503050406030204" pitchFamily="18" charset="0"/>
+                              </a:rPr>
                               <m:t>𝑗</m:t>
                             </m:r>
                           </m:sub>
@@ -11690,7 +12441,9 @@
                       </m:sub>
                       <m:sup>
                         <m:r>
-                          <a:rPr lang="ru-RU" i="1"/>
+                          <a:rPr lang="ru-RU" i="1">
+                            <a:latin typeface="Cambria Math" panose="02040503050406030204" pitchFamily="18" charset="0"/>
+                          </a:rPr>
                           <m:t>𝑑</m:t>
                         </m:r>
                       </m:sup>
@@ -11704,80 +12457,108 @@
                 <a14:m>
                   <m:oMath xmlns:m="http://schemas.openxmlformats.org/officeDocument/2006/math">
                     <m:r>
-                      <a:rPr lang="en-US" i="1"/>
+                      <a:rPr lang="en-US" i="1">
+                        <a:latin typeface="Cambria Math" panose="02040503050406030204" pitchFamily="18" charset="0"/>
+                      </a:rPr>
                       <m:t>𝑅</m:t>
                     </m:r>
                     <m:r>
-                      <a:rPr lang="ru-RU" i="1"/>
+                      <a:rPr lang="ru-RU" i="1">
+                        <a:latin typeface="Cambria Math" panose="02040503050406030204" pitchFamily="18" charset="0"/>
+                      </a:rPr>
                       <m:t>=(</m:t>
                     </m:r>
                     <m:sSub>
                       <m:sSubPr>
                         <m:ctrlPr>
-                          <a:rPr lang="ru-RU" i="1"/>
+                          <a:rPr lang="ru-RU" i="1">
+                            <a:latin typeface="Cambria Math" panose="02040503050406030204" pitchFamily="18" charset="0"/>
+                          </a:rPr>
                         </m:ctrlPr>
                       </m:sSubPr>
                       <m:e>
                         <m:r>
-                          <a:rPr lang="ru-RU" i="1"/>
+                          <a:rPr lang="ru-RU" i="1">
+                            <a:latin typeface="Cambria Math" panose="02040503050406030204" pitchFamily="18" charset="0"/>
+                          </a:rPr>
                           <m:t>𝑟</m:t>
                         </m:r>
                       </m:e>
                       <m:sub>
                         <m:r>
-                          <a:rPr lang="ru-RU" i="1"/>
+                          <a:rPr lang="ru-RU" i="1">
+                            <a:latin typeface="Cambria Math" panose="02040503050406030204" pitchFamily="18" charset="0"/>
+                          </a:rPr>
                           <m:t>1</m:t>
                         </m:r>
                       </m:sub>
                     </m:sSub>
                     <m:r>
-                      <a:rPr lang="ru-RU" i="1"/>
+                      <a:rPr lang="ru-RU" i="1">
+                        <a:latin typeface="Cambria Math" panose="02040503050406030204" pitchFamily="18" charset="0"/>
+                      </a:rPr>
                       <m:t>,</m:t>
                     </m:r>
                     <m:sSub>
                       <m:sSubPr>
                         <m:ctrlPr>
-                          <a:rPr lang="ru-RU" i="1"/>
+                          <a:rPr lang="ru-RU" i="1">
+                            <a:latin typeface="Cambria Math" panose="02040503050406030204" pitchFamily="18" charset="0"/>
+                          </a:rPr>
                         </m:ctrlPr>
                       </m:sSubPr>
                       <m:e>
                         <m:r>
-                          <a:rPr lang="ru-RU" i="1"/>
+                          <a:rPr lang="ru-RU" i="1">
+                            <a:latin typeface="Cambria Math" panose="02040503050406030204" pitchFamily="18" charset="0"/>
+                          </a:rPr>
                           <m:t>𝑟</m:t>
                         </m:r>
                       </m:e>
                       <m:sub>
                         <m:r>
-                          <a:rPr lang="ru-RU" i="1"/>
+                          <a:rPr lang="ru-RU" i="1">
+                            <a:latin typeface="Cambria Math" panose="02040503050406030204" pitchFamily="18" charset="0"/>
+                          </a:rPr>
                           <m:t>2</m:t>
                         </m:r>
                       </m:sub>
                     </m:sSub>
                     <m:r>
-                      <a:rPr lang="ru-RU" i="1"/>
+                      <a:rPr lang="ru-RU" i="1">
+                        <a:latin typeface="Cambria Math" panose="02040503050406030204" pitchFamily="18" charset="0"/>
+                      </a:rPr>
                       <m:t>…</m:t>
                     </m:r>
                     <m:sSub>
                       <m:sSubPr>
                         <m:ctrlPr>
-                          <a:rPr lang="ru-RU" i="1"/>
+                          <a:rPr lang="ru-RU" i="1">
+                            <a:latin typeface="Cambria Math" panose="02040503050406030204" pitchFamily="18" charset="0"/>
+                          </a:rPr>
                         </m:ctrlPr>
                       </m:sSubPr>
                       <m:e>
                         <m:r>
-                          <a:rPr lang="ru-RU" i="1"/>
+                          <a:rPr lang="ru-RU" i="1">
+                            <a:latin typeface="Cambria Math" panose="02040503050406030204" pitchFamily="18" charset="0"/>
+                          </a:rPr>
                           <m:t>𝑟</m:t>
                         </m:r>
                       </m:e>
                       <m:sub>
                         <m:r>
-                          <a:rPr lang="en-US" i="1"/>
+                          <a:rPr lang="en-US" i="1">
+                            <a:latin typeface="Cambria Math" panose="02040503050406030204" pitchFamily="18" charset="0"/>
+                          </a:rPr>
                           <m:t>𝑛</m:t>
                         </m:r>
                       </m:sub>
                     </m:sSub>
                     <m:r>
-                      <a:rPr lang="ru-RU" i="1"/>
+                      <a:rPr lang="ru-RU" i="1">
+                        <a:latin typeface="Cambria Math" panose="02040503050406030204" pitchFamily="18" charset="0"/>
+                      </a:rPr>
                       <m:t>)</m:t>
                     </m:r>
                   </m:oMath>
@@ -11789,80 +12570,108 @@
                 <a14:m>
                   <m:oMath xmlns:m="http://schemas.openxmlformats.org/officeDocument/2006/math">
                     <m:r>
-                      <a:rPr lang="ru-RU" i="1"/>
+                      <a:rPr lang="ru-RU" i="1">
+                        <a:latin typeface="Cambria Math" panose="02040503050406030204" pitchFamily="18" charset="0"/>
+                      </a:rPr>
                       <m:t>𝑄</m:t>
                     </m:r>
                     <m:r>
-                      <a:rPr lang="ru-RU" i="1"/>
+                      <a:rPr lang="ru-RU" i="1">
+                        <a:latin typeface="Cambria Math" panose="02040503050406030204" pitchFamily="18" charset="0"/>
+                      </a:rPr>
                       <m:t>=(</m:t>
                     </m:r>
                     <m:sSub>
                       <m:sSubPr>
                         <m:ctrlPr>
-                          <a:rPr lang="ru-RU" i="1"/>
+                          <a:rPr lang="ru-RU" i="1">
+                            <a:latin typeface="Cambria Math" panose="02040503050406030204" pitchFamily="18" charset="0"/>
+                          </a:rPr>
                         </m:ctrlPr>
                       </m:sSubPr>
                       <m:e>
                         <m:r>
-                          <a:rPr lang="ru-RU" i="1"/>
+                          <a:rPr lang="ru-RU" i="1">
+                            <a:latin typeface="Cambria Math" panose="02040503050406030204" pitchFamily="18" charset="0"/>
+                          </a:rPr>
                           <m:t>𝑞</m:t>
                         </m:r>
                       </m:e>
                       <m:sub>
                         <m:r>
-                          <a:rPr lang="ru-RU" i="1"/>
+                          <a:rPr lang="ru-RU" i="1">
+                            <a:latin typeface="Cambria Math" panose="02040503050406030204" pitchFamily="18" charset="0"/>
+                          </a:rPr>
                           <m:t>1</m:t>
                         </m:r>
                       </m:sub>
                     </m:sSub>
                     <m:r>
-                      <a:rPr lang="ru-RU" i="1"/>
+                      <a:rPr lang="ru-RU" i="1">
+                        <a:latin typeface="Cambria Math" panose="02040503050406030204" pitchFamily="18" charset="0"/>
+                      </a:rPr>
                       <m:t>,</m:t>
                     </m:r>
                     <m:sSub>
                       <m:sSubPr>
                         <m:ctrlPr>
-                          <a:rPr lang="ru-RU" i="1"/>
+                          <a:rPr lang="ru-RU" i="1">
+                            <a:latin typeface="Cambria Math" panose="02040503050406030204" pitchFamily="18" charset="0"/>
+                          </a:rPr>
                         </m:ctrlPr>
                       </m:sSubPr>
                       <m:e>
                         <m:r>
-                          <a:rPr lang="ru-RU" i="1"/>
+                          <a:rPr lang="ru-RU" i="1">
+                            <a:latin typeface="Cambria Math" panose="02040503050406030204" pitchFamily="18" charset="0"/>
+                          </a:rPr>
                           <m:t>𝑞</m:t>
                         </m:r>
                       </m:e>
                       <m:sub>
                         <m:r>
-                          <a:rPr lang="ru-RU" i="1"/>
+                          <a:rPr lang="ru-RU" i="1">
+                            <a:latin typeface="Cambria Math" panose="02040503050406030204" pitchFamily="18" charset="0"/>
+                          </a:rPr>
                           <m:t>2</m:t>
                         </m:r>
                       </m:sub>
                     </m:sSub>
                     <m:r>
-                      <a:rPr lang="ru-RU" i="1"/>
+                      <a:rPr lang="ru-RU" i="1">
+                        <a:latin typeface="Cambria Math" panose="02040503050406030204" pitchFamily="18" charset="0"/>
+                      </a:rPr>
                       <m:t>…</m:t>
                     </m:r>
                     <m:sSub>
                       <m:sSubPr>
                         <m:ctrlPr>
-                          <a:rPr lang="ru-RU" i="1"/>
+                          <a:rPr lang="ru-RU" i="1">
+                            <a:latin typeface="Cambria Math" panose="02040503050406030204" pitchFamily="18" charset="0"/>
+                          </a:rPr>
                         </m:ctrlPr>
                       </m:sSubPr>
                       <m:e>
                         <m:r>
-                          <a:rPr lang="ru-RU" i="1"/>
+                          <a:rPr lang="ru-RU" i="1">
+                            <a:latin typeface="Cambria Math" panose="02040503050406030204" pitchFamily="18" charset="0"/>
+                          </a:rPr>
                           <m:t>𝑞</m:t>
                         </m:r>
                       </m:e>
                       <m:sub>
                         <m:r>
-                          <a:rPr lang="ru-RU" i="1"/>
+                          <a:rPr lang="ru-RU" i="1">
+                            <a:latin typeface="Cambria Math" panose="02040503050406030204" pitchFamily="18" charset="0"/>
+                          </a:rPr>
                           <m:t>𝑚</m:t>
                         </m:r>
                       </m:sub>
                     </m:sSub>
                     <m:r>
-                      <a:rPr lang="ru-RU" i="1"/>
+                      <a:rPr lang="ru-RU" i="1">
+                        <a:latin typeface="Cambria Math" panose="02040503050406030204" pitchFamily="18" charset="0"/>
+                      </a:rPr>
                       <m:t>)</m:t>
                     </m:r>
                   </m:oMath>
@@ -11874,7 +12683,9 @@
                 <a14:m>
                   <m:oMath xmlns:m="http://schemas.openxmlformats.org/officeDocument/2006/math">
                     <m:r>
-                      <a:rPr lang="ru-RU" i="1"/>
+                      <a:rPr lang="ru-RU" i="1">
+                        <a:latin typeface="Cambria Math" panose="02040503050406030204" pitchFamily="18" charset="0"/>
+                      </a:rPr>
                       <m:t>𝑑</m:t>
                     </m:r>
                   </m:oMath>
@@ -11886,7 +12697,9 @@
                 <a14:m>
                   <m:oMath xmlns:m="http://schemas.openxmlformats.org/officeDocument/2006/math">
                     <m:r>
-                      <a:rPr lang="ru-RU" i="1"/>
+                      <a:rPr lang="ru-RU" i="1">
+                        <a:latin typeface="Cambria Math" panose="02040503050406030204" pitchFamily="18" charset="0"/>
+                      </a:rPr>
                       <m:t>𝐷</m:t>
                     </m:r>
                   </m:oMath>
@@ -11915,7 +12728,9 @@
                 <a14:m>
                   <m:oMath xmlns:m="http://schemas.openxmlformats.org/officeDocument/2006/math">
                     <m:r>
-                      <a:rPr lang="ru-RU" i="1"/>
+                      <a:rPr lang="ru-RU" i="1">
+                        <a:latin typeface="Cambria Math" panose="02040503050406030204" pitchFamily="18" charset="0"/>
+                      </a:rPr>
                       <m:t>𝐴</m:t>
                     </m:r>
                   </m:oMath>
@@ -11936,7 +12751,9 @@
                 <a14:m>
                   <m:oMath xmlns:m="http://schemas.openxmlformats.org/officeDocument/2006/math">
                     <m:r>
-                      <a:rPr lang="ru-RU" i="1"/>
+                      <a:rPr lang="ru-RU" i="1">
+                        <a:latin typeface="Cambria Math" panose="02040503050406030204" pitchFamily="18" charset="0"/>
+                      </a:rPr>
                       <m:t>𝐴</m:t>
                     </m:r>
                   </m:oMath>
@@ -11948,23 +12765,33 @@
                 <a14:m>
                   <m:oMath xmlns:m="http://schemas.openxmlformats.org/officeDocument/2006/math">
                     <m:r>
-                      <a:rPr lang="ru-RU" i="1"/>
+                      <a:rPr lang="ru-RU" i="1">
+                        <a:latin typeface="Cambria Math" panose="02040503050406030204" pitchFamily="18" charset="0"/>
+                      </a:rPr>
                       <m:t>[</m:t>
                     </m:r>
                     <m:r>
-                      <a:rPr lang="ru-RU" i="1"/>
+                      <a:rPr lang="ru-RU" i="1">
+                        <a:latin typeface="Cambria Math" panose="02040503050406030204" pitchFamily="18" charset="0"/>
+                      </a:rPr>
                       <m:t>𝑖</m:t>
                     </m:r>
                     <m:r>
-                      <a:rPr lang="ru-RU" i="1"/>
+                      <a:rPr lang="ru-RU" i="1">
+                        <a:latin typeface="Cambria Math" panose="02040503050406030204" pitchFamily="18" charset="0"/>
+                      </a:rPr>
                       <m:t>,</m:t>
                     </m:r>
                     <m:r>
-                      <a:rPr lang="ru-RU" i="1"/>
+                      <a:rPr lang="ru-RU" i="1">
+                        <a:latin typeface="Cambria Math" panose="02040503050406030204" pitchFamily="18" charset="0"/>
+                      </a:rPr>
                       <m:t>𝑗</m:t>
                     </m:r>
                     <m:r>
-                      <a:rPr lang="ru-RU" i="1"/>
+                      <a:rPr lang="ru-RU" i="1">
+                        <a:latin typeface="Cambria Math" panose="02040503050406030204" pitchFamily="18" charset="0"/>
+                      </a:rPr>
                       <m:t>]</m:t>
                     </m:r>
                   </m:oMath>
@@ -11976,7 +12803,9 @@
                 <a14:m>
                   <m:oMath xmlns:m="http://schemas.openxmlformats.org/officeDocument/2006/math">
                     <m:r>
-                      <a:rPr lang="ru-RU" i="1"/>
+                      <a:rPr lang="ru-RU" i="1">
+                        <a:latin typeface="Cambria Math" panose="02040503050406030204" pitchFamily="18" charset="0"/>
+                      </a:rPr>
                       <m:t>𝑗</m:t>
                     </m:r>
                   </m:oMath>
@@ -11988,7 +12817,9 @@
                 <a14:m>
                   <m:oMath xmlns:m="http://schemas.openxmlformats.org/officeDocument/2006/math">
                     <m:r>
-                      <a:rPr lang="ru-RU" i="1"/>
+                      <a:rPr lang="ru-RU" i="1">
+                        <a:latin typeface="Cambria Math" panose="02040503050406030204" pitchFamily="18" charset="0"/>
+                      </a:rPr>
                       <m:t>𝑖</m:t>
                     </m:r>
                   </m:oMath>
@@ -12000,7 +12831,9 @@
                 <a14:m>
                   <m:oMath xmlns:m="http://schemas.openxmlformats.org/officeDocument/2006/math">
                     <m:r>
-                      <a:rPr lang="ru-RU" i="1"/>
+                      <a:rPr lang="ru-RU" i="1">
+                        <a:latin typeface="Cambria Math" panose="02040503050406030204" pitchFamily="18" charset="0"/>
+                      </a:rPr>
                       <m:t>𝑙</m:t>
                     </m:r>
                   </m:oMath>
@@ -12019,24 +12852,32 @@
                     <m:sSub>
                       <m:sSubPr>
                         <m:ctrlPr>
-                          <a:rPr lang="ru-RU" i="1"/>
+                          <a:rPr lang="ru-RU" i="1">
+                            <a:latin typeface="Cambria Math" panose="02040503050406030204" pitchFamily="18" charset="0"/>
+                          </a:rPr>
                         </m:ctrlPr>
                       </m:sSubPr>
                       <m:e>
                         <m:r>
-                          <a:rPr lang="en-US" i="1"/>
+                          <a:rPr lang="en-US" i="1">
+                            <a:latin typeface="Cambria Math" panose="02040503050406030204" pitchFamily="18" charset="0"/>
+                          </a:rPr>
                           <m:t>𝑎</m:t>
                         </m:r>
                       </m:e>
                       <m:sub>
                         <m:r>
-                          <a:rPr lang="en-US" i="1"/>
+                          <a:rPr lang="en-US" i="1">
+                            <a:latin typeface="Cambria Math" panose="02040503050406030204" pitchFamily="18" charset="0"/>
+                          </a:rPr>
                           <m:t>𝑖𝑗</m:t>
                         </m:r>
                       </m:sub>
                     </m:sSub>
                     <m:r>
-                      <a:rPr lang="ru-RU" i="1"/>
+                      <a:rPr lang="ru-RU" i="1">
+                        <a:latin typeface="Cambria Math" panose="02040503050406030204" pitchFamily="18" charset="0"/>
+                      </a:rPr>
                       <m:t>=</m:t>
                     </m:r>
                     <m:d>
@@ -12044,7 +12885,9 @@
                         <m:begChr m:val="{"/>
                         <m:endChr m:val=""/>
                         <m:ctrlPr>
-                          <a:rPr lang="ru-RU" i="1"/>
+                          <a:rPr lang="ru-RU" i="1">
+                            <a:latin typeface="Cambria Math" panose="02040503050406030204" pitchFamily="18" charset="0"/>
+                          </a:rPr>
                         </m:ctrlPr>
                       </m:dPr>
                       <m:e>
@@ -12059,7 +12902,9 @@
                               </m:mc>
                             </m:mcs>
                             <m:ctrlPr>
-                              <a:rPr lang="ru-RU" i="1"/>
+                              <a:rPr lang="ru-RU" i="1">
+                                <a:latin typeface="Cambria Math" panose="02040503050406030204" pitchFamily="18" charset="0"/>
+                              </a:rPr>
                             </m:ctrlPr>
                           </m:mPr>
                           <m:mr>
@@ -12067,7 +12912,9 @@
                               <m:f>
                                 <m:fPr>
                                   <m:ctrlPr>
-                                    <a:rPr lang="ru-RU" i="1"/>
+                                    <a:rPr lang="ru-RU" i="1">
+                                      <a:latin typeface="Cambria Math" panose="02040503050406030204" pitchFamily="18" charset="0"/>
+                                    </a:rPr>
                                   </m:ctrlPr>
                                 </m:fPr>
                                 <m:num>
@@ -12076,22 +12923,30 @@
                                       <m:chr m:val="∑"/>
                                       <m:limLoc m:val="undOvr"/>
                                       <m:ctrlPr>
-                                        <a:rPr lang="ru-RU" i="1"/>
+                                        <a:rPr lang="ru-RU" i="1">
+                                          <a:latin typeface="Cambria Math" panose="02040503050406030204" pitchFamily="18" charset="0"/>
+                                        </a:rPr>
                                       </m:ctrlPr>
                                     </m:naryPr>
                                     <m:sub>
                                       <m:r>
-                                        <a:rPr lang="ru-RU" i="1"/>
+                                        <a:rPr lang="ru-RU" i="1">
+                                          <a:latin typeface="Cambria Math" panose="02040503050406030204" pitchFamily="18" charset="0"/>
+                                        </a:rPr>
                                         <m:t>𝑘</m:t>
                                       </m:r>
                                       <m:r>
-                                        <a:rPr lang="ru-RU" i="1"/>
+                                        <a:rPr lang="ru-RU" i="1">
+                                          <a:latin typeface="Cambria Math" panose="02040503050406030204" pitchFamily="18" charset="0"/>
+                                        </a:rPr>
                                         <m:t>=1</m:t>
                                       </m:r>
                                     </m:sub>
                                     <m:sup>
                                       <m:r>
-                                        <a:rPr lang="ru-RU" i="1"/>
+                                        <a:rPr lang="ru-RU" i="1">
+                                          <a:latin typeface="Cambria Math" panose="02040503050406030204" pitchFamily="18" charset="0"/>
+                                        </a:rPr>
                                         <m:t>𝑙</m:t>
                                       </m:r>
                                     </m:sup>
@@ -12099,39 +12954,53 @@
                                       <m:d>
                                         <m:dPr>
                                           <m:ctrlPr>
-                                            <a:rPr lang="ru-RU" i="1"/>
+                                            <a:rPr lang="ru-RU" i="1">
+                                              <a:latin typeface="Cambria Math" panose="02040503050406030204" pitchFamily="18" charset="0"/>
+                                            </a:rPr>
                                           </m:ctrlPr>
                                         </m:dPr>
                                         <m:e>
                                           <m:r>
-                                            <a:rPr lang="ru-RU" i="1"/>
+                                            <a:rPr lang="ru-RU" i="1">
+                                              <a:latin typeface="Cambria Math" panose="02040503050406030204" pitchFamily="18" charset="0"/>
+                                            </a:rPr>
                                             <m:t>𝐷</m:t>
                                           </m:r>
                                           <m:r>
-                                            <a:rPr lang="ru-RU" i="1"/>
+                                            <a:rPr lang="ru-RU" i="1">
+                                              <a:latin typeface="Cambria Math" panose="02040503050406030204" pitchFamily="18" charset="0"/>
+                                            </a:rPr>
                                             <m:t>−</m:t>
                                           </m:r>
                                           <m:sSubSup>
                                             <m:sSubSupPr>
                                               <m:ctrlPr>
-                                                <a:rPr lang="ru-RU" i="1"/>
+                                                <a:rPr lang="ru-RU" i="1">
+                                                  <a:latin typeface="Cambria Math" panose="02040503050406030204" pitchFamily="18" charset="0"/>
+                                                </a:rPr>
                                               </m:ctrlPr>
                                             </m:sSubSupPr>
                                             <m:e>
                                               <m:r>
-                                                <a:rPr lang="ru-RU" i="1"/>
+                                                <a:rPr lang="ru-RU" i="1">
+                                                  <a:latin typeface="Cambria Math" panose="02040503050406030204" pitchFamily="18" charset="0"/>
+                                                </a:rPr>
                                                 <m:t>𝑝</m:t>
                                               </m:r>
                                             </m:e>
                                             <m:sub>
                                               <m:r>
-                                                <a:rPr lang="ru-RU" i="1"/>
+                                                <a:rPr lang="ru-RU" i="1">
+                                                  <a:latin typeface="Cambria Math" panose="02040503050406030204" pitchFamily="18" charset="0"/>
+                                                </a:rPr>
                                                 <m:t>𝑖𝑗</m:t>
                                               </m:r>
                                             </m:sub>
                                             <m:sup>
                                               <m:r>
-                                                <a:rPr lang="ru-RU" i="1"/>
+                                                <a:rPr lang="ru-RU" i="1">
+                                                  <a:latin typeface="Cambria Math" panose="02040503050406030204" pitchFamily="18" charset="0"/>
+                                                </a:rPr>
                                                 <m:t>𝑘</m:t>
                                               </m:r>
                                             </m:sup>
@@ -12143,25 +13012,35 @@
                                 </m:num>
                                 <m:den>
                                   <m:r>
-                                    <a:rPr lang="ru-RU" i="1"/>
+                                    <a:rPr lang="ru-RU" i="1">
+                                      <a:latin typeface="Cambria Math" panose="02040503050406030204" pitchFamily="18" charset="0"/>
+                                    </a:rPr>
                                     <m:t>𝑙</m:t>
                                   </m:r>
                                 </m:den>
                               </m:f>
                               <m:r>
-                                <a:rPr lang="ru-RU" i="1"/>
+                                <a:rPr lang="ru-RU" i="1">
+                                  <a:latin typeface="Cambria Math" panose="02040503050406030204" pitchFamily="18" charset="0"/>
+                                </a:rPr>
                                 <m:t>, если  сайт </m:t>
                               </m:r>
                               <m:r>
-                                <a:rPr lang="en-US" i="1"/>
+                                <a:rPr lang="en-US" i="1">
+                                  <a:latin typeface="Cambria Math" panose="02040503050406030204" pitchFamily="18" charset="0"/>
+                                </a:rPr>
                                 <m:t>𝑗</m:t>
                               </m:r>
                               <m:r>
-                                <a:rPr lang="ru-RU" i="1"/>
+                                <a:rPr lang="ru-RU" i="1">
+                                  <a:latin typeface="Cambria Math" panose="02040503050406030204" pitchFamily="18" charset="0"/>
+                                </a:rPr>
                                 <m:t> присутствует в выдаче по запрсу </m:t>
                               </m:r>
                               <m:r>
-                                <a:rPr lang="en-US" i="1"/>
+                                <a:rPr lang="en-US" i="1">
+                                  <a:latin typeface="Cambria Math" panose="02040503050406030204" pitchFamily="18" charset="0"/>
+                                </a:rPr>
                                 <m:t>𝑖</m:t>
                               </m:r>
                             </m:e>
@@ -12169,19 +13048,27 @@
                           <m:mr>
                             <m:e>
                               <m:r>
-                                <a:rPr lang="ru-RU" i="1"/>
+                                <a:rPr lang="ru-RU" i="1">
+                                  <a:latin typeface="Cambria Math" panose="02040503050406030204" pitchFamily="18" charset="0"/>
+                                </a:rPr>
                                 <m:t>0,  если сайт </m:t>
                               </m:r>
                               <m:r>
-                                <a:rPr lang="en-US" i="1"/>
+                                <a:rPr lang="en-US" i="1">
+                                  <a:latin typeface="Cambria Math" panose="02040503050406030204" pitchFamily="18" charset="0"/>
+                                </a:rPr>
                                 <m:t>𝑗</m:t>
                               </m:r>
                               <m:r>
-                                <a:rPr lang="ru-RU" i="1"/>
+                                <a:rPr lang="ru-RU" i="1">
+                                  <a:latin typeface="Cambria Math" panose="02040503050406030204" pitchFamily="18" charset="0"/>
+                                </a:rPr>
                                 <m:t> отсутствует в выдаче по запросу </m:t>
                               </m:r>
                               <m:r>
-                                <a:rPr lang="en-US" i="1"/>
+                                <a:rPr lang="en-US" i="1">
+                                  <a:latin typeface="Cambria Math" panose="02040503050406030204" pitchFamily="18" charset="0"/>
+                                </a:rPr>
                                 <m:t>𝑖</m:t>
                               </m:r>
                             </m:e>
@@ -12225,7 +13112,7 @@
               <a:blipFill rotWithShape="0">
                 <a:blip r:embed="rId2"/>
                 <a:stretch>
-                  <a:fillRect l="-532" t="-1148" r="-532"/>
+                  <a:fillRect l="-532" t="-510" r="-532"/>
                 </a:stretch>
               </a:blipFill>
             </p:spPr>
@@ -12335,8 +13222,8 @@
           </a:p>
         </p:txBody>
       </p:sp>
-      <mc:AlternateContent xmlns:mc="http://schemas.openxmlformats.org/markup-compatibility/2006">
-        <mc:Choice xmlns:a14="http://schemas.microsoft.com/office/drawing/2010/main" Requires="a14">
+      <mc:AlternateContent xmlns:mc="http://schemas.openxmlformats.org/markup-compatibility/2006" xmlns:a14="http://schemas.microsoft.com/office/drawing/2010/main">
+        <mc:Choice Requires="a14">
           <p:sp>
             <p:nvSpPr>
               <p:cNvPr id="3" name="Объект 2"/>
@@ -12381,7 +13268,9 @@
                 <a14:m>
                   <m:oMath xmlns:m="http://schemas.openxmlformats.org/officeDocument/2006/math">
                     <m:r>
-                      <a:rPr lang="ru-RU" sz="2100" i="1"/>
+                      <a:rPr lang="ru-RU" sz="2100" i="1">
+                        <a:latin typeface="Cambria Math" panose="02040503050406030204" pitchFamily="18" charset="0"/>
+                      </a:rPr>
                       <m:t>𝜇</m:t>
                     </m:r>
                   </m:oMath>
@@ -12393,23 +13282,33 @@
                 <a14:m>
                   <m:oMath xmlns:m="http://schemas.openxmlformats.org/officeDocument/2006/math">
                     <m:r>
-                      <a:rPr lang="ru-RU" sz="2100" i="1"/>
+                      <a:rPr lang="ru-RU" sz="2100" i="1">
+                        <a:latin typeface="Cambria Math" panose="02040503050406030204" pitchFamily="18" charset="0"/>
+                      </a:rPr>
                       <m:t>𝑞</m:t>
                     </m:r>
                     <m:r>
-                      <a:rPr lang="ru-RU" sz="2100" i="1"/>
+                      <a:rPr lang="ru-RU" sz="2100" i="1">
+                        <a:latin typeface="Cambria Math" panose="02040503050406030204" pitchFamily="18" charset="0"/>
+                      </a:rPr>
                       <m:t>, </m:t>
                     </m:r>
                     <m:r>
-                      <a:rPr lang="ru-RU" sz="2100" i="1"/>
+                      <a:rPr lang="ru-RU" sz="2100" i="1">
+                        <a:latin typeface="Cambria Math" panose="02040503050406030204" pitchFamily="18" charset="0"/>
+                      </a:rPr>
                       <m:t>𝑞</m:t>
                     </m:r>
                     <m:r>
-                      <a:rPr lang="ru-RU" sz="2100" i="1"/>
+                      <a:rPr lang="ru-RU" sz="2100" i="1">
+                        <a:latin typeface="Cambria Math" panose="02040503050406030204" pitchFamily="18" charset="0"/>
+                      </a:rPr>
                       <m:t>∈</m:t>
                     </m:r>
                     <m:r>
-                      <a:rPr lang="ru-RU" sz="2100" i="1"/>
+                      <a:rPr lang="ru-RU" sz="2100" i="1">
+                        <a:latin typeface="Cambria Math" panose="02040503050406030204" pitchFamily="18" charset="0"/>
+                      </a:rPr>
                       <m:t>𝑄</m:t>
                     </m:r>
                   </m:oMath>
@@ -12421,7 +13320,9 @@
                 <a14:m>
                   <m:oMath xmlns:m="http://schemas.openxmlformats.org/officeDocument/2006/math">
                     <m:r>
-                      <a:rPr lang="ru-RU" sz="2100" i="1"/>
+                      <a:rPr lang="ru-RU" sz="2100" i="1">
+                        <a:latin typeface="Cambria Math" panose="02040503050406030204" pitchFamily="18" charset="0"/>
+                      </a:rPr>
                       <m:t>𝑞</m:t>
                     </m:r>
                   </m:oMath>
@@ -12456,18 +13357,24 @@
                     <m:sSub>
                       <m:sSubPr>
                         <m:ctrlPr>
-                          <a:rPr lang="ru-RU" sz="2100" i="1"/>
+                          <a:rPr lang="ru-RU" sz="2100" i="1">
+                            <a:latin typeface="Cambria Math" panose="02040503050406030204" pitchFamily="18" charset="0"/>
+                          </a:rPr>
                         </m:ctrlPr>
                       </m:sSubPr>
                       <m:e>
                         <m:r>
-                          <a:rPr lang="ru-RU" sz="2100" i="1"/>
+                          <a:rPr lang="ru-RU" sz="2100" i="1">
+                            <a:latin typeface="Cambria Math" panose="02040503050406030204" pitchFamily="18" charset="0"/>
+                          </a:rPr>
                           <m:t>𝜇</m:t>
                         </m:r>
                       </m:e>
                       <m:sub>
                         <m:r>
-                          <a:rPr lang="ru-RU" sz="2100" i="1"/>
+                          <a:rPr lang="ru-RU" sz="2100" i="1">
+                            <a:latin typeface="Cambria Math" panose="02040503050406030204" pitchFamily="18" charset="0"/>
+                          </a:rPr>
                           <m:t>𝑘</m:t>
                         </m:r>
                       </m:sub>
@@ -12483,26 +13390,36 @@
                     <m:sSub>
                       <m:sSubPr>
                         <m:ctrlPr>
-                          <a:rPr lang="ru-RU" sz="2100" i="1"/>
+                          <a:rPr lang="ru-RU" sz="2100" i="1">
+                            <a:latin typeface="Cambria Math" panose="02040503050406030204" pitchFamily="18" charset="0"/>
+                          </a:rPr>
                         </m:ctrlPr>
                       </m:sSubPr>
                       <m:e>
                         <m:r>
-                          <a:rPr lang="ru-RU" sz="2100" i="1"/>
+                          <a:rPr lang="ru-RU" sz="2100" i="1">
+                            <a:latin typeface="Cambria Math" panose="02040503050406030204" pitchFamily="18" charset="0"/>
+                          </a:rPr>
                           <m:t>𝑙</m:t>
                         </m:r>
                       </m:e>
                       <m:sub>
                         <m:r>
-                          <a:rPr lang="ru-RU" sz="2100" i="1"/>
+                          <a:rPr lang="ru-RU" sz="2100" i="1">
+                            <a:latin typeface="Cambria Math" panose="02040503050406030204" pitchFamily="18" charset="0"/>
+                          </a:rPr>
                           <m:t>𝑘</m:t>
                         </m:r>
                         <m:r>
-                          <a:rPr lang="ru-RU" sz="2100" i="1"/>
+                          <a:rPr lang="ru-RU" sz="2100" i="1">
+                            <a:latin typeface="Cambria Math" panose="02040503050406030204" pitchFamily="18" charset="0"/>
+                          </a:rPr>
                           <m:t>,</m:t>
                         </m:r>
                         <m:r>
-                          <a:rPr lang="ru-RU" sz="2100" i="1"/>
+                          <a:rPr lang="ru-RU" sz="2100" i="1">
+                            <a:latin typeface="Cambria Math" panose="02040503050406030204" pitchFamily="18" charset="0"/>
+                          </a:rPr>
                           <m:t>𝑖</m:t>
                         </m:r>
                       </m:sub>
@@ -12518,24 +13435,32 @@
                     <m:sSub>
                       <m:sSubPr>
                         <m:ctrlPr>
-                          <a:rPr lang="ru-RU" sz="2100" i="1"/>
+                          <a:rPr lang="ru-RU" sz="2100" i="1">
+                            <a:latin typeface="Cambria Math" panose="02040503050406030204" pitchFamily="18" charset="0"/>
+                          </a:rPr>
                         </m:ctrlPr>
                       </m:sSubPr>
                       <m:e>
                         <m:r>
-                          <a:rPr lang="ru-RU" sz="2100" i="1"/>
+                          <a:rPr lang="ru-RU" sz="2100" i="1">
+                            <a:latin typeface="Cambria Math" panose="02040503050406030204" pitchFamily="18" charset="0"/>
+                          </a:rPr>
                           <m:t>𝑞</m:t>
                         </m:r>
                       </m:e>
                       <m:sub>
                         <m:r>
-                          <a:rPr lang="ru-RU" sz="2100" i="1"/>
+                          <a:rPr lang="ru-RU" sz="2100" i="1">
+                            <a:latin typeface="Cambria Math" panose="02040503050406030204" pitchFamily="18" charset="0"/>
+                          </a:rPr>
                           <m:t>𝑖</m:t>
                         </m:r>
                       </m:sub>
                     </m:sSub>
                     <m:r>
-                      <a:rPr lang="ru-RU" sz="2100" i="1"/>
+                      <a:rPr lang="ru-RU" sz="2100" i="1">
+                        <a:latin typeface="Cambria Math" panose="02040503050406030204" pitchFamily="18" charset="0"/>
+                      </a:rPr>
                       <m:t>:</m:t>
                     </m:r>
                   </m:oMath>
@@ -12555,86 +13480,118 @@
                       <m:sSub>
                         <m:sSubPr>
                           <m:ctrlPr>
-                            <a:rPr lang="ru-RU" sz="2100" i="1"/>
+                            <a:rPr lang="ru-RU" sz="2100" i="1">
+                              <a:latin typeface="Cambria Math" panose="02040503050406030204" pitchFamily="18" charset="0"/>
+                            </a:rPr>
                           </m:ctrlPr>
                         </m:sSubPr>
                         <m:e>
                           <m:r>
-                            <a:rPr lang="ru-RU" sz="2100" i="1"/>
+                            <a:rPr lang="ru-RU" sz="2100" i="1">
+                              <a:latin typeface="Cambria Math" panose="02040503050406030204" pitchFamily="18" charset="0"/>
+                            </a:rPr>
                             <m:t>𝑙</m:t>
                           </m:r>
                         </m:e>
                         <m:sub>
                           <m:r>
-                            <a:rPr lang="ru-RU" sz="2100" i="1"/>
+                            <a:rPr lang="ru-RU" sz="2100" i="1">
+                              <a:latin typeface="Cambria Math" panose="02040503050406030204" pitchFamily="18" charset="0"/>
+                            </a:rPr>
                             <m:t>𝑘</m:t>
                           </m:r>
                           <m:r>
-                            <a:rPr lang="ru-RU" sz="2100" i="1"/>
+                            <a:rPr lang="ru-RU" sz="2100" i="1">
+                              <a:latin typeface="Cambria Math" panose="02040503050406030204" pitchFamily="18" charset="0"/>
+                            </a:rPr>
                             <m:t>,</m:t>
                           </m:r>
                           <m:r>
-                            <a:rPr lang="ru-RU" sz="2100" i="1"/>
+                            <a:rPr lang="ru-RU" sz="2100" i="1">
+                              <a:latin typeface="Cambria Math" panose="02040503050406030204" pitchFamily="18" charset="0"/>
+                            </a:rPr>
                             <m:t>𝑖</m:t>
                           </m:r>
                         </m:sub>
                       </m:sSub>
                       <m:r>
-                        <a:rPr lang="ru-RU" sz="2100" i="1"/>
+                        <a:rPr lang="ru-RU" sz="2100" i="1">
+                          <a:latin typeface="Cambria Math" panose="02040503050406030204" pitchFamily="18" charset="0"/>
+                        </a:rPr>
                         <m:t>= </m:t>
                       </m:r>
                       <m:r>
-                        <a:rPr lang="ru-RU" sz="2100" i="1"/>
+                        <a:rPr lang="ru-RU" sz="2100" i="1">
+                          <a:latin typeface="Cambria Math" panose="02040503050406030204" pitchFamily="18" charset="0"/>
+                        </a:rPr>
                         <m:t>𝜌</m:t>
                       </m:r>
                       <m:r>
-                        <a:rPr lang="ru-RU" sz="2100" i="1"/>
+                        <a:rPr lang="ru-RU" sz="2100" i="1">
+                          <a:latin typeface="Cambria Math" panose="02040503050406030204" pitchFamily="18" charset="0"/>
+                        </a:rPr>
                         <m:t>(</m:t>
                       </m:r>
                       <m:sSub>
                         <m:sSubPr>
                           <m:ctrlPr>
-                            <a:rPr lang="ru-RU" sz="2100" i="1"/>
+                            <a:rPr lang="ru-RU" sz="2100" i="1">
+                              <a:latin typeface="Cambria Math" panose="02040503050406030204" pitchFamily="18" charset="0"/>
+                            </a:rPr>
                           </m:ctrlPr>
                         </m:sSubPr>
                         <m:e>
                           <m:r>
-                            <a:rPr lang="ru-RU" sz="2100" i="1"/>
+                            <a:rPr lang="ru-RU" sz="2100" i="1">
+                              <a:latin typeface="Cambria Math" panose="02040503050406030204" pitchFamily="18" charset="0"/>
+                            </a:rPr>
                             <m:t>𝑞</m:t>
                           </m:r>
                         </m:e>
                         <m:sub>
                           <m:r>
-                            <a:rPr lang="ru-RU" sz="2100" i="1"/>
+                            <a:rPr lang="ru-RU" sz="2100" i="1">
+                              <a:latin typeface="Cambria Math" panose="02040503050406030204" pitchFamily="18" charset="0"/>
+                            </a:rPr>
                             <m:t>𝑖</m:t>
                           </m:r>
                         </m:sub>
                       </m:sSub>
                       <m:r>
-                        <a:rPr lang="ru-RU" sz="2100" i="1"/>
+                        <a:rPr lang="ru-RU" sz="2100" i="1">
+                          <a:latin typeface="Cambria Math" panose="02040503050406030204" pitchFamily="18" charset="0"/>
+                        </a:rPr>
                         <m:t>,</m:t>
                       </m:r>
                       <m:sSub>
                         <m:sSubPr>
                           <m:ctrlPr>
-                            <a:rPr lang="ru-RU" sz="2100" i="1"/>
+                            <a:rPr lang="ru-RU" sz="2100" i="1">
+                              <a:latin typeface="Cambria Math" panose="02040503050406030204" pitchFamily="18" charset="0"/>
+                            </a:rPr>
                           </m:ctrlPr>
                         </m:sSubPr>
                         <m:e>
                           <m:r>
-                            <a:rPr lang="ru-RU" sz="2100" i="1"/>
+                            <a:rPr lang="ru-RU" sz="2100" i="1">
+                              <a:latin typeface="Cambria Math" panose="02040503050406030204" pitchFamily="18" charset="0"/>
+                            </a:rPr>
                             <m:t>𝜇</m:t>
                           </m:r>
                         </m:e>
                         <m:sub>
                           <m:r>
-                            <a:rPr lang="ru-RU" sz="2100" i="1"/>
+                            <a:rPr lang="ru-RU" sz="2100" i="1">
+                              <a:latin typeface="Cambria Math" panose="02040503050406030204" pitchFamily="18" charset="0"/>
+                            </a:rPr>
                             <m:t>𝑘</m:t>
                           </m:r>
                         </m:sub>
                       </m:sSub>
                       <m:r>
-                        <a:rPr lang="ru-RU" sz="2100" i="1"/>
+                        <a:rPr lang="ru-RU" sz="2100" i="1">
+                          <a:latin typeface="Cambria Math" panose="02040503050406030204" pitchFamily="18" charset="0"/>
+                        </a:rPr>
                         <m:t>)</m:t>
                       </m:r>
                     </m:oMath>
@@ -12667,18 +13624,24 @@
                     <m:sSub>
                       <m:sSubPr>
                         <m:ctrlPr>
-                          <a:rPr lang="ru-RU" sz="2100" i="1"/>
+                          <a:rPr lang="ru-RU" sz="2100" i="1">
+                            <a:latin typeface="Cambria Math" panose="02040503050406030204" pitchFamily="18" charset="0"/>
+                          </a:rPr>
                         </m:ctrlPr>
                       </m:sSubPr>
                       <m:e>
                         <m:r>
-                          <a:rPr lang="ru-RU" sz="2100" i="1"/>
+                          <a:rPr lang="ru-RU" sz="2100" i="1">
+                            <a:latin typeface="Cambria Math" panose="02040503050406030204" pitchFamily="18" charset="0"/>
+                          </a:rPr>
                           <m:t>𝜇</m:t>
                         </m:r>
                       </m:e>
                       <m:sub>
                         <m:r>
-                          <a:rPr lang="ru-RU" sz="2100" i="1"/>
+                          <a:rPr lang="ru-RU" sz="2100" i="1">
+                            <a:latin typeface="Cambria Math" panose="02040503050406030204" pitchFamily="18" charset="0"/>
+                          </a:rPr>
                           <m:t>𝑘</m:t>
                         </m:r>
                       </m:sub>
@@ -12692,7 +13655,9 @@
                 <a14:m>
                   <m:oMath xmlns:m="http://schemas.openxmlformats.org/officeDocument/2006/math">
                     <m:r>
-                      <a:rPr lang="ru-RU" sz="2100" i="1"/>
+                      <a:rPr lang="ru-RU" sz="2100" i="1">
+                        <a:latin typeface="Cambria Math" panose="02040503050406030204" pitchFamily="18" charset="0"/>
+                      </a:rPr>
                       <m:t>𝑋</m:t>
                     </m:r>
                   </m:oMath>
@@ -12706,18 +13671,24 @@
                     <m:sSub>
                       <m:sSubPr>
                         <m:ctrlPr>
-                          <a:rPr lang="ru-RU" sz="2100" i="1"/>
+                          <a:rPr lang="ru-RU" sz="2100" i="1">
+                            <a:latin typeface="Cambria Math" panose="02040503050406030204" pitchFamily="18" charset="0"/>
+                          </a:rPr>
                         </m:ctrlPr>
                       </m:sSubPr>
                       <m:e>
                         <m:r>
-                          <a:rPr lang="ru-RU" sz="2100" i="1"/>
+                          <a:rPr lang="ru-RU" sz="2100" i="1">
+                            <a:latin typeface="Cambria Math" panose="02040503050406030204" pitchFamily="18" charset="0"/>
+                          </a:rPr>
                           <m:t>𝑋</m:t>
                         </m:r>
                       </m:e>
                       <m:sub>
                         <m:r>
-                          <a:rPr lang="ru-RU" sz="2100" i="1"/>
+                          <a:rPr lang="ru-RU" sz="2100" i="1">
+                            <a:latin typeface="Cambria Math" panose="02040503050406030204" pitchFamily="18" charset="0"/>
+                          </a:rPr>
                           <m:t>𝑘</m:t>
                         </m:r>
                       </m:sub>
@@ -12733,24 +13704,32 @@
                     <m:sSub>
                       <m:sSubPr>
                         <m:ctrlPr>
-                          <a:rPr lang="ru-RU" sz="2100" i="1"/>
+                          <a:rPr lang="ru-RU" sz="2100" i="1">
+                            <a:latin typeface="Cambria Math" panose="02040503050406030204" pitchFamily="18" charset="0"/>
+                          </a:rPr>
                         </m:ctrlPr>
                       </m:sSubPr>
                       <m:e>
                         <m:r>
-                          <a:rPr lang="ru-RU" sz="2100" i="1"/>
+                          <a:rPr lang="ru-RU" sz="2100" i="1">
+                            <a:latin typeface="Cambria Math" panose="02040503050406030204" pitchFamily="18" charset="0"/>
+                          </a:rPr>
                           <m:t>𝜇</m:t>
                         </m:r>
                       </m:e>
                       <m:sub>
                         <m:r>
-                          <a:rPr lang="ru-RU" sz="2100" i="1"/>
+                          <a:rPr lang="ru-RU" sz="2100" i="1">
+                            <a:latin typeface="Cambria Math" panose="02040503050406030204" pitchFamily="18" charset="0"/>
+                          </a:rPr>
                           <m:t>𝑘</m:t>
                         </m:r>
                       </m:sub>
                     </m:sSub>
                     <m:r>
-                      <a:rPr lang="ru-RU" sz="2100" i="1"/>
+                      <a:rPr lang="ru-RU" sz="2100" i="1">
+                        <a:latin typeface="Cambria Math" panose="02040503050406030204" pitchFamily="18" charset="0"/>
+                      </a:rPr>
                       <m:t>:</m:t>
                     </m:r>
                   </m:oMath>
@@ -12770,7 +13749,9 @@
                       <m:sSub>
                         <m:sSubPr>
                           <m:ctrlPr>
-                            <a:rPr lang="ru-RU" sz="2100" i="1"/>
+                            <a:rPr lang="ru-RU" sz="2100" i="1">
+                              <a:latin typeface="Cambria Math" panose="02040503050406030204" pitchFamily="18" charset="0"/>
+                            </a:rPr>
                           </m:ctrlPr>
                         </m:sSubPr>
                         <m:e>
@@ -12778,54 +13759,74 @@
                             <m:rPr>
                               <m:sty m:val="p"/>
                             </m:rPr>
-                            <a:rPr lang="ru-RU" sz="2100"/>
+                            <a:rPr lang="ru-RU" sz="2100">
+                              <a:latin typeface="Cambria Math" panose="02040503050406030204" pitchFamily="18" charset="0"/>
+                            </a:rPr>
                             <m:t>min</m:t>
                           </m:r>
                         </m:e>
                         <m:sub>
                           <m:r>
-                            <a:rPr lang="ru-RU" sz="2100" i="1"/>
+                            <a:rPr lang="ru-RU" sz="2100" i="1">
+                              <a:latin typeface="Cambria Math" panose="02040503050406030204" pitchFamily="18" charset="0"/>
+                            </a:rPr>
                             <m:t>𝑘</m:t>
                           </m:r>
                         </m:sub>
                       </m:sSub>
                       <m:r>
-                        <a:rPr lang="ru-RU" sz="2100"/>
+                        <a:rPr lang="ru-RU" sz="2100">
+                          <a:latin typeface="Cambria Math" panose="02040503050406030204" pitchFamily="18" charset="0"/>
+                        </a:rPr>
                         <m:t>⁡</m:t>
                       </m:r>
                       <m:r>
-                        <a:rPr lang="ru-RU" sz="2100" i="1"/>
+                        <a:rPr lang="ru-RU" sz="2100" i="1">
+                          <a:latin typeface="Cambria Math" panose="02040503050406030204" pitchFamily="18" charset="0"/>
+                        </a:rPr>
                         <m:t>(</m:t>
                       </m:r>
                       <m:sSub>
                         <m:sSubPr>
                           <m:ctrlPr>
-                            <a:rPr lang="ru-RU" sz="2100" i="1"/>
+                            <a:rPr lang="ru-RU" sz="2100" i="1">
+                              <a:latin typeface="Cambria Math" panose="02040503050406030204" pitchFamily="18" charset="0"/>
+                            </a:rPr>
                           </m:ctrlPr>
                         </m:sSubPr>
                         <m:e>
                           <m:r>
-                            <a:rPr lang="ru-RU" sz="2100" i="1"/>
+                            <a:rPr lang="ru-RU" sz="2100" i="1">
+                              <a:latin typeface="Cambria Math" panose="02040503050406030204" pitchFamily="18" charset="0"/>
+                            </a:rPr>
                             <m:t>𝑙</m:t>
                           </m:r>
                         </m:e>
                         <m:sub>
                           <m:r>
-                            <a:rPr lang="ru-RU" sz="2100" i="1"/>
+                            <a:rPr lang="ru-RU" sz="2100" i="1">
+                              <a:latin typeface="Cambria Math" panose="02040503050406030204" pitchFamily="18" charset="0"/>
+                            </a:rPr>
                             <m:t>𝑘</m:t>
                           </m:r>
                           <m:r>
-                            <a:rPr lang="ru-RU" sz="2100" i="1"/>
+                            <a:rPr lang="ru-RU" sz="2100" i="1">
+                              <a:latin typeface="Cambria Math" panose="02040503050406030204" pitchFamily="18" charset="0"/>
+                            </a:rPr>
                             <m:t>,</m:t>
                           </m:r>
                           <m:r>
-                            <a:rPr lang="ru-RU" sz="2100" i="1"/>
+                            <a:rPr lang="ru-RU" sz="2100" i="1">
+                              <a:latin typeface="Cambria Math" panose="02040503050406030204" pitchFamily="18" charset="0"/>
+                            </a:rPr>
                             <m:t>𝑖</m:t>
                           </m:r>
                         </m:sub>
                       </m:sSub>
                       <m:r>
-                        <a:rPr lang="ru-RU" sz="2100" i="1"/>
+                        <a:rPr lang="ru-RU" sz="2100" i="1">
+                          <a:latin typeface="Cambria Math" panose="02040503050406030204" pitchFamily="18" charset="0"/>
+                        </a:rPr>
                         <m:t>)</m:t>
                       </m:r>
                     </m:oMath>
@@ -12858,18 +13859,24 @@
                     <m:sSub>
                       <m:sSubPr>
                         <m:ctrlPr>
-                          <a:rPr lang="ru-RU" sz="2100" i="1"/>
+                          <a:rPr lang="ru-RU" sz="2100" i="1">
+                            <a:latin typeface="Cambria Math" panose="02040503050406030204" pitchFamily="18" charset="0"/>
+                          </a:rPr>
                         </m:ctrlPr>
                       </m:sSubPr>
                       <m:e>
                         <m:r>
-                          <a:rPr lang="ru-RU" sz="2100" i="1"/>
+                          <a:rPr lang="ru-RU" sz="2100" i="1">
+                            <a:latin typeface="Cambria Math" panose="02040503050406030204" pitchFamily="18" charset="0"/>
+                          </a:rPr>
                           <m:t>𝑋</m:t>
                         </m:r>
                       </m:e>
                       <m:sub>
                         <m:r>
-                          <a:rPr lang="ru-RU" sz="2100" i="1"/>
+                          <a:rPr lang="ru-RU" sz="2100" i="1">
+                            <a:latin typeface="Cambria Math" panose="02040503050406030204" pitchFamily="18" charset="0"/>
+                          </a:rPr>
                           <m:t>𝑘</m:t>
                         </m:r>
                       </m:sub>
@@ -12894,35 +13901,47 @@
                       <m:sSub>
                         <m:sSubPr>
                           <m:ctrlPr>
-                            <a:rPr lang="ru-RU" sz="2100" i="1"/>
+                            <a:rPr lang="ru-RU" sz="2100" i="1">
+                              <a:latin typeface="Cambria Math" panose="02040503050406030204" pitchFamily="18" charset="0"/>
+                            </a:rPr>
                           </m:ctrlPr>
                         </m:sSubPr>
                         <m:e>
                           <m:r>
-                            <a:rPr lang="ru-RU" sz="2100" i="1"/>
+                            <a:rPr lang="ru-RU" sz="2100" i="1">
+                              <a:latin typeface="Cambria Math" panose="02040503050406030204" pitchFamily="18" charset="0"/>
+                            </a:rPr>
                             <m:t>𝜇</m:t>
                           </m:r>
                         </m:e>
                         <m:sub>
                           <m:r>
-                            <a:rPr lang="ru-RU" sz="2100" i="1"/>
+                            <a:rPr lang="ru-RU" sz="2100" i="1">
+                              <a:latin typeface="Cambria Math" panose="02040503050406030204" pitchFamily="18" charset="0"/>
+                            </a:rPr>
                             <m:t>𝑘</m:t>
                           </m:r>
                         </m:sub>
                       </m:sSub>
                       <m:r>
-                        <a:rPr lang="ru-RU" sz="2100" i="1"/>
+                        <a:rPr lang="ru-RU" sz="2100" i="1">
+                          <a:latin typeface="Cambria Math" panose="02040503050406030204" pitchFamily="18" charset="0"/>
+                        </a:rPr>
                         <m:t>= </m:t>
                       </m:r>
                       <m:f>
                         <m:fPr>
                           <m:ctrlPr>
-                            <a:rPr lang="ru-RU" sz="2100" i="1"/>
+                            <a:rPr lang="ru-RU" sz="2100" i="1">
+                              <a:latin typeface="Cambria Math" panose="02040503050406030204" pitchFamily="18" charset="0"/>
+                            </a:rPr>
                           </m:ctrlPr>
                         </m:fPr>
                         <m:num>
                           <m:r>
-                            <a:rPr lang="ru-RU" sz="2100" i="1"/>
+                            <a:rPr lang="ru-RU" sz="2100" i="1">
+                              <a:latin typeface="Cambria Math" panose="02040503050406030204" pitchFamily="18" charset="0"/>
+                            </a:rPr>
                             <m:t>1</m:t>
                           </m:r>
                         </m:num>
@@ -12930,18 +13949,24 @@
                           <m:sSub>
                             <m:sSubPr>
                               <m:ctrlPr>
-                                <a:rPr lang="ru-RU" sz="2100" i="1"/>
+                                <a:rPr lang="ru-RU" sz="2100" i="1">
+                                  <a:latin typeface="Cambria Math" panose="02040503050406030204" pitchFamily="18" charset="0"/>
+                                </a:rPr>
                               </m:ctrlPr>
                             </m:sSubPr>
                             <m:e>
                               <m:r>
-                                <a:rPr lang="en-US" sz="2100" i="1"/>
+                                <a:rPr lang="en-US" sz="2100" i="1">
+                                  <a:latin typeface="Cambria Math" panose="02040503050406030204" pitchFamily="18" charset="0"/>
+                                </a:rPr>
                                 <m:t>𝑠</m:t>
                               </m:r>
                             </m:e>
                             <m:sub>
                               <m:r>
-                                <a:rPr lang="ru-RU" sz="2100" i="1"/>
+                                <a:rPr lang="ru-RU" sz="2100" i="1">
+                                  <a:latin typeface="Cambria Math" panose="02040503050406030204" pitchFamily="18" charset="0"/>
+                                </a:rPr>
                                 <m:t>𝑘</m:t>
                               </m:r>
                             </m:sub>
@@ -12955,7 +13980,9 @@
                           <m:subHide m:val="on"/>
                           <m:supHide m:val="on"/>
                           <m:ctrlPr>
-                            <a:rPr lang="ru-RU" sz="2100" i="1"/>
+                            <a:rPr lang="ru-RU" sz="2100" i="1">
+                              <a:latin typeface="Cambria Math" panose="02040503050406030204" pitchFamily="18" charset="0"/>
+                            </a:rPr>
                           </m:ctrlPr>
                         </m:naryPr>
                         <m:sub/>
@@ -12964,18 +13991,24 @@
                           <m:sSub>
                             <m:sSubPr>
                               <m:ctrlPr>
-                                <a:rPr lang="ru-RU" sz="2100" i="1"/>
+                                <a:rPr lang="ru-RU" sz="2100" i="1">
+                                  <a:latin typeface="Cambria Math" panose="02040503050406030204" pitchFamily="18" charset="0"/>
+                                </a:rPr>
                               </m:ctrlPr>
                             </m:sSubPr>
                             <m:e>
                               <m:r>
-                                <a:rPr lang="ru-RU" sz="2100" i="1"/>
+                                <a:rPr lang="ru-RU" sz="2100" i="1">
+                                  <a:latin typeface="Cambria Math" panose="02040503050406030204" pitchFamily="18" charset="0"/>
+                                </a:rPr>
                                 <m:t>𝑋</m:t>
                               </m:r>
                             </m:e>
                             <m:sub>
                               <m:r>
-                                <a:rPr lang="ru-RU" sz="2100" i="1"/>
+                                <a:rPr lang="ru-RU" sz="2100" i="1">
+                                  <a:latin typeface="Cambria Math" panose="02040503050406030204" pitchFamily="18" charset="0"/>
+                                </a:rPr>
                                 <m:t>𝑘</m:t>
                               </m:r>
                             </m:sub>
@@ -12983,34 +14016,46 @@
                         </m:e>
                       </m:nary>
                       <m:r>
-                        <a:rPr lang="ru-RU" sz="2100" i="1"/>
+                        <a:rPr lang="ru-RU" sz="2100" i="1">
+                          <a:latin typeface="Cambria Math" panose="02040503050406030204" pitchFamily="18" charset="0"/>
+                        </a:rPr>
                         <m:t>, где </m:t>
                       </m:r>
                       <m:sSub>
                         <m:sSubPr>
                           <m:ctrlPr>
-                            <a:rPr lang="ru-RU" sz="2100" i="1"/>
+                            <a:rPr lang="ru-RU" sz="2100" i="1">
+                              <a:latin typeface="Cambria Math" panose="02040503050406030204" pitchFamily="18" charset="0"/>
+                            </a:rPr>
                           </m:ctrlPr>
                         </m:sSubPr>
                         <m:e>
                           <m:r>
-                            <a:rPr lang="en-US" sz="2100" i="1"/>
+                            <a:rPr lang="en-US" sz="2100" i="1">
+                              <a:latin typeface="Cambria Math" panose="02040503050406030204" pitchFamily="18" charset="0"/>
+                            </a:rPr>
                             <m:t>𝑠</m:t>
                           </m:r>
                         </m:e>
                         <m:sub>
                           <m:r>
-                            <a:rPr lang="ru-RU" sz="2100" i="1"/>
+                            <a:rPr lang="ru-RU" sz="2100" i="1">
+                              <a:latin typeface="Cambria Math" panose="02040503050406030204" pitchFamily="18" charset="0"/>
+                            </a:rPr>
                             <m:t>𝑘</m:t>
                           </m:r>
                         </m:sub>
                       </m:sSub>
                       <m:r>
-                        <a:rPr lang="ru-RU" sz="2100" i="1"/>
+                        <a:rPr lang="ru-RU" sz="2100" i="1">
+                          <a:latin typeface="Cambria Math" panose="02040503050406030204" pitchFamily="18" charset="0"/>
+                        </a:rPr>
                         <m:t>−количество точек в кластере </m:t>
                       </m:r>
                       <m:r>
-                        <a:rPr lang="en-US" sz="2100" i="1"/>
+                        <a:rPr lang="en-US" sz="2100" i="1">
+                          <a:latin typeface="Cambria Math" panose="02040503050406030204" pitchFamily="18" charset="0"/>
+                        </a:rPr>
                         <m:t>𝑘</m:t>
                       </m:r>
                     </m:oMath>
@@ -13035,18 +14080,24 @@
                     <m:sSub>
                       <m:sSubPr>
                         <m:ctrlPr>
-                          <a:rPr lang="ru-RU" sz="2100" i="1"/>
+                          <a:rPr lang="ru-RU" sz="2100" i="1">
+                            <a:latin typeface="Cambria Math" panose="02040503050406030204" pitchFamily="18" charset="0"/>
+                          </a:rPr>
                         </m:ctrlPr>
                       </m:sSubPr>
                       <m:e>
                         <m:r>
-                          <a:rPr lang="ru-RU" sz="2100" i="1"/>
+                          <a:rPr lang="ru-RU" sz="2100" i="1">
+                            <a:latin typeface="Cambria Math" panose="02040503050406030204" pitchFamily="18" charset="0"/>
+                          </a:rPr>
                           <m:t>𝜇</m:t>
                         </m:r>
                       </m:e>
                       <m:sub>
                         <m:r>
-                          <a:rPr lang="ru-RU" sz="2100" i="1"/>
+                          <a:rPr lang="ru-RU" sz="2100" i="1">
+                            <a:latin typeface="Cambria Math" panose="02040503050406030204" pitchFamily="18" charset="0"/>
+                          </a:rPr>
                           <m:t>𝑘</m:t>
                         </m:r>
                       </m:sub>
@@ -13077,7 +14128,7 @@
             </p:txBody>
           </p:sp>
         </mc:Choice>
-        <mc:Fallback>
+        <mc:Fallback xmlns="">
           <p:sp>
             <p:nvSpPr>
               <p:cNvPr id="3" name="Объект 2"/>

--- a/Отчет/Доклад Неповинных.pptx
+++ b/Отчет/Доклад Неповинных.pptx
@@ -7,7 +7,7 @@
     <p:sldMasterId id="2147483948" r:id="rId3"/>
   </p:sldMasterIdLst>
   <p:notesMasterIdLst>
-    <p:notesMasterId r:id="rId20"/>
+    <p:notesMasterId r:id="rId19"/>
   </p:notesMasterIdLst>
   <p:sldIdLst>
     <p:sldId id="256" r:id="rId4"/>
@@ -17,15 +17,14 @@
     <p:sldId id="264" r:id="rId8"/>
     <p:sldId id="265" r:id="rId9"/>
     <p:sldId id="266" r:id="rId10"/>
-    <p:sldId id="259" r:id="rId11"/>
-    <p:sldId id="260" r:id="rId12"/>
-    <p:sldId id="261" r:id="rId13"/>
-    <p:sldId id="262" r:id="rId14"/>
-    <p:sldId id="267" r:id="rId15"/>
-    <p:sldId id="268" r:id="rId16"/>
-    <p:sldId id="271" r:id="rId17"/>
-    <p:sldId id="270" r:id="rId18"/>
-    <p:sldId id="269" r:id="rId19"/>
+    <p:sldId id="260" r:id="rId11"/>
+    <p:sldId id="261" r:id="rId12"/>
+    <p:sldId id="262" r:id="rId13"/>
+    <p:sldId id="267" r:id="rId14"/>
+    <p:sldId id="268" r:id="rId15"/>
+    <p:sldId id="271" r:id="rId16"/>
+    <p:sldId id="270" r:id="rId17"/>
+    <p:sldId id="269" r:id="rId18"/>
   </p:sldIdLst>
   <p:sldSz cx="9144000" cy="6858000" type="screen4x3"/>
   <p:notesSz cx="6858000" cy="9144000"/>
@@ -214,7 +213,7 @@
           <a:p>
             <a:fld id="{92DF813F-1706-4352-AD8B-733ADD07516A}" type="datetimeFigureOut">
               <a:rPr lang="ru-RU" smtClean="0"/>
-              <a:t>22.04.2015</a:t>
+              <a:t>2015-04-22</a:t>
             </a:fld>
             <a:endParaRPr lang="ru-RU"/>
           </a:p>
@@ -566,6 +565,90 @@
 </p:notes>
 </file>
 
+<file path=ppt/notesSlides/notesSlide2.xml><?xml version="1.0" encoding="utf-8"?>
+<p:notes xmlns:a="http://schemas.openxmlformats.org/drawingml/2006/main" xmlns:r="http://schemas.openxmlformats.org/officeDocument/2006/relationships" xmlns:p="http://schemas.openxmlformats.org/presentationml/2006/main">
+  <p:cSld>
+    <p:spTree>
+      <p:nvGrpSpPr>
+        <p:cNvPr id="1" name=""/>
+        <p:cNvGrpSpPr/>
+        <p:nvPr/>
+      </p:nvGrpSpPr>
+      <p:grpSpPr>
+        <a:xfrm>
+          <a:off x="0" y="0"/>
+          <a:ext cx="0" cy="0"/>
+          <a:chOff x="0" y="0"/>
+          <a:chExt cx="0" cy="0"/>
+        </a:xfrm>
+      </p:grpSpPr>
+      <p:sp>
+        <p:nvSpPr>
+          <p:cNvPr id="2" name="Образ слайда 1"/>
+          <p:cNvSpPr>
+            <a:spLocks noGrp="1" noRot="1" noChangeAspect="1"/>
+          </p:cNvSpPr>
+          <p:nvPr>
+            <p:ph type="sldImg"/>
+          </p:nvPr>
+        </p:nvSpPr>
+        <p:spPr/>
+      </p:sp>
+      <p:sp>
+        <p:nvSpPr>
+          <p:cNvPr id="3" name="Заметки 2"/>
+          <p:cNvSpPr>
+            <a:spLocks noGrp="1"/>
+          </p:cNvSpPr>
+          <p:nvPr>
+            <p:ph type="body" idx="1"/>
+          </p:nvPr>
+        </p:nvSpPr>
+        <p:spPr/>
+        <p:txBody>
+          <a:bodyPr/>
+          <a:lstStyle/>
+          <a:p>
+            <a:endParaRPr lang="ru-RU" dirty="0"/>
+          </a:p>
+        </p:txBody>
+      </p:sp>
+      <p:sp>
+        <p:nvSpPr>
+          <p:cNvPr id="4" name="Номер слайда 3"/>
+          <p:cNvSpPr>
+            <a:spLocks noGrp="1"/>
+          </p:cNvSpPr>
+          <p:nvPr>
+            <p:ph type="sldNum" sz="quarter" idx="10"/>
+          </p:nvPr>
+        </p:nvSpPr>
+        <p:spPr/>
+        <p:txBody>
+          <a:bodyPr/>
+          <a:lstStyle/>
+          <a:p>
+            <a:fld id="{8A3A1F0C-4D94-437E-80F2-F313780206D4}" type="slidenum">
+              <a:rPr lang="ru-RU" smtClean="0"/>
+              <a:t>13</a:t>
+            </a:fld>
+            <a:endParaRPr lang="ru-RU"/>
+          </a:p>
+        </p:txBody>
+      </p:sp>
+    </p:spTree>
+    <p:extLst>
+      <p:ext uri="{BB962C8B-B14F-4D97-AF65-F5344CB8AC3E}">
+        <p14:creationId xmlns:p14="http://schemas.microsoft.com/office/powerpoint/2010/main" val="3630448475"/>
+      </p:ext>
+    </p:extLst>
+  </p:cSld>
+  <p:clrMapOvr>
+    <a:masterClrMapping/>
+  </p:clrMapOvr>
+</p:notes>
+</file>
+
 <file path=ppt/slideLayouts/slideLayout1.xml><?xml version="1.0" encoding="utf-8"?>
 <p:sldLayout xmlns:a="http://schemas.openxmlformats.org/drawingml/2006/main" xmlns:r="http://schemas.openxmlformats.org/officeDocument/2006/relationships" xmlns:p="http://schemas.openxmlformats.org/presentationml/2006/main" type="title" preserve="1">
   <p:cSld name="Титульный слайд">
@@ -708,7 +791,7 @@
           <a:p>
             <a:fld id="{CA6132C5-4EF7-44E9-8AC0-543A9CBD21A3}" type="datetime1">
               <a:rPr lang="ru-RU" smtClean="0"/>
-              <a:t>22.04.2015</a:t>
+              <a:t>2015-04-22</a:t>
             </a:fld>
             <a:endParaRPr lang="ru-RU"/>
           </a:p>
@@ -878,7 +961,7 @@
           <a:p>
             <a:fld id="{EF1CE88B-3451-485D-B0B9-5D3B791D9A61}" type="datetime1">
               <a:rPr lang="ru-RU" smtClean="0"/>
-              <a:t>22.04.2015</a:t>
+              <a:t>2015-04-22</a:t>
             </a:fld>
             <a:endParaRPr lang="ru-RU"/>
           </a:p>
@@ -1058,7 +1141,7 @@
           <a:p>
             <a:fld id="{1FE7C88E-07F6-4A72-8D7F-2003DD58C999}" type="datetime1">
               <a:rPr lang="ru-RU" smtClean="0"/>
-              <a:t>22.04.2015</a:t>
+              <a:t>2015-04-22</a:t>
             </a:fld>
             <a:endParaRPr lang="ru-RU"/>
           </a:p>
@@ -1261,7 +1344,7 @@
           <a:p>
             <a:fld id="{CA6132C5-4EF7-44E9-8AC0-543A9CBD21A3}" type="datetime1">
               <a:rPr lang="ru-RU" smtClean="0"/>
-              <a:t>22.04.2015</a:t>
+              <a:t>2015-04-22</a:t>
             </a:fld>
             <a:endParaRPr lang="ru-RU"/>
           </a:p>
@@ -1431,7 +1514,7 @@
           <a:p>
             <a:fld id="{3F6630A2-8F33-4019-B2B9-16E2D46DA9AF}" type="datetime1">
               <a:rPr lang="ru-RU" smtClean="0"/>
-              <a:t>22.04.2015</a:t>
+              <a:t>2015-04-22</a:t>
             </a:fld>
             <a:endParaRPr lang="ru-RU"/>
           </a:p>
@@ -1682,7 +1765,7 @@
           <a:p>
             <a:fld id="{CCE73EC7-A2E5-4B05-A3A2-EDC11E6BB65E}" type="datetime1">
               <a:rPr lang="ru-RU" smtClean="0"/>
-              <a:t>22.04.2015</a:t>
+              <a:t>2015-04-22</a:t>
             </a:fld>
             <a:endParaRPr lang="ru-RU"/>
           </a:p>
@@ -1914,7 +1997,7 @@
           <a:p>
             <a:fld id="{D3B8EC41-8B8A-432E-80E4-D3C07A84920C}" type="datetime1">
               <a:rPr lang="ru-RU" smtClean="0"/>
-              <a:t>22.04.2015</a:t>
+              <a:t>2015-04-22</a:t>
             </a:fld>
             <a:endParaRPr lang="ru-RU"/>
           </a:p>
@@ -2261,7 +2344,7 @@
           <a:p>
             <a:fld id="{A699E73B-8EDA-491A-A5C4-A553EBDA5D2E}" type="datetime1">
               <a:rPr lang="ru-RU" smtClean="0"/>
-              <a:t>22.04.2015</a:t>
+              <a:t>2015-04-22</a:t>
             </a:fld>
             <a:endParaRPr lang="ru-RU"/>
           </a:p>
@@ -2379,7 +2462,7 @@
           <a:p>
             <a:fld id="{4A785036-5E83-4504-9337-1D74968FFD10}" type="datetime1">
               <a:rPr lang="ru-RU" smtClean="0"/>
-              <a:t>22.04.2015</a:t>
+              <a:t>2015-04-22</a:t>
             </a:fld>
             <a:endParaRPr lang="ru-RU"/>
           </a:p>
@@ -2497,7 +2580,7 @@
           <a:p>
             <a:fld id="{D223FB0C-0787-4D86-8856-F1CE01B147E6}" type="datetime1">
               <a:rPr lang="ru-RU" smtClean="0"/>
-              <a:t>22.04.2015</a:t>
+              <a:t>2015-04-22</a:t>
             </a:fld>
             <a:endParaRPr lang="ru-RU"/>
           </a:p>
@@ -2781,7 +2864,7 @@
           <a:p>
             <a:fld id="{1720D9EF-0D22-4E69-8813-9F7557DA16D7}" type="datetime1">
               <a:rPr lang="ru-RU" smtClean="0"/>
-              <a:t>22.04.2015</a:t>
+              <a:t>2015-04-22</a:t>
             </a:fld>
             <a:endParaRPr lang="ru-RU"/>
           </a:p>
@@ -2951,7 +3034,7 @@
           <a:p>
             <a:fld id="{3F6630A2-8F33-4019-B2B9-16E2D46DA9AF}" type="datetime1">
               <a:rPr lang="ru-RU" smtClean="0"/>
-              <a:t>22.04.2015</a:t>
+              <a:t>2015-04-22</a:t>
             </a:fld>
             <a:endParaRPr lang="ru-RU"/>
           </a:p>
@@ -3215,7 +3298,7 @@
           <a:p>
             <a:fld id="{1D921FA4-050E-406C-836E-B49CE3F44A12}" type="datetime1">
               <a:rPr lang="ru-RU" smtClean="0"/>
-              <a:t>22.04.2015</a:t>
+              <a:t>2015-04-22</a:t>
             </a:fld>
             <a:endParaRPr lang="ru-RU"/>
           </a:p>
@@ -3385,7 +3468,7 @@
           <a:p>
             <a:fld id="{EF1CE88B-3451-485D-B0B9-5D3B791D9A61}" type="datetime1">
               <a:rPr lang="ru-RU" smtClean="0"/>
-              <a:t>22.04.2015</a:t>
+              <a:t>2015-04-22</a:t>
             </a:fld>
             <a:endParaRPr lang="ru-RU"/>
           </a:p>
@@ -3565,7 +3648,7 @@
           <a:p>
             <a:fld id="{1FE7C88E-07F6-4A72-8D7F-2003DD58C999}" type="datetime1">
               <a:rPr lang="ru-RU" smtClean="0"/>
-              <a:t>22.04.2015</a:t>
+              <a:t>2015-04-22</a:t>
             </a:fld>
             <a:endParaRPr lang="ru-RU"/>
           </a:p>
@@ -3833,7 +3916,7 @@
           <a:p>
             <a:fld id="{CA6132C5-4EF7-44E9-8AC0-543A9CBD21A3}" type="datetime1">
               <a:rPr lang="ru-RU" smtClean="0"/>
-              <a:t>22.04.2015</a:t>
+              <a:t>2015-04-22</a:t>
             </a:fld>
             <a:endParaRPr lang="ru-RU"/>
           </a:p>
@@ -4025,7 +4108,7 @@
           <a:p>
             <a:fld id="{3F6630A2-8F33-4019-B2B9-16E2D46DA9AF}" type="datetime1">
               <a:rPr lang="ru-RU" smtClean="0"/>
-              <a:t>22.04.2015</a:t>
+              <a:t>2015-04-22</a:t>
             </a:fld>
             <a:endParaRPr lang="ru-RU"/>
           </a:p>
@@ -4279,7 +4362,7 @@
           <a:p>
             <a:fld id="{CCE73EC7-A2E5-4B05-A3A2-EDC11E6BB65E}" type="datetime1">
               <a:rPr lang="ru-RU" smtClean="0"/>
-              <a:t>22.04.2015</a:t>
+              <a:t>2015-04-22</a:t>
             </a:fld>
             <a:endParaRPr lang="ru-RU"/>
           </a:p>
@@ -4605,7 +4688,7 @@
           <a:p>
             <a:fld id="{D3B8EC41-8B8A-432E-80E4-D3C07A84920C}" type="datetime1">
               <a:rPr lang="ru-RU" smtClean="0"/>
-              <a:t>22.04.2015</a:t>
+              <a:t>2015-04-22</a:t>
             </a:fld>
             <a:endParaRPr lang="ru-RU"/>
           </a:p>
@@ -5025,7 +5108,7 @@
           <a:p>
             <a:fld id="{A699E73B-8EDA-491A-A5C4-A553EBDA5D2E}" type="datetime1">
               <a:rPr lang="ru-RU" smtClean="0"/>
-              <a:t>22.04.2015</a:t>
+              <a:t>2015-04-22</a:t>
             </a:fld>
             <a:endParaRPr lang="ru-RU"/>
           </a:p>
@@ -5143,7 +5226,7 @@
           <a:p>
             <a:fld id="{4A785036-5E83-4504-9337-1D74968FFD10}" type="datetime1">
               <a:rPr lang="ru-RU" smtClean="0"/>
-              <a:t>22.04.2015</a:t>
+              <a:t>2015-04-22</a:t>
             </a:fld>
             <a:endParaRPr lang="ru-RU"/>
           </a:p>
@@ -5238,7 +5321,7 @@
           <a:p>
             <a:fld id="{D223FB0C-0787-4D86-8856-F1CE01B147E6}" type="datetime1">
               <a:rPr lang="ru-RU" smtClean="0"/>
-              <a:t>22.04.2015</a:t>
+              <a:t>2015-04-22</a:t>
             </a:fld>
             <a:endParaRPr lang="ru-RU"/>
           </a:p>
@@ -5489,7 +5572,7 @@
           <a:p>
             <a:fld id="{CCE73EC7-A2E5-4B05-A3A2-EDC11E6BB65E}" type="datetime1">
               <a:rPr lang="ru-RU" smtClean="0"/>
-              <a:t>22.04.2015</a:t>
+              <a:t>2015-04-22</a:t>
             </a:fld>
             <a:endParaRPr lang="ru-RU"/>
           </a:p>
@@ -5776,7 +5859,7 @@
           <a:p>
             <a:fld id="{1720D9EF-0D22-4E69-8813-9F7557DA16D7}" type="datetime1">
               <a:rPr lang="ru-RU" smtClean="0"/>
-              <a:t>22.04.2015</a:t>
+              <a:t>2015-04-22</a:t>
             </a:fld>
             <a:endParaRPr lang="ru-RU"/>
           </a:p>
@@ -6101,7 +6184,7 @@
           <a:p>
             <a:fld id="{1D921FA4-050E-406C-836E-B49CE3F44A12}" type="datetime1">
               <a:rPr lang="ru-RU" smtClean="0"/>
-              <a:t>22.04.2015</a:t>
+              <a:t>2015-04-22</a:t>
             </a:fld>
             <a:endParaRPr lang="ru-RU"/>
           </a:p>
@@ -6271,7 +6354,7 @@
           <a:p>
             <a:fld id="{EF1CE88B-3451-485D-B0B9-5D3B791D9A61}" type="datetime1">
               <a:rPr lang="ru-RU" smtClean="0"/>
-              <a:t>22.04.2015</a:t>
+              <a:t>2015-04-22</a:t>
             </a:fld>
             <a:endParaRPr lang="ru-RU"/>
           </a:p>
@@ -6451,7 +6534,7 @@
           <a:p>
             <a:fld id="{1FE7C88E-07F6-4A72-8D7F-2003DD58C999}" type="datetime1">
               <a:rPr lang="ru-RU" smtClean="0"/>
-              <a:t>22.04.2015</a:t>
+              <a:t>2015-04-22</a:t>
             </a:fld>
             <a:endParaRPr lang="ru-RU"/>
           </a:p>
@@ -6683,7 +6766,7 @@
           <a:p>
             <a:fld id="{D3B8EC41-8B8A-432E-80E4-D3C07A84920C}" type="datetime1">
               <a:rPr lang="ru-RU" smtClean="0"/>
-              <a:t>22.04.2015</a:t>
+              <a:t>2015-04-22</a:t>
             </a:fld>
             <a:endParaRPr lang="ru-RU"/>
           </a:p>
@@ -7030,7 +7113,7 @@
           <a:p>
             <a:fld id="{A699E73B-8EDA-491A-A5C4-A553EBDA5D2E}" type="datetime1">
               <a:rPr lang="ru-RU" smtClean="0"/>
-              <a:t>22.04.2015</a:t>
+              <a:t>2015-04-22</a:t>
             </a:fld>
             <a:endParaRPr lang="ru-RU"/>
           </a:p>
@@ -7148,7 +7231,7 @@
           <a:p>
             <a:fld id="{4A785036-5E83-4504-9337-1D74968FFD10}" type="datetime1">
               <a:rPr lang="ru-RU" smtClean="0"/>
-              <a:t>22.04.2015</a:t>
+              <a:t>2015-04-22</a:t>
             </a:fld>
             <a:endParaRPr lang="ru-RU"/>
           </a:p>
@@ -7266,7 +7349,7 @@
           <a:p>
             <a:fld id="{D223FB0C-0787-4D86-8856-F1CE01B147E6}" type="datetime1">
               <a:rPr lang="ru-RU" smtClean="0"/>
-              <a:t>22.04.2015</a:t>
+              <a:t>2015-04-22</a:t>
             </a:fld>
             <a:endParaRPr lang="ru-RU"/>
           </a:p>
@@ -7550,7 +7633,7 @@
           <a:p>
             <a:fld id="{1720D9EF-0D22-4E69-8813-9F7557DA16D7}" type="datetime1">
               <a:rPr lang="ru-RU" smtClean="0"/>
-              <a:t>22.04.2015</a:t>
+              <a:t>2015-04-22</a:t>
             </a:fld>
             <a:endParaRPr lang="ru-RU"/>
           </a:p>
@@ -7814,7 +7897,7 @@
           <a:p>
             <a:fld id="{1D921FA4-050E-406C-836E-B49CE3F44A12}" type="datetime1">
               <a:rPr lang="ru-RU" smtClean="0"/>
-              <a:t>22.04.2015</a:t>
+              <a:t>2015-04-22</a:t>
             </a:fld>
             <a:endParaRPr lang="ru-RU"/>
           </a:p>
@@ -8028,7 +8111,7 @@
           <a:p>
             <a:fld id="{4F72220C-91D8-4189-84C0-4513D35A07A8}" type="datetime1">
               <a:rPr lang="ru-RU" smtClean="0"/>
-              <a:t>22.04.2015</a:t>
+              <a:t>2015-04-22</a:t>
             </a:fld>
             <a:endParaRPr lang="ru-RU"/>
           </a:p>
@@ -8559,7 +8642,7 @@
           <a:p>
             <a:fld id="{4F72220C-91D8-4189-84C0-4513D35A07A8}" type="datetime1">
               <a:rPr lang="ru-RU" smtClean="0"/>
-              <a:t>22.04.2015</a:t>
+              <a:t>2015-04-22</a:t>
             </a:fld>
             <a:endParaRPr lang="ru-RU"/>
           </a:p>
@@ -9130,7 +9213,7 @@
           <a:p>
             <a:fld id="{4F72220C-91D8-4189-84C0-4513D35A07A8}" type="datetime1">
               <a:rPr lang="ru-RU" smtClean="0"/>
-              <a:t>22.04.2015</a:t>
+              <a:t>2015-04-22</a:t>
             </a:fld>
             <a:endParaRPr lang="ru-RU"/>
           </a:p>
@@ -9952,11 +10035,7 @@
             </a:br>
             <a:r>
               <a:rPr lang="ru-RU" i="1" dirty="0" smtClean="0"/>
-              <a:t>доцент </a:t>
-            </a:r>
-            <a:r>
-              <a:rPr lang="ru-RU" i="1" dirty="0" smtClean="0"/>
-              <a:t>каф. СП</a:t>
+              <a:t>доцент каф. СП</a:t>
             </a:r>
             <a:endParaRPr lang="ru-RU" dirty="0" smtClean="0"/>
           </a:p>
@@ -10343,139 +10422,6 @@
         </p:nvSpPr>
         <p:spPr>
           <a:xfrm>
-            <a:off x="946404" y="218364"/>
-            <a:ext cx="7228605" cy="681388"/>
-          </a:xfrm>
-        </p:spPr>
-        <p:txBody>
-          <a:bodyPr/>
-          <a:lstStyle/>
-          <a:p>
-            <a:r>
-              <a:rPr lang="ru-RU" dirty="0" smtClean="0"/>
-              <a:t>Архитектура системы</a:t>
-            </a:r>
-            <a:endParaRPr lang="ru-RU" dirty="0"/>
-          </a:p>
-        </p:txBody>
-      </p:sp>
-      <p:sp>
-        <p:nvSpPr>
-          <p:cNvPr id="3" name="Объект 2"/>
-          <p:cNvSpPr>
-            <a:spLocks noGrp="1"/>
-          </p:cNvSpPr>
-          <p:nvPr>
-            <p:ph idx="1"/>
-          </p:nvPr>
-        </p:nvSpPr>
-        <p:spPr/>
-        <p:txBody>
-          <a:bodyPr/>
-          <a:lstStyle/>
-          <a:p>
-            <a:endParaRPr lang="ru-RU"/>
-          </a:p>
-        </p:txBody>
-      </p:sp>
-      <p:sp>
-        <p:nvSpPr>
-          <p:cNvPr id="4" name="Номер слайда 3"/>
-          <p:cNvSpPr>
-            <a:spLocks noGrp="1"/>
-          </p:cNvSpPr>
-          <p:nvPr>
-            <p:ph type="sldNum" sz="quarter" idx="12"/>
-          </p:nvPr>
-        </p:nvSpPr>
-        <p:spPr/>
-        <p:txBody>
-          <a:bodyPr/>
-          <a:lstStyle/>
-          <a:p>
-            <a:fld id="{B8FD4787-A815-42E7-9C3F-EE8E3DD8A60B}" type="slidenum">
-              <a:rPr lang="ru-RU" smtClean="0"/>
-              <a:t>10</a:t>
-            </a:fld>
-            <a:endParaRPr lang="ru-RU"/>
-          </a:p>
-        </p:txBody>
-      </p:sp>
-      <p:pic>
-        <p:nvPicPr>
-          <p:cNvPr id="5" name="Рисунок 4" descr="C:\Users\Екатерина\Downloads\Comnponents - New Page (7).png"/>
-          <p:cNvPicPr/>
-          <p:nvPr/>
-        </p:nvPicPr>
-        <p:blipFill>
-          <a:blip r:embed="rId2" cstate="print">
-            <a:extLst>
-              <a:ext uri="{28A0092B-C50C-407E-A947-70E740481C1C}">
-                <a14:useLocalDpi xmlns:a14="http://schemas.microsoft.com/office/drawing/2010/main" val="0"/>
-              </a:ext>
-            </a:extLst>
-          </a:blip>
-          <a:srcRect/>
-          <a:stretch>
-            <a:fillRect/>
-          </a:stretch>
-        </p:blipFill>
-        <p:spPr bwMode="auto">
-          <a:xfrm>
-            <a:off x="775272" y="1433016"/>
-            <a:ext cx="7399737" cy="5076966"/>
-          </a:xfrm>
-          <a:prstGeom prst="rect">
-            <a:avLst/>
-          </a:prstGeom>
-          <a:noFill/>
-          <a:ln>
-            <a:noFill/>
-          </a:ln>
-        </p:spPr>
-      </p:pic>
-    </p:spTree>
-    <p:extLst>
-      <p:ext uri="{BB962C8B-B14F-4D97-AF65-F5344CB8AC3E}">
-        <p14:creationId xmlns:p14="http://schemas.microsoft.com/office/powerpoint/2010/main" val="190005929"/>
-      </p:ext>
-    </p:extLst>
-  </p:cSld>
-  <p:clrMapOvr>
-    <a:masterClrMapping/>
-  </p:clrMapOvr>
-</p:sld>
-</file>
-
-<file path=ppt/slides/slide11.xml><?xml version="1.0" encoding="utf-8"?>
-<p:sld xmlns:a="http://schemas.openxmlformats.org/drawingml/2006/main" xmlns:r="http://schemas.openxmlformats.org/officeDocument/2006/relationships" xmlns:p="http://schemas.openxmlformats.org/presentationml/2006/main">
-  <p:cSld>
-    <p:spTree>
-      <p:nvGrpSpPr>
-        <p:cNvPr id="1" name=""/>
-        <p:cNvGrpSpPr/>
-        <p:nvPr/>
-      </p:nvGrpSpPr>
-      <p:grpSpPr>
-        <a:xfrm>
-          <a:off x="0" y="0"/>
-          <a:ext cx="0" cy="0"/>
-          <a:chOff x="0" y="0"/>
-          <a:chExt cx="0" cy="0"/>
-        </a:xfrm>
-      </p:grpSpPr>
-      <p:sp>
-        <p:nvSpPr>
-          <p:cNvPr id="2" name="Заголовок 1"/>
-          <p:cNvSpPr>
-            <a:spLocks noGrp="1"/>
-          </p:cNvSpPr>
-          <p:nvPr>
-            <p:ph type="title"/>
-          </p:nvPr>
-        </p:nvSpPr>
-        <p:spPr>
-          <a:xfrm>
             <a:off x="946404" y="177420"/>
             <a:ext cx="7242253" cy="735979"/>
           </a:xfrm>
@@ -10509,7 +10455,7 @@
           <a:p>
             <a:fld id="{B8FD4787-A815-42E7-9C3F-EE8E3DD8A60B}" type="slidenum">
               <a:rPr lang="ru-RU" smtClean="0"/>
-              <a:t>11</a:t>
+              <a:t>10</a:t>
             </a:fld>
             <a:endParaRPr lang="ru-RU"/>
           </a:p>
@@ -10653,6 +10599,130 @@
   <p:clrMapOvr>
     <a:masterClrMapping/>
   </p:clrMapOvr>
+  <p:timing>
+    <p:tnLst>
+      <p:par>
+        <p:cTn id="1" dur="indefinite" restart="never" nodeType="tmRoot"/>
+      </p:par>
+    </p:tnLst>
+  </p:timing>
+</p:sld>
+</file>
+
+<file path=ppt/slides/slide11.xml><?xml version="1.0" encoding="utf-8"?>
+<p:sld xmlns:a="http://schemas.openxmlformats.org/drawingml/2006/main" xmlns:r="http://schemas.openxmlformats.org/officeDocument/2006/relationships" xmlns:p="http://schemas.openxmlformats.org/presentationml/2006/main">
+  <p:cSld>
+    <p:spTree>
+      <p:nvGrpSpPr>
+        <p:cNvPr id="1" name=""/>
+        <p:cNvGrpSpPr/>
+        <p:nvPr/>
+      </p:nvGrpSpPr>
+      <p:grpSpPr>
+        <a:xfrm>
+          <a:off x="0" y="0"/>
+          <a:ext cx="0" cy="0"/>
+          <a:chOff x="0" y="0"/>
+          <a:chExt cx="0" cy="0"/>
+        </a:xfrm>
+      </p:grpSpPr>
+      <p:sp>
+        <p:nvSpPr>
+          <p:cNvPr id="2" name="Заголовок 1"/>
+          <p:cNvSpPr>
+            <a:spLocks noGrp="1"/>
+          </p:cNvSpPr>
+          <p:nvPr>
+            <p:ph type="title"/>
+          </p:nvPr>
+        </p:nvSpPr>
+        <p:spPr>
+          <a:xfrm>
+            <a:off x="564267" y="147396"/>
+            <a:ext cx="7269480" cy="1325562"/>
+          </a:xfrm>
+        </p:spPr>
+        <p:txBody>
+          <a:bodyPr/>
+          <a:lstStyle/>
+          <a:p>
+            <a:r>
+              <a:rPr lang="ru-RU" dirty="0" smtClean="0"/>
+              <a:t>Реализация</a:t>
+            </a:r>
+            <a:endParaRPr lang="ru-RU" dirty="0"/>
+          </a:p>
+        </p:txBody>
+      </p:sp>
+      <p:pic>
+        <p:nvPicPr>
+          <p:cNvPr id="5" name="Объект 4"/>
+          <p:cNvPicPr>
+            <a:picLocks noGrp="1" noChangeAspect="1"/>
+          </p:cNvPicPr>
+          <p:nvPr>
+            <p:ph idx="1"/>
+          </p:nvPr>
+        </p:nvPicPr>
+        <p:blipFill>
+          <a:blip r:embed="rId2">
+            <a:extLst>
+              <a:ext uri="{28A0092B-C50C-407E-A947-70E740481C1C}">
+                <a14:useLocalDpi xmlns:a14="http://schemas.microsoft.com/office/drawing/2010/main" val="0"/>
+              </a:ext>
+            </a:extLst>
+          </a:blip>
+          <a:stretch>
+            <a:fillRect/>
+          </a:stretch>
+        </p:blipFill>
+        <p:spPr>
+          <a:xfrm>
+            <a:off x="564266" y="1939568"/>
+            <a:ext cx="7535677" cy="3710605"/>
+          </a:xfrm>
+        </p:spPr>
+      </p:pic>
+      <p:sp>
+        <p:nvSpPr>
+          <p:cNvPr id="4" name="Номер слайда 3"/>
+          <p:cNvSpPr>
+            <a:spLocks noGrp="1"/>
+          </p:cNvSpPr>
+          <p:nvPr>
+            <p:ph type="sldNum" sz="quarter" idx="12"/>
+          </p:nvPr>
+        </p:nvSpPr>
+        <p:spPr/>
+        <p:txBody>
+          <a:bodyPr/>
+          <a:lstStyle/>
+          <a:p>
+            <a:fld id="{B8FD4787-A815-42E7-9C3F-EE8E3DD8A60B}" type="slidenum">
+              <a:rPr lang="ru-RU" smtClean="0"/>
+              <a:t>11</a:t>
+            </a:fld>
+            <a:endParaRPr lang="ru-RU"/>
+          </a:p>
+        </p:txBody>
+      </p:sp>
+    </p:spTree>
+    <p:extLst>
+      <p:ext uri="{BB962C8B-B14F-4D97-AF65-F5344CB8AC3E}">
+        <p14:creationId xmlns:p14="http://schemas.microsoft.com/office/powerpoint/2010/main" val="2532320195"/>
+      </p:ext>
+    </p:extLst>
+  </p:cSld>
+  <p:clrMapOvr>
+    <a:masterClrMapping/>
+  </p:clrMapOvr>
+  <p:timing>
+    <p:tnLst>
+      <p:par>
+        <p:cTn id="1" dur="indefinite" restart="never" nodeType="tmRoot"/>
+      </p:par>
+    </p:tnLst>
+  </p:timing>
 </p:sld>
 </file>
 
@@ -10685,116 +10755,6 @@
         </p:nvSpPr>
         <p:spPr>
           <a:xfrm>
-            <a:off x="564267" y="147396"/>
-            <a:ext cx="7269480" cy="1325562"/>
-          </a:xfrm>
-        </p:spPr>
-        <p:txBody>
-          <a:bodyPr/>
-          <a:lstStyle/>
-          <a:p>
-            <a:r>
-              <a:rPr lang="ru-RU" dirty="0" smtClean="0"/>
-              <a:t>Реализация</a:t>
-            </a:r>
-            <a:endParaRPr lang="ru-RU" dirty="0"/>
-          </a:p>
-        </p:txBody>
-      </p:sp>
-      <p:pic>
-        <p:nvPicPr>
-          <p:cNvPr id="5" name="Объект 4"/>
-          <p:cNvPicPr>
-            <a:picLocks noGrp="1" noChangeAspect="1"/>
-          </p:cNvPicPr>
-          <p:nvPr>
-            <p:ph idx="1"/>
-          </p:nvPr>
-        </p:nvPicPr>
-        <p:blipFill>
-          <a:blip r:embed="rId2">
-            <a:extLst>
-              <a:ext uri="{28A0092B-C50C-407E-A947-70E740481C1C}">
-                <a14:useLocalDpi xmlns:a14="http://schemas.microsoft.com/office/drawing/2010/main" val="0"/>
-              </a:ext>
-            </a:extLst>
-          </a:blip>
-          <a:stretch>
-            <a:fillRect/>
-          </a:stretch>
-        </p:blipFill>
-        <p:spPr>
-          <a:xfrm>
-            <a:off x="564266" y="1939568"/>
-            <a:ext cx="7535677" cy="3710605"/>
-          </a:xfrm>
-        </p:spPr>
-      </p:pic>
-      <p:sp>
-        <p:nvSpPr>
-          <p:cNvPr id="4" name="Номер слайда 3"/>
-          <p:cNvSpPr>
-            <a:spLocks noGrp="1"/>
-          </p:cNvSpPr>
-          <p:nvPr>
-            <p:ph type="sldNum" sz="quarter" idx="12"/>
-          </p:nvPr>
-        </p:nvSpPr>
-        <p:spPr/>
-        <p:txBody>
-          <a:bodyPr/>
-          <a:lstStyle/>
-          <a:p>
-            <a:fld id="{B8FD4787-A815-42E7-9C3F-EE8E3DD8A60B}" type="slidenum">
-              <a:rPr lang="ru-RU" smtClean="0"/>
-              <a:t>12</a:t>
-            </a:fld>
-            <a:endParaRPr lang="ru-RU"/>
-          </a:p>
-        </p:txBody>
-      </p:sp>
-    </p:spTree>
-    <p:extLst>
-      <p:ext uri="{BB962C8B-B14F-4D97-AF65-F5344CB8AC3E}">
-        <p14:creationId xmlns:p14="http://schemas.microsoft.com/office/powerpoint/2010/main" val="2532320195"/>
-      </p:ext>
-    </p:extLst>
-  </p:cSld>
-  <p:clrMapOvr>
-    <a:masterClrMapping/>
-  </p:clrMapOvr>
-</p:sld>
-</file>
-
-<file path=ppt/slides/slide13.xml><?xml version="1.0" encoding="utf-8"?>
-<p:sld xmlns:a="http://schemas.openxmlformats.org/drawingml/2006/main" xmlns:r="http://schemas.openxmlformats.org/officeDocument/2006/relationships" xmlns:p="http://schemas.openxmlformats.org/presentationml/2006/main">
-  <p:cSld>
-    <p:spTree>
-      <p:nvGrpSpPr>
-        <p:cNvPr id="1" name=""/>
-        <p:cNvGrpSpPr/>
-        <p:nvPr/>
-      </p:nvGrpSpPr>
-      <p:grpSpPr>
-        <a:xfrm>
-          <a:off x="0" y="0"/>
-          <a:ext cx="0" cy="0"/>
-          <a:chOff x="0" y="0"/>
-          <a:chExt cx="0" cy="0"/>
-        </a:xfrm>
-      </p:grpSpPr>
-      <p:sp>
-        <p:nvSpPr>
-          <p:cNvPr id="2" name="Заголовок 1"/>
-          <p:cNvSpPr>
-            <a:spLocks noGrp="1"/>
-          </p:cNvSpPr>
-          <p:nvPr>
-            <p:ph type="title"/>
-          </p:nvPr>
-        </p:nvSpPr>
-        <p:spPr>
-          <a:xfrm>
             <a:off x="765915" y="337185"/>
             <a:ext cx="7269480" cy="1325562"/>
           </a:xfrm>
@@ -10836,7 +10796,7 @@
           <a:p>
             <a:fld id="{B8FD4787-A815-42E7-9C3F-EE8E3DD8A60B}" type="slidenum">
               <a:rPr lang="ru-RU" smtClean="0"/>
-              <a:t>13</a:t>
+              <a:t>12</a:t>
             </a:fld>
             <a:endParaRPr lang="ru-RU"/>
           </a:p>
@@ -10895,10 +10855,17 @@
   <p:clrMapOvr>
     <a:masterClrMapping/>
   </p:clrMapOvr>
+  <p:timing>
+    <p:tnLst>
+      <p:par>
+        <p:cTn id="1" dur="indefinite" restart="never" nodeType="tmRoot"/>
+      </p:par>
+    </p:tnLst>
+  </p:timing>
 </p:sld>
 </file>
 
-<file path=ppt/slides/slide14.xml><?xml version="1.0" encoding="utf-8"?>
+<file path=ppt/slides/slide13.xml><?xml version="1.0" encoding="utf-8"?>
 <p:sld xmlns:a="http://schemas.openxmlformats.org/drawingml/2006/main" xmlns:r="http://schemas.openxmlformats.org/officeDocument/2006/relationships" xmlns:p="http://schemas.openxmlformats.org/presentationml/2006/main">
   <p:cSld>
     <p:spTree>
@@ -10927,8 +10894,8 @@
         </p:nvSpPr>
         <p:spPr>
           <a:xfrm>
-            <a:off x="542925" y="165735"/>
-            <a:ext cx="7269480" cy="1325562"/>
+            <a:off x="274477" y="165735"/>
+            <a:ext cx="4951864" cy="1325562"/>
           </a:xfrm>
         </p:spPr>
         <p:txBody>
@@ -10970,8 +10937,8 @@
         </p:nvSpPr>
         <p:spPr>
           <a:xfrm>
-            <a:off x="542925" y="1820864"/>
-            <a:ext cx="6446520" cy="4351337"/>
+            <a:off x="274477" y="1642661"/>
+            <a:ext cx="4414969" cy="4351337"/>
           </a:xfrm>
         </p:spPr>
         <p:txBody>
@@ -11017,7 +10984,7 @@
           <a:p>
             <a:fld id="{B8FD4787-A815-42E7-9C3F-EE8E3DD8A60B}" type="slidenum">
               <a:rPr lang="ru-RU" smtClean="0"/>
-              <a:t>14</a:t>
+              <a:t>13</a:t>
             </a:fld>
             <a:endParaRPr lang="ru-RU"/>
           </a:p>
@@ -11032,7 +10999,7 @@
           <p:nvPr/>
         </p:nvPicPr>
         <p:blipFill>
-          <a:blip r:embed="rId2">
+          <a:blip r:embed="rId3">
             <a:extLst>
               <a:ext uri="{28A0092B-C50C-407E-A947-70E740481C1C}">
                 <a14:useLocalDpi xmlns:a14="http://schemas.microsoft.com/office/drawing/2010/main" val="0"/>
@@ -11046,7 +11013,7 @@
         </p:blipFill>
         <p:spPr bwMode="auto">
           <a:xfrm>
-            <a:off x="542925" y="3160368"/>
+            <a:off x="542925" y="3898600"/>
             <a:ext cx="3716438" cy="2833630"/>
           </a:xfrm>
           <a:prstGeom prst="rect">
@@ -11073,7 +11040,7 @@
           <p:nvPr/>
         </p:nvPicPr>
         <p:blipFill>
-          <a:blip r:embed="rId3">
+          <a:blip r:embed="rId4">
             <a:extLst>
               <a:ext uri="{28A0092B-C50C-407E-A947-70E740481C1C}">
                 <a14:useLocalDpi xmlns:a14="http://schemas.microsoft.com/office/drawing/2010/main" val="0"/>
@@ -11087,7 +11054,7 @@
         </p:blipFill>
         <p:spPr bwMode="auto">
           <a:xfrm>
-            <a:off x="4259363" y="3055924"/>
+            <a:off x="4259363" y="3794156"/>
             <a:ext cx="3798787" cy="2938074"/>
           </a:xfrm>
           <a:prstGeom prst="rect">
@@ -11105,6 +11072,483 @@
           </a:extLst>
         </p:spPr>
       </p:pic>
+      <p:sp>
+        <p:nvSpPr>
+          <p:cNvPr id="7" name="Объект 2"/>
+          <p:cNvSpPr txBox="1">
+            <a:spLocks/>
+          </p:cNvSpPr>
+          <p:nvPr/>
+        </p:nvSpPr>
+        <p:spPr>
+          <a:xfrm>
+            <a:off x="4929056" y="23586"/>
+            <a:ext cx="3261892" cy="4351337"/>
+          </a:xfrm>
+          <a:prstGeom prst="rect">
+            <a:avLst/>
+          </a:prstGeom>
+        </p:spPr>
+        <p:txBody>
+          <a:bodyPr vert="horz" lIns="91440" tIns="45720" rIns="91440" bIns="45720" rtlCol="0">
+            <a:normAutofit/>
+          </a:bodyPr>
+          <a:lstStyle>
+            <a:lvl1pPr marL="182880" indent="-182880" algn="l" defTabSz="914400" rtl="0" eaLnBrk="1" latinLnBrk="0" hangingPunct="1">
+              <a:lnSpc>
+                <a:spcPct val="95000"/>
+              </a:lnSpc>
+              <a:spcBef>
+                <a:spcPts val="1400"/>
+              </a:spcBef>
+              <a:spcAft>
+                <a:spcPts val="200"/>
+              </a:spcAft>
+              <a:buClr>
+                <a:schemeClr val="accent1"/>
+              </a:buClr>
+              <a:buSzPct val="80000"/>
+              <a:buFont typeface="Arial" pitchFamily="34" charset="0"/>
+              <a:buChar char="•"/>
+              <a:defRPr sz="1800" kern="1200" spc="10" baseline="0">
+                <a:solidFill>
+                  <a:schemeClr val="tx1"/>
+                </a:solidFill>
+                <a:latin typeface="+mn-lt"/>
+                <a:ea typeface="+mn-ea"/>
+                <a:cs typeface="+mn-cs"/>
+              </a:defRPr>
+            </a:lvl1pPr>
+            <a:lvl2pPr marL="457200" indent="-182880" algn="l" defTabSz="914400" rtl="0" eaLnBrk="1" latinLnBrk="0" hangingPunct="1">
+              <a:lnSpc>
+                <a:spcPct val="90000"/>
+              </a:lnSpc>
+              <a:spcBef>
+                <a:spcPts val="300"/>
+              </a:spcBef>
+              <a:spcAft>
+                <a:spcPts val="300"/>
+              </a:spcAft>
+              <a:buClr>
+                <a:schemeClr val="accent1"/>
+              </a:buClr>
+              <a:buFont typeface="Wingdings 2" pitchFamily="18" charset="2"/>
+              <a:buChar char=""/>
+              <a:defRPr sz="1600" kern="1200">
+                <a:solidFill>
+                  <a:schemeClr val="tx1">
+                    <a:lumMod val="85000"/>
+                    <a:lumOff val="15000"/>
+                  </a:schemeClr>
+                </a:solidFill>
+                <a:latin typeface="+mn-lt"/>
+                <a:ea typeface="+mn-ea"/>
+                <a:cs typeface="+mn-cs"/>
+              </a:defRPr>
+            </a:lvl2pPr>
+            <a:lvl3pPr marL="731520" indent="-182880" algn="l" defTabSz="914400" rtl="0" eaLnBrk="1" latinLnBrk="0" hangingPunct="1">
+              <a:lnSpc>
+                <a:spcPct val="90000"/>
+              </a:lnSpc>
+              <a:spcBef>
+                <a:spcPts val="300"/>
+              </a:spcBef>
+              <a:spcAft>
+                <a:spcPts val="300"/>
+              </a:spcAft>
+              <a:buClr>
+                <a:schemeClr val="accent1"/>
+              </a:buClr>
+              <a:buFont typeface="Wingdings 2" pitchFamily="18" charset="2"/>
+              <a:buChar char=""/>
+              <a:defRPr sz="1400" kern="1200">
+                <a:solidFill>
+                  <a:schemeClr val="tx1">
+                    <a:lumMod val="85000"/>
+                    <a:lumOff val="15000"/>
+                  </a:schemeClr>
+                </a:solidFill>
+                <a:latin typeface="+mn-lt"/>
+                <a:ea typeface="+mn-ea"/>
+                <a:cs typeface="+mn-cs"/>
+              </a:defRPr>
+            </a:lvl3pPr>
+            <a:lvl4pPr marL="1005840" indent="-182880" algn="l" defTabSz="914400" rtl="0" eaLnBrk="1" latinLnBrk="0" hangingPunct="1">
+              <a:lnSpc>
+                <a:spcPct val="90000"/>
+              </a:lnSpc>
+              <a:spcBef>
+                <a:spcPts val="300"/>
+              </a:spcBef>
+              <a:spcAft>
+                <a:spcPts val="300"/>
+              </a:spcAft>
+              <a:buClr>
+                <a:schemeClr val="accent1"/>
+              </a:buClr>
+              <a:buFont typeface="Wingdings 2" pitchFamily="18" charset="2"/>
+              <a:buChar char=""/>
+              <a:defRPr sz="1400" kern="1200">
+                <a:solidFill>
+                  <a:schemeClr val="tx1">
+                    <a:lumMod val="85000"/>
+                    <a:lumOff val="15000"/>
+                  </a:schemeClr>
+                </a:solidFill>
+                <a:latin typeface="+mn-lt"/>
+                <a:ea typeface="+mn-ea"/>
+                <a:cs typeface="+mn-cs"/>
+              </a:defRPr>
+            </a:lvl4pPr>
+            <a:lvl5pPr marL="1280160" indent="-182880" algn="l" defTabSz="914400" rtl="0" eaLnBrk="1" latinLnBrk="0" hangingPunct="1">
+              <a:lnSpc>
+                <a:spcPct val="90000"/>
+              </a:lnSpc>
+              <a:spcBef>
+                <a:spcPts val="300"/>
+              </a:spcBef>
+              <a:spcAft>
+                <a:spcPts val="300"/>
+              </a:spcAft>
+              <a:buClr>
+                <a:schemeClr val="accent1"/>
+              </a:buClr>
+              <a:buFont typeface="Wingdings 2" pitchFamily="18" charset="2"/>
+              <a:buChar char=""/>
+              <a:defRPr sz="1400" kern="1200">
+                <a:solidFill>
+                  <a:schemeClr val="tx1">
+                    <a:lumMod val="85000"/>
+                    <a:lumOff val="15000"/>
+                  </a:schemeClr>
+                </a:solidFill>
+                <a:latin typeface="+mn-lt"/>
+                <a:ea typeface="+mn-ea"/>
+                <a:cs typeface="+mn-cs"/>
+              </a:defRPr>
+            </a:lvl5pPr>
+            <a:lvl6pPr marL="1600000" indent="-228600" algn="l" defTabSz="914400" rtl="0" eaLnBrk="1" latinLnBrk="0" hangingPunct="1">
+              <a:lnSpc>
+                <a:spcPct val="90000"/>
+              </a:lnSpc>
+              <a:spcBef>
+                <a:spcPts val="300"/>
+              </a:spcBef>
+              <a:spcAft>
+                <a:spcPts val="300"/>
+              </a:spcAft>
+              <a:buClr>
+                <a:schemeClr val="accent1"/>
+              </a:buClr>
+              <a:buFont typeface="Wingdings 2" pitchFamily="18" charset="2"/>
+              <a:buChar char=""/>
+              <a:defRPr sz="1400" kern="1200">
+                <a:solidFill>
+                  <a:schemeClr val="tx1">
+                    <a:lumMod val="85000"/>
+                    <a:lumOff val="15000"/>
+                  </a:schemeClr>
+                </a:solidFill>
+                <a:latin typeface="+mn-lt"/>
+                <a:ea typeface="+mn-ea"/>
+                <a:cs typeface="+mn-cs"/>
+              </a:defRPr>
+            </a:lvl6pPr>
+            <a:lvl7pPr marL="1900000" indent="-228600" algn="l" defTabSz="914400" rtl="0" eaLnBrk="1" latinLnBrk="0" hangingPunct="1">
+              <a:lnSpc>
+                <a:spcPct val="90000"/>
+              </a:lnSpc>
+              <a:spcBef>
+                <a:spcPts val="300"/>
+              </a:spcBef>
+              <a:spcAft>
+                <a:spcPts val="300"/>
+              </a:spcAft>
+              <a:buClr>
+                <a:schemeClr val="accent1"/>
+              </a:buClr>
+              <a:buFont typeface="Wingdings 2" pitchFamily="18" charset="2"/>
+              <a:buChar char=""/>
+              <a:defRPr sz="1400" kern="1200">
+                <a:solidFill>
+                  <a:schemeClr val="tx1">
+                    <a:lumMod val="85000"/>
+                    <a:lumOff val="15000"/>
+                  </a:schemeClr>
+                </a:solidFill>
+                <a:latin typeface="+mn-lt"/>
+                <a:ea typeface="+mn-ea"/>
+                <a:cs typeface="+mn-cs"/>
+              </a:defRPr>
+            </a:lvl7pPr>
+            <a:lvl8pPr marL="2200000" indent="-228600" algn="l" defTabSz="914400" rtl="0" eaLnBrk="1" latinLnBrk="0" hangingPunct="1">
+              <a:lnSpc>
+                <a:spcPct val="90000"/>
+              </a:lnSpc>
+              <a:spcBef>
+                <a:spcPts val="300"/>
+              </a:spcBef>
+              <a:spcAft>
+                <a:spcPts val="300"/>
+              </a:spcAft>
+              <a:buClr>
+                <a:schemeClr val="accent1"/>
+              </a:buClr>
+              <a:buFont typeface="Wingdings 2" pitchFamily="18" charset="2"/>
+              <a:buChar char=""/>
+              <a:defRPr sz="1400" kern="1200">
+                <a:solidFill>
+                  <a:schemeClr val="tx1">
+                    <a:lumMod val="85000"/>
+                    <a:lumOff val="15000"/>
+                  </a:schemeClr>
+                </a:solidFill>
+                <a:latin typeface="+mn-lt"/>
+                <a:ea typeface="+mn-ea"/>
+                <a:cs typeface="+mn-cs"/>
+              </a:defRPr>
+            </a:lvl8pPr>
+            <a:lvl9pPr marL="2500000" indent="-228600" algn="l" defTabSz="914400" rtl="0" eaLnBrk="1" latinLnBrk="0" hangingPunct="1">
+              <a:lnSpc>
+                <a:spcPct val="90000"/>
+              </a:lnSpc>
+              <a:spcBef>
+                <a:spcPts val="300"/>
+              </a:spcBef>
+              <a:spcAft>
+                <a:spcPts val="300"/>
+              </a:spcAft>
+              <a:buClr>
+                <a:schemeClr val="accent1"/>
+              </a:buClr>
+              <a:buFont typeface="Wingdings 2" pitchFamily="18" charset="2"/>
+              <a:buChar char=""/>
+              <a:defRPr sz="1400" kern="1200">
+                <a:solidFill>
+                  <a:schemeClr val="tx1">
+                    <a:lumMod val="85000"/>
+                    <a:lumOff val="15000"/>
+                  </a:schemeClr>
+                </a:solidFill>
+                <a:latin typeface="+mn-lt"/>
+                <a:ea typeface="+mn-ea"/>
+                <a:cs typeface="+mn-cs"/>
+              </a:defRPr>
+            </a:lvl9pPr>
+          </a:lstStyle>
+          <a:p>
+            <a:pPr marL="0" indent="0">
+              <a:buFont typeface="Arial" pitchFamily="34" charset="0"/>
+              <a:buNone/>
+            </a:pPr>
+            <a:r>
+              <a:rPr lang="ru-RU" sz="2400" dirty="0" smtClean="0">
+                <a:solidFill>
+                  <a:srgbClr val="FF0000"/>
+                </a:solidFill>
+              </a:rPr>
+              <a:t>Перечень запросов</a:t>
+            </a:r>
+            <a:endParaRPr lang="ru-RU" sz="2400" dirty="0">
+              <a:solidFill>
+                <a:srgbClr val="FF0000"/>
+              </a:solidFill>
+            </a:endParaRPr>
+          </a:p>
+        </p:txBody>
+      </p:sp>
+      <p:sp>
+        <p:nvSpPr>
+          <p:cNvPr id="6" name="Равнобедренный треугольник 5"/>
+          <p:cNvSpPr/>
+          <p:nvPr/>
+        </p:nvSpPr>
+        <p:spPr>
+          <a:xfrm rot="19271772">
+            <a:off x="222128" y="3794524"/>
+            <a:ext cx="3590488" cy="1413609"/>
+          </a:xfrm>
+          <a:prstGeom prst="triangle">
+            <a:avLst/>
+          </a:prstGeom>
+          <a:solidFill>
+            <a:srgbClr val="92D050">
+              <a:alpha val="38039"/>
+            </a:srgbClr>
+          </a:solidFill>
+        </p:spPr>
+        <p:style>
+          <a:lnRef idx="2">
+            <a:schemeClr val="accent1">
+              <a:shade val="50000"/>
+            </a:schemeClr>
+          </a:lnRef>
+          <a:fillRef idx="1">
+            <a:schemeClr val="accent1"/>
+          </a:fillRef>
+          <a:effectRef idx="0">
+            <a:schemeClr val="accent1"/>
+          </a:effectRef>
+          <a:fontRef idx="minor">
+            <a:schemeClr val="lt1"/>
+          </a:fontRef>
+        </p:style>
+        <p:txBody>
+          <a:bodyPr rtlCol="0" anchor="ctr"/>
+          <a:lstStyle/>
+          <a:p>
+            <a:pPr algn="ctr"/>
+            <a:endParaRPr lang="ru-RU"/>
+          </a:p>
+        </p:txBody>
+      </p:sp>
+      <p:sp>
+        <p:nvSpPr>
+          <p:cNvPr id="10" name="Равнобедренный треугольник 9"/>
+          <p:cNvSpPr/>
+          <p:nvPr/>
+        </p:nvSpPr>
+        <p:spPr>
+          <a:xfrm rot="8477642">
+            <a:off x="1206002" y="4949203"/>
+            <a:ext cx="3640446" cy="1542853"/>
+          </a:xfrm>
+          <a:prstGeom prst="triangle">
+            <a:avLst>
+              <a:gd name="adj" fmla="val 45372"/>
+            </a:avLst>
+          </a:prstGeom>
+          <a:solidFill>
+            <a:srgbClr val="FF0000">
+              <a:alpha val="30196"/>
+            </a:srgbClr>
+          </a:solidFill>
+        </p:spPr>
+        <p:style>
+          <a:lnRef idx="2">
+            <a:schemeClr val="accent1">
+              <a:shade val="50000"/>
+            </a:schemeClr>
+          </a:lnRef>
+          <a:fillRef idx="1">
+            <a:schemeClr val="accent1"/>
+          </a:fillRef>
+          <a:effectRef idx="0">
+            <a:schemeClr val="accent1"/>
+          </a:effectRef>
+          <a:fontRef idx="minor">
+            <a:schemeClr val="lt1"/>
+          </a:fontRef>
+        </p:style>
+        <p:txBody>
+          <a:bodyPr rtlCol="0" anchor="ctr"/>
+          <a:lstStyle/>
+          <a:p>
+            <a:pPr algn="ctr"/>
+            <a:endParaRPr lang="ru-RU"/>
+          </a:p>
+        </p:txBody>
+      </p:sp>
+      <p:sp>
+        <p:nvSpPr>
+          <p:cNvPr id="8" name="Выноска 1 7"/>
+          <p:cNvSpPr/>
+          <p:nvPr/>
+        </p:nvSpPr>
+        <p:spPr>
+          <a:xfrm>
+            <a:off x="274477" y="2935850"/>
+            <a:ext cx="2342888" cy="612648"/>
+          </a:xfrm>
+          <a:prstGeom prst="borderCallout1">
+            <a:avLst>
+              <a:gd name="adj1" fmla="val 107754"/>
+              <a:gd name="adj2" fmla="val 75082"/>
+              <a:gd name="adj3" fmla="val 178226"/>
+              <a:gd name="adj4" fmla="val 76249"/>
+            </a:avLst>
+          </a:prstGeom>
+          <a:solidFill>
+            <a:srgbClr val="B6DF89"/>
+          </a:solidFill>
+        </p:spPr>
+        <p:style>
+          <a:lnRef idx="1">
+            <a:schemeClr val="accent2"/>
+          </a:lnRef>
+          <a:fillRef idx="2">
+            <a:schemeClr val="accent2"/>
+          </a:fillRef>
+          <a:effectRef idx="1">
+            <a:schemeClr val="accent2"/>
+          </a:effectRef>
+          <a:fontRef idx="minor">
+            <a:schemeClr val="dk1"/>
+          </a:fontRef>
+        </p:style>
+        <p:txBody>
+          <a:bodyPr rtlCol="0" anchor="ctr"/>
+          <a:lstStyle/>
+          <a:p>
+            <a:pPr algn="ctr"/>
+            <a:r>
+              <a:rPr lang="ru-RU" dirty="0" smtClean="0"/>
+              <a:t>Наша позиция выше конкурентов</a:t>
+            </a:r>
+            <a:endParaRPr lang="ru-RU" dirty="0"/>
+          </a:p>
+        </p:txBody>
+      </p:sp>
+      <p:sp>
+        <p:nvSpPr>
+          <p:cNvPr id="12" name="Выноска 1 11"/>
+          <p:cNvSpPr/>
+          <p:nvPr/>
+        </p:nvSpPr>
+        <p:spPr>
+          <a:xfrm>
+            <a:off x="2934187" y="2886503"/>
+            <a:ext cx="2342888" cy="612648"/>
+          </a:xfrm>
+          <a:prstGeom prst="borderCallout1">
+            <a:avLst>
+              <a:gd name="adj1" fmla="val 111862"/>
+              <a:gd name="adj2" fmla="val 44647"/>
+              <a:gd name="adj3" fmla="val 219305"/>
+              <a:gd name="adj4" fmla="val 39010"/>
+            </a:avLst>
+          </a:prstGeom>
+          <a:solidFill>
+            <a:srgbClr val="E67676"/>
+          </a:solidFill>
+        </p:spPr>
+        <p:style>
+          <a:lnRef idx="1">
+            <a:schemeClr val="accent2"/>
+          </a:lnRef>
+          <a:fillRef idx="2">
+            <a:schemeClr val="accent2"/>
+          </a:fillRef>
+          <a:effectRef idx="1">
+            <a:schemeClr val="accent2"/>
+          </a:effectRef>
+          <a:fontRef idx="minor">
+            <a:schemeClr val="dk1"/>
+          </a:fontRef>
+        </p:style>
+        <p:txBody>
+          <a:bodyPr rtlCol="0" anchor="ctr"/>
+          <a:lstStyle/>
+          <a:p>
+            <a:pPr algn="ctr"/>
+            <a:r>
+              <a:rPr lang="ru-RU" dirty="0" smtClean="0"/>
+              <a:t>Наша позиция ниже конкурентов</a:t>
+            </a:r>
+            <a:endParaRPr lang="ru-RU" dirty="0"/>
+          </a:p>
+        </p:txBody>
+      </p:sp>
     </p:spTree>
     <p:extLst>
       <p:ext uri="{BB962C8B-B14F-4D97-AF65-F5344CB8AC3E}">
@@ -11115,10 +11559,204 @@
   <p:clrMapOvr>
     <a:masterClrMapping/>
   </p:clrMapOvr>
+  <p:timing>
+    <p:tnLst>
+      <p:par>
+        <p:cTn id="1" dur="indefinite" restart="never" nodeType="tmRoot">
+          <p:childTnLst>
+            <p:seq concurrent="1" nextAc="seek">
+              <p:cTn id="2" dur="indefinite" nodeType="mainSeq">
+                <p:childTnLst>
+                  <p:par>
+                    <p:cTn id="3" fill="hold">
+                      <p:stCondLst>
+                        <p:cond delay="indefinite"/>
+                      </p:stCondLst>
+                      <p:childTnLst>
+                        <p:par>
+                          <p:cTn id="4" fill="hold">
+                            <p:stCondLst>
+                              <p:cond delay="0"/>
+                            </p:stCondLst>
+                            <p:childTnLst>
+                              <p:par>
+                                <p:cTn id="5" presetID="10" presetClass="entr" presetSubtype="0" fill="hold" grpId="0" nodeType="clickEffect">
+                                  <p:stCondLst>
+                                    <p:cond delay="0"/>
+                                  </p:stCondLst>
+                                  <p:childTnLst>
+                                    <p:set>
+                                      <p:cBhvr>
+                                        <p:cTn id="6" dur="1" fill="hold">
+                                          <p:stCondLst>
+                                            <p:cond delay="0"/>
+                                          </p:stCondLst>
+                                        </p:cTn>
+                                        <p:tgtEl>
+                                          <p:spTgt spid="10"/>
+                                        </p:tgtEl>
+                                        <p:attrNameLst>
+                                          <p:attrName>style.visibility</p:attrName>
+                                        </p:attrNameLst>
+                                      </p:cBhvr>
+                                      <p:to>
+                                        <p:strVal val="visible"/>
+                                      </p:to>
+                                    </p:set>
+                                    <p:animEffect transition="in" filter="fade">
+                                      <p:cBhvr>
+                                        <p:cTn id="7" dur="500"/>
+                                        <p:tgtEl>
+                                          <p:spTgt spid="10"/>
+                                        </p:tgtEl>
+                                      </p:cBhvr>
+                                    </p:animEffect>
+                                  </p:childTnLst>
+                                </p:cTn>
+                              </p:par>
+                              <p:par>
+                                <p:cTn id="8" presetID="10" presetClass="entr" presetSubtype="0" fill="hold" grpId="0" nodeType="withEffect">
+                                  <p:stCondLst>
+                                    <p:cond delay="0"/>
+                                  </p:stCondLst>
+                                  <p:childTnLst>
+                                    <p:set>
+                                      <p:cBhvr>
+                                        <p:cTn id="9" dur="1" fill="hold">
+                                          <p:stCondLst>
+                                            <p:cond delay="0"/>
+                                          </p:stCondLst>
+                                        </p:cTn>
+                                        <p:tgtEl>
+                                          <p:spTgt spid="6"/>
+                                        </p:tgtEl>
+                                        <p:attrNameLst>
+                                          <p:attrName>style.visibility</p:attrName>
+                                        </p:attrNameLst>
+                                      </p:cBhvr>
+                                      <p:to>
+                                        <p:strVal val="visible"/>
+                                      </p:to>
+                                    </p:set>
+                                    <p:animEffect transition="in" filter="fade">
+                                      <p:cBhvr>
+                                        <p:cTn id="10" dur="500"/>
+                                        <p:tgtEl>
+                                          <p:spTgt spid="6"/>
+                                        </p:tgtEl>
+                                      </p:cBhvr>
+                                    </p:animEffect>
+                                  </p:childTnLst>
+                                </p:cTn>
+                              </p:par>
+                              <p:par>
+                                <p:cTn id="11" presetID="10" presetClass="entr" presetSubtype="0" fill="hold" grpId="0" nodeType="withEffect">
+                                  <p:stCondLst>
+                                    <p:cond delay="0"/>
+                                  </p:stCondLst>
+                                  <p:childTnLst>
+                                    <p:set>
+                                      <p:cBhvr>
+                                        <p:cTn id="12" dur="1" fill="hold">
+                                          <p:stCondLst>
+                                            <p:cond delay="0"/>
+                                          </p:stCondLst>
+                                        </p:cTn>
+                                        <p:tgtEl>
+                                          <p:spTgt spid="8"/>
+                                        </p:tgtEl>
+                                        <p:attrNameLst>
+                                          <p:attrName>style.visibility</p:attrName>
+                                        </p:attrNameLst>
+                                      </p:cBhvr>
+                                      <p:to>
+                                        <p:strVal val="visible"/>
+                                      </p:to>
+                                    </p:set>
+                                    <p:animEffect transition="in" filter="fade">
+                                      <p:cBhvr>
+                                        <p:cTn id="13" dur="500"/>
+                                        <p:tgtEl>
+                                          <p:spTgt spid="8"/>
+                                        </p:tgtEl>
+                                      </p:cBhvr>
+                                    </p:animEffect>
+                                  </p:childTnLst>
+                                </p:cTn>
+                              </p:par>
+                              <p:par>
+                                <p:cTn id="14" presetID="10" presetClass="entr" presetSubtype="0" fill="hold" grpId="0" nodeType="withEffect">
+                                  <p:stCondLst>
+                                    <p:cond delay="0"/>
+                                  </p:stCondLst>
+                                  <p:childTnLst>
+                                    <p:set>
+                                      <p:cBhvr>
+                                        <p:cTn id="15" dur="1" fill="hold">
+                                          <p:stCondLst>
+                                            <p:cond delay="0"/>
+                                          </p:stCondLst>
+                                        </p:cTn>
+                                        <p:tgtEl>
+                                          <p:spTgt spid="12"/>
+                                        </p:tgtEl>
+                                        <p:attrNameLst>
+                                          <p:attrName>style.visibility</p:attrName>
+                                        </p:attrNameLst>
+                                      </p:cBhvr>
+                                      <p:to>
+                                        <p:strVal val="visible"/>
+                                      </p:to>
+                                    </p:set>
+                                    <p:animEffect transition="in" filter="fade">
+                                      <p:cBhvr>
+                                        <p:cTn id="16" dur="500"/>
+                                        <p:tgtEl>
+                                          <p:spTgt spid="12"/>
+                                        </p:tgtEl>
+                                      </p:cBhvr>
+                                    </p:animEffect>
+                                  </p:childTnLst>
+                                </p:cTn>
+                              </p:par>
+                            </p:childTnLst>
+                          </p:cTn>
+                        </p:par>
+                      </p:childTnLst>
+                    </p:cTn>
+                  </p:par>
+                </p:childTnLst>
+              </p:cTn>
+              <p:prevCondLst>
+                <p:cond evt="onPrev" delay="0">
+                  <p:tgtEl>
+                    <p:sldTgt/>
+                  </p:tgtEl>
+                </p:cond>
+              </p:prevCondLst>
+              <p:nextCondLst>
+                <p:cond evt="onNext" delay="0">
+                  <p:tgtEl>
+                    <p:sldTgt/>
+                  </p:tgtEl>
+                </p:cond>
+              </p:nextCondLst>
+            </p:seq>
+          </p:childTnLst>
+        </p:cTn>
+      </p:par>
+    </p:tnLst>
+    <p:bldLst>
+      <p:bldP spid="6" grpId="0" animBg="1"/>
+      <p:bldP spid="10" grpId="0" animBg="1"/>
+      <p:bldP spid="8" grpId="0" animBg="1"/>
+      <p:bldP spid="12" grpId="0" animBg="1"/>
+    </p:bldLst>
+  </p:timing>
 </p:sld>
 </file>
 
-<file path=ppt/slides/slide15.xml><?xml version="1.0" encoding="utf-8"?>
+<file path=ppt/slides/slide14.xml><?xml version="1.0" encoding="utf-8"?>
 <p:sld xmlns:a="http://schemas.openxmlformats.org/drawingml/2006/main" xmlns:r="http://schemas.openxmlformats.org/officeDocument/2006/relationships" xmlns:p="http://schemas.openxmlformats.org/presentationml/2006/main">
   <p:cSld>
     <p:spTree>
@@ -11180,7 +11818,7 @@
           <a:p>
             <a:fld id="{B8FD4787-A815-42E7-9C3F-EE8E3DD8A60B}" type="slidenum">
               <a:rPr lang="ru-RU" smtClean="0"/>
-              <a:t>15</a:t>
+              <a:t>14</a:t>
             </a:fld>
             <a:endParaRPr lang="ru-RU"/>
           </a:p>
@@ -11194,7 +11832,7 @@
         </p:nvSpPr>
         <p:spPr>
           <a:xfrm>
-            <a:off x="5514975" y="2236787"/>
+            <a:off x="5028413" y="4476650"/>
             <a:ext cx="457200" cy="300038"/>
           </a:xfrm>
           <a:prstGeom prst="rect">
@@ -11237,7 +11875,7 @@
         </p:nvSpPr>
         <p:spPr>
           <a:xfrm>
-            <a:off x="5514975" y="2695578"/>
+            <a:off x="5028413" y="4817995"/>
             <a:ext cx="457200" cy="300038"/>
           </a:xfrm>
           <a:prstGeom prst="rect">
@@ -11280,7 +11918,7 @@
         </p:nvSpPr>
         <p:spPr>
           <a:xfrm>
-            <a:off x="5514975" y="3176590"/>
+            <a:off x="5028413" y="5164783"/>
             <a:ext cx="457200" cy="300038"/>
           </a:xfrm>
           <a:prstGeom prst="rect">
@@ -11323,7 +11961,7 @@
         </p:nvSpPr>
         <p:spPr>
           <a:xfrm>
-            <a:off x="5514975" y="3657602"/>
+            <a:off x="5020024" y="5519960"/>
             <a:ext cx="457200" cy="300038"/>
           </a:xfrm>
           <a:prstGeom prst="rect">
@@ -11366,7 +12004,7 @@
         </p:nvSpPr>
         <p:spPr>
           <a:xfrm>
-            <a:off x="5514975" y="4191001"/>
+            <a:off x="5020024" y="5885579"/>
             <a:ext cx="457200" cy="300038"/>
           </a:xfrm>
           <a:prstGeom prst="rect">
@@ -11409,7 +12047,7 @@
         </p:nvSpPr>
         <p:spPr>
           <a:xfrm>
-            <a:off x="5514975" y="4672013"/>
+            <a:off x="5020024" y="6232367"/>
             <a:ext cx="457200" cy="300038"/>
           </a:xfrm>
           <a:prstGeom prst="rect">
@@ -11452,7 +12090,7 @@
         </p:nvSpPr>
         <p:spPr>
           <a:xfrm>
-            <a:off x="6086475" y="2170149"/>
+            <a:off x="5599913" y="4410012"/>
             <a:ext cx="1143000" cy="369332"/>
           </a:xfrm>
           <a:prstGeom prst="rect">
@@ -11482,7 +12120,7 @@
         </p:nvSpPr>
         <p:spPr>
           <a:xfrm>
-            <a:off x="6086474" y="2644259"/>
+            <a:off x="5599912" y="4766676"/>
             <a:ext cx="1257301" cy="369332"/>
           </a:xfrm>
           <a:prstGeom prst="rect">
@@ -11512,7 +12150,7 @@
         </p:nvSpPr>
         <p:spPr>
           <a:xfrm>
-            <a:off x="6086474" y="3118369"/>
+            <a:off x="5599912" y="5106562"/>
             <a:ext cx="2214563" cy="369332"/>
           </a:xfrm>
           <a:prstGeom prst="rect">
@@ -11542,7 +12180,7 @@
         </p:nvSpPr>
         <p:spPr>
           <a:xfrm>
-            <a:off x="6086475" y="3622955"/>
+            <a:off x="5591524" y="5485313"/>
             <a:ext cx="2354580" cy="369332"/>
           </a:xfrm>
           <a:prstGeom prst="rect">
@@ -11572,7 +12210,7 @@
         </p:nvSpPr>
         <p:spPr>
           <a:xfrm>
-            <a:off x="6086474" y="4140850"/>
+            <a:off x="5591523" y="5835428"/>
             <a:ext cx="1143000" cy="369332"/>
           </a:xfrm>
           <a:prstGeom prst="rect">
@@ -11602,7 +12240,7 @@
         </p:nvSpPr>
         <p:spPr>
           <a:xfrm>
-            <a:off x="6086475" y="4595241"/>
+            <a:off x="5591524" y="6155595"/>
             <a:ext cx="1143000" cy="369332"/>
           </a:xfrm>
           <a:prstGeom prst="rect">
@@ -11644,7 +12282,7 @@
         </p:blipFill>
         <p:spPr>
           <a:xfrm>
-            <a:off x="457203" y="1710154"/>
+            <a:off x="138421" y="2632944"/>
             <a:ext cx="4616771" cy="4194934"/>
           </a:xfrm>
           <a:prstGeom prst="rect">
@@ -11652,6 +12290,291 @@
           </a:prstGeom>
         </p:spPr>
       </p:pic>
+      <p:sp>
+        <p:nvSpPr>
+          <p:cNvPr id="20" name="Объект 2"/>
+          <p:cNvSpPr txBox="1">
+            <a:spLocks/>
+          </p:cNvSpPr>
+          <p:nvPr/>
+        </p:nvSpPr>
+        <p:spPr>
+          <a:xfrm>
+            <a:off x="4929056" y="23586"/>
+            <a:ext cx="3261892" cy="4351337"/>
+          </a:xfrm>
+          <a:prstGeom prst="rect">
+            <a:avLst/>
+          </a:prstGeom>
+        </p:spPr>
+        <p:txBody>
+          <a:bodyPr vert="horz" lIns="91440" tIns="45720" rIns="91440" bIns="45720" rtlCol="0">
+            <a:normAutofit/>
+          </a:bodyPr>
+          <a:lstStyle>
+            <a:lvl1pPr marL="182880" indent="-182880" algn="l" defTabSz="914400" rtl="0" eaLnBrk="1" latinLnBrk="0" hangingPunct="1">
+              <a:lnSpc>
+                <a:spcPct val="95000"/>
+              </a:lnSpc>
+              <a:spcBef>
+                <a:spcPts val="1400"/>
+              </a:spcBef>
+              <a:spcAft>
+                <a:spcPts val="200"/>
+              </a:spcAft>
+              <a:buClr>
+                <a:schemeClr val="accent1"/>
+              </a:buClr>
+              <a:buSzPct val="80000"/>
+              <a:buFont typeface="Arial" pitchFamily="34" charset="0"/>
+              <a:buChar char="•"/>
+              <a:defRPr sz="1800" kern="1200" spc="10" baseline="0">
+                <a:solidFill>
+                  <a:schemeClr val="tx1"/>
+                </a:solidFill>
+                <a:latin typeface="+mn-lt"/>
+                <a:ea typeface="+mn-ea"/>
+                <a:cs typeface="+mn-cs"/>
+              </a:defRPr>
+            </a:lvl1pPr>
+            <a:lvl2pPr marL="457200" indent="-182880" algn="l" defTabSz="914400" rtl="0" eaLnBrk="1" latinLnBrk="0" hangingPunct="1">
+              <a:lnSpc>
+                <a:spcPct val="90000"/>
+              </a:lnSpc>
+              <a:spcBef>
+                <a:spcPts val="300"/>
+              </a:spcBef>
+              <a:spcAft>
+                <a:spcPts val="300"/>
+              </a:spcAft>
+              <a:buClr>
+                <a:schemeClr val="accent1"/>
+              </a:buClr>
+              <a:buFont typeface="Wingdings 2" pitchFamily="18" charset="2"/>
+              <a:buChar char=""/>
+              <a:defRPr sz="1600" kern="1200">
+                <a:solidFill>
+                  <a:schemeClr val="tx1">
+                    <a:lumMod val="85000"/>
+                    <a:lumOff val="15000"/>
+                  </a:schemeClr>
+                </a:solidFill>
+                <a:latin typeface="+mn-lt"/>
+                <a:ea typeface="+mn-ea"/>
+                <a:cs typeface="+mn-cs"/>
+              </a:defRPr>
+            </a:lvl2pPr>
+            <a:lvl3pPr marL="731520" indent="-182880" algn="l" defTabSz="914400" rtl="0" eaLnBrk="1" latinLnBrk="0" hangingPunct="1">
+              <a:lnSpc>
+                <a:spcPct val="90000"/>
+              </a:lnSpc>
+              <a:spcBef>
+                <a:spcPts val="300"/>
+              </a:spcBef>
+              <a:spcAft>
+                <a:spcPts val="300"/>
+              </a:spcAft>
+              <a:buClr>
+                <a:schemeClr val="accent1"/>
+              </a:buClr>
+              <a:buFont typeface="Wingdings 2" pitchFamily="18" charset="2"/>
+              <a:buChar char=""/>
+              <a:defRPr sz="1400" kern="1200">
+                <a:solidFill>
+                  <a:schemeClr val="tx1">
+                    <a:lumMod val="85000"/>
+                    <a:lumOff val="15000"/>
+                  </a:schemeClr>
+                </a:solidFill>
+                <a:latin typeface="+mn-lt"/>
+                <a:ea typeface="+mn-ea"/>
+                <a:cs typeface="+mn-cs"/>
+              </a:defRPr>
+            </a:lvl3pPr>
+            <a:lvl4pPr marL="1005840" indent="-182880" algn="l" defTabSz="914400" rtl="0" eaLnBrk="1" latinLnBrk="0" hangingPunct="1">
+              <a:lnSpc>
+                <a:spcPct val="90000"/>
+              </a:lnSpc>
+              <a:spcBef>
+                <a:spcPts val="300"/>
+              </a:spcBef>
+              <a:spcAft>
+                <a:spcPts val="300"/>
+              </a:spcAft>
+              <a:buClr>
+                <a:schemeClr val="accent1"/>
+              </a:buClr>
+              <a:buFont typeface="Wingdings 2" pitchFamily="18" charset="2"/>
+              <a:buChar char=""/>
+              <a:defRPr sz="1400" kern="1200">
+                <a:solidFill>
+                  <a:schemeClr val="tx1">
+                    <a:lumMod val="85000"/>
+                    <a:lumOff val="15000"/>
+                  </a:schemeClr>
+                </a:solidFill>
+                <a:latin typeface="+mn-lt"/>
+                <a:ea typeface="+mn-ea"/>
+                <a:cs typeface="+mn-cs"/>
+              </a:defRPr>
+            </a:lvl4pPr>
+            <a:lvl5pPr marL="1280160" indent="-182880" algn="l" defTabSz="914400" rtl="0" eaLnBrk="1" latinLnBrk="0" hangingPunct="1">
+              <a:lnSpc>
+                <a:spcPct val="90000"/>
+              </a:lnSpc>
+              <a:spcBef>
+                <a:spcPts val="300"/>
+              </a:spcBef>
+              <a:spcAft>
+                <a:spcPts val="300"/>
+              </a:spcAft>
+              <a:buClr>
+                <a:schemeClr val="accent1"/>
+              </a:buClr>
+              <a:buFont typeface="Wingdings 2" pitchFamily="18" charset="2"/>
+              <a:buChar char=""/>
+              <a:defRPr sz="1400" kern="1200">
+                <a:solidFill>
+                  <a:schemeClr val="tx1">
+                    <a:lumMod val="85000"/>
+                    <a:lumOff val="15000"/>
+                  </a:schemeClr>
+                </a:solidFill>
+                <a:latin typeface="+mn-lt"/>
+                <a:ea typeface="+mn-ea"/>
+                <a:cs typeface="+mn-cs"/>
+              </a:defRPr>
+            </a:lvl5pPr>
+            <a:lvl6pPr marL="1600000" indent="-228600" algn="l" defTabSz="914400" rtl="0" eaLnBrk="1" latinLnBrk="0" hangingPunct="1">
+              <a:lnSpc>
+                <a:spcPct val="90000"/>
+              </a:lnSpc>
+              <a:spcBef>
+                <a:spcPts val="300"/>
+              </a:spcBef>
+              <a:spcAft>
+                <a:spcPts val="300"/>
+              </a:spcAft>
+              <a:buClr>
+                <a:schemeClr val="accent1"/>
+              </a:buClr>
+              <a:buFont typeface="Wingdings 2" pitchFamily="18" charset="2"/>
+              <a:buChar char=""/>
+              <a:defRPr sz="1400" kern="1200">
+                <a:solidFill>
+                  <a:schemeClr val="tx1">
+                    <a:lumMod val="85000"/>
+                    <a:lumOff val="15000"/>
+                  </a:schemeClr>
+                </a:solidFill>
+                <a:latin typeface="+mn-lt"/>
+                <a:ea typeface="+mn-ea"/>
+                <a:cs typeface="+mn-cs"/>
+              </a:defRPr>
+            </a:lvl6pPr>
+            <a:lvl7pPr marL="1900000" indent="-228600" algn="l" defTabSz="914400" rtl="0" eaLnBrk="1" latinLnBrk="0" hangingPunct="1">
+              <a:lnSpc>
+                <a:spcPct val="90000"/>
+              </a:lnSpc>
+              <a:spcBef>
+                <a:spcPts val="300"/>
+              </a:spcBef>
+              <a:spcAft>
+                <a:spcPts val="300"/>
+              </a:spcAft>
+              <a:buClr>
+                <a:schemeClr val="accent1"/>
+              </a:buClr>
+              <a:buFont typeface="Wingdings 2" pitchFamily="18" charset="2"/>
+              <a:buChar char=""/>
+              <a:defRPr sz="1400" kern="1200">
+                <a:solidFill>
+                  <a:schemeClr val="tx1">
+                    <a:lumMod val="85000"/>
+                    <a:lumOff val="15000"/>
+                  </a:schemeClr>
+                </a:solidFill>
+                <a:latin typeface="+mn-lt"/>
+                <a:ea typeface="+mn-ea"/>
+                <a:cs typeface="+mn-cs"/>
+              </a:defRPr>
+            </a:lvl7pPr>
+            <a:lvl8pPr marL="2200000" indent="-228600" algn="l" defTabSz="914400" rtl="0" eaLnBrk="1" latinLnBrk="0" hangingPunct="1">
+              <a:lnSpc>
+                <a:spcPct val="90000"/>
+              </a:lnSpc>
+              <a:spcBef>
+                <a:spcPts val="300"/>
+              </a:spcBef>
+              <a:spcAft>
+                <a:spcPts val="300"/>
+              </a:spcAft>
+              <a:buClr>
+                <a:schemeClr val="accent1"/>
+              </a:buClr>
+              <a:buFont typeface="Wingdings 2" pitchFamily="18" charset="2"/>
+              <a:buChar char=""/>
+              <a:defRPr sz="1400" kern="1200">
+                <a:solidFill>
+                  <a:schemeClr val="tx1">
+                    <a:lumMod val="85000"/>
+                    <a:lumOff val="15000"/>
+                  </a:schemeClr>
+                </a:solidFill>
+                <a:latin typeface="+mn-lt"/>
+                <a:ea typeface="+mn-ea"/>
+                <a:cs typeface="+mn-cs"/>
+              </a:defRPr>
+            </a:lvl8pPr>
+            <a:lvl9pPr marL="2500000" indent="-228600" algn="l" defTabSz="914400" rtl="0" eaLnBrk="1" latinLnBrk="0" hangingPunct="1">
+              <a:lnSpc>
+                <a:spcPct val="90000"/>
+              </a:lnSpc>
+              <a:spcBef>
+                <a:spcPts val="300"/>
+              </a:spcBef>
+              <a:spcAft>
+                <a:spcPts val="300"/>
+              </a:spcAft>
+              <a:buClr>
+                <a:schemeClr val="accent1"/>
+              </a:buClr>
+              <a:buFont typeface="Wingdings 2" pitchFamily="18" charset="2"/>
+              <a:buChar char=""/>
+              <a:defRPr sz="1400" kern="1200">
+                <a:solidFill>
+                  <a:schemeClr val="tx1">
+                    <a:lumMod val="85000"/>
+                    <a:lumOff val="15000"/>
+                  </a:schemeClr>
+                </a:solidFill>
+                <a:latin typeface="+mn-lt"/>
+                <a:ea typeface="+mn-ea"/>
+                <a:cs typeface="+mn-cs"/>
+              </a:defRPr>
+            </a:lvl9pPr>
+          </a:lstStyle>
+          <a:p>
+            <a:pPr marL="0" indent="0">
+              <a:buFont typeface="Arial" pitchFamily="34" charset="0"/>
+              <a:buNone/>
+            </a:pPr>
+            <a:r>
+              <a:rPr lang="ru-RU" sz="2400" dirty="0" smtClean="0">
+                <a:solidFill>
+                  <a:srgbClr val="FF0000"/>
+                </a:solidFill>
+              </a:rPr>
+              <a:t>Перечень запросов</a:t>
+            </a:r>
+            <a:endParaRPr lang="ru-RU" sz="2400" dirty="0">
+              <a:solidFill>
+                <a:srgbClr val="FF0000"/>
+              </a:solidFill>
+            </a:endParaRPr>
+          </a:p>
+        </p:txBody>
+      </p:sp>
     </p:spTree>
     <p:extLst>
       <p:ext uri="{BB962C8B-B14F-4D97-AF65-F5344CB8AC3E}">
@@ -11662,10 +12585,17 @@
   <p:clrMapOvr>
     <a:masterClrMapping/>
   </p:clrMapOvr>
+  <p:timing>
+    <p:tnLst>
+      <p:par>
+        <p:cTn id="1" dur="indefinite" restart="never" nodeType="tmRoot"/>
+      </p:par>
+    </p:tnLst>
+  </p:timing>
 </p:sld>
 </file>
 
-<file path=ppt/slides/slide16.xml><?xml version="1.0" encoding="utf-8"?>
+<file path=ppt/slides/slide15.xml><?xml version="1.0" encoding="utf-8"?>
 <p:sld xmlns:a="http://schemas.openxmlformats.org/drawingml/2006/main" xmlns:r="http://schemas.openxmlformats.org/officeDocument/2006/relationships" xmlns:p="http://schemas.openxmlformats.org/presentationml/2006/main">
   <p:cSld>
     <p:spTree>
@@ -11847,7 +12777,7 @@
           <a:p>
             <a:fld id="{B8FD4787-A815-42E7-9C3F-EE8E3DD8A60B}" type="slidenum">
               <a:rPr lang="ru-RU" smtClean="0"/>
-              <a:t>16</a:t>
+              <a:t>15</a:t>
             </a:fld>
             <a:endParaRPr lang="ru-RU"/>
           </a:p>
@@ -11863,6 +12793,13 @@
   <p:clrMapOvr>
     <a:masterClrMapping/>
   </p:clrMapOvr>
+  <p:timing>
+    <p:tnLst>
+      <p:par>
+        <p:cTn id="1" dur="indefinite" restart="never" nodeType="tmRoot"/>
+      </p:par>
+    </p:tnLst>
+  </p:timing>
 </p:sld>
 </file>
 
@@ -11949,12 +12886,12 @@
               <a:t>и </a:t>
             </a:r>
             <a:r>
-              <a:rPr lang="ru-RU" sz="2000" dirty="0" err="1" smtClean="0"/>
-              <a:t>продвиженя</a:t>
-            </a:r>
-            <a:r>
               <a:rPr lang="ru-RU" sz="2000" dirty="0" smtClean="0"/>
-              <a:t> веб-сайтов </a:t>
+              <a:t>продвижения </a:t>
+            </a:r>
+            <a:r>
+              <a:rPr lang="ru-RU" sz="2000" dirty="0" smtClean="0"/>
+              <a:t>веб-сайтов </a:t>
             </a:r>
             <a:r>
               <a:rPr lang="ru-RU" sz="2000" dirty="0"/>
@@ -11962,15 +12899,15 @@
             </a:r>
             <a:r>
               <a:rPr lang="ru-RU" sz="2000" dirty="0" smtClean="0"/>
-              <a:t>поисковых системах Яндекс и </a:t>
-            </a:r>
-            <a:r>
-              <a:rPr lang="en-US" sz="2000" dirty="0" smtClean="0"/>
-              <a:t>Google</a:t>
+              <a:t>поисков</a:t>
             </a:r>
             <a:r>
               <a:rPr lang="ru-RU" sz="2000" dirty="0" smtClean="0"/>
-              <a:t>. </a:t>
+              <a:t>ой</a:t>
+            </a:r>
+            <a:r>
+              <a:rPr lang="ru-RU" sz="2000" dirty="0" smtClean="0"/>
+              <a:t> системе Яндекс. </a:t>
             </a:r>
             <a:endParaRPr lang="en-US" sz="2000" dirty="0" smtClean="0"/>
           </a:p>
@@ -12075,6 +13012,13 @@
   <p:clrMapOvr>
     <a:masterClrMapping/>
   </p:clrMapOvr>
+  <p:timing>
+    <p:tnLst>
+      <p:par>
+        <p:cTn id="1" dur="indefinite" restart="never" nodeType="tmRoot"/>
+      </p:par>
+    </p:tnLst>
+  </p:timing>
 </p:sld>
 </file>
 
@@ -12280,6 +13224,13 @@
   <p:clrMapOvr>
     <a:masterClrMapping/>
   </p:clrMapOvr>
+  <p:timing>
+    <p:tnLst>
+      <p:par>
+        <p:cTn id="1" dur="indefinite" restart="never" nodeType="tmRoot"/>
+      </p:par>
+    </p:tnLst>
+  </p:timing>
 </p:sld>
 </file>
 
@@ -12338,8 +13289,8 @@
           </a:p>
         </p:txBody>
       </p:sp>
-      <mc:AlternateContent xmlns:mc="http://schemas.openxmlformats.org/markup-compatibility/2006">
-        <mc:Choice xmlns:a14="http://schemas.microsoft.com/office/drawing/2010/main" Requires="a14">
+      <mc:AlternateContent xmlns:mc="http://schemas.openxmlformats.org/markup-compatibility/2006" xmlns:a14="http://schemas.microsoft.com/office/drawing/2010/main">
+        <mc:Choice Requires="a14">
           <p:sp>
             <p:nvSpPr>
               <p:cNvPr id="3" name="Объект 2"/>
@@ -13093,7 +14044,7 @@
             </p:txBody>
           </p:sp>
         </mc:Choice>
-        <mc:Fallback>
+        <mc:Fallback xmlns="">
           <p:sp>
             <p:nvSpPr>
               <p:cNvPr id="3" name="Объект 2"/>
@@ -13164,6 +14115,13 @@
   <p:clrMapOvr>
     <a:masterClrMapping/>
   </p:clrMapOvr>
+  <p:timing>
+    <p:tnLst>
+      <p:par>
+        <p:cTn id="1" dur="indefinite" restart="never" nodeType="tmRoot"/>
+      </p:par>
+    </p:tnLst>
+  </p:timing>
 </p:sld>
 </file>
 
@@ -14334,6 +15292,13 @@
   <p:clrMapOvr>
     <a:masterClrMapping/>
   </p:clrMapOvr>
+  <p:timing>
+    <p:tnLst>
+      <p:par>
+        <p:cTn id="1" dur="indefinite" restart="never" nodeType="tmRoot"/>
+      </p:par>
+    </p:tnLst>
+  </p:timing>
 </p:sld>
 </file>
 
@@ -15096,6 +16061,13 @@
   <p:clrMapOvr>
     <a:masterClrMapping/>
   </p:clrMapOvr>
+  <p:timing>
+    <p:tnLst>
+      <p:par>
+        <p:cTn id="1" dur="indefinite" restart="never" nodeType="tmRoot"/>
+      </p:par>
+    </p:tnLst>
+  </p:timing>
 </p:sld>
 </file>
 
@@ -15128,267 +16100,23 @@
         </p:nvSpPr>
         <p:spPr>
           <a:xfrm>
-            <a:off x="946404" y="300037"/>
-            <a:ext cx="7001446" cy="734059"/>
-          </a:xfrm>
-        </p:spPr>
-        <p:txBody>
-          <a:bodyPr/>
-          <a:lstStyle/>
-          <a:p>
-            <a:r>
-              <a:rPr lang="ru-RU" dirty="0" smtClean="0"/>
-              <a:t>Требования к системе</a:t>
-            </a:r>
-            <a:endParaRPr lang="ru-RU" dirty="0"/>
-          </a:p>
-        </p:txBody>
-      </p:sp>
-      <p:sp>
-        <p:nvSpPr>
-          <p:cNvPr id="3" name="Объект 2"/>
-          <p:cNvSpPr>
-            <a:spLocks noGrp="1"/>
-          </p:cNvSpPr>
-          <p:nvPr>
-            <p:ph idx="1"/>
-          </p:nvPr>
-        </p:nvSpPr>
-        <p:spPr>
-          <a:xfrm>
-            <a:off x="946404" y="1263651"/>
-            <a:ext cx="7001446" cy="4908550"/>
-          </a:xfrm>
-        </p:spPr>
-        <p:txBody>
-          <a:bodyPr/>
-          <a:lstStyle/>
-          <a:p>
-            <a:pPr algn="just">
-              <a:buFont typeface="Wingdings" panose="05000000000000000000" pitchFamily="2" charset="2"/>
-              <a:buChar char="q"/>
-            </a:pPr>
-            <a:r>
-              <a:rPr lang="ru-RU" dirty="0" smtClean="0"/>
-              <a:t> </a:t>
-            </a:r>
-            <a:r>
-              <a:rPr lang="ru-RU" dirty="0"/>
-              <a:t>Расширение системы мониторинга позиций сайтов в поисковых </a:t>
-            </a:r>
-            <a:r>
-              <a:rPr lang="ru-RU" dirty="0" smtClean="0"/>
-              <a:t>системах</a:t>
-            </a:r>
-            <a:r>
-              <a:rPr lang="en-US" dirty="0" smtClean="0"/>
-              <a:t>;</a:t>
-            </a:r>
-          </a:p>
-          <a:p>
-            <a:pPr algn="just">
-              <a:buFont typeface="Wingdings" panose="05000000000000000000" pitchFamily="2" charset="2"/>
-              <a:buChar char="q"/>
-            </a:pPr>
-            <a:r>
-              <a:rPr lang="en-US" dirty="0" smtClean="0"/>
-              <a:t> </a:t>
-            </a:r>
-            <a:r>
-              <a:rPr lang="ru-RU" dirty="0"/>
-              <a:t>Н</a:t>
-            </a:r>
-            <a:r>
-              <a:rPr lang="ru-RU" dirty="0" smtClean="0"/>
-              <a:t>аправлена </a:t>
-            </a:r>
-            <a:r>
-              <a:rPr lang="ru-RU" dirty="0"/>
-              <a:t>на ускорение и оптимизацию процесса продвижения </a:t>
-            </a:r>
-            <a:r>
-              <a:rPr lang="ru-RU" dirty="0" smtClean="0"/>
-              <a:t>веб-ресурса</a:t>
-            </a:r>
-            <a:r>
-              <a:rPr lang="en-US" dirty="0" smtClean="0"/>
-              <a:t>;</a:t>
-            </a:r>
-          </a:p>
-          <a:p>
-            <a:pPr algn="just">
-              <a:buFont typeface="Wingdings" panose="05000000000000000000" pitchFamily="2" charset="2"/>
-              <a:buChar char="q"/>
-            </a:pPr>
-            <a:r>
-              <a:rPr lang="en-US" dirty="0"/>
-              <a:t> </a:t>
-            </a:r>
-            <a:r>
-              <a:rPr lang="ru-RU" dirty="0" smtClean="0"/>
-              <a:t>Отображает состояние веб-ресурса на фоне конкурентов;</a:t>
-            </a:r>
-          </a:p>
-          <a:p>
-            <a:pPr algn="just">
-              <a:buFont typeface="Wingdings" panose="05000000000000000000" pitchFamily="2" charset="2"/>
-              <a:buChar char="q"/>
-            </a:pPr>
-            <a:r>
-              <a:rPr lang="ru-RU" dirty="0"/>
-              <a:t> </a:t>
-            </a:r>
-            <a:r>
-              <a:rPr lang="ru-RU" dirty="0" smtClean="0"/>
-              <a:t>Интеллектуальный анализ данных о сборе позиций по запросам интересующего веб-сайта за любой период времени (от одного дня)</a:t>
-            </a:r>
-            <a:r>
-              <a:rPr lang="en-US" dirty="0" smtClean="0"/>
-              <a:t>;</a:t>
-            </a:r>
-          </a:p>
-          <a:p>
-            <a:pPr algn="just">
-              <a:buFont typeface="Wingdings" panose="05000000000000000000" pitchFamily="2" charset="2"/>
-              <a:buChar char="q"/>
-            </a:pPr>
-            <a:r>
-              <a:rPr lang="en-US" dirty="0"/>
-              <a:t> </a:t>
-            </a:r>
-            <a:r>
-              <a:rPr lang="ru-RU" dirty="0" smtClean="0"/>
-              <a:t>Получение списка запросов, по которым успешно продвигается каждый конкурент;</a:t>
-            </a:r>
-          </a:p>
-          <a:p>
-            <a:pPr algn="just">
-              <a:buFont typeface="Wingdings" panose="05000000000000000000" pitchFamily="2" charset="2"/>
-              <a:buChar char="q"/>
-            </a:pPr>
-            <a:r>
-              <a:rPr lang="ru-RU" dirty="0"/>
-              <a:t> </a:t>
-            </a:r>
-            <a:r>
-              <a:rPr lang="ru-RU" dirty="0" smtClean="0"/>
-              <a:t>Формирование новых запросов для продвижения</a:t>
-            </a:r>
-            <a:r>
-              <a:rPr lang="en-US" dirty="0" smtClean="0"/>
-              <a:t>;</a:t>
-            </a:r>
-          </a:p>
-          <a:p>
-            <a:pPr algn="just">
-              <a:buFont typeface="Wingdings" panose="05000000000000000000" pitchFamily="2" charset="2"/>
-              <a:buChar char="q"/>
-            </a:pPr>
-            <a:r>
-              <a:rPr lang="ru-RU" dirty="0" smtClean="0"/>
-              <a:t> Разработана на веб-платформе </a:t>
-            </a:r>
-            <a:r>
-              <a:rPr lang="en-US" dirty="0" smtClean="0"/>
-              <a:t>Django </a:t>
-            </a:r>
-            <a:r>
-              <a:rPr lang="ru-RU" dirty="0" smtClean="0"/>
-              <a:t>на основе паттерна </a:t>
-            </a:r>
-            <a:r>
-              <a:rPr lang="en-US" dirty="0" smtClean="0"/>
-              <a:t>MVC.</a:t>
-            </a:r>
-            <a:endParaRPr lang="ru-RU" dirty="0" smtClean="0"/>
-          </a:p>
-          <a:p>
-            <a:pPr>
-              <a:buFont typeface="Wingdings" panose="05000000000000000000" pitchFamily="2" charset="2"/>
-              <a:buChar char="q"/>
-            </a:pPr>
-            <a:endParaRPr lang="ru-RU" dirty="0"/>
-          </a:p>
-        </p:txBody>
-      </p:sp>
-      <p:sp>
-        <p:nvSpPr>
-          <p:cNvPr id="4" name="Номер слайда 3"/>
-          <p:cNvSpPr>
-            <a:spLocks noGrp="1"/>
-          </p:cNvSpPr>
-          <p:nvPr>
-            <p:ph type="sldNum" sz="quarter" idx="12"/>
-          </p:nvPr>
-        </p:nvSpPr>
-        <p:spPr/>
-        <p:txBody>
-          <a:bodyPr/>
-          <a:lstStyle/>
-          <a:p>
-            <a:fld id="{B8FD4787-A815-42E7-9C3F-EE8E3DD8A60B}" type="slidenum">
-              <a:rPr lang="ru-RU" smtClean="0"/>
-              <a:t>8</a:t>
-            </a:fld>
-            <a:endParaRPr lang="ru-RU"/>
-          </a:p>
-        </p:txBody>
-      </p:sp>
-    </p:spTree>
-    <p:extLst>
-      <p:ext uri="{BB962C8B-B14F-4D97-AF65-F5344CB8AC3E}">
-        <p14:creationId xmlns:p14="http://schemas.microsoft.com/office/powerpoint/2010/main" val="3561756652"/>
-      </p:ext>
-    </p:extLst>
-  </p:cSld>
-  <p:clrMapOvr>
-    <a:masterClrMapping/>
-  </p:clrMapOvr>
-</p:sld>
-</file>
-
-<file path=ppt/slides/slide9.xml><?xml version="1.0" encoding="utf-8"?>
-<p:sld xmlns:a="http://schemas.openxmlformats.org/drawingml/2006/main" xmlns:r="http://schemas.openxmlformats.org/officeDocument/2006/relationships" xmlns:p="http://schemas.openxmlformats.org/presentationml/2006/main">
-  <p:cSld>
-    <p:spTree>
-      <p:nvGrpSpPr>
-        <p:cNvPr id="1" name=""/>
-        <p:cNvGrpSpPr/>
-        <p:nvPr/>
-      </p:nvGrpSpPr>
-      <p:grpSpPr>
-        <a:xfrm>
-          <a:off x="0" y="0"/>
-          <a:ext cx="0" cy="0"/>
-          <a:chOff x="0" y="0"/>
-          <a:chExt cx="0" cy="0"/>
-        </a:xfrm>
-      </p:grpSpPr>
-      <p:sp>
-        <p:nvSpPr>
-          <p:cNvPr id="2" name="Заголовок 1"/>
-          <p:cNvSpPr>
-            <a:spLocks noGrp="1"/>
-          </p:cNvSpPr>
-          <p:nvPr>
-            <p:ph type="title"/>
-          </p:nvPr>
-        </p:nvSpPr>
-        <p:spPr>
-          <a:xfrm>
-            <a:off x="497543" y="122830"/>
+            <a:off x="791158" y="259011"/>
             <a:ext cx="7268033" cy="738708"/>
           </a:xfrm>
         </p:spPr>
         <p:txBody>
           <a:bodyPr>
-            <a:normAutofit/>
+            <a:normAutofit fontScale="90000"/>
           </a:bodyPr>
           <a:lstStyle/>
           <a:p>
             <a:r>
               <a:rPr lang="ru-RU" sz="3200" dirty="0" smtClean="0"/>
-              <a:t>Актеры и варианты использования</a:t>
+              <a:t>Актеры и варианты </a:t>
+            </a:r>
+            <a:r>
+              <a:rPr lang="ru-RU" sz="3200" dirty="0" smtClean="0"/>
+              <a:t>использования системы</a:t>
             </a:r>
             <a:endParaRPr lang="ru-RU" sz="3200" dirty="0"/>
           </a:p>
@@ -15411,7 +16139,7 @@
           <a:p>
             <a:fld id="{B8FD4787-A815-42E7-9C3F-EE8E3DD8A60B}" type="slidenum">
               <a:rPr lang="ru-RU" smtClean="0"/>
-              <a:t>9</a:t>
+              <a:t>8</a:t>
             </a:fld>
             <a:endParaRPr lang="ru-RU"/>
           </a:p>
@@ -15456,6 +16184,153 @@
   <p:clrMapOvr>
     <a:masterClrMapping/>
   </p:clrMapOvr>
+  <p:timing>
+    <p:tnLst>
+      <p:par>
+        <p:cTn id="1" dur="indefinite" restart="never" nodeType="tmRoot"/>
+      </p:par>
+    </p:tnLst>
+  </p:timing>
+</p:sld>
+</file>
+
+<file path=ppt/slides/slide9.xml><?xml version="1.0" encoding="utf-8"?>
+<p:sld xmlns:a="http://schemas.openxmlformats.org/drawingml/2006/main" xmlns:r="http://schemas.openxmlformats.org/officeDocument/2006/relationships" xmlns:p="http://schemas.openxmlformats.org/presentationml/2006/main">
+  <p:cSld>
+    <p:spTree>
+      <p:nvGrpSpPr>
+        <p:cNvPr id="1" name=""/>
+        <p:cNvGrpSpPr/>
+        <p:nvPr/>
+      </p:nvGrpSpPr>
+      <p:grpSpPr>
+        <a:xfrm>
+          <a:off x="0" y="0"/>
+          <a:ext cx="0" cy="0"/>
+          <a:chOff x="0" y="0"/>
+          <a:chExt cx="0" cy="0"/>
+        </a:xfrm>
+      </p:grpSpPr>
+      <p:sp>
+        <p:nvSpPr>
+          <p:cNvPr id="2" name="Заголовок 1"/>
+          <p:cNvSpPr>
+            <a:spLocks noGrp="1"/>
+          </p:cNvSpPr>
+          <p:nvPr>
+            <p:ph type="title"/>
+          </p:nvPr>
+        </p:nvSpPr>
+        <p:spPr>
+          <a:xfrm>
+            <a:off x="946404" y="218364"/>
+            <a:ext cx="7228605" cy="681388"/>
+          </a:xfrm>
+        </p:spPr>
+        <p:txBody>
+          <a:bodyPr/>
+          <a:lstStyle/>
+          <a:p>
+            <a:r>
+              <a:rPr lang="ru-RU" dirty="0" smtClean="0"/>
+              <a:t>Архитектура системы</a:t>
+            </a:r>
+            <a:endParaRPr lang="ru-RU" dirty="0"/>
+          </a:p>
+        </p:txBody>
+      </p:sp>
+      <p:sp>
+        <p:nvSpPr>
+          <p:cNvPr id="3" name="Объект 2"/>
+          <p:cNvSpPr>
+            <a:spLocks noGrp="1"/>
+          </p:cNvSpPr>
+          <p:nvPr>
+            <p:ph idx="1"/>
+          </p:nvPr>
+        </p:nvSpPr>
+        <p:spPr/>
+        <p:txBody>
+          <a:bodyPr/>
+          <a:lstStyle/>
+          <a:p>
+            <a:endParaRPr lang="ru-RU"/>
+          </a:p>
+        </p:txBody>
+      </p:sp>
+      <p:sp>
+        <p:nvSpPr>
+          <p:cNvPr id="4" name="Номер слайда 3"/>
+          <p:cNvSpPr>
+            <a:spLocks noGrp="1"/>
+          </p:cNvSpPr>
+          <p:nvPr>
+            <p:ph type="sldNum" sz="quarter" idx="12"/>
+          </p:nvPr>
+        </p:nvSpPr>
+        <p:spPr/>
+        <p:txBody>
+          <a:bodyPr/>
+          <a:lstStyle/>
+          <a:p>
+            <a:fld id="{B8FD4787-A815-42E7-9C3F-EE8E3DD8A60B}" type="slidenum">
+              <a:rPr lang="ru-RU" smtClean="0"/>
+              <a:t>9</a:t>
+            </a:fld>
+            <a:endParaRPr lang="ru-RU"/>
+          </a:p>
+        </p:txBody>
+      </p:sp>
+      <p:pic>
+        <p:nvPicPr>
+          <p:cNvPr id="5" name="Рисунок 4" descr="C:\Users\Екатерина\Downloads\Comnponents - New Page (7).png"/>
+          <p:cNvPicPr/>
+          <p:nvPr/>
+        </p:nvPicPr>
+        <p:blipFill>
+          <a:blip r:embed="rId2" cstate="print">
+            <a:extLst>
+              <a:ext uri="{28A0092B-C50C-407E-A947-70E740481C1C}">
+                <a14:useLocalDpi xmlns:a14="http://schemas.microsoft.com/office/drawing/2010/main" val="0"/>
+              </a:ext>
+            </a:extLst>
+          </a:blip>
+          <a:srcRect/>
+          <a:stretch>
+            <a:fillRect/>
+          </a:stretch>
+        </p:blipFill>
+        <p:spPr bwMode="auto">
+          <a:xfrm>
+            <a:off x="775272" y="1433016"/>
+            <a:ext cx="7399737" cy="5076966"/>
+          </a:xfrm>
+          <a:prstGeom prst="rect">
+            <a:avLst/>
+          </a:prstGeom>
+          <a:noFill/>
+          <a:ln>
+            <a:noFill/>
+          </a:ln>
+        </p:spPr>
+      </p:pic>
+    </p:spTree>
+    <p:extLst>
+      <p:ext uri="{BB962C8B-B14F-4D97-AF65-F5344CB8AC3E}">
+        <p14:creationId xmlns:p14="http://schemas.microsoft.com/office/powerpoint/2010/main" val="190005929"/>
+      </p:ext>
+    </p:extLst>
+  </p:cSld>
+  <p:clrMapOvr>
+    <a:masterClrMapping/>
+  </p:clrMapOvr>
+  <p:timing>
+    <p:tnLst>
+      <p:par>
+        <p:cTn id="1" dur="indefinite" restart="never" nodeType="tmRoot"/>
+      </p:par>
+    </p:tnLst>
+  </p:timing>
 </p:sld>
 </file>
 

--- a/Отчет/Доклад Неповинных.pptx
+++ b/Отчет/Доклад Неповинных.pptx
@@ -213,7 +213,7 @@
           <a:p>
             <a:fld id="{92DF813F-1706-4352-AD8B-733ADD07516A}" type="datetimeFigureOut">
               <a:rPr lang="ru-RU" smtClean="0"/>
-              <a:t>2015-04-22</a:t>
+              <a:t>26.04.2015</a:t>
             </a:fld>
             <a:endParaRPr lang="ru-RU"/>
           </a:p>
@@ -791,7 +791,7 @@
           <a:p>
             <a:fld id="{CA6132C5-4EF7-44E9-8AC0-543A9CBD21A3}" type="datetime1">
               <a:rPr lang="ru-RU" smtClean="0"/>
-              <a:t>2015-04-22</a:t>
+              <a:t>26.04.2015</a:t>
             </a:fld>
             <a:endParaRPr lang="ru-RU"/>
           </a:p>
@@ -961,7 +961,7 @@
           <a:p>
             <a:fld id="{EF1CE88B-3451-485D-B0B9-5D3B791D9A61}" type="datetime1">
               <a:rPr lang="ru-RU" smtClean="0"/>
-              <a:t>2015-04-22</a:t>
+              <a:t>26.04.2015</a:t>
             </a:fld>
             <a:endParaRPr lang="ru-RU"/>
           </a:p>
@@ -1141,7 +1141,7 @@
           <a:p>
             <a:fld id="{1FE7C88E-07F6-4A72-8D7F-2003DD58C999}" type="datetime1">
               <a:rPr lang="ru-RU" smtClean="0"/>
-              <a:t>2015-04-22</a:t>
+              <a:t>26.04.2015</a:t>
             </a:fld>
             <a:endParaRPr lang="ru-RU"/>
           </a:p>
@@ -1344,7 +1344,7 @@
           <a:p>
             <a:fld id="{CA6132C5-4EF7-44E9-8AC0-543A9CBD21A3}" type="datetime1">
               <a:rPr lang="ru-RU" smtClean="0"/>
-              <a:t>2015-04-22</a:t>
+              <a:t>26.04.2015</a:t>
             </a:fld>
             <a:endParaRPr lang="ru-RU"/>
           </a:p>
@@ -1514,7 +1514,7 @@
           <a:p>
             <a:fld id="{3F6630A2-8F33-4019-B2B9-16E2D46DA9AF}" type="datetime1">
               <a:rPr lang="ru-RU" smtClean="0"/>
-              <a:t>2015-04-22</a:t>
+              <a:t>26.04.2015</a:t>
             </a:fld>
             <a:endParaRPr lang="ru-RU"/>
           </a:p>
@@ -1765,7 +1765,7 @@
           <a:p>
             <a:fld id="{CCE73EC7-A2E5-4B05-A3A2-EDC11E6BB65E}" type="datetime1">
               <a:rPr lang="ru-RU" smtClean="0"/>
-              <a:t>2015-04-22</a:t>
+              <a:t>26.04.2015</a:t>
             </a:fld>
             <a:endParaRPr lang="ru-RU"/>
           </a:p>
@@ -1997,7 +1997,7 @@
           <a:p>
             <a:fld id="{D3B8EC41-8B8A-432E-80E4-D3C07A84920C}" type="datetime1">
               <a:rPr lang="ru-RU" smtClean="0"/>
-              <a:t>2015-04-22</a:t>
+              <a:t>26.04.2015</a:t>
             </a:fld>
             <a:endParaRPr lang="ru-RU"/>
           </a:p>
@@ -2344,7 +2344,7 @@
           <a:p>
             <a:fld id="{A699E73B-8EDA-491A-A5C4-A553EBDA5D2E}" type="datetime1">
               <a:rPr lang="ru-RU" smtClean="0"/>
-              <a:t>2015-04-22</a:t>
+              <a:t>26.04.2015</a:t>
             </a:fld>
             <a:endParaRPr lang="ru-RU"/>
           </a:p>
@@ -2462,7 +2462,7 @@
           <a:p>
             <a:fld id="{4A785036-5E83-4504-9337-1D74968FFD10}" type="datetime1">
               <a:rPr lang="ru-RU" smtClean="0"/>
-              <a:t>2015-04-22</a:t>
+              <a:t>26.04.2015</a:t>
             </a:fld>
             <a:endParaRPr lang="ru-RU"/>
           </a:p>
@@ -2580,7 +2580,7 @@
           <a:p>
             <a:fld id="{D223FB0C-0787-4D86-8856-F1CE01B147E6}" type="datetime1">
               <a:rPr lang="ru-RU" smtClean="0"/>
-              <a:t>2015-04-22</a:t>
+              <a:t>26.04.2015</a:t>
             </a:fld>
             <a:endParaRPr lang="ru-RU"/>
           </a:p>
@@ -2864,7 +2864,7 @@
           <a:p>
             <a:fld id="{1720D9EF-0D22-4E69-8813-9F7557DA16D7}" type="datetime1">
               <a:rPr lang="ru-RU" smtClean="0"/>
-              <a:t>2015-04-22</a:t>
+              <a:t>26.04.2015</a:t>
             </a:fld>
             <a:endParaRPr lang="ru-RU"/>
           </a:p>
@@ -3034,7 +3034,7 @@
           <a:p>
             <a:fld id="{3F6630A2-8F33-4019-B2B9-16E2D46DA9AF}" type="datetime1">
               <a:rPr lang="ru-RU" smtClean="0"/>
-              <a:t>2015-04-22</a:t>
+              <a:t>26.04.2015</a:t>
             </a:fld>
             <a:endParaRPr lang="ru-RU"/>
           </a:p>
@@ -3298,7 +3298,7 @@
           <a:p>
             <a:fld id="{1D921FA4-050E-406C-836E-B49CE3F44A12}" type="datetime1">
               <a:rPr lang="ru-RU" smtClean="0"/>
-              <a:t>2015-04-22</a:t>
+              <a:t>26.04.2015</a:t>
             </a:fld>
             <a:endParaRPr lang="ru-RU"/>
           </a:p>
@@ -3468,7 +3468,7 @@
           <a:p>
             <a:fld id="{EF1CE88B-3451-485D-B0B9-5D3B791D9A61}" type="datetime1">
               <a:rPr lang="ru-RU" smtClean="0"/>
-              <a:t>2015-04-22</a:t>
+              <a:t>26.04.2015</a:t>
             </a:fld>
             <a:endParaRPr lang="ru-RU"/>
           </a:p>
@@ -3648,7 +3648,7 @@
           <a:p>
             <a:fld id="{1FE7C88E-07F6-4A72-8D7F-2003DD58C999}" type="datetime1">
               <a:rPr lang="ru-RU" smtClean="0"/>
-              <a:t>2015-04-22</a:t>
+              <a:t>26.04.2015</a:t>
             </a:fld>
             <a:endParaRPr lang="ru-RU"/>
           </a:p>
@@ -3916,7 +3916,7 @@
           <a:p>
             <a:fld id="{CA6132C5-4EF7-44E9-8AC0-543A9CBD21A3}" type="datetime1">
               <a:rPr lang="ru-RU" smtClean="0"/>
-              <a:t>2015-04-22</a:t>
+              <a:t>26.04.2015</a:t>
             </a:fld>
             <a:endParaRPr lang="ru-RU"/>
           </a:p>
@@ -4108,7 +4108,7 @@
           <a:p>
             <a:fld id="{3F6630A2-8F33-4019-B2B9-16E2D46DA9AF}" type="datetime1">
               <a:rPr lang="ru-RU" smtClean="0"/>
-              <a:t>2015-04-22</a:t>
+              <a:t>26.04.2015</a:t>
             </a:fld>
             <a:endParaRPr lang="ru-RU"/>
           </a:p>
@@ -4362,7 +4362,7 @@
           <a:p>
             <a:fld id="{CCE73EC7-A2E5-4B05-A3A2-EDC11E6BB65E}" type="datetime1">
               <a:rPr lang="ru-RU" smtClean="0"/>
-              <a:t>2015-04-22</a:t>
+              <a:t>26.04.2015</a:t>
             </a:fld>
             <a:endParaRPr lang="ru-RU"/>
           </a:p>
@@ -4688,7 +4688,7 @@
           <a:p>
             <a:fld id="{D3B8EC41-8B8A-432E-80E4-D3C07A84920C}" type="datetime1">
               <a:rPr lang="ru-RU" smtClean="0"/>
-              <a:t>2015-04-22</a:t>
+              <a:t>26.04.2015</a:t>
             </a:fld>
             <a:endParaRPr lang="ru-RU"/>
           </a:p>
@@ -5108,7 +5108,7 @@
           <a:p>
             <a:fld id="{A699E73B-8EDA-491A-A5C4-A553EBDA5D2E}" type="datetime1">
               <a:rPr lang="ru-RU" smtClean="0"/>
-              <a:t>2015-04-22</a:t>
+              <a:t>26.04.2015</a:t>
             </a:fld>
             <a:endParaRPr lang="ru-RU"/>
           </a:p>
@@ -5226,7 +5226,7 @@
           <a:p>
             <a:fld id="{4A785036-5E83-4504-9337-1D74968FFD10}" type="datetime1">
               <a:rPr lang="ru-RU" smtClean="0"/>
-              <a:t>2015-04-22</a:t>
+              <a:t>26.04.2015</a:t>
             </a:fld>
             <a:endParaRPr lang="ru-RU"/>
           </a:p>
@@ -5321,7 +5321,7 @@
           <a:p>
             <a:fld id="{D223FB0C-0787-4D86-8856-F1CE01B147E6}" type="datetime1">
               <a:rPr lang="ru-RU" smtClean="0"/>
-              <a:t>2015-04-22</a:t>
+              <a:t>26.04.2015</a:t>
             </a:fld>
             <a:endParaRPr lang="ru-RU"/>
           </a:p>
@@ -5572,7 +5572,7 @@
           <a:p>
             <a:fld id="{CCE73EC7-A2E5-4B05-A3A2-EDC11E6BB65E}" type="datetime1">
               <a:rPr lang="ru-RU" smtClean="0"/>
-              <a:t>2015-04-22</a:t>
+              <a:t>26.04.2015</a:t>
             </a:fld>
             <a:endParaRPr lang="ru-RU"/>
           </a:p>
@@ -5859,7 +5859,7 @@
           <a:p>
             <a:fld id="{1720D9EF-0D22-4E69-8813-9F7557DA16D7}" type="datetime1">
               <a:rPr lang="ru-RU" smtClean="0"/>
-              <a:t>2015-04-22</a:t>
+              <a:t>26.04.2015</a:t>
             </a:fld>
             <a:endParaRPr lang="ru-RU"/>
           </a:p>
@@ -6184,7 +6184,7 @@
           <a:p>
             <a:fld id="{1D921FA4-050E-406C-836E-B49CE3F44A12}" type="datetime1">
               <a:rPr lang="ru-RU" smtClean="0"/>
-              <a:t>2015-04-22</a:t>
+              <a:t>26.04.2015</a:t>
             </a:fld>
             <a:endParaRPr lang="ru-RU"/>
           </a:p>
@@ -6354,7 +6354,7 @@
           <a:p>
             <a:fld id="{EF1CE88B-3451-485D-B0B9-5D3B791D9A61}" type="datetime1">
               <a:rPr lang="ru-RU" smtClean="0"/>
-              <a:t>2015-04-22</a:t>
+              <a:t>26.04.2015</a:t>
             </a:fld>
             <a:endParaRPr lang="ru-RU"/>
           </a:p>
@@ -6534,7 +6534,7 @@
           <a:p>
             <a:fld id="{1FE7C88E-07F6-4A72-8D7F-2003DD58C999}" type="datetime1">
               <a:rPr lang="ru-RU" smtClean="0"/>
-              <a:t>2015-04-22</a:t>
+              <a:t>26.04.2015</a:t>
             </a:fld>
             <a:endParaRPr lang="ru-RU"/>
           </a:p>
@@ -6766,7 +6766,7 @@
           <a:p>
             <a:fld id="{D3B8EC41-8B8A-432E-80E4-D3C07A84920C}" type="datetime1">
               <a:rPr lang="ru-RU" smtClean="0"/>
-              <a:t>2015-04-22</a:t>
+              <a:t>26.04.2015</a:t>
             </a:fld>
             <a:endParaRPr lang="ru-RU"/>
           </a:p>
@@ -7113,7 +7113,7 @@
           <a:p>
             <a:fld id="{A699E73B-8EDA-491A-A5C4-A553EBDA5D2E}" type="datetime1">
               <a:rPr lang="ru-RU" smtClean="0"/>
-              <a:t>2015-04-22</a:t>
+              <a:t>26.04.2015</a:t>
             </a:fld>
             <a:endParaRPr lang="ru-RU"/>
           </a:p>
@@ -7231,7 +7231,7 @@
           <a:p>
             <a:fld id="{4A785036-5E83-4504-9337-1D74968FFD10}" type="datetime1">
               <a:rPr lang="ru-RU" smtClean="0"/>
-              <a:t>2015-04-22</a:t>
+              <a:t>26.04.2015</a:t>
             </a:fld>
             <a:endParaRPr lang="ru-RU"/>
           </a:p>
@@ -7349,7 +7349,7 @@
           <a:p>
             <a:fld id="{D223FB0C-0787-4D86-8856-F1CE01B147E6}" type="datetime1">
               <a:rPr lang="ru-RU" smtClean="0"/>
-              <a:t>2015-04-22</a:t>
+              <a:t>26.04.2015</a:t>
             </a:fld>
             <a:endParaRPr lang="ru-RU"/>
           </a:p>
@@ -7633,7 +7633,7 @@
           <a:p>
             <a:fld id="{1720D9EF-0D22-4E69-8813-9F7557DA16D7}" type="datetime1">
               <a:rPr lang="ru-RU" smtClean="0"/>
-              <a:t>2015-04-22</a:t>
+              <a:t>26.04.2015</a:t>
             </a:fld>
             <a:endParaRPr lang="ru-RU"/>
           </a:p>
@@ -7897,7 +7897,7 @@
           <a:p>
             <a:fld id="{1D921FA4-050E-406C-836E-B49CE3F44A12}" type="datetime1">
               <a:rPr lang="ru-RU" smtClean="0"/>
-              <a:t>2015-04-22</a:t>
+              <a:t>26.04.2015</a:t>
             </a:fld>
             <a:endParaRPr lang="ru-RU"/>
           </a:p>
@@ -8111,7 +8111,7 @@
           <a:p>
             <a:fld id="{4F72220C-91D8-4189-84C0-4513D35A07A8}" type="datetime1">
               <a:rPr lang="ru-RU" smtClean="0"/>
-              <a:t>2015-04-22</a:t>
+              <a:t>26.04.2015</a:t>
             </a:fld>
             <a:endParaRPr lang="ru-RU"/>
           </a:p>
@@ -8642,7 +8642,7 @@
           <a:p>
             <a:fld id="{4F72220C-91D8-4189-84C0-4513D35A07A8}" type="datetime1">
               <a:rPr lang="ru-RU" smtClean="0"/>
-              <a:t>2015-04-22</a:t>
+              <a:t>26.04.2015</a:t>
             </a:fld>
             <a:endParaRPr lang="ru-RU"/>
           </a:p>
@@ -9213,7 +9213,7 @@
           <a:p>
             <a:fld id="{4F72220C-91D8-4189-84C0-4513D35A07A8}" type="datetime1">
               <a:rPr lang="ru-RU" smtClean="0"/>
-              <a:t>2015-04-22</a:t>
+              <a:t>26.04.2015</a:t>
             </a:fld>
             <a:endParaRPr lang="ru-RU"/>
           </a:p>
@@ -10523,11 +10523,40 @@
           </a:p>
         </p:txBody>
       </p:sp>
+      <p:sp>
+        <p:nvSpPr>
+          <p:cNvPr id="8" name="TextBox 7"/>
+          <p:cNvSpPr txBox="1"/>
+          <p:nvPr/>
+        </p:nvSpPr>
+        <p:spPr>
+          <a:xfrm>
+            <a:off x="946404" y="5998029"/>
+            <a:ext cx="5568287" cy="369332"/>
+          </a:xfrm>
+          <a:prstGeom prst="rect">
+            <a:avLst/>
+          </a:prstGeom>
+          <a:noFill/>
+        </p:spPr>
+        <p:txBody>
+          <a:bodyPr wrap="square" rtlCol="0">
+            <a:spAutoFit/>
+          </a:bodyPr>
+          <a:lstStyle/>
+          <a:p>
+            <a:r>
+              <a:rPr lang="ru-RU" dirty="0"/>
+              <a:t>Хранилище данных о кластерах</a:t>
+            </a:r>
+          </a:p>
+        </p:txBody>
+      </p:sp>
       <p:pic>
         <p:nvPicPr>
-          <p:cNvPr id="7" name="Объект 6" descr="C:\Users\Екатерина\Downloads\warehouse - New Page.png"/>
+          <p:cNvPr id="9" name="Объект 8"/>
           <p:cNvPicPr>
-            <a:picLocks noGrp="1"/>
+            <a:picLocks noGrp="1" noChangeAspect="1"/>
           </p:cNvPicPr>
           <p:nvPr>
             <p:ph idx="1"/>
@@ -10541,54 +10570,17 @@
               </a:ext>
             </a:extLst>
           </a:blip>
-          <a:srcRect/>
           <a:stretch>
             <a:fillRect/>
           </a:stretch>
         </p:blipFill>
-        <p:spPr bwMode="auto">
+        <p:spPr>
           <a:xfrm>
-            <a:off x="946404" y="4515607"/>
-            <a:ext cx="5822886" cy="1538849"/>
+            <a:off x="946404" y="4466166"/>
+            <a:ext cx="5965883" cy="1484691"/>
           </a:xfrm>
-          <a:prstGeom prst="rect">
-            <a:avLst/>
-          </a:prstGeom>
-          <a:noFill/>
-          <a:ln>
-            <a:noFill/>
-          </a:ln>
         </p:spPr>
       </p:pic>
-      <p:sp>
-        <p:nvSpPr>
-          <p:cNvPr id="8" name="TextBox 7"/>
-          <p:cNvSpPr txBox="1"/>
-          <p:nvPr/>
-        </p:nvSpPr>
-        <p:spPr>
-          <a:xfrm>
-            <a:off x="946404" y="6172201"/>
-            <a:ext cx="5568287" cy="369332"/>
-          </a:xfrm>
-          <a:prstGeom prst="rect">
-            <a:avLst/>
-          </a:prstGeom>
-          <a:noFill/>
-        </p:spPr>
-        <p:txBody>
-          <a:bodyPr wrap="square" rtlCol="0">
-            <a:spAutoFit/>
-          </a:bodyPr>
-          <a:lstStyle/>
-          <a:p>
-            <a:r>
-              <a:rPr lang="ru-RU" dirty="0"/>
-              <a:t>Хранилище данных о кластерах</a:t>
-            </a:r>
-          </a:p>
-        </p:txBody>
-      </p:sp>
     </p:spTree>
     <p:extLst>
       <p:ext uri="{BB962C8B-B14F-4D97-AF65-F5344CB8AC3E}">
@@ -11082,7 +11074,7 @@
         </p:nvSpPr>
         <p:spPr>
           <a:xfrm>
-            <a:off x="4929056" y="23586"/>
+            <a:off x="5196298" y="420564"/>
             <a:ext cx="3261892" cy="4351337"/>
           </a:xfrm>
           <a:prstGeom prst="rect">
@@ -11344,12 +11336,303 @@
             <a:r>
               <a:rPr lang="ru-RU" sz="2400" dirty="0" smtClean="0">
                 <a:solidFill>
-                  <a:srgbClr val="FF0000"/>
+                  <a:srgbClr val="D62728"/>
                 </a:solidFill>
               </a:rPr>
               <a:t>Перечень запросов</a:t>
             </a:r>
-            <a:endParaRPr lang="ru-RU" sz="2400" dirty="0">
+          </a:p>
+          <a:p>
+            <a:pPr marL="0" indent="0">
+              <a:lnSpc>
+                <a:spcPct val="100000"/>
+              </a:lnSpc>
+              <a:spcBef>
+                <a:spcPts val="0"/>
+              </a:spcBef>
+              <a:spcAft>
+                <a:spcPts val="0"/>
+              </a:spcAft>
+              <a:buFont typeface="Arial" pitchFamily="34" charset="0"/>
+              <a:buNone/>
+            </a:pPr>
+            <a:r>
+              <a:rPr lang="ru-RU" sz="1600" i="1" dirty="0" smtClean="0">
+                <a:solidFill>
+                  <a:schemeClr val="accent1"/>
+                </a:solidFill>
+              </a:rPr>
+              <a:t>Создание сайтов</a:t>
+            </a:r>
+          </a:p>
+          <a:p>
+            <a:pPr marL="0" indent="0">
+              <a:lnSpc>
+                <a:spcPct val="100000"/>
+              </a:lnSpc>
+              <a:spcBef>
+                <a:spcPts val="0"/>
+              </a:spcBef>
+              <a:spcAft>
+                <a:spcPts val="0"/>
+              </a:spcAft>
+              <a:buFont typeface="Arial" pitchFamily="34" charset="0"/>
+              <a:buNone/>
+            </a:pPr>
+            <a:r>
+              <a:rPr lang="ru-RU" sz="1600" i="1" dirty="0" smtClean="0">
+                <a:solidFill>
+                  <a:schemeClr val="accent1"/>
+                </a:solidFill>
+              </a:rPr>
+              <a:t>Разработка сайтов</a:t>
+            </a:r>
+          </a:p>
+          <a:p>
+            <a:pPr marL="0" indent="0">
+              <a:lnSpc>
+                <a:spcPct val="100000"/>
+              </a:lnSpc>
+              <a:spcBef>
+                <a:spcPts val="0"/>
+              </a:spcBef>
+              <a:spcAft>
+                <a:spcPts val="0"/>
+              </a:spcAft>
+              <a:buFont typeface="Arial" pitchFamily="34" charset="0"/>
+              <a:buNone/>
+            </a:pPr>
+            <a:r>
+              <a:rPr lang="ru-RU" sz="1600" i="1" dirty="0" smtClean="0">
+                <a:solidFill>
+                  <a:schemeClr val="accent1"/>
+                </a:solidFill>
+              </a:rPr>
+              <a:t>Веб-разработка</a:t>
+            </a:r>
+          </a:p>
+          <a:p>
+            <a:pPr marL="0" indent="0">
+              <a:lnSpc>
+                <a:spcPct val="100000"/>
+              </a:lnSpc>
+              <a:spcBef>
+                <a:spcPts val="0"/>
+              </a:spcBef>
+              <a:spcAft>
+                <a:spcPts val="0"/>
+              </a:spcAft>
+              <a:buFont typeface="Arial" pitchFamily="34" charset="0"/>
+              <a:buNone/>
+            </a:pPr>
+            <a:r>
+              <a:rPr lang="ru-RU" sz="1600" i="1" dirty="0" smtClean="0">
+                <a:solidFill>
+                  <a:schemeClr val="accent1"/>
+                </a:solidFill>
+              </a:rPr>
+              <a:t>Заказать продвижение сайта</a:t>
+            </a:r>
+          </a:p>
+          <a:p>
+            <a:pPr marL="0" indent="0">
+              <a:lnSpc>
+                <a:spcPct val="100000"/>
+              </a:lnSpc>
+              <a:spcBef>
+                <a:spcPts val="0"/>
+              </a:spcBef>
+              <a:spcAft>
+                <a:spcPts val="0"/>
+              </a:spcAft>
+              <a:buFont typeface="Arial" pitchFamily="34" charset="0"/>
+              <a:buNone/>
+            </a:pPr>
+            <a:r>
+              <a:rPr lang="ru-RU" sz="1600" i="1" dirty="0" smtClean="0">
+                <a:solidFill>
+                  <a:schemeClr val="accent1"/>
+                </a:solidFill>
+              </a:rPr>
+              <a:t>Поисковая оптимизация</a:t>
+            </a:r>
+          </a:p>
+          <a:p>
+            <a:pPr marL="0" indent="0">
+              <a:lnSpc>
+                <a:spcPct val="100000"/>
+              </a:lnSpc>
+              <a:spcBef>
+                <a:spcPts val="0"/>
+              </a:spcBef>
+              <a:spcAft>
+                <a:spcPts val="0"/>
+              </a:spcAft>
+              <a:buFont typeface="Arial" pitchFamily="34" charset="0"/>
+              <a:buNone/>
+            </a:pPr>
+            <a:r>
+              <a:rPr lang="ru-RU" sz="1600" i="1" dirty="0" smtClean="0">
+                <a:solidFill>
+                  <a:schemeClr val="accent1"/>
+                </a:solidFill>
+              </a:rPr>
+              <a:t>Дизайн веб-сайта</a:t>
+            </a:r>
+            <a:br>
+              <a:rPr lang="ru-RU" sz="1600" i="1" dirty="0" smtClean="0">
+                <a:solidFill>
+                  <a:schemeClr val="accent1"/>
+                </a:solidFill>
+              </a:rPr>
+            </a:br>
+            <a:r>
+              <a:rPr lang="ru-RU" sz="1600" i="1" dirty="0" smtClean="0">
+                <a:solidFill>
+                  <a:schemeClr val="accent1"/>
+                </a:solidFill>
+              </a:rPr>
+              <a:t>Доработка сайта</a:t>
+            </a:r>
+          </a:p>
+          <a:p>
+            <a:pPr marL="0" indent="0">
+              <a:lnSpc>
+                <a:spcPct val="100000"/>
+              </a:lnSpc>
+              <a:spcBef>
+                <a:spcPts val="0"/>
+              </a:spcBef>
+              <a:spcAft>
+                <a:spcPts val="0"/>
+              </a:spcAft>
+              <a:buFont typeface="Arial" pitchFamily="34" charset="0"/>
+              <a:buNone/>
+            </a:pPr>
+            <a:r>
+              <a:rPr lang="ru-RU" sz="1600" i="1" dirty="0" smtClean="0">
+                <a:solidFill>
+                  <a:schemeClr val="accent1"/>
+                </a:solidFill>
+              </a:rPr>
+              <a:t>Написание текстов на заказ</a:t>
+            </a:r>
+          </a:p>
+          <a:p>
+            <a:pPr marL="0" indent="0">
+              <a:lnSpc>
+                <a:spcPct val="100000"/>
+              </a:lnSpc>
+              <a:spcBef>
+                <a:spcPts val="0"/>
+              </a:spcBef>
+              <a:spcAft>
+                <a:spcPts val="0"/>
+              </a:spcAft>
+              <a:buFont typeface="Arial" pitchFamily="34" charset="0"/>
+              <a:buNone/>
+            </a:pPr>
+            <a:r>
+              <a:rPr lang="ru-RU" sz="1600" i="1" dirty="0" smtClean="0">
+                <a:solidFill>
+                  <a:schemeClr val="accent1"/>
+                </a:solidFill>
+              </a:rPr>
+              <a:t>Размещение контекстной рекламы</a:t>
+            </a:r>
+          </a:p>
+          <a:p>
+            <a:pPr marL="0" indent="0">
+              <a:lnSpc>
+                <a:spcPct val="100000"/>
+              </a:lnSpc>
+              <a:spcBef>
+                <a:spcPts val="0"/>
+              </a:spcBef>
+              <a:spcAft>
+                <a:spcPts val="0"/>
+              </a:spcAft>
+              <a:buFont typeface="Arial" pitchFamily="34" charset="0"/>
+              <a:buNone/>
+            </a:pPr>
+            <a:r>
+              <a:rPr lang="ru-RU" sz="1600" i="1" dirty="0" smtClean="0">
+                <a:solidFill>
+                  <a:schemeClr val="accent1"/>
+                </a:solidFill>
+              </a:rPr>
+              <a:t>Техподдержка веб-сайта</a:t>
+            </a:r>
+          </a:p>
+          <a:p>
+            <a:pPr marL="0" indent="0">
+              <a:lnSpc>
+                <a:spcPct val="100000"/>
+              </a:lnSpc>
+              <a:spcBef>
+                <a:spcPts val="0"/>
+              </a:spcBef>
+              <a:spcAft>
+                <a:spcPts val="0"/>
+              </a:spcAft>
+              <a:buFont typeface="Arial" pitchFamily="34" charset="0"/>
+              <a:buNone/>
+            </a:pPr>
+            <a:r>
+              <a:rPr lang="ru-RU" sz="1600" i="1" dirty="0" smtClean="0">
+                <a:solidFill>
+                  <a:schemeClr val="accent1"/>
+                </a:solidFill>
+              </a:rPr>
+              <a:t>Создание мобильного ПО</a:t>
+            </a:r>
+          </a:p>
+          <a:p>
+            <a:pPr marL="0" indent="0">
+              <a:lnSpc>
+                <a:spcPct val="100000"/>
+              </a:lnSpc>
+              <a:spcBef>
+                <a:spcPts val="0"/>
+              </a:spcBef>
+              <a:spcAft>
+                <a:spcPts val="0"/>
+              </a:spcAft>
+              <a:buFont typeface="Arial" pitchFamily="34" charset="0"/>
+              <a:buNone/>
+            </a:pPr>
+            <a:endParaRPr lang="ru-RU" sz="1600" dirty="0" smtClean="0">
+              <a:solidFill>
+                <a:schemeClr val="accent1"/>
+              </a:solidFill>
+            </a:endParaRPr>
+          </a:p>
+          <a:p>
+            <a:pPr marL="0" indent="0">
+              <a:lnSpc>
+                <a:spcPct val="100000"/>
+              </a:lnSpc>
+              <a:spcBef>
+                <a:spcPts val="0"/>
+              </a:spcBef>
+              <a:spcAft>
+                <a:spcPts val="0"/>
+              </a:spcAft>
+              <a:buFont typeface="Arial" pitchFamily="34" charset="0"/>
+              <a:buNone/>
+            </a:pPr>
+            <a:endParaRPr lang="ru-RU" sz="1600" dirty="0" smtClean="0">
+              <a:solidFill>
+                <a:schemeClr val="accent1"/>
+              </a:solidFill>
+            </a:endParaRPr>
+          </a:p>
+          <a:p>
+            <a:pPr marL="0" indent="0">
+              <a:buFont typeface="Arial" pitchFamily="34" charset="0"/>
+              <a:buNone/>
+            </a:pPr>
+            <a:endParaRPr lang="en-US" sz="2400" dirty="0" smtClean="0">
               <a:solidFill>
                 <a:srgbClr val="FF0000"/>
               </a:solidFill>
@@ -11457,7 +11740,7 @@
         </p:nvSpPr>
         <p:spPr>
           <a:xfrm>
-            <a:off x="274477" y="2935850"/>
+            <a:off x="212485" y="2935850"/>
             <a:ext cx="2342888" cy="612648"/>
           </a:xfrm>
           <a:prstGeom prst="borderCallout1">
@@ -11507,7 +11790,7 @@
         </p:nvSpPr>
         <p:spPr>
           <a:xfrm>
-            <a:off x="2934187" y="2886503"/>
+            <a:off x="2810203" y="2948495"/>
             <a:ext cx="2342888" cy="612648"/>
           </a:xfrm>
           <a:prstGeom prst="borderCallout1">
@@ -11785,8 +12068,8 @@
         </p:nvSpPr>
         <p:spPr>
           <a:xfrm>
-            <a:off x="457203" y="-198436"/>
-            <a:ext cx="7269480" cy="1325562"/>
+            <a:off x="455737" y="-198436"/>
+            <a:ext cx="7270946" cy="1097300"/>
           </a:xfrm>
         </p:spPr>
         <p:txBody>
@@ -11832,7 +12115,7 @@
         </p:nvSpPr>
         <p:spPr>
           <a:xfrm>
-            <a:off x="5028413" y="4476650"/>
+            <a:off x="5198891" y="4182188"/>
             <a:ext cx="457200" cy="300038"/>
           </a:xfrm>
           <a:prstGeom prst="rect">
@@ -11875,7 +12158,7 @@
         </p:nvSpPr>
         <p:spPr>
           <a:xfrm>
-            <a:off x="5028413" y="4817995"/>
+            <a:off x="5198891" y="4523533"/>
             <a:ext cx="457200" cy="300038"/>
           </a:xfrm>
           <a:prstGeom prst="rect">
@@ -11918,7 +12201,7 @@
         </p:nvSpPr>
         <p:spPr>
           <a:xfrm>
-            <a:off x="5028413" y="5164783"/>
+            <a:off x="5198891" y="4870321"/>
             <a:ext cx="457200" cy="300038"/>
           </a:xfrm>
           <a:prstGeom prst="rect">
@@ -11961,7 +12244,7 @@
         </p:nvSpPr>
         <p:spPr>
           <a:xfrm>
-            <a:off x="5020024" y="5519960"/>
+            <a:off x="5190502" y="5225498"/>
             <a:ext cx="457200" cy="300038"/>
           </a:xfrm>
           <a:prstGeom prst="rect">
@@ -12004,7 +12287,7 @@
         </p:nvSpPr>
         <p:spPr>
           <a:xfrm>
-            <a:off x="5020024" y="5885579"/>
+            <a:off x="5190502" y="5591117"/>
             <a:ext cx="457200" cy="300038"/>
           </a:xfrm>
           <a:prstGeom prst="rect">
@@ -12047,7 +12330,7 @@
         </p:nvSpPr>
         <p:spPr>
           <a:xfrm>
-            <a:off x="5020024" y="6232367"/>
+            <a:off x="5190502" y="5937905"/>
             <a:ext cx="457200" cy="300038"/>
           </a:xfrm>
           <a:prstGeom prst="rect">
@@ -12090,7 +12373,7 @@
         </p:nvSpPr>
         <p:spPr>
           <a:xfrm>
-            <a:off x="5599913" y="4410012"/>
+            <a:off x="5784046" y="4182188"/>
             <a:ext cx="1143000" cy="369332"/>
           </a:xfrm>
           <a:prstGeom prst="rect">
@@ -12120,7 +12403,7 @@
         </p:nvSpPr>
         <p:spPr>
           <a:xfrm>
-            <a:off x="5599912" y="4766676"/>
+            <a:off x="5770390" y="4472214"/>
             <a:ext cx="1257301" cy="369332"/>
           </a:xfrm>
           <a:prstGeom prst="rect">
@@ -12150,7 +12433,7 @@
         </p:nvSpPr>
         <p:spPr>
           <a:xfrm>
-            <a:off x="5599912" y="5106562"/>
+            <a:off x="5770390" y="4812100"/>
             <a:ext cx="2214563" cy="369332"/>
           </a:xfrm>
           <a:prstGeom prst="rect">
@@ -12180,7 +12463,7 @@
         </p:nvSpPr>
         <p:spPr>
           <a:xfrm>
-            <a:off x="5591524" y="5485313"/>
+            <a:off x="5762002" y="5190851"/>
             <a:ext cx="2354580" cy="369332"/>
           </a:xfrm>
           <a:prstGeom prst="rect">
@@ -12210,7 +12493,7 @@
         </p:nvSpPr>
         <p:spPr>
           <a:xfrm>
-            <a:off x="5591523" y="5835428"/>
+            <a:off x="5762001" y="5540966"/>
             <a:ext cx="1143000" cy="369332"/>
           </a:xfrm>
           <a:prstGeom prst="rect">
@@ -12240,7 +12523,7 @@
         </p:nvSpPr>
         <p:spPr>
           <a:xfrm>
-            <a:off x="5591524" y="6155595"/>
+            <a:off x="5762002" y="5861133"/>
             <a:ext cx="1143000" cy="369332"/>
           </a:xfrm>
           <a:prstGeom prst="rect">
@@ -12282,7 +12565,7 @@
         </p:blipFill>
         <p:spPr>
           <a:xfrm>
-            <a:off x="138421" y="2632944"/>
+            <a:off x="455737" y="2448062"/>
             <a:ext cx="4616771" cy="4194934"/>
           </a:xfrm>
           <a:prstGeom prst="rect">
@@ -12292,7 +12575,7 @@
       </p:pic>
       <p:sp>
         <p:nvSpPr>
-          <p:cNvPr id="20" name="Объект 2"/>
+          <p:cNvPr id="21" name="Объект 2"/>
           <p:cNvSpPr txBox="1">
             <a:spLocks/>
           </p:cNvSpPr>
@@ -12300,8 +12583,8 @@
         </p:nvSpPr>
         <p:spPr>
           <a:xfrm>
-            <a:off x="4929056" y="23586"/>
-            <a:ext cx="3261892" cy="4351337"/>
+            <a:off x="5053881" y="449451"/>
+            <a:ext cx="3702240" cy="3595103"/>
           </a:xfrm>
           <a:prstGeom prst="rect">
             <a:avLst/>
@@ -12309,7 +12592,7 @@
         </p:spPr>
         <p:txBody>
           <a:bodyPr vert="horz" lIns="91440" tIns="45720" rIns="91440" bIns="45720" rtlCol="0">
-            <a:normAutofit/>
+            <a:normAutofit fontScale="25000" lnSpcReduction="20000"/>
           </a:bodyPr>
           <a:lstStyle>
             <a:lvl1pPr marL="182880" indent="-182880" algn="l" defTabSz="914400" rtl="0" eaLnBrk="1" latinLnBrk="0" hangingPunct="1">
@@ -12560,18 +12843,417 @@
               <a:buNone/>
             </a:pPr>
             <a:r>
+              <a:rPr lang="ru-RU" sz="9600" dirty="0" smtClean="0">
+                <a:solidFill>
+                  <a:srgbClr val="D62728"/>
+                </a:solidFill>
+              </a:rPr>
+              <a:t>Перечень запросов</a:t>
+            </a:r>
+          </a:p>
+          <a:p>
+            <a:pPr marL="0" indent="0">
+              <a:lnSpc>
+                <a:spcPct val="120000"/>
+              </a:lnSpc>
+              <a:spcBef>
+                <a:spcPts val="0"/>
+              </a:spcBef>
+              <a:spcAft>
+                <a:spcPts val="0"/>
+              </a:spcAft>
+              <a:buNone/>
+            </a:pPr>
+            <a:r>
+              <a:rPr lang="ru-RU" sz="6400" i="1" dirty="0">
+                <a:solidFill>
+                  <a:schemeClr val="accent1"/>
+                </a:solidFill>
+              </a:rPr>
+              <a:t>факультет </a:t>
+            </a:r>
+            <a:r>
+              <a:rPr lang="ru-RU" sz="6400" i="1" dirty="0" err="1">
+                <a:solidFill>
+                  <a:schemeClr val="accent1"/>
+                </a:solidFill>
+              </a:rPr>
+              <a:t>вми</a:t>
+            </a:r>
+            <a:r>
+              <a:rPr lang="ru-RU" sz="6400" i="1" dirty="0">
+                <a:solidFill>
+                  <a:schemeClr val="accent1"/>
+                </a:solidFill>
+              </a:rPr>
+              <a:t> </a:t>
+            </a:r>
+            <a:r>
+              <a:rPr lang="ru-RU" sz="6400" i="1" dirty="0" err="1">
+                <a:solidFill>
+                  <a:schemeClr val="accent1"/>
+                </a:solidFill>
+              </a:rPr>
+              <a:t>юургу</a:t>
+            </a:r>
+            <a:endParaRPr lang="ru-RU" sz="6400" i="1" dirty="0">
+              <a:solidFill>
+                <a:schemeClr val="accent1"/>
+              </a:solidFill>
+            </a:endParaRPr>
+          </a:p>
+          <a:p>
+            <a:pPr marL="0" indent="0">
+              <a:lnSpc>
+                <a:spcPct val="120000"/>
+              </a:lnSpc>
+              <a:spcBef>
+                <a:spcPts val="0"/>
+              </a:spcBef>
+              <a:spcAft>
+                <a:spcPts val="0"/>
+              </a:spcAft>
+              <a:buNone/>
+            </a:pPr>
+            <a:r>
+              <a:rPr lang="ru-RU" sz="6400" i="1" dirty="0">
+                <a:solidFill>
+                  <a:schemeClr val="accent1"/>
+                </a:solidFill>
+              </a:rPr>
+              <a:t>факультет вычислительной математики и информатики</a:t>
+            </a:r>
+          </a:p>
+          <a:p>
+            <a:pPr marL="0" indent="0">
+              <a:lnSpc>
+                <a:spcPct val="120000"/>
+              </a:lnSpc>
+              <a:spcBef>
+                <a:spcPts val="0"/>
+              </a:spcBef>
+              <a:spcAft>
+                <a:spcPts val="0"/>
+              </a:spcAft>
+              <a:buNone/>
+            </a:pPr>
+            <a:r>
+              <a:rPr lang="ru-RU" sz="6400" i="1" dirty="0">
+                <a:solidFill>
+                  <a:schemeClr val="accent1"/>
+                </a:solidFill>
+              </a:rPr>
+              <a:t>суперкомпьютер </a:t>
+            </a:r>
+            <a:r>
+              <a:rPr lang="ru-RU" sz="6400" i="1" dirty="0" err="1">
+                <a:solidFill>
+                  <a:schemeClr val="accent1"/>
+                </a:solidFill>
+              </a:rPr>
+              <a:t>юургу</a:t>
+            </a:r>
+            <a:endParaRPr lang="ru-RU" sz="6400" i="1" dirty="0">
+              <a:solidFill>
+                <a:schemeClr val="accent1"/>
+              </a:solidFill>
+            </a:endParaRPr>
+          </a:p>
+          <a:p>
+            <a:pPr marL="0" indent="0">
+              <a:lnSpc>
+                <a:spcPct val="120000"/>
+              </a:lnSpc>
+              <a:spcBef>
+                <a:spcPts val="0"/>
+              </a:spcBef>
+              <a:spcAft>
+                <a:spcPts val="0"/>
+              </a:spcAft>
+              <a:buNone/>
+            </a:pPr>
+            <a:r>
+              <a:rPr lang="ru-RU" sz="6400" i="1" dirty="0" err="1">
+                <a:solidFill>
+                  <a:schemeClr val="accent1"/>
+                </a:solidFill>
+              </a:rPr>
+              <a:t>в</a:t>
+            </a:r>
+            <a:r>
+              <a:rPr lang="ru-RU" sz="6400" i="1" dirty="0" err="1" smtClean="0">
+                <a:solidFill>
+                  <a:schemeClr val="accent1"/>
+                </a:solidFill>
+              </a:rPr>
+              <a:t>ми</a:t>
+            </a:r>
+            <a:endParaRPr lang="ru-RU" sz="6400" i="1" dirty="0">
+              <a:solidFill>
+                <a:schemeClr val="accent1"/>
+              </a:solidFill>
+            </a:endParaRPr>
+          </a:p>
+          <a:p>
+            <a:pPr marL="0" indent="0">
+              <a:lnSpc>
+                <a:spcPct val="120000"/>
+              </a:lnSpc>
+              <a:spcBef>
+                <a:spcPts val="0"/>
+              </a:spcBef>
+              <a:spcAft>
+                <a:spcPts val="0"/>
+              </a:spcAft>
+              <a:buNone/>
+            </a:pPr>
+            <a:r>
+              <a:rPr lang="ru-RU" sz="6400" i="1" dirty="0" smtClean="0">
+                <a:solidFill>
+                  <a:schemeClr val="accent1"/>
+                </a:solidFill>
+              </a:rPr>
+              <a:t>программирование </a:t>
+            </a:r>
+            <a:r>
+              <a:rPr lang="ru-RU" sz="6400" i="1" dirty="0" err="1" smtClean="0">
+                <a:solidFill>
+                  <a:schemeClr val="accent1"/>
+                </a:solidFill>
+              </a:rPr>
+              <a:t>юургу</a:t>
+            </a:r>
+            <a:endParaRPr lang="ru-RU" sz="6400" i="1" dirty="0">
+              <a:solidFill>
+                <a:schemeClr val="accent1"/>
+              </a:solidFill>
+            </a:endParaRPr>
+          </a:p>
+          <a:p>
+            <a:pPr marL="0" indent="0">
+              <a:lnSpc>
+                <a:spcPct val="120000"/>
+              </a:lnSpc>
+              <a:spcBef>
+                <a:spcPts val="0"/>
+              </a:spcBef>
+              <a:spcAft>
+                <a:spcPts val="0"/>
+              </a:spcAft>
+              <a:buNone/>
+            </a:pPr>
+            <a:r>
+              <a:rPr lang="ru-RU" sz="6400" i="1" dirty="0">
+                <a:solidFill>
+                  <a:schemeClr val="accent1"/>
+                </a:solidFill>
+              </a:rPr>
+              <a:t>куда пойти учиться на программиста </a:t>
+            </a:r>
+          </a:p>
+          <a:p>
+            <a:pPr marL="0" indent="0">
+              <a:lnSpc>
+                <a:spcPct val="120000"/>
+              </a:lnSpc>
+              <a:spcBef>
+                <a:spcPts val="0"/>
+              </a:spcBef>
+              <a:spcAft>
+                <a:spcPts val="0"/>
+              </a:spcAft>
+              <a:buNone/>
+            </a:pPr>
+            <a:r>
+              <a:rPr lang="ru-RU" sz="6400" i="1" dirty="0">
+                <a:solidFill>
+                  <a:schemeClr val="accent1"/>
+                </a:solidFill>
+              </a:rPr>
+              <a:t>суперкомпьютер скиф аврора</a:t>
+            </a:r>
+          </a:p>
+          <a:p>
+            <a:pPr marL="0" indent="0">
+              <a:lnSpc>
+                <a:spcPct val="120000"/>
+              </a:lnSpc>
+              <a:spcBef>
+                <a:spcPts val="0"/>
+              </a:spcBef>
+              <a:spcAft>
+                <a:spcPts val="0"/>
+              </a:spcAft>
+              <a:buNone/>
+            </a:pPr>
+            <a:r>
+              <a:rPr lang="ru-RU" sz="6400" i="1" dirty="0" err="1">
+                <a:solidFill>
+                  <a:schemeClr val="accent1"/>
+                </a:solidFill>
+              </a:rPr>
+              <a:t>фиит</a:t>
+            </a:r>
+            <a:endParaRPr lang="ru-RU" sz="6400" i="1" dirty="0">
+              <a:solidFill>
+                <a:schemeClr val="accent1"/>
+              </a:solidFill>
+            </a:endParaRPr>
+          </a:p>
+          <a:p>
+            <a:pPr marL="0" indent="0">
+              <a:lnSpc>
+                <a:spcPct val="120000"/>
+              </a:lnSpc>
+              <a:spcBef>
+                <a:spcPts val="0"/>
+              </a:spcBef>
+              <a:spcAft>
+                <a:spcPts val="0"/>
+              </a:spcAft>
+              <a:buNone/>
+            </a:pPr>
+            <a:r>
+              <a:rPr lang="ru-RU" sz="6400" i="1" dirty="0">
+                <a:solidFill>
+                  <a:schemeClr val="accent1"/>
+                </a:solidFill>
+              </a:rPr>
+              <a:t>прикладная математика и </a:t>
+            </a:r>
+            <a:r>
+              <a:rPr lang="ru-RU" sz="6400" i="1" dirty="0" smtClean="0">
+                <a:solidFill>
+                  <a:schemeClr val="accent1"/>
+                </a:solidFill>
+              </a:rPr>
+              <a:t>информатика</a:t>
+            </a:r>
+            <a:endParaRPr lang="ru-RU" sz="6400" i="1" dirty="0">
+              <a:solidFill>
+                <a:schemeClr val="accent1"/>
+              </a:solidFill>
+            </a:endParaRPr>
+          </a:p>
+          <a:p>
+            <a:pPr marL="0" indent="0">
+              <a:lnSpc>
+                <a:spcPct val="120000"/>
+              </a:lnSpc>
+              <a:spcBef>
+                <a:spcPts val="0"/>
+              </a:spcBef>
+              <a:spcAft>
+                <a:spcPts val="0"/>
+              </a:spcAft>
+              <a:buNone/>
+            </a:pPr>
+            <a:r>
+              <a:rPr lang="ru-RU" sz="6400" i="1" dirty="0">
+                <a:solidFill>
+                  <a:schemeClr val="accent1"/>
+                </a:solidFill>
+              </a:rPr>
+              <a:t>информационные технологии </a:t>
+            </a:r>
+            <a:endParaRPr lang="ru-RU" sz="1600" i="1" dirty="0" smtClean="0">
+              <a:solidFill>
+                <a:schemeClr val="accent1"/>
+              </a:solidFill>
+            </a:endParaRPr>
+          </a:p>
+          <a:p>
+            <a:pPr marL="0" indent="0">
+              <a:lnSpc>
+                <a:spcPct val="100000"/>
+              </a:lnSpc>
+              <a:spcBef>
+                <a:spcPts val="0"/>
+              </a:spcBef>
+              <a:spcAft>
+                <a:spcPts val="0"/>
+              </a:spcAft>
+              <a:buFont typeface="Arial" pitchFamily="34" charset="0"/>
+              <a:buNone/>
+            </a:pPr>
+            <a:endParaRPr lang="ru-RU" sz="1600" dirty="0" smtClean="0">
+              <a:solidFill>
+                <a:schemeClr val="accent1"/>
+              </a:solidFill>
+            </a:endParaRPr>
+          </a:p>
+          <a:p>
+            <a:pPr marL="0" indent="0">
+              <a:lnSpc>
+                <a:spcPct val="100000"/>
+              </a:lnSpc>
+              <a:spcBef>
+                <a:spcPts val="0"/>
+              </a:spcBef>
+              <a:spcAft>
+                <a:spcPts val="0"/>
+              </a:spcAft>
+              <a:buFont typeface="Arial" pitchFamily="34" charset="0"/>
+              <a:buNone/>
+            </a:pPr>
+            <a:endParaRPr lang="ru-RU" sz="1600" dirty="0" smtClean="0">
+              <a:solidFill>
+                <a:schemeClr val="accent1"/>
+              </a:solidFill>
+            </a:endParaRPr>
+          </a:p>
+          <a:p>
+            <a:pPr marL="0" indent="0">
+              <a:buFont typeface="Arial" pitchFamily="34" charset="0"/>
+              <a:buNone/>
+            </a:pPr>
+            <a:r>
               <a:rPr lang="ru-RU" sz="2400" dirty="0" smtClean="0">
                 <a:solidFill>
                   <a:srgbClr val="FF0000"/>
                 </a:solidFill>
               </a:rPr>
-              <a:t>Перечень запросов</a:t>
-            </a:r>
-            <a:endParaRPr lang="ru-RU" sz="2400" dirty="0">
+              <a:t>	</a:t>
+            </a:r>
+            <a:endParaRPr lang="en-US" sz="2400" dirty="0" smtClean="0">
               <a:solidFill>
                 <a:srgbClr val="FF0000"/>
               </a:solidFill>
             </a:endParaRPr>
+          </a:p>
+        </p:txBody>
+      </p:sp>
+      <p:sp>
+        <p:nvSpPr>
+          <p:cNvPr id="3" name="TextBox 2"/>
+          <p:cNvSpPr txBox="1"/>
+          <p:nvPr/>
+        </p:nvSpPr>
+        <p:spPr>
+          <a:xfrm>
+            <a:off x="457203" y="1238750"/>
+            <a:ext cx="4289443" cy="1200329"/>
+          </a:xfrm>
+          <a:prstGeom prst="rect">
+            <a:avLst/>
+          </a:prstGeom>
+          <a:noFill/>
+        </p:spPr>
+        <p:txBody>
+          <a:bodyPr wrap="square" rtlCol="0">
+            <a:spAutoFit/>
+          </a:bodyPr>
+          <a:lstStyle/>
+          <a:p>
+            <a:r>
+              <a:rPr lang="ru-RU" sz="2400" spc="10" dirty="0"/>
+              <a:t>Пример работы системы для поиска конкурентов </a:t>
+            </a:r>
+            <a:r>
+              <a:rPr lang="ru-RU" sz="2400" spc="10" dirty="0" smtClean="0"/>
+              <a:t>веб-сайта </a:t>
+            </a:r>
+            <a:endParaRPr lang="ru-RU" sz="2400" spc="10" dirty="0"/>
           </a:p>
         </p:txBody>
       </p:sp>
@@ -12883,15 +13565,7 @@
             </a:r>
             <a:r>
               <a:rPr lang="ru-RU" sz="2000" dirty="0" smtClean="0"/>
-              <a:t>и </a:t>
-            </a:r>
-            <a:r>
-              <a:rPr lang="ru-RU" sz="2000" dirty="0" smtClean="0"/>
-              <a:t>продвижения </a:t>
-            </a:r>
-            <a:r>
-              <a:rPr lang="ru-RU" sz="2000" dirty="0" smtClean="0"/>
-              <a:t>веб-сайтов </a:t>
+              <a:t>и продвижения веб-сайтов </a:t>
             </a:r>
             <a:r>
               <a:rPr lang="ru-RU" sz="2000" dirty="0"/>
@@ -12899,15 +13573,7 @@
             </a:r>
             <a:r>
               <a:rPr lang="ru-RU" sz="2000" dirty="0" smtClean="0"/>
-              <a:t>поисков</a:t>
-            </a:r>
-            <a:r>
-              <a:rPr lang="ru-RU" sz="2000" dirty="0" smtClean="0"/>
-              <a:t>ой</a:t>
-            </a:r>
-            <a:r>
-              <a:rPr lang="ru-RU" sz="2000" dirty="0" smtClean="0"/>
-              <a:t> системе Яндекс. </a:t>
+              <a:t>поисковой системе Яндекс. </a:t>
             </a:r>
             <a:endParaRPr lang="en-US" sz="2000" dirty="0" smtClean="0"/>
           </a:p>
@@ -15700,14 +16366,14 @@
                         </a:spcAft>
                       </a:pPr>
                       <a:r>
-                        <a:rPr lang="en-US" sz="1400">
+                        <a:rPr lang="en-US" sz="1400" dirty="0">
                           <a:effectLst/>
                           <a:latin typeface="Times New Roman" panose="02020603050405020304" pitchFamily="18" charset="0"/>
                           <a:ea typeface="Times New Roman" panose="02020603050405020304" pitchFamily="18" charset="0"/>
                         </a:rPr>
                         <a:t>196</a:t>
                       </a:r>
-                      <a:endParaRPr lang="ru-RU" sz="1400">
+                      <a:endParaRPr lang="ru-RU" sz="1400" dirty="0">
                         <a:effectLst/>
                         <a:latin typeface="Times New Roman" panose="02020603050405020304" pitchFamily="18" charset="0"/>
                         <a:ea typeface="Times New Roman" panose="02020603050405020304" pitchFamily="18" charset="0"/>
@@ -15914,14 +16580,14 @@
                         </a:spcAft>
                       </a:pPr>
                       <a:r>
-                        <a:rPr lang="en-US" sz="1400">
+                        <a:rPr lang="en-US" sz="1400" dirty="0">
                           <a:effectLst/>
                           <a:latin typeface="Times New Roman" panose="02020603050405020304" pitchFamily="18" charset="0"/>
                           <a:ea typeface="Times New Roman" panose="02020603050405020304" pitchFamily="18" charset="0"/>
                         </a:rPr>
                         <a:t>0</a:t>
                       </a:r>
-                      <a:endParaRPr lang="ru-RU" sz="1400">
+                      <a:endParaRPr lang="ru-RU" sz="1400" dirty="0">
                         <a:effectLst/>
                         <a:latin typeface="Times New Roman" panose="02020603050405020304" pitchFamily="18" charset="0"/>
                         <a:ea typeface="Times New Roman" panose="02020603050405020304" pitchFamily="18" charset="0"/>
@@ -16112,11 +16778,7 @@
           <a:p>
             <a:r>
               <a:rPr lang="ru-RU" sz="3200" dirty="0" smtClean="0"/>
-              <a:t>Актеры и варианты </a:t>
-            </a:r>
-            <a:r>
-              <a:rPr lang="ru-RU" sz="3200" dirty="0" smtClean="0"/>
-              <a:t>использования системы</a:t>
+              <a:t>Актеры и варианты использования системы</a:t>
             </a:r>
             <a:endParaRPr lang="ru-RU" sz="3200" dirty="0"/>
           </a:p>
@@ -16239,53 +16901,15 @@
           </a:p>
         </p:txBody>
       </p:sp>
-      <p:sp>
-        <p:nvSpPr>
-          <p:cNvPr id="3" name="Объект 2"/>
-          <p:cNvSpPr>
-            <a:spLocks noGrp="1"/>
-          </p:cNvSpPr>
-          <p:nvPr>
-            <p:ph idx="1"/>
-          </p:nvPr>
-        </p:nvSpPr>
-        <p:spPr/>
-        <p:txBody>
-          <a:bodyPr/>
-          <a:lstStyle/>
-          <a:p>
-            <a:endParaRPr lang="ru-RU"/>
-          </a:p>
-        </p:txBody>
-      </p:sp>
-      <p:sp>
-        <p:nvSpPr>
-          <p:cNvPr id="4" name="Номер слайда 3"/>
-          <p:cNvSpPr>
-            <a:spLocks noGrp="1"/>
-          </p:cNvSpPr>
-          <p:nvPr>
-            <p:ph type="sldNum" sz="quarter" idx="12"/>
-          </p:nvPr>
-        </p:nvSpPr>
-        <p:spPr/>
-        <p:txBody>
-          <a:bodyPr/>
-          <a:lstStyle/>
-          <a:p>
-            <a:fld id="{B8FD4787-A815-42E7-9C3F-EE8E3DD8A60B}" type="slidenum">
-              <a:rPr lang="ru-RU" smtClean="0"/>
-              <a:t>9</a:t>
-            </a:fld>
-            <a:endParaRPr lang="ru-RU"/>
-          </a:p>
-        </p:txBody>
-      </p:sp>
       <p:pic>
         <p:nvPicPr>
-          <p:cNvPr id="5" name="Рисунок 4" descr="C:\Users\Екатерина\Downloads\Comnponents - New Page (7).png"/>
-          <p:cNvPicPr/>
-          <p:nvPr/>
+          <p:cNvPr id="6" name="Объект 5"/>
+          <p:cNvPicPr>
+            <a:picLocks noGrp="1" noChangeAspect="1"/>
+          </p:cNvPicPr>
+          <p:nvPr>
+            <p:ph idx="1"/>
+          </p:nvPr>
         </p:nvPicPr>
         <p:blipFill>
           <a:blip r:embed="rId2" cstate="print">
@@ -16295,25 +16919,40 @@
               </a:ext>
             </a:extLst>
           </a:blip>
-          <a:srcRect/>
           <a:stretch>
             <a:fillRect/>
           </a:stretch>
         </p:blipFill>
-        <p:spPr bwMode="auto">
+        <p:spPr>
           <a:xfrm>
-            <a:off x="775272" y="1433016"/>
-            <a:ext cx="7399737" cy="5076966"/>
+            <a:off x="431979" y="1301858"/>
+            <a:ext cx="7135586" cy="5002267"/>
           </a:xfrm>
-          <a:prstGeom prst="rect">
-            <a:avLst/>
-          </a:prstGeom>
-          <a:noFill/>
-          <a:ln>
-            <a:noFill/>
-          </a:ln>
         </p:spPr>
       </p:pic>
+      <p:sp>
+        <p:nvSpPr>
+          <p:cNvPr id="4" name="Номер слайда 3"/>
+          <p:cNvSpPr>
+            <a:spLocks noGrp="1"/>
+          </p:cNvSpPr>
+          <p:nvPr>
+            <p:ph type="sldNum" sz="quarter" idx="12"/>
+          </p:nvPr>
+        </p:nvSpPr>
+        <p:spPr/>
+        <p:txBody>
+          <a:bodyPr/>
+          <a:lstStyle/>
+          <a:p>
+            <a:fld id="{B8FD4787-A815-42E7-9C3F-EE8E3DD8A60B}" type="slidenum">
+              <a:rPr lang="ru-RU" smtClean="0"/>
+              <a:t>9</a:t>
+            </a:fld>
+            <a:endParaRPr lang="ru-RU"/>
+          </a:p>
+        </p:txBody>
+      </p:sp>
     </p:spTree>
     <p:extLst>
       <p:ext uri="{BB962C8B-B14F-4D97-AF65-F5344CB8AC3E}">

--- a/Отчет/Доклад Неповинных.pptx
+++ b/Отчет/Доклад Неповинных.pptx
@@ -7,7 +7,7 @@
     <p:sldMasterId id="2147483948" r:id="rId3"/>
   </p:sldMasterIdLst>
   <p:notesMasterIdLst>
-    <p:notesMasterId r:id="rId19"/>
+    <p:notesMasterId r:id="rId20"/>
   </p:notesMasterIdLst>
   <p:sldIdLst>
     <p:sldId id="256" r:id="rId4"/>
@@ -24,7 +24,8 @@
     <p:sldId id="268" r:id="rId15"/>
     <p:sldId id="271" r:id="rId16"/>
     <p:sldId id="270" r:id="rId17"/>
-    <p:sldId id="269" r:id="rId18"/>
+    <p:sldId id="272" r:id="rId18"/>
+    <p:sldId id="269" r:id="rId19"/>
   </p:sldIdLst>
   <p:sldSz cx="9144000" cy="6858000" type="screen4x3"/>
   <p:notesSz cx="6858000" cy="9144000"/>
@@ -213,7 +214,7 @@
           <a:p>
             <a:fld id="{92DF813F-1706-4352-AD8B-733ADD07516A}" type="datetimeFigureOut">
               <a:rPr lang="ru-RU" smtClean="0"/>
-              <a:t>26.04.2015</a:t>
+              <a:t>02.06.2015</a:t>
             </a:fld>
             <a:endParaRPr lang="ru-RU"/>
           </a:p>
@@ -630,6 +631,90 @@
           <a:p>
             <a:fld id="{8A3A1F0C-4D94-437E-80F2-F313780206D4}" type="slidenum">
               <a:rPr lang="ru-RU" smtClean="0"/>
+              <a:t>5</a:t>
+            </a:fld>
+            <a:endParaRPr lang="ru-RU"/>
+          </a:p>
+        </p:txBody>
+      </p:sp>
+    </p:spTree>
+    <p:extLst>
+      <p:ext uri="{BB962C8B-B14F-4D97-AF65-F5344CB8AC3E}">
+        <p14:creationId xmlns:p14="http://schemas.microsoft.com/office/powerpoint/2010/main" val="896849183"/>
+      </p:ext>
+    </p:extLst>
+  </p:cSld>
+  <p:clrMapOvr>
+    <a:masterClrMapping/>
+  </p:clrMapOvr>
+</p:notes>
+</file>
+
+<file path=ppt/notesSlides/notesSlide3.xml><?xml version="1.0" encoding="utf-8"?>
+<p:notes xmlns:a="http://schemas.openxmlformats.org/drawingml/2006/main" xmlns:r="http://schemas.openxmlformats.org/officeDocument/2006/relationships" xmlns:p="http://schemas.openxmlformats.org/presentationml/2006/main">
+  <p:cSld>
+    <p:spTree>
+      <p:nvGrpSpPr>
+        <p:cNvPr id="1" name=""/>
+        <p:cNvGrpSpPr/>
+        <p:nvPr/>
+      </p:nvGrpSpPr>
+      <p:grpSpPr>
+        <a:xfrm>
+          <a:off x="0" y="0"/>
+          <a:ext cx="0" cy="0"/>
+          <a:chOff x="0" y="0"/>
+          <a:chExt cx="0" cy="0"/>
+        </a:xfrm>
+      </p:grpSpPr>
+      <p:sp>
+        <p:nvSpPr>
+          <p:cNvPr id="2" name="Образ слайда 1"/>
+          <p:cNvSpPr>
+            <a:spLocks noGrp="1" noRot="1" noChangeAspect="1"/>
+          </p:cNvSpPr>
+          <p:nvPr>
+            <p:ph type="sldImg"/>
+          </p:nvPr>
+        </p:nvSpPr>
+        <p:spPr/>
+      </p:sp>
+      <p:sp>
+        <p:nvSpPr>
+          <p:cNvPr id="3" name="Заметки 2"/>
+          <p:cNvSpPr>
+            <a:spLocks noGrp="1"/>
+          </p:cNvSpPr>
+          <p:nvPr>
+            <p:ph type="body" idx="1"/>
+          </p:nvPr>
+        </p:nvSpPr>
+        <p:spPr/>
+        <p:txBody>
+          <a:bodyPr/>
+          <a:lstStyle/>
+          <a:p>
+            <a:endParaRPr lang="ru-RU" dirty="0"/>
+          </a:p>
+        </p:txBody>
+      </p:sp>
+      <p:sp>
+        <p:nvSpPr>
+          <p:cNvPr id="4" name="Номер слайда 3"/>
+          <p:cNvSpPr>
+            <a:spLocks noGrp="1"/>
+          </p:cNvSpPr>
+          <p:nvPr>
+            <p:ph type="sldNum" sz="quarter" idx="10"/>
+          </p:nvPr>
+        </p:nvSpPr>
+        <p:spPr/>
+        <p:txBody>
+          <a:bodyPr/>
+          <a:lstStyle/>
+          <a:p>
+            <a:fld id="{8A3A1F0C-4D94-437E-80F2-F313780206D4}" type="slidenum">
+              <a:rPr lang="ru-RU" smtClean="0"/>
               <a:t>13</a:t>
             </a:fld>
             <a:endParaRPr lang="ru-RU"/>
@@ -791,7 +876,7 @@
           <a:p>
             <a:fld id="{CA6132C5-4EF7-44E9-8AC0-543A9CBD21A3}" type="datetime1">
               <a:rPr lang="ru-RU" smtClean="0"/>
-              <a:t>26.04.2015</a:t>
+              <a:t>02.06.2015</a:t>
             </a:fld>
             <a:endParaRPr lang="ru-RU"/>
           </a:p>
@@ -961,7 +1046,7 @@
           <a:p>
             <a:fld id="{EF1CE88B-3451-485D-B0B9-5D3B791D9A61}" type="datetime1">
               <a:rPr lang="ru-RU" smtClean="0"/>
-              <a:t>26.04.2015</a:t>
+              <a:t>02.06.2015</a:t>
             </a:fld>
             <a:endParaRPr lang="ru-RU"/>
           </a:p>
@@ -1141,7 +1226,7 @@
           <a:p>
             <a:fld id="{1FE7C88E-07F6-4A72-8D7F-2003DD58C999}" type="datetime1">
               <a:rPr lang="ru-RU" smtClean="0"/>
-              <a:t>26.04.2015</a:t>
+              <a:t>02.06.2015</a:t>
             </a:fld>
             <a:endParaRPr lang="ru-RU"/>
           </a:p>
@@ -1344,7 +1429,7 @@
           <a:p>
             <a:fld id="{CA6132C5-4EF7-44E9-8AC0-543A9CBD21A3}" type="datetime1">
               <a:rPr lang="ru-RU" smtClean="0"/>
-              <a:t>26.04.2015</a:t>
+              <a:t>02.06.2015</a:t>
             </a:fld>
             <a:endParaRPr lang="ru-RU"/>
           </a:p>
@@ -1514,7 +1599,7 @@
           <a:p>
             <a:fld id="{3F6630A2-8F33-4019-B2B9-16E2D46DA9AF}" type="datetime1">
               <a:rPr lang="ru-RU" smtClean="0"/>
-              <a:t>26.04.2015</a:t>
+              <a:t>02.06.2015</a:t>
             </a:fld>
             <a:endParaRPr lang="ru-RU"/>
           </a:p>
@@ -1765,7 +1850,7 @@
           <a:p>
             <a:fld id="{CCE73EC7-A2E5-4B05-A3A2-EDC11E6BB65E}" type="datetime1">
               <a:rPr lang="ru-RU" smtClean="0"/>
-              <a:t>26.04.2015</a:t>
+              <a:t>02.06.2015</a:t>
             </a:fld>
             <a:endParaRPr lang="ru-RU"/>
           </a:p>
@@ -1997,7 +2082,7 @@
           <a:p>
             <a:fld id="{D3B8EC41-8B8A-432E-80E4-D3C07A84920C}" type="datetime1">
               <a:rPr lang="ru-RU" smtClean="0"/>
-              <a:t>26.04.2015</a:t>
+              <a:t>02.06.2015</a:t>
             </a:fld>
             <a:endParaRPr lang="ru-RU"/>
           </a:p>
@@ -2344,7 +2429,7 @@
           <a:p>
             <a:fld id="{A699E73B-8EDA-491A-A5C4-A553EBDA5D2E}" type="datetime1">
               <a:rPr lang="ru-RU" smtClean="0"/>
-              <a:t>26.04.2015</a:t>
+              <a:t>02.06.2015</a:t>
             </a:fld>
             <a:endParaRPr lang="ru-RU"/>
           </a:p>
@@ -2462,7 +2547,7 @@
           <a:p>
             <a:fld id="{4A785036-5E83-4504-9337-1D74968FFD10}" type="datetime1">
               <a:rPr lang="ru-RU" smtClean="0"/>
-              <a:t>26.04.2015</a:t>
+              <a:t>02.06.2015</a:t>
             </a:fld>
             <a:endParaRPr lang="ru-RU"/>
           </a:p>
@@ -2580,7 +2665,7 @@
           <a:p>
             <a:fld id="{D223FB0C-0787-4D86-8856-F1CE01B147E6}" type="datetime1">
               <a:rPr lang="ru-RU" smtClean="0"/>
-              <a:t>26.04.2015</a:t>
+              <a:t>02.06.2015</a:t>
             </a:fld>
             <a:endParaRPr lang="ru-RU"/>
           </a:p>
@@ -2864,7 +2949,7 @@
           <a:p>
             <a:fld id="{1720D9EF-0D22-4E69-8813-9F7557DA16D7}" type="datetime1">
               <a:rPr lang="ru-RU" smtClean="0"/>
-              <a:t>26.04.2015</a:t>
+              <a:t>02.06.2015</a:t>
             </a:fld>
             <a:endParaRPr lang="ru-RU"/>
           </a:p>
@@ -3034,7 +3119,7 @@
           <a:p>
             <a:fld id="{3F6630A2-8F33-4019-B2B9-16E2D46DA9AF}" type="datetime1">
               <a:rPr lang="ru-RU" smtClean="0"/>
-              <a:t>26.04.2015</a:t>
+              <a:t>02.06.2015</a:t>
             </a:fld>
             <a:endParaRPr lang="ru-RU"/>
           </a:p>
@@ -3298,7 +3383,7 @@
           <a:p>
             <a:fld id="{1D921FA4-050E-406C-836E-B49CE3F44A12}" type="datetime1">
               <a:rPr lang="ru-RU" smtClean="0"/>
-              <a:t>26.04.2015</a:t>
+              <a:t>02.06.2015</a:t>
             </a:fld>
             <a:endParaRPr lang="ru-RU"/>
           </a:p>
@@ -3468,7 +3553,7 @@
           <a:p>
             <a:fld id="{EF1CE88B-3451-485D-B0B9-5D3B791D9A61}" type="datetime1">
               <a:rPr lang="ru-RU" smtClean="0"/>
-              <a:t>26.04.2015</a:t>
+              <a:t>02.06.2015</a:t>
             </a:fld>
             <a:endParaRPr lang="ru-RU"/>
           </a:p>
@@ -3648,7 +3733,7 @@
           <a:p>
             <a:fld id="{1FE7C88E-07F6-4A72-8D7F-2003DD58C999}" type="datetime1">
               <a:rPr lang="ru-RU" smtClean="0"/>
-              <a:t>26.04.2015</a:t>
+              <a:t>02.06.2015</a:t>
             </a:fld>
             <a:endParaRPr lang="ru-RU"/>
           </a:p>
@@ -3916,7 +4001,7 @@
           <a:p>
             <a:fld id="{CA6132C5-4EF7-44E9-8AC0-543A9CBD21A3}" type="datetime1">
               <a:rPr lang="ru-RU" smtClean="0"/>
-              <a:t>26.04.2015</a:t>
+              <a:t>02.06.2015</a:t>
             </a:fld>
             <a:endParaRPr lang="ru-RU"/>
           </a:p>
@@ -4108,7 +4193,7 @@
           <a:p>
             <a:fld id="{3F6630A2-8F33-4019-B2B9-16E2D46DA9AF}" type="datetime1">
               <a:rPr lang="ru-RU" smtClean="0"/>
-              <a:t>26.04.2015</a:t>
+              <a:t>02.06.2015</a:t>
             </a:fld>
             <a:endParaRPr lang="ru-RU"/>
           </a:p>
@@ -4362,7 +4447,7 @@
           <a:p>
             <a:fld id="{CCE73EC7-A2E5-4B05-A3A2-EDC11E6BB65E}" type="datetime1">
               <a:rPr lang="ru-RU" smtClean="0"/>
-              <a:t>26.04.2015</a:t>
+              <a:t>02.06.2015</a:t>
             </a:fld>
             <a:endParaRPr lang="ru-RU"/>
           </a:p>
@@ -4688,7 +4773,7 @@
           <a:p>
             <a:fld id="{D3B8EC41-8B8A-432E-80E4-D3C07A84920C}" type="datetime1">
               <a:rPr lang="ru-RU" smtClean="0"/>
-              <a:t>26.04.2015</a:t>
+              <a:t>02.06.2015</a:t>
             </a:fld>
             <a:endParaRPr lang="ru-RU"/>
           </a:p>
@@ -5108,7 +5193,7 @@
           <a:p>
             <a:fld id="{A699E73B-8EDA-491A-A5C4-A553EBDA5D2E}" type="datetime1">
               <a:rPr lang="ru-RU" smtClean="0"/>
-              <a:t>26.04.2015</a:t>
+              <a:t>02.06.2015</a:t>
             </a:fld>
             <a:endParaRPr lang="ru-RU"/>
           </a:p>
@@ -5226,7 +5311,7 @@
           <a:p>
             <a:fld id="{4A785036-5E83-4504-9337-1D74968FFD10}" type="datetime1">
               <a:rPr lang="ru-RU" smtClean="0"/>
-              <a:t>26.04.2015</a:t>
+              <a:t>02.06.2015</a:t>
             </a:fld>
             <a:endParaRPr lang="ru-RU"/>
           </a:p>
@@ -5321,7 +5406,7 @@
           <a:p>
             <a:fld id="{D223FB0C-0787-4D86-8856-F1CE01B147E6}" type="datetime1">
               <a:rPr lang="ru-RU" smtClean="0"/>
-              <a:t>26.04.2015</a:t>
+              <a:t>02.06.2015</a:t>
             </a:fld>
             <a:endParaRPr lang="ru-RU"/>
           </a:p>
@@ -5572,7 +5657,7 @@
           <a:p>
             <a:fld id="{CCE73EC7-A2E5-4B05-A3A2-EDC11E6BB65E}" type="datetime1">
               <a:rPr lang="ru-RU" smtClean="0"/>
-              <a:t>26.04.2015</a:t>
+              <a:t>02.06.2015</a:t>
             </a:fld>
             <a:endParaRPr lang="ru-RU"/>
           </a:p>
@@ -5859,7 +5944,7 @@
           <a:p>
             <a:fld id="{1720D9EF-0D22-4E69-8813-9F7557DA16D7}" type="datetime1">
               <a:rPr lang="ru-RU" smtClean="0"/>
-              <a:t>26.04.2015</a:t>
+              <a:t>02.06.2015</a:t>
             </a:fld>
             <a:endParaRPr lang="ru-RU"/>
           </a:p>
@@ -6184,7 +6269,7 @@
           <a:p>
             <a:fld id="{1D921FA4-050E-406C-836E-B49CE3F44A12}" type="datetime1">
               <a:rPr lang="ru-RU" smtClean="0"/>
-              <a:t>26.04.2015</a:t>
+              <a:t>02.06.2015</a:t>
             </a:fld>
             <a:endParaRPr lang="ru-RU"/>
           </a:p>
@@ -6354,7 +6439,7 @@
           <a:p>
             <a:fld id="{EF1CE88B-3451-485D-B0B9-5D3B791D9A61}" type="datetime1">
               <a:rPr lang="ru-RU" smtClean="0"/>
-              <a:t>26.04.2015</a:t>
+              <a:t>02.06.2015</a:t>
             </a:fld>
             <a:endParaRPr lang="ru-RU"/>
           </a:p>
@@ -6534,7 +6619,7 @@
           <a:p>
             <a:fld id="{1FE7C88E-07F6-4A72-8D7F-2003DD58C999}" type="datetime1">
               <a:rPr lang="ru-RU" smtClean="0"/>
-              <a:t>26.04.2015</a:t>
+              <a:t>02.06.2015</a:t>
             </a:fld>
             <a:endParaRPr lang="ru-RU"/>
           </a:p>
@@ -6766,7 +6851,7 @@
           <a:p>
             <a:fld id="{D3B8EC41-8B8A-432E-80E4-D3C07A84920C}" type="datetime1">
               <a:rPr lang="ru-RU" smtClean="0"/>
-              <a:t>26.04.2015</a:t>
+              <a:t>02.06.2015</a:t>
             </a:fld>
             <a:endParaRPr lang="ru-RU"/>
           </a:p>
@@ -7113,7 +7198,7 @@
           <a:p>
             <a:fld id="{A699E73B-8EDA-491A-A5C4-A553EBDA5D2E}" type="datetime1">
               <a:rPr lang="ru-RU" smtClean="0"/>
-              <a:t>26.04.2015</a:t>
+              <a:t>02.06.2015</a:t>
             </a:fld>
             <a:endParaRPr lang="ru-RU"/>
           </a:p>
@@ -7231,7 +7316,7 @@
           <a:p>
             <a:fld id="{4A785036-5E83-4504-9337-1D74968FFD10}" type="datetime1">
               <a:rPr lang="ru-RU" smtClean="0"/>
-              <a:t>26.04.2015</a:t>
+              <a:t>02.06.2015</a:t>
             </a:fld>
             <a:endParaRPr lang="ru-RU"/>
           </a:p>
@@ -7349,7 +7434,7 @@
           <a:p>
             <a:fld id="{D223FB0C-0787-4D86-8856-F1CE01B147E6}" type="datetime1">
               <a:rPr lang="ru-RU" smtClean="0"/>
-              <a:t>26.04.2015</a:t>
+              <a:t>02.06.2015</a:t>
             </a:fld>
             <a:endParaRPr lang="ru-RU"/>
           </a:p>
@@ -7633,7 +7718,7 @@
           <a:p>
             <a:fld id="{1720D9EF-0D22-4E69-8813-9F7557DA16D7}" type="datetime1">
               <a:rPr lang="ru-RU" smtClean="0"/>
-              <a:t>26.04.2015</a:t>
+              <a:t>02.06.2015</a:t>
             </a:fld>
             <a:endParaRPr lang="ru-RU"/>
           </a:p>
@@ -7897,7 +7982,7 @@
           <a:p>
             <a:fld id="{1D921FA4-050E-406C-836E-B49CE3F44A12}" type="datetime1">
               <a:rPr lang="ru-RU" smtClean="0"/>
-              <a:t>26.04.2015</a:t>
+              <a:t>02.06.2015</a:t>
             </a:fld>
             <a:endParaRPr lang="ru-RU"/>
           </a:p>
@@ -8111,7 +8196,7 @@
           <a:p>
             <a:fld id="{4F72220C-91D8-4189-84C0-4513D35A07A8}" type="datetime1">
               <a:rPr lang="ru-RU" smtClean="0"/>
-              <a:t>26.04.2015</a:t>
+              <a:t>02.06.2015</a:t>
             </a:fld>
             <a:endParaRPr lang="ru-RU"/>
           </a:p>
@@ -8642,7 +8727,7 @@
           <a:p>
             <a:fld id="{4F72220C-91D8-4189-84C0-4513D35A07A8}" type="datetime1">
               <a:rPr lang="ru-RU" smtClean="0"/>
-              <a:t>26.04.2015</a:t>
+              <a:t>02.06.2015</a:t>
             </a:fld>
             <a:endParaRPr lang="ru-RU"/>
           </a:p>
@@ -9213,7 +9298,7 @@
           <a:p>
             <a:fld id="{4F72220C-91D8-4189-84C0-4513D35A07A8}" type="datetime1">
               <a:rPr lang="ru-RU" smtClean="0"/>
-              <a:t>26.04.2015</a:t>
+              <a:t>02.06.2015</a:t>
             </a:fld>
             <a:endParaRPr lang="ru-RU"/>
           </a:p>
@@ -10646,15 +10731,53 @@
           </a:p>
         </p:txBody>
       </p:sp>
+      <p:sp>
+        <p:nvSpPr>
+          <p:cNvPr id="4" name="Номер слайда 3"/>
+          <p:cNvSpPr>
+            <a:spLocks noGrp="1"/>
+          </p:cNvSpPr>
+          <p:nvPr>
+            <p:ph type="sldNum" sz="quarter" idx="12"/>
+          </p:nvPr>
+        </p:nvSpPr>
+        <p:spPr/>
+        <p:txBody>
+          <a:bodyPr/>
+          <a:lstStyle/>
+          <a:p>
+            <a:fld id="{B8FD4787-A815-42E7-9C3F-EE8E3DD8A60B}" type="slidenum">
+              <a:rPr lang="ru-RU" smtClean="0"/>
+              <a:t>11</a:t>
+            </a:fld>
+            <a:endParaRPr lang="ru-RU"/>
+          </a:p>
+        </p:txBody>
+      </p:sp>
+      <p:sp>
+        <p:nvSpPr>
+          <p:cNvPr id="3" name="Объект 2"/>
+          <p:cNvSpPr>
+            <a:spLocks noGrp="1"/>
+          </p:cNvSpPr>
+          <p:nvPr>
+            <p:ph idx="1"/>
+          </p:nvPr>
+        </p:nvSpPr>
+        <p:spPr/>
+        <p:txBody>
+          <a:bodyPr/>
+          <a:lstStyle/>
+          <a:p>
+            <a:endParaRPr lang="ru-RU"/>
+          </a:p>
+        </p:txBody>
+      </p:sp>
       <p:pic>
         <p:nvPicPr>
-          <p:cNvPr id="5" name="Объект 4"/>
-          <p:cNvPicPr>
-            <a:picLocks noGrp="1" noChangeAspect="1"/>
-          </p:cNvPicPr>
-          <p:nvPr>
-            <p:ph idx="1"/>
-          </p:nvPr>
+          <p:cNvPr id="6" name="Рисунок 5"/>
+          <p:cNvPicPr/>
+          <p:nvPr/>
         </p:nvPicPr>
         <p:blipFill>
           <a:blip r:embed="rId2">
@@ -10664,40 +10787,25 @@
               </a:ext>
             </a:extLst>
           </a:blip>
+          <a:srcRect/>
           <a:stretch>
             <a:fillRect/>
           </a:stretch>
         </p:blipFill>
-        <p:spPr>
+        <p:spPr bwMode="auto">
           <a:xfrm>
-            <a:off x="564266" y="1939568"/>
-            <a:ext cx="7535677" cy="3710605"/>
+            <a:off x="517633" y="1981940"/>
+            <a:ext cx="7304061" cy="4045057"/>
           </a:xfrm>
+          <a:prstGeom prst="rect">
+            <a:avLst/>
+          </a:prstGeom>
+          <a:noFill/>
+          <a:ln>
+            <a:noFill/>
+          </a:ln>
         </p:spPr>
       </p:pic>
-      <p:sp>
-        <p:nvSpPr>
-          <p:cNvPr id="4" name="Номер слайда 3"/>
-          <p:cNvSpPr>
-            <a:spLocks noGrp="1"/>
-          </p:cNvSpPr>
-          <p:nvPr>
-            <p:ph type="sldNum" sz="quarter" idx="12"/>
-          </p:nvPr>
-        </p:nvSpPr>
-        <p:spPr/>
-        <p:txBody>
-          <a:bodyPr/>
-          <a:lstStyle/>
-          <a:p>
-            <a:fld id="{B8FD4787-A815-42E7-9C3F-EE8E3DD8A60B}" type="slidenum">
-              <a:rPr lang="ru-RU" smtClean="0"/>
-              <a:t>11</a:t>
-            </a:fld>
-            <a:endParaRPr lang="ru-RU"/>
-          </a:p>
-        </p:txBody>
-      </p:sp>
     </p:spTree>
     <p:extLst>
       <p:ext uri="{BB962C8B-B14F-4D97-AF65-F5344CB8AC3E}">
@@ -12109,472 +12217,6 @@
       </p:sp>
       <p:sp>
         <p:nvSpPr>
-          <p:cNvPr id="5" name="Прямоугольник 4"/>
-          <p:cNvSpPr/>
-          <p:nvPr/>
-        </p:nvSpPr>
-        <p:spPr>
-          <a:xfrm>
-            <a:off x="5198891" y="4182188"/>
-            <a:ext cx="457200" cy="300038"/>
-          </a:xfrm>
-          <a:prstGeom prst="rect">
-            <a:avLst/>
-          </a:prstGeom>
-          <a:solidFill>
-            <a:srgbClr val="1F77B4"/>
-          </a:solidFill>
-        </p:spPr>
-        <p:style>
-          <a:lnRef idx="2">
-            <a:schemeClr val="accent1">
-              <a:shade val="50000"/>
-            </a:schemeClr>
-          </a:lnRef>
-          <a:fillRef idx="1">
-            <a:schemeClr val="accent1"/>
-          </a:fillRef>
-          <a:effectRef idx="0">
-            <a:schemeClr val="accent1"/>
-          </a:effectRef>
-          <a:fontRef idx="minor">
-            <a:schemeClr val="lt1"/>
-          </a:fontRef>
-        </p:style>
-        <p:txBody>
-          <a:bodyPr rtlCol="0" anchor="ctr"/>
-          <a:lstStyle/>
-          <a:p>
-            <a:pPr algn="ctr"/>
-            <a:endParaRPr lang="ru-RU"/>
-          </a:p>
-        </p:txBody>
-      </p:sp>
-      <p:sp>
-        <p:nvSpPr>
-          <p:cNvPr id="7" name="Прямоугольник 6"/>
-          <p:cNvSpPr/>
-          <p:nvPr/>
-        </p:nvSpPr>
-        <p:spPr>
-          <a:xfrm>
-            <a:off x="5198891" y="4523533"/>
-            <a:ext cx="457200" cy="300038"/>
-          </a:xfrm>
-          <a:prstGeom prst="rect">
-            <a:avLst/>
-          </a:prstGeom>
-          <a:solidFill>
-            <a:srgbClr val="D62728"/>
-          </a:solidFill>
-        </p:spPr>
-        <p:style>
-          <a:lnRef idx="2">
-            <a:schemeClr val="accent1">
-              <a:shade val="50000"/>
-            </a:schemeClr>
-          </a:lnRef>
-          <a:fillRef idx="1">
-            <a:schemeClr val="accent1"/>
-          </a:fillRef>
-          <a:effectRef idx="0">
-            <a:schemeClr val="accent1"/>
-          </a:effectRef>
-          <a:fontRef idx="minor">
-            <a:schemeClr val="lt1"/>
-          </a:fontRef>
-        </p:style>
-        <p:txBody>
-          <a:bodyPr rtlCol="0" anchor="ctr"/>
-          <a:lstStyle/>
-          <a:p>
-            <a:pPr algn="ctr"/>
-            <a:endParaRPr lang="ru-RU"/>
-          </a:p>
-        </p:txBody>
-      </p:sp>
-      <p:sp>
-        <p:nvSpPr>
-          <p:cNvPr id="8" name="Прямоугольник 7"/>
-          <p:cNvSpPr/>
-          <p:nvPr/>
-        </p:nvSpPr>
-        <p:spPr>
-          <a:xfrm>
-            <a:off x="5198891" y="4870321"/>
-            <a:ext cx="457200" cy="300038"/>
-          </a:xfrm>
-          <a:prstGeom prst="rect">
-            <a:avLst/>
-          </a:prstGeom>
-          <a:solidFill>
-            <a:srgbClr val="9467BD"/>
-          </a:solidFill>
-        </p:spPr>
-        <p:style>
-          <a:lnRef idx="2">
-            <a:schemeClr val="accent1">
-              <a:shade val="50000"/>
-            </a:schemeClr>
-          </a:lnRef>
-          <a:fillRef idx="1">
-            <a:schemeClr val="accent1"/>
-          </a:fillRef>
-          <a:effectRef idx="0">
-            <a:schemeClr val="accent1"/>
-          </a:effectRef>
-          <a:fontRef idx="minor">
-            <a:schemeClr val="lt1"/>
-          </a:fontRef>
-        </p:style>
-        <p:txBody>
-          <a:bodyPr rtlCol="0" anchor="ctr"/>
-          <a:lstStyle/>
-          <a:p>
-            <a:pPr algn="ctr"/>
-            <a:endParaRPr lang="ru-RU"/>
-          </a:p>
-        </p:txBody>
-      </p:sp>
-      <p:sp>
-        <p:nvSpPr>
-          <p:cNvPr id="9" name="Прямоугольник 8"/>
-          <p:cNvSpPr/>
-          <p:nvPr/>
-        </p:nvSpPr>
-        <p:spPr>
-          <a:xfrm>
-            <a:off x="5190502" y="5225498"/>
-            <a:ext cx="457200" cy="300038"/>
-          </a:xfrm>
-          <a:prstGeom prst="rect">
-            <a:avLst/>
-          </a:prstGeom>
-          <a:solidFill>
-            <a:srgbClr val="7F7F7F"/>
-          </a:solidFill>
-        </p:spPr>
-        <p:style>
-          <a:lnRef idx="2">
-            <a:schemeClr val="accent1">
-              <a:shade val="50000"/>
-            </a:schemeClr>
-          </a:lnRef>
-          <a:fillRef idx="1">
-            <a:schemeClr val="accent1"/>
-          </a:fillRef>
-          <a:effectRef idx="0">
-            <a:schemeClr val="accent1"/>
-          </a:effectRef>
-          <a:fontRef idx="minor">
-            <a:schemeClr val="lt1"/>
-          </a:fontRef>
-        </p:style>
-        <p:txBody>
-          <a:bodyPr rtlCol="0" anchor="ctr"/>
-          <a:lstStyle/>
-          <a:p>
-            <a:pPr algn="ctr"/>
-            <a:endParaRPr lang="ru-RU"/>
-          </a:p>
-        </p:txBody>
-      </p:sp>
-      <p:sp>
-        <p:nvSpPr>
-          <p:cNvPr id="10" name="Прямоугольник 9"/>
-          <p:cNvSpPr/>
-          <p:nvPr/>
-        </p:nvSpPr>
-        <p:spPr>
-          <a:xfrm>
-            <a:off x="5190502" y="5591117"/>
-            <a:ext cx="457200" cy="300038"/>
-          </a:xfrm>
-          <a:prstGeom prst="rect">
-            <a:avLst/>
-          </a:prstGeom>
-          <a:solidFill>
-            <a:srgbClr val="E377C2"/>
-          </a:solidFill>
-        </p:spPr>
-        <p:style>
-          <a:lnRef idx="2">
-            <a:schemeClr val="accent1">
-              <a:shade val="50000"/>
-            </a:schemeClr>
-          </a:lnRef>
-          <a:fillRef idx="1">
-            <a:schemeClr val="accent1"/>
-          </a:fillRef>
-          <a:effectRef idx="0">
-            <a:schemeClr val="accent1"/>
-          </a:effectRef>
-          <a:fontRef idx="minor">
-            <a:schemeClr val="lt1"/>
-          </a:fontRef>
-        </p:style>
-        <p:txBody>
-          <a:bodyPr rtlCol="0" anchor="ctr"/>
-          <a:lstStyle/>
-          <a:p>
-            <a:pPr algn="ctr"/>
-            <a:endParaRPr lang="ru-RU"/>
-          </a:p>
-        </p:txBody>
-      </p:sp>
-      <p:sp>
-        <p:nvSpPr>
-          <p:cNvPr id="11" name="Прямоугольник 10"/>
-          <p:cNvSpPr/>
-          <p:nvPr/>
-        </p:nvSpPr>
-        <p:spPr>
-          <a:xfrm>
-            <a:off x="5190502" y="5937905"/>
-            <a:ext cx="457200" cy="300038"/>
-          </a:xfrm>
-          <a:prstGeom prst="rect">
-            <a:avLst/>
-          </a:prstGeom>
-          <a:solidFill>
-            <a:srgbClr val="8C564B"/>
-          </a:solidFill>
-        </p:spPr>
-        <p:style>
-          <a:lnRef idx="2">
-            <a:schemeClr val="accent1">
-              <a:shade val="50000"/>
-            </a:schemeClr>
-          </a:lnRef>
-          <a:fillRef idx="1">
-            <a:schemeClr val="accent1"/>
-          </a:fillRef>
-          <a:effectRef idx="0">
-            <a:schemeClr val="accent1"/>
-          </a:effectRef>
-          <a:fontRef idx="minor">
-            <a:schemeClr val="lt1"/>
-          </a:fontRef>
-        </p:style>
-        <p:txBody>
-          <a:bodyPr rtlCol="0" anchor="ctr"/>
-          <a:lstStyle/>
-          <a:p>
-            <a:pPr algn="ctr"/>
-            <a:endParaRPr lang="ru-RU"/>
-          </a:p>
-        </p:txBody>
-      </p:sp>
-      <p:sp>
-        <p:nvSpPr>
-          <p:cNvPr id="6" name="TextBox 5"/>
-          <p:cNvSpPr txBox="1"/>
-          <p:nvPr/>
-        </p:nvSpPr>
-        <p:spPr>
-          <a:xfrm>
-            <a:off x="5784046" y="4182188"/>
-            <a:ext cx="1143000" cy="369332"/>
-          </a:xfrm>
-          <a:prstGeom prst="rect">
-            <a:avLst/>
-          </a:prstGeom>
-          <a:noFill/>
-        </p:spPr>
-        <p:txBody>
-          <a:bodyPr wrap="square" rtlCol="0">
-            <a:spAutoFit/>
-          </a:bodyPr>
-          <a:lstStyle/>
-          <a:p>
-            <a:r>
-              <a:rPr lang="en-US" dirty="0" smtClean="0"/>
-              <a:t>vk.com</a:t>
-            </a:r>
-            <a:endParaRPr lang="ru-RU" dirty="0"/>
-          </a:p>
-        </p:txBody>
-      </p:sp>
-      <p:sp>
-        <p:nvSpPr>
-          <p:cNvPr id="15" name="TextBox 14"/>
-          <p:cNvSpPr txBox="1"/>
-          <p:nvPr/>
-        </p:nvSpPr>
-        <p:spPr>
-          <a:xfrm>
-            <a:off x="5770390" y="4472214"/>
-            <a:ext cx="1257301" cy="369332"/>
-          </a:xfrm>
-          <a:prstGeom prst="rect">
-            <a:avLst/>
-          </a:prstGeom>
-          <a:noFill/>
-        </p:spPr>
-        <p:txBody>
-          <a:bodyPr wrap="square" rtlCol="0">
-            <a:spAutoFit/>
-          </a:bodyPr>
-          <a:lstStyle/>
-          <a:p>
-            <a:r>
-              <a:rPr lang="en-US" dirty="0" smtClean="0"/>
-              <a:t>ucheba.ru</a:t>
-            </a:r>
-            <a:endParaRPr lang="ru-RU" dirty="0"/>
-          </a:p>
-        </p:txBody>
-      </p:sp>
-      <p:sp>
-        <p:nvSpPr>
-          <p:cNvPr id="16" name="TextBox 15"/>
-          <p:cNvSpPr txBox="1"/>
-          <p:nvPr/>
-        </p:nvSpPr>
-        <p:spPr>
-          <a:xfrm>
-            <a:off x="5770390" y="4812100"/>
-            <a:ext cx="2214563" cy="369332"/>
-          </a:xfrm>
-          <a:prstGeom prst="rect">
-            <a:avLst/>
-          </a:prstGeom>
-          <a:noFill/>
-        </p:spPr>
-        <p:txBody>
-          <a:bodyPr wrap="square" rtlCol="0">
-            <a:spAutoFit/>
-          </a:bodyPr>
-          <a:lstStyle/>
-          <a:p>
-            <a:r>
-              <a:rPr lang="en-US" dirty="0"/>
-              <a:t>professorrating.ru</a:t>
-            </a:r>
-            <a:endParaRPr lang="ru-RU" dirty="0"/>
-          </a:p>
-        </p:txBody>
-      </p:sp>
-      <p:sp>
-        <p:nvSpPr>
-          <p:cNvPr id="17" name="TextBox 16"/>
-          <p:cNvSpPr txBox="1"/>
-          <p:nvPr/>
-        </p:nvSpPr>
-        <p:spPr>
-          <a:xfrm>
-            <a:off x="5762002" y="5190851"/>
-            <a:ext cx="2354580" cy="369332"/>
-          </a:xfrm>
-          <a:prstGeom prst="rect">
-            <a:avLst/>
-          </a:prstGeom>
-          <a:noFill/>
-        </p:spPr>
-        <p:txBody>
-          <a:bodyPr wrap="square" rtlCol="0">
-            <a:spAutoFit/>
-          </a:bodyPr>
-          <a:lstStyle/>
-          <a:p>
-            <a:r>
-              <a:rPr lang="en-US" dirty="0" smtClean="0"/>
-              <a:t>gigamark.com</a:t>
-            </a:r>
-            <a:endParaRPr lang="ru-RU" dirty="0"/>
-          </a:p>
-        </p:txBody>
-      </p:sp>
-      <p:sp>
-        <p:nvSpPr>
-          <p:cNvPr id="18" name="TextBox 17"/>
-          <p:cNvSpPr txBox="1"/>
-          <p:nvPr/>
-        </p:nvSpPr>
-        <p:spPr>
-          <a:xfrm>
-            <a:off x="5762001" y="5540966"/>
-            <a:ext cx="1143000" cy="369332"/>
-          </a:xfrm>
-          <a:prstGeom prst="rect">
-            <a:avLst/>
-          </a:prstGeom>
-          <a:noFill/>
-        </p:spPr>
-        <p:txBody>
-          <a:bodyPr wrap="square" rtlCol="0">
-            <a:spAutoFit/>
-          </a:bodyPr>
-          <a:lstStyle/>
-          <a:p>
-            <a:r>
-              <a:rPr lang="en-US" dirty="0" smtClean="0"/>
-              <a:t>thg.ru</a:t>
-            </a:r>
-            <a:endParaRPr lang="ru-RU" dirty="0"/>
-          </a:p>
-        </p:txBody>
-      </p:sp>
-      <p:sp>
-        <p:nvSpPr>
-          <p:cNvPr id="19" name="TextBox 18"/>
-          <p:cNvSpPr txBox="1"/>
-          <p:nvPr/>
-        </p:nvSpPr>
-        <p:spPr>
-          <a:xfrm>
-            <a:off x="5762002" y="5861133"/>
-            <a:ext cx="1143000" cy="369332"/>
-          </a:xfrm>
-          <a:prstGeom prst="rect">
-            <a:avLst/>
-          </a:prstGeom>
-          <a:noFill/>
-        </p:spPr>
-        <p:txBody>
-          <a:bodyPr wrap="square" rtlCol="0">
-            <a:spAutoFit/>
-          </a:bodyPr>
-          <a:lstStyle/>
-          <a:p>
-            <a:r>
-              <a:rPr lang="en-US" dirty="0"/>
-              <a:t>a</a:t>
-            </a:r>
-            <a:r>
-              <a:rPr lang="en-US" dirty="0" smtClean="0"/>
-              <a:t>vite.ru</a:t>
-            </a:r>
-            <a:endParaRPr lang="ru-RU" dirty="0"/>
-          </a:p>
-        </p:txBody>
-      </p:sp>
-      <p:pic>
-        <p:nvPicPr>
-          <p:cNvPr id="14" name="Рисунок 13"/>
-          <p:cNvPicPr>
-            <a:picLocks noChangeAspect="1"/>
-          </p:cNvPicPr>
-          <p:nvPr/>
-        </p:nvPicPr>
-        <p:blipFill>
-          <a:blip r:embed="rId2"/>
-          <a:stretch>
-            <a:fillRect/>
-          </a:stretch>
-        </p:blipFill>
-        <p:spPr>
-          <a:xfrm>
-            <a:off x="455737" y="2448062"/>
-            <a:ext cx="4616771" cy="4194934"/>
-          </a:xfrm>
-          <a:prstGeom prst="rect">
-            <a:avLst/>
-          </a:prstGeom>
-        </p:spPr>
-      </p:pic>
-      <p:sp>
-        <p:nvSpPr>
           <p:cNvPr id="21" name="Объект 2"/>
           <p:cNvSpPr txBox="1">
             <a:spLocks/>
@@ -12583,8 +12225,8 @@
         </p:nvSpPr>
         <p:spPr>
           <a:xfrm>
-            <a:off x="5053881" y="449451"/>
-            <a:ext cx="3702240" cy="3595103"/>
+            <a:off x="4745180" y="350214"/>
+            <a:ext cx="4010941" cy="3595103"/>
           </a:xfrm>
           <a:prstGeom prst="rect">
             <a:avLst/>
@@ -13048,78 +12690,7 @@
                   <a:schemeClr val="accent1"/>
                 </a:solidFill>
               </a:rPr>
-              <a:t>куда пойти учиться на программиста </a:t>
-            </a:r>
-          </a:p>
-          <a:p>
-            <a:pPr marL="0" indent="0">
-              <a:lnSpc>
-                <a:spcPct val="120000"/>
-              </a:lnSpc>
-              <a:spcBef>
-                <a:spcPts val="0"/>
-              </a:spcBef>
-              <a:spcAft>
-                <a:spcPts val="0"/>
-              </a:spcAft>
-              <a:buNone/>
-            </a:pPr>
-            <a:r>
-              <a:rPr lang="ru-RU" sz="6400" i="1" dirty="0">
-                <a:solidFill>
-                  <a:schemeClr val="accent1"/>
-                </a:solidFill>
-              </a:rPr>
-              <a:t>суперкомпьютер скиф аврора</a:t>
-            </a:r>
-          </a:p>
-          <a:p>
-            <a:pPr marL="0" indent="0">
-              <a:lnSpc>
-                <a:spcPct val="120000"/>
-              </a:lnSpc>
-              <a:spcBef>
-                <a:spcPts val="0"/>
-              </a:spcBef>
-              <a:spcAft>
-                <a:spcPts val="0"/>
-              </a:spcAft>
-              <a:buNone/>
-            </a:pPr>
-            <a:r>
-              <a:rPr lang="ru-RU" sz="6400" i="1" dirty="0" err="1">
-                <a:solidFill>
-                  <a:schemeClr val="accent1"/>
-                </a:solidFill>
-              </a:rPr>
-              <a:t>фиит</a:t>
-            </a:r>
-            <a:endParaRPr lang="ru-RU" sz="6400" i="1" dirty="0">
-              <a:solidFill>
-                <a:schemeClr val="accent1"/>
-              </a:solidFill>
-            </a:endParaRPr>
-          </a:p>
-          <a:p>
-            <a:pPr marL="0" indent="0">
-              <a:lnSpc>
-                <a:spcPct val="120000"/>
-              </a:lnSpc>
-              <a:spcBef>
-                <a:spcPts val="0"/>
-              </a:spcBef>
-              <a:spcAft>
-                <a:spcPts val="0"/>
-              </a:spcAft>
-              <a:buNone/>
-            </a:pPr>
-            <a:r>
-              <a:rPr lang="ru-RU" sz="6400" i="1" dirty="0">
-                <a:solidFill>
-                  <a:schemeClr val="accent1"/>
-                </a:solidFill>
-              </a:rPr>
-              <a:t>прикладная математика и </a:t>
+              <a:t>куда пойти учиться на </a:t>
             </a:r>
             <a:r>
               <a:rPr lang="ru-RU" sz="6400" i="1" dirty="0" smtClean="0">
@@ -13127,36 +12698,9 @@
                   <a:schemeClr val="accent1"/>
                 </a:solidFill>
               </a:rPr>
-              <a:t>информатика</a:t>
-            </a:r>
-            <a:endParaRPr lang="ru-RU" sz="6400" i="1" dirty="0">
-              <a:solidFill>
-                <a:schemeClr val="accent1"/>
-              </a:solidFill>
-            </a:endParaRPr>
-          </a:p>
-          <a:p>
-            <a:pPr marL="0" indent="0">
-              <a:lnSpc>
-                <a:spcPct val="120000"/>
-              </a:lnSpc>
-              <a:spcBef>
-                <a:spcPts val="0"/>
-              </a:spcBef>
-              <a:spcAft>
-                <a:spcPts val="0"/>
-              </a:spcAft>
-              <a:buNone/>
-            </a:pPr>
-            <a:r>
-              <a:rPr lang="ru-RU" sz="6400" i="1" dirty="0">
-                <a:solidFill>
-                  <a:schemeClr val="accent1"/>
-                </a:solidFill>
-              </a:rPr>
-              <a:t>информационные технологии </a:t>
-            </a:r>
-            <a:endParaRPr lang="ru-RU" sz="1600" i="1" dirty="0" smtClean="0">
+              <a:t>программиста</a:t>
+            </a:r>
+            <a:endParaRPr lang="ru-RU" sz="1600" dirty="0" smtClean="0">
               <a:solidFill>
                 <a:schemeClr val="accent1"/>
               </a:solidFill>
@@ -13184,26 +12728,6 @@
           </a:p>
           <a:p>
             <a:pPr marL="0" indent="0">
-              <a:lnSpc>
-                <a:spcPct val="100000"/>
-              </a:lnSpc>
-              <a:spcBef>
-                <a:spcPts val="0"/>
-              </a:spcBef>
-              <a:spcAft>
-                <a:spcPts val="0"/>
-              </a:spcAft>
-              <a:buFont typeface="Arial" pitchFamily="34" charset="0"/>
-              <a:buNone/>
-            </a:pPr>
-            <a:endParaRPr lang="ru-RU" sz="1600" dirty="0" smtClean="0">
-              <a:solidFill>
-                <a:schemeClr val="accent1"/>
-              </a:solidFill>
-            </a:endParaRPr>
-          </a:p>
-          <a:p>
-            <a:pPr marL="0" indent="0">
               <a:buFont typeface="Arial" pitchFamily="34" charset="0"/>
               <a:buNone/>
             </a:pPr>
@@ -13231,8 +12755,8 @@
         </p:nvSpPr>
         <p:spPr>
           <a:xfrm>
-            <a:off x="457203" y="1238750"/>
-            <a:ext cx="4289443" cy="1200329"/>
+            <a:off x="455737" y="898864"/>
+            <a:ext cx="4289443" cy="1569660"/>
           </a:xfrm>
           <a:prstGeom prst="rect">
             <a:avLst/>
@@ -13253,10 +12777,38 @@
               <a:rPr lang="ru-RU" sz="2400" spc="10" dirty="0" smtClean="0"/>
               <a:t>веб-сайта </a:t>
             </a:r>
+            <a:r>
+              <a:rPr lang="en-US" sz="2400" spc="10" dirty="0" smtClean="0"/>
+              <a:t>computer.susu.ac.ru</a:t>
+            </a:r>
             <a:endParaRPr lang="ru-RU" sz="2400" spc="10" dirty="0"/>
           </a:p>
         </p:txBody>
       </p:sp>
+      <p:pic>
+        <p:nvPicPr>
+          <p:cNvPr id="12" name="Рисунок 11"/>
+          <p:cNvPicPr>
+            <a:picLocks noChangeAspect="1"/>
+          </p:cNvPicPr>
+          <p:nvPr/>
+        </p:nvPicPr>
+        <p:blipFill>
+          <a:blip r:embed="rId2"/>
+          <a:stretch>
+            <a:fillRect/>
+          </a:stretch>
+        </p:blipFill>
+        <p:spPr>
+          <a:xfrm>
+            <a:off x="1021083" y="2654889"/>
+            <a:ext cx="6705600" cy="4057650"/>
+          </a:xfrm>
+          <a:prstGeom prst="rect">
+            <a:avLst/>
+          </a:prstGeom>
+        </p:spPr>
+      </p:pic>
     </p:spTree>
     <p:extLst>
       <p:ext uri="{BB962C8B-B14F-4D97-AF65-F5344CB8AC3E}">
@@ -13306,6 +12858,731 @@
         </p:nvSpPr>
         <p:spPr>
           <a:xfrm>
+            <a:off x="770825" y="239404"/>
+            <a:ext cx="7115504" cy="798620"/>
+          </a:xfrm>
+        </p:spPr>
+        <p:txBody>
+          <a:bodyPr/>
+          <a:lstStyle/>
+          <a:p>
+            <a:r>
+              <a:rPr lang="ru-RU" dirty="0" smtClean="0"/>
+              <a:t>Внедрение</a:t>
+            </a:r>
+            <a:endParaRPr lang="ru-RU" dirty="0"/>
+          </a:p>
+        </p:txBody>
+      </p:sp>
+      <p:sp>
+        <p:nvSpPr>
+          <p:cNvPr id="4" name="Номер слайда 3"/>
+          <p:cNvSpPr>
+            <a:spLocks noGrp="1"/>
+          </p:cNvSpPr>
+          <p:nvPr>
+            <p:ph type="sldNum" sz="quarter" idx="12"/>
+          </p:nvPr>
+        </p:nvSpPr>
+        <p:spPr/>
+        <p:txBody>
+          <a:bodyPr/>
+          <a:lstStyle/>
+          <a:p>
+            <a:fld id="{B8FD4787-A815-42E7-9C3F-EE8E3DD8A60B}" type="slidenum">
+              <a:rPr lang="ru-RU" smtClean="0"/>
+              <a:t>15</a:t>
+            </a:fld>
+            <a:endParaRPr lang="ru-RU"/>
+          </a:p>
+        </p:txBody>
+      </p:sp>
+      <p:sp>
+        <p:nvSpPr>
+          <p:cNvPr id="5" name="Объект 2"/>
+          <p:cNvSpPr txBox="1">
+            <a:spLocks/>
+          </p:cNvSpPr>
+          <p:nvPr/>
+        </p:nvSpPr>
+        <p:spPr>
+          <a:xfrm>
+            <a:off x="4278539" y="1820864"/>
+            <a:ext cx="2757691" cy="4351337"/>
+          </a:xfrm>
+          <a:prstGeom prst="rect">
+            <a:avLst/>
+          </a:prstGeom>
+        </p:spPr>
+        <p:txBody>
+          <a:bodyPr vert="horz" lIns="91440" tIns="45720" rIns="91440" bIns="45720" rtlCol="0">
+            <a:normAutofit/>
+          </a:bodyPr>
+          <a:lstStyle>
+            <a:lvl1pPr marL="182880" indent="-182880" algn="l" defTabSz="914400" rtl="0" eaLnBrk="1" latinLnBrk="0" hangingPunct="1">
+              <a:lnSpc>
+                <a:spcPct val="95000"/>
+              </a:lnSpc>
+              <a:spcBef>
+                <a:spcPts val="1400"/>
+              </a:spcBef>
+              <a:spcAft>
+                <a:spcPts val="200"/>
+              </a:spcAft>
+              <a:buClr>
+                <a:schemeClr val="accent1"/>
+              </a:buClr>
+              <a:buSzPct val="80000"/>
+              <a:buFont typeface="Arial" pitchFamily="34" charset="0"/>
+              <a:buChar char="•"/>
+              <a:defRPr sz="1800" kern="1200" spc="10" baseline="0">
+                <a:solidFill>
+                  <a:schemeClr val="tx1"/>
+                </a:solidFill>
+                <a:latin typeface="+mn-lt"/>
+                <a:ea typeface="+mn-ea"/>
+                <a:cs typeface="+mn-cs"/>
+              </a:defRPr>
+            </a:lvl1pPr>
+            <a:lvl2pPr marL="457200" indent="-182880" algn="l" defTabSz="914400" rtl="0" eaLnBrk="1" latinLnBrk="0" hangingPunct="1">
+              <a:lnSpc>
+                <a:spcPct val="90000"/>
+              </a:lnSpc>
+              <a:spcBef>
+                <a:spcPts val="300"/>
+              </a:spcBef>
+              <a:spcAft>
+                <a:spcPts val="300"/>
+              </a:spcAft>
+              <a:buClr>
+                <a:schemeClr val="accent1"/>
+              </a:buClr>
+              <a:buFont typeface="Wingdings 2" pitchFamily="18" charset="2"/>
+              <a:buChar char=""/>
+              <a:defRPr sz="1600" kern="1200">
+                <a:solidFill>
+                  <a:schemeClr val="tx1">
+                    <a:lumMod val="85000"/>
+                    <a:lumOff val="15000"/>
+                  </a:schemeClr>
+                </a:solidFill>
+                <a:latin typeface="+mn-lt"/>
+                <a:ea typeface="+mn-ea"/>
+                <a:cs typeface="+mn-cs"/>
+              </a:defRPr>
+            </a:lvl2pPr>
+            <a:lvl3pPr marL="731520" indent="-182880" algn="l" defTabSz="914400" rtl="0" eaLnBrk="1" latinLnBrk="0" hangingPunct="1">
+              <a:lnSpc>
+                <a:spcPct val="90000"/>
+              </a:lnSpc>
+              <a:spcBef>
+                <a:spcPts val="300"/>
+              </a:spcBef>
+              <a:spcAft>
+                <a:spcPts val="300"/>
+              </a:spcAft>
+              <a:buClr>
+                <a:schemeClr val="accent1"/>
+              </a:buClr>
+              <a:buFont typeface="Wingdings 2" pitchFamily="18" charset="2"/>
+              <a:buChar char=""/>
+              <a:defRPr sz="1400" kern="1200">
+                <a:solidFill>
+                  <a:schemeClr val="tx1">
+                    <a:lumMod val="85000"/>
+                    <a:lumOff val="15000"/>
+                  </a:schemeClr>
+                </a:solidFill>
+                <a:latin typeface="+mn-lt"/>
+                <a:ea typeface="+mn-ea"/>
+                <a:cs typeface="+mn-cs"/>
+              </a:defRPr>
+            </a:lvl3pPr>
+            <a:lvl4pPr marL="1005840" indent="-182880" algn="l" defTabSz="914400" rtl="0" eaLnBrk="1" latinLnBrk="0" hangingPunct="1">
+              <a:lnSpc>
+                <a:spcPct val="90000"/>
+              </a:lnSpc>
+              <a:spcBef>
+                <a:spcPts val="300"/>
+              </a:spcBef>
+              <a:spcAft>
+                <a:spcPts val="300"/>
+              </a:spcAft>
+              <a:buClr>
+                <a:schemeClr val="accent1"/>
+              </a:buClr>
+              <a:buFont typeface="Wingdings 2" pitchFamily="18" charset="2"/>
+              <a:buChar char=""/>
+              <a:defRPr sz="1400" kern="1200">
+                <a:solidFill>
+                  <a:schemeClr val="tx1">
+                    <a:lumMod val="85000"/>
+                    <a:lumOff val="15000"/>
+                  </a:schemeClr>
+                </a:solidFill>
+                <a:latin typeface="+mn-lt"/>
+                <a:ea typeface="+mn-ea"/>
+                <a:cs typeface="+mn-cs"/>
+              </a:defRPr>
+            </a:lvl4pPr>
+            <a:lvl5pPr marL="1280160" indent="-182880" algn="l" defTabSz="914400" rtl="0" eaLnBrk="1" latinLnBrk="0" hangingPunct="1">
+              <a:lnSpc>
+                <a:spcPct val="90000"/>
+              </a:lnSpc>
+              <a:spcBef>
+                <a:spcPts val="300"/>
+              </a:spcBef>
+              <a:spcAft>
+                <a:spcPts val="300"/>
+              </a:spcAft>
+              <a:buClr>
+                <a:schemeClr val="accent1"/>
+              </a:buClr>
+              <a:buFont typeface="Wingdings 2" pitchFamily="18" charset="2"/>
+              <a:buChar char=""/>
+              <a:defRPr sz="1400" kern="1200">
+                <a:solidFill>
+                  <a:schemeClr val="tx1">
+                    <a:lumMod val="85000"/>
+                    <a:lumOff val="15000"/>
+                  </a:schemeClr>
+                </a:solidFill>
+                <a:latin typeface="+mn-lt"/>
+                <a:ea typeface="+mn-ea"/>
+                <a:cs typeface="+mn-cs"/>
+              </a:defRPr>
+            </a:lvl5pPr>
+            <a:lvl6pPr marL="1600000" indent="-228600" algn="l" defTabSz="914400" rtl="0" eaLnBrk="1" latinLnBrk="0" hangingPunct="1">
+              <a:lnSpc>
+                <a:spcPct val="90000"/>
+              </a:lnSpc>
+              <a:spcBef>
+                <a:spcPts val="300"/>
+              </a:spcBef>
+              <a:spcAft>
+                <a:spcPts val="300"/>
+              </a:spcAft>
+              <a:buClr>
+                <a:schemeClr val="accent1"/>
+              </a:buClr>
+              <a:buFont typeface="Wingdings 2" pitchFamily="18" charset="2"/>
+              <a:buChar char=""/>
+              <a:defRPr sz="1400" kern="1200">
+                <a:solidFill>
+                  <a:schemeClr val="tx1">
+                    <a:lumMod val="85000"/>
+                    <a:lumOff val="15000"/>
+                  </a:schemeClr>
+                </a:solidFill>
+                <a:latin typeface="+mn-lt"/>
+                <a:ea typeface="+mn-ea"/>
+                <a:cs typeface="+mn-cs"/>
+              </a:defRPr>
+            </a:lvl6pPr>
+            <a:lvl7pPr marL="1900000" indent="-228600" algn="l" defTabSz="914400" rtl="0" eaLnBrk="1" latinLnBrk="0" hangingPunct="1">
+              <a:lnSpc>
+                <a:spcPct val="90000"/>
+              </a:lnSpc>
+              <a:spcBef>
+                <a:spcPts val="300"/>
+              </a:spcBef>
+              <a:spcAft>
+                <a:spcPts val="300"/>
+              </a:spcAft>
+              <a:buClr>
+                <a:schemeClr val="accent1"/>
+              </a:buClr>
+              <a:buFont typeface="Wingdings 2" pitchFamily="18" charset="2"/>
+              <a:buChar char=""/>
+              <a:defRPr sz="1400" kern="1200">
+                <a:solidFill>
+                  <a:schemeClr val="tx1">
+                    <a:lumMod val="85000"/>
+                    <a:lumOff val="15000"/>
+                  </a:schemeClr>
+                </a:solidFill>
+                <a:latin typeface="+mn-lt"/>
+                <a:ea typeface="+mn-ea"/>
+                <a:cs typeface="+mn-cs"/>
+              </a:defRPr>
+            </a:lvl7pPr>
+            <a:lvl8pPr marL="2200000" indent="-228600" algn="l" defTabSz="914400" rtl="0" eaLnBrk="1" latinLnBrk="0" hangingPunct="1">
+              <a:lnSpc>
+                <a:spcPct val="90000"/>
+              </a:lnSpc>
+              <a:spcBef>
+                <a:spcPts val="300"/>
+              </a:spcBef>
+              <a:spcAft>
+                <a:spcPts val="300"/>
+              </a:spcAft>
+              <a:buClr>
+                <a:schemeClr val="accent1"/>
+              </a:buClr>
+              <a:buFont typeface="Wingdings 2" pitchFamily="18" charset="2"/>
+              <a:buChar char=""/>
+              <a:defRPr sz="1400" kern="1200">
+                <a:solidFill>
+                  <a:schemeClr val="tx1">
+                    <a:lumMod val="85000"/>
+                    <a:lumOff val="15000"/>
+                  </a:schemeClr>
+                </a:solidFill>
+                <a:latin typeface="+mn-lt"/>
+                <a:ea typeface="+mn-ea"/>
+                <a:cs typeface="+mn-cs"/>
+              </a:defRPr>
+            </a:lvl8pPr>
+            <a:lvl9pPr marL="2500000" indent="-228600" algn="l" defTabSz="914400" rtl="0" eaLnBrk="1" latinLnBrk="0" hangingPunct="1">
+              <a:lnSpc>
+                <a:spcPct val="90000"/>
+              </a:lnSpc>
+              <a:spcBef>
+                <a:spcPts val="300"/>
+              </a:spcBef>
+              <a:spcAft>
+                <a:spcPts val="300"/>
+              </a:spcAft>
+              <a:buClr>
+                <a:schemeClr val="accent1"/>
+              </a:buClr>
+              <a:buFont typeface="Wingdings 2" pitchFamily="18" charset="2"/>
+              <a:buChar char=""/>
+              <a:defRPr sz="1400" kern="1200">
+                <a:solidFill>
+                  <a:schemeClr val="tx1">
+                    <a:lumMod val="85000"/>
+                    <a:lumOff val="15000"/>
+                  </a:schemeClr>
+                </a:solidFill>
+                <a:latin typeface="+mn-lt"/>
+                <a:ea typeface="+mn-ea"/>
+                <a:cs typeface="+mn-cs"/>
+              </a:defRPr>
+            </a:lvl9pPr>
+          </a:lstStyle>
+          <a:p>
+            <a:endParaRPr lang="ru-RU" dirty="0"/>
+          </a:p>
+        </p:txBody>
+      </p:sp>
+      <p:sp>
+        <p:nvSpPr>
+          <p:cNvPr id="6" name="Объект 2"/>
+          <p:cNvSpPr txBox="1">
+            <a:spLocks/>
+          </p:cNvSpPr>
+          <p:nvPr/>
+        </p:nvSpPr>
+        <p:spPr>
+          <a:xfrm>
+            <a:off x="4664990" y="1410347"/>
+            <a:ext cx="3396917" cy="4761854"/>
+          </a:xfrm>
+          <a:prstGeom prst="rect">
+            <a:avLst/>
+          </a:prstGeom>
+        </p:spPr>
+        <p:txBody>
+          <a:bodyPr vert="horz" lIns="91440" tIns="45720" rIns="91440" bIns="45720" rtlCol="0">
+            <a:normAutofit fontScale="55000" lnSpcReduction="20000"/>
+          </a:bodyPr>
+          <a:lstStyle>
+            <a:lvl1pPr marL="182880" indent="-182880" algn="l" defTabSz="914400" rtl="0" eaLnBrk="1" latinLnBrk="0" hangingPunct="1">
+              <a:lnSpc>
+                <a:spcPct val="95000"/>
+              </a:lnSpc>
+              <a:spcBef>
+                <a:spcPts val="1400"/>
+              </a:spcBef>
+              <a:spcAft>
+                <a:spcPts val="200"/>
+              </a:spcAft>
+              <a:buClr>
+                <a:schemeClr val="accent1"/>
+              </a:buClr>
+              <a:buSzPct val="80000"/>
+              <a:buFont typeface="Arial" pitchFamily="34" charset="0"/>
+              <a:buChar char="•"/>
+              <a:defRPr sz="1800" kern="1200" spc="10" baseline="0">
+                <a:solidFill>
+                  <a:schemeClr val="tx1"/>
+                </a:solidFill>
+                <a:latin typeface="+mn-lt"/>
+                <a:ea typeface="+mn-ea"/>
+                <a:cs typeface="+mn-cs"/>
+              </a:defRPr>
+            </a:lvl1pPr>
+            <a:lvl2pPr marL="457200" indent="-182880" algn="l" defTabSz="914400" rtl="0" eaLnBrk="1" latinLnBrk="0" hangingPunct="1">
+              <a:lnSpc>
+                <a:spcPct val="90000"/>
+              </a:lnSpc>
+              <a:spcBef>
+                <a:spcPts val="300"/>
+              </a:spcBef>
+              <a:spcAft>
+                <a:spcPts val="300"/>
+              </a:spcAft>
+              <a:buClr>
+                <a:schemeClr val="accent1"/>
+              </a:buClr>
+              <a:buFont typeface="Wingdings 2" pitchFamily="18" charset="2"/>
+              <a:buChar char=""/>
+              <a:defRPr sz="1600" kern="1200">
+                <a:solidFill>
+                  <a:schemeClr val="tx1">
+                    <a:lumMod val="85000"/>
+                    <a:lumOff val="15000"/>
+                  </a:schemeClr>
+                </a:solidFill>
+                <a:latin typeface="+mn-lt"/>
+                <a:ea typeface="+mn-ea"/>
+                <a:cs typeface="+mn-cs"/>
+              </a:defRPr>
+            </a:lvl2pPr>
+            <a:lvl3pPr marL="731520" indent="-182880" algn="l" defTabSz="914400" rtl="0" eaLnBrk="1" latinLnBrk="0" hangingPunct="1">
+              <a:lnSpc>
+                <a:spcPct val="90000"/>
+              </a:lnSpc>
+              <a:spcBef>
+                <a:spcPts val="300"/>
+              </a:spcBef>
+              <a:spcAft>
+                <a:spcPts val="300"/>
+              </a:spcAft>
+              <a:buClr>
+                <a:schemeClr val="accent1"/>
+              </a:buClr>
+              <a:buFont typeface="Wingdings 2" pitchFamily="18" charset="2"/>
+              <a:buChar char=""/>
+              <a:defRPr sz="1400" kern="1200">
+                <a:solidFill>
+                  <a:schemeClr val="tx1">
+                    <a:lumMod val="85000"/>
+                    <a:lumOff val="15000"/>
+                  </a:schemeClr>
+                </a:solidFill>
+                <a:latin typeface="+mn-lt"/>
+                <a:ea typeface="+mn-ea"/>
+                <a:cs typeface="+mn-cs"/>
+              </a:defRPr>
+            </a:lvl3pPr>
+            <a:lvl4pPr marL="1005840" indent="-182880" algn="l" defTabSz="914400" rtl="0" eaLnBrk="1" latinLnBrk="0" hangingPunct="1">
+              <a:lnSpc>
+                <a:spcPct val="90000"/>
+              </a:lnSpc>
+              <a:spcBef>
+                <a:spcPts val="300"/>
+              </a:spcBef>
+              <a:spcAft>
+                <a:spcPts val="300"/>
+              </a:spcAft>
+              <a:buClr>
+                <a:schemeClr val="accent1"/>
+              </a:buClr>
+              <a:buFont typeface="Wingdings 2" pitchFamily="18" charset="2"/>
+              <a:buChar char=""/>
+              <a:defRPr sz="1400" kern="1200">
+                <a:solidFill>
+                  <a:schemeClr val="tx1">
+                    <a:lumMod val="85000"/>
+                    <a:lumOff val="15000"/>
+                  </a:schemeClr>
+                </a:solidFill>
+                <a:latin typeface="+mn-lt"/>
+                <a:ea typeface="+mn-ea"/>
+                <a:cs typeface="+mn-cs"/>
+              </a:defRPr>
+            </a:lvl4pPr>
+            <a:lvl5pPr marL="1280160" indent="-182880" algn="l" defTabSz="914400" rtl="0" eaLnBrk="1" latinLnBrk="0" hangingPunct="1">
+              <a:lnSpc>
+                <a:spcPct val="90000"/>
+              </a:lnSpc>
+              <a:spcBef>
+                <a:spcPts val="300"/>
+              </a:spcBef>
+              <a:spcAft>
+                <a:spcPts val="300"/>
+              </a:spcAft>
+              <a:buClr>
+                <a:schemeClr val="accent1"/>
+              </a:buClr>
+              <a:buFont typeface="Wingdings 2" pitchFamily="18" charset="2"/>
+              <a:buChar char=""/>
+              <a:defRPr sz="1400" kern="1200">
+                <a:solidFill>
+                  <a:schemeClr val="tx1">
+                    <a:lumMod val="85000"/>
+                    <a:lumOff val="15000"/>
+                  </a:schemeClr>
+                </a:solidFill>
+                <a:latin typeface="+mn-lt"/>
+                <a:ea typeface="+mn-ea"/>
+                <a:cs typeface="+mn-cs"/>
+              </a:defRPr>
+            </a:lvl5pPr>
+            <a:lvl6pPr marL="1600000" indent="-228600" algn="l" defTabSz="914400" rtl="0" eaLnBrk="1" latinLnBrk="0" hangingPunct="1">
+              <a:lnSpc>
+                <a:spcPct val="90000"/>
+              </a:lnSpc>
+              <a:spcBef>
+                <a:spcPts val="300"/>
+              </a:spcBef>
+              <a:spcAft>
+                <a:spcPts val="300"/>
+              </a:spcAft>
+              <a:buClr>
+                <a:schemeClr val="accent1"/>
+              </a:buClr>
+              <a:buFont typeface="Wingdings 2" pitchFamily="18" charset="2"/>
+              <a:buChar char=""/>
+              <a:defRPr sz="1400" kern="1200">
+                <a:solidFill>
+                  <a:schemeClr val="tx1">
+                    <a:lumMod val="85000"/>
+                    <a:lumOff val="15000"/>
+                  </a:schemeClr>
+                </a:solidFill>
+                <a:latin typeface="+mn-lt"/>
+                <a:ea typeface="+mn-ea"/>
+                <a:cs typeface="+mn-cs"/>
+              </a:defRPr>
+            </a:lvl6pPr>
+            <a:lvl7pPr marL="1900000" indent="-228600" algn="l" defTabSz="914400" rtl="0" eaLnBrk="1" latinLnBrk="0" hangingPunct="1">
+              <a:lnSpc>
+                <a:spcPct val="90000"/>
+              </a:lnSpc>
+              <a:spcBef>
+                <a:spcPts val="300"/>
+              </a:spcBef>
+              <a:spcAft>
+                <a:spcPts val="300"/>
+              </a:spcAft>
+              <a:buClr>
+                <a:schemeClr val="accent1"/>
+              </a:buClr>
+              <a:buFont typeface="Wingdings 2" pitchFamily="18" charset="2"/>
+              <a:buChar char=""/>
+              <a:defRPr sz="1400" kern="1200">
+                <a:solidFill>
+                  <a:schemeClr val="tx1">
+                    <a:lumMod val="85000"/>
+                    <a:lumOff val="15000"/>
+                  </a:schemeClr>
+                </a:solidFill>
+                <a:latin typeface="+mn-lt"/>
+                <a:ea typeface="+mn-ea"/>
+                <a:cs typeface="+mn-cs"/>
+              </a:defRPr>
+            </a:lvl7pPr>
+            <a:lvl8pPr marL="2200000" indent="-228600" algn="l" defTabSz="914400" rtl="0" eaLnBrk="1" latinLnBrk="0" hangingPunct="1">
+              <a:lnSpc>
+                <a:spcPct val="90000"/>
+              </a:lnSpc>
+              <a:spcBef>
+                <a:spcPts val="300"/>
+              </a:spcBef>
+              <a:spcAft>
+                <a:spcPts val="300"/>
+              </a:spcAft>
+              <a:buClr>
+                <a:schemeClr val="accent1"/>
+              </a:buClr>
+              <a:buFont typeface="Wingdings 2" pitchFamily="18" charset="2"/>
+              <a:buChar char=""/>
+              <a:defRPr sz="1400" kern="1200">
+                <a:solidFill>
+                  <a:schemeClr val="tx1">
+                    <a:lumMod val="85000"/>
+                    <a:lumOff val="15000"/>
+                  </a:schemeClr>
+                </a:solidFill>
+                <a:latin typeface="+mn-lt"/>
+                <a:ea typeface="+mn-ea"/>
+                <a:cs typeface="+mn-cs"/>
+              </a:defRPr>
+            </a:lvl8pPr>
+            <a:lvl9pPr marL="2500000" indent="-228600" algn="l" defTabSz="914400" rtl="0" eaLnBrk="1" latinLnBrk="0" hangingPunct="1">
+              <a:lnSpc>
+                <a:spcPct val="90000"/>
+              </a:lnSpc>
+              <a:spcBef>
+                <a:spcPts val="300"/>
+              </a:spcBef>
+              <a:spcAft>
+                <a:spcPts val="300"/>
+              </a:spcAft>
+              <a:buClr>
+                <a:schemeClr val="accent1"/>
+              </a:buClr>
+              <a:buFont typeface="Wingdings 2" pitchFamily="18" charset="2"/>
+              <a:buChar char=""/>
+              <a:defRPr sz="1400" kern="1200">
+                <a:solidFill>
+                  <a:schemeClr val="tx1">
+                    <a:lumMod val="85000"/>
+                    <a:lumOff val="15000"/>
+                  </a:schemeClr>
+                </a:solidFill>
+                <a:latin typeface="+mn-lt"/>
+                <a:ea typeface="+mn-ea"/>
+                <a:cs typeface="+mn-cs"/>
+              </a:defRPr>
+            </a:lvl9pPr>
+          </a:lstStyle>
+          <a:p>
+            <a:pPr marL="0" indent="0" algn="just">
+              <a:buNone/>
+            </a:pPr>
+            <a:r>
+              <a:rPr lang="ru-RU" sz="4500" dirty="0" smtClean="0"/>
+              <a:t>Разработанная система для </a:t>
+            </a:r>
+            <a:r>
+              <a:rPr lang="ru-RU" sz="4500" dirty="0"/>
+              <a:t>мониторинга </a:t>
+            </a:r>
+            <a:r>
+              <a:rPr lang="ru-RU" sz="4500" dirty="0" smtClean="0"/>
+              <a:t>и </a:t>
+            </a:r>
+            <a:r>
+              <a:rPr lang="ru-RU" sz="4500" dirty="0" smtClean="0"/>
+              <a:t>продвижения </a:t>
+            </a:r>
+            <a:r>
+              <a:rPr lang="ru-RU" sz="4500" dirty="0" smtClean="0"/>
+              <a:t>веб-сайтов </a:t>
+            </a:r>
+            <a:r>
+              <a:rPr lang="ru-RU" sz="4500" dirty="0"/>
+              <a:t>в </a:t>
+            </a:r>
+            <a:r>
+              <a:rPr lang="ru-RU" sz="4500" dirty="0" smtClean="0"/>
+              <a:t>поисковых системах  </a:t>
+            </a:r>
+            <a:r>
+              <a:rPr lang="ru-RU" sz="4500" dirty="0" smtClean="0"/>
+              <a:t>введена </a:t>
+            </a:r>
+            <a:r>
+              <a:rPr lang="ru-RU" sz="4500" dirty="0"/>
+              <a:t>в опытную эксплуатацию в ООО “</a:t>
+            </a:r>
+            <a:r>
+              <a:rPr lang="ru-RU" sz="4500" dirty="0" err="1"/>
+              <a:t>Редсолюшн</a:t>
+            </a:r>
+            <a:r>
+              <a:rPr lang="ru-RU" sz="4500" dirty="0"/>
+              <a:t>” и используется сотрудниками и клиентами компании.</a:t>
+            </a:r>
+          </a:p>
+          <a:p>
+            <a:pPr marL="0" indent="0">
+              <a:buNone/>
+            </a:pPr>
+            <a:r>
+              <a:rPr lang="ru-RU" sz="3600" dirty="0"/>
+              <a:t/>
+            </a:r>
+            <a:br>
+              <a:rPr lang="ru-RU" sz="3600" dirty="0"/>
+            </a:br>
+            <a:endParaRPr lang="ru-RU" sz="3600" b="1" dirty="0">
+              <a:solidFill>
+                <a:srgbClr val="FF0000"/>
+              </a:solidFill>
+            </a:endParaRPr>
+          </a:p>
+        </p:txBody>
+      </p:sp>
+      <p:pic>
+        <p:nvPicPr>
+          <p:cNvPr id="7" name="Рисунок 6"/>
+          <p:cNvPicPr>
+            <a:picLocks noChangeAspect="1"/>
+          </p:cNvPicPr>
+          <p:nvPr/>
+        </p:nvPicPr>
+        <p:blipFill>
+          <a:blip r:embed="rId2" cstate="print">
+            <a:extLst>
+              <a:ext uri="{28A0092B-C50C-407E-A947-70E740481C1C}">
+                <a14:useLocalDpi xmlns:a14="http://schemas.microsoft.com/office/drawing/2010/main" val="0"/>
+              </a:ext>
+            </a:extLst>
+          </a:blip>
+          <a:stretch>
+            <a:fillRect/>
+          </a:stretch>
+        </p:blipFill>
+        <p:spPr>
+          <a:xfrm>
+            <a:off x="770825" y="1410347"/>
+            <a:ext cx="3700940" cy="5134177"/>
+          </a:xfrm>
+          <a:prstGeom prst="rect">
+            <a:avLst/>
+          </a:prstGeom>
+          <a:ln>
+            <a:solidFill>
+              <a:schemeClr val="accent1"/>
+            </a:solidFill>
+          </a:ln>
+          <a:effectLst>
+            <a:glow rad="63500">
+              <a:schemeClr val="accent2">
+                <a:satMod val="175000"/>
+                <a:alpha val="40000"/>
+              </a:schemeClr>
+            </a:glow>
+          </a:effectLst>
+        </p:spPr>
+      </p:pic>
+    </p:spTree>
+    <p:extLst>
+      <p:ext uri="{BB962C8B-B14F-4D97-AF65-F5344CB8AC3E}">
+        <p14:creationId xmlns:p14="http://schemas.microsoft.com/office/powerpoint/2010/main" val="3097169194"/>
+      </p:ext>
+    </p:extLst>
+  </p:cSld>
+  <p:clrMapOvr>
+    <a:masterClrMapping/>
+  </p:clrMapOvr>
+</p:sld>
+</file>
+
+<file path=ppt/slides/slide16.xml><?xml version="1.0" encoding="utf-8"?>
+<p:sld xmlns:a="http://schemas.openxmlformats.org/drawingml/2006/main" xmlns:r="http://schemas.openxmlformats.org/officeDocument/2006/relationships" xmlns:p="http://schemas.openxmlformats.org/presentationml/2006/main">
+  <p:cSld>
+    <p:spTree>
+      <p:nvGrpSpPr>
+        <p:cNvPr id="1" name=""/>
+        <p:cNvGrpSpPr/>
+        <p:nvPr/>
+      </p:nvGrpSpPr>
+      <p:grpSpPr>
+        <a:xfrm>
+          <a:off x="0" y="0"/>
+          <a:ext cx="0" cy="0"/>
+          <a:chOff x="0" y="0"/>
+          <a:chExt cx="0" cy="0"/>
+        </a:xfrm>
+      </p:grpSpPr>
+      <p:sp>
+        <p:nvSpPr>
+          <p:cNvPr id="2" name="Заголовок 1"/>
+          <p:cNvSpPr>
+            <a:spLocks noGrp="1"/>
+          </p:cNvSpPr>
+          <p:nvPr>
+            <p:ph type="title"/>
+          </p:nvPr>
+        </p:nvSpPr>
+        <p:spPr>
+          <a:xfrm>
             <a:off x="946404" y="328612"/>
             <a:ext cx="7269480" cy="734059"/>
           </a:xfrm>
@@ -13433,12 +13710,19 @@
             </a:pPr>
             <a:r>
               <a:rPr lang="ru-RU" sz="2000" dirty="0" smtClean="0"/>
-              <a:t>Разработан пользовательский интерфейс </a:t>
-            </a:r>
-            <a:r>
-              <a:rPr lang="ru-RU" sz="2000" dirty="0"/>
-              <a:t>системы</a:t>
-            </a:r>
+              <a:t>Разработан пользовательский интерфейс системы</a:t>
+            </a:r>
+          </a:p>
+          <a:p>
+            <a:pPr algn="just">
+              <a:buFont typeface="Wingdings" panose="05000000000000000000" pitchFamily="2" charset="2"/>
+              <a:buChar char="q"/>
+            </a:pPr>
+            <a:r>
+              <a:rPr lang="ru-RU" sz="2000" dirty="0" smtClean="0"/>
+              <a:t>Система внедрена в опытную эксплуатацию</a:t>
+            </a:r>
+            <a:endParaRPr lang="ru-RU" sz="2000" dirty="0"/>
           </a:p>
         </p:txBody>
       </p:sp>
@@ -13459,7 +13743,7 @@
           <a:p>
             <a:fld id="{B8FD4787-A815-42E7-9C3F-EE8E3DD8A60B}" type="slidenum">
               <a:rPr lang="ru-RU" smtClean="0"/>
-              <a:t>15</a:t>
+              <a:t>16</a:t>
             </a:fld>
             <a:endParaRPr lang="ru-RU"/>
           </a:p>
@@ -14846,8 +15130,8 @@
           </a:p>
         </p:txBody>
       </p:sp>
-      <mc:AlternateContent xmlns:mc="http://schemas.openxmlformats.org/markup-compatibility/2006" xmlns:a14="http://schemas.microsoft.com/office/drawing/2010/main">
-        <mc:Choice Requires="a14">
+      <mc:AlternateContent xmlns:mc="http://schemas.openxmlformats.org/markup-compatibility/2006">
+        <mc:Choice xmlns:a14="http://schemas.microsoft.com/office/drawing/2010/main" Requires="a14">
           <p:sp>
             <p:nvSpPr>
               <p:cNvPr id="3" name="Объект 2"/>
@@ -14866,7 +15150,7 @@
             </p:spPr>
             <p:txBody>
               <a:bodyPr>
-                <a:normAutofit fontScale="77500" lnSpcReduction="20000"/>
+                <a:normAutofit fontScale="70000" lnSpcReduction="20000"/>
               </a:bodyPr>
               <a:lstStyle/>
               <a:p>
@@ -14874,25 +15158,37 @@
                   <a:buNone/>
                 </a:pPr>
                 <a:r>
-                  <a:rPr lang="ru-RU" sz="2100" dirty="0" smtClean="0"/>
+                  <a:rPr lang="ru-RU" sz="2300" dirty="0" smtClean="0"/>
                   <a:t>1. Случайным </a:t>
                 </a:r>
                 <a:r>
-                  <a:rPr lang="ru-RU" sz="2100" dirty="0"/>
+                  <a:rPr lang="ru-RU" sz="2300" dirty="0"/>
                   <a:t>образом инициализировать </a:t>
                 </a:r>
                 <a:r>
-                  <a:rPr lang="ru-RU" sz="2100" dirty="0" err="1"/>
+                  <a:rPr lang="ru-RU" sz="2300" dirty="0" err="1" smtClean="0"/>
                   <a:t>центроиды</a:t>
                 </a:r>
                 <a:r>
-                  <a:rPr lang="ru-RU" sz="2100" dirty="0"/>
+                  <a:rPr lang="ru-RU" sz="2300" dirty="0" smtClean="0"/>
+                  <a:t> (</a:t>
+                </a:r>
+                <a:r>
+                  <a:rPr lang="ru-RU" sz="2100" dirty="0" smtClean="0"/>
+                  <a:t>точки, являющиеся центрами</a:t>
+                </a:r>
+                <a:r>
+                  <a:rPr lang="ru-RU" sz="2100" b="1" dirty="0" smtClean="0"/>
+                  <a:t>)</a:t>
+                </a:r>
+                <a:r>
+                  <a:rPr lang="ru-RU" sz="2300" dirty="0" smtClean="0"/>
                   <a:t> </a:t>
                 </a:r>
                 <a14:m>
                   <m:oMath xmlns:m="http://schemas.openxmlformats.org/officeDocument/2006/math">
                     <m:r>
-                      <a:rPr lang="ru-RU" sz="2100" i="1">
+                      <a:rPr lang="ru-RU" sz="2300" i="1">
                         <a:latin typeface="Cambria Math" panose="02040503050406030204" pitchFamily="18" charset="0"/>
                       </a:rPr>
                       <m:t>𝜇</m:t>
@@ -14900,37 +15196,37 @@
                   </m:oMath>
                 </a14:m>
                 <a:r>
-                  <a:rPr lang="ru-RU" sz="2100" dirty="0"/>
+                  <a:rPr lang="ru-RU" sz="2300" dirty="0"/>
                   <a:t> кластеров запросами </a:t>
                 </a:r>
                 <a14:m>
                   <m:oMath xmlns:m="http://schemas.openxmlformats.org/officeDocument/2006/math">
                     <m:r>
-                      <a:rPr lang="ru-RU" sz="2100" i="1">
+                      <a:rPr lang="ru-RU" sz="2300" i="1">
                         <a:latin typeface="Cambria Math" panose="02040503050406030204" pitchFamily="18" charset="0"/>
                       </a:rPr>
                       <m:t>𝑞</m:t>
                     </m:r>
                     <m:r>
-                      <a:rPr lang="ru-RU" sz="2100" i="1">
+                      <a:rPr lang="ru-RU" sz="2300" i="1">
                         <a:latin typeface="Cambria Math" panose="02040503050406030204" pitchFamily="18" charset="0"/>
                       </a:rPr>
                       <m:t>, </m:t>
                     </m:r>
                     <m:r>
-                      <a:rPr lang="ru-RU" sz="2100" i="1">
+                      <a:rPr lang="ru-RU" sz="2300" i="1">
                         <a:latin typeface="Cambria Math" panose="02040503050406030204" pitchFamily="18" charset="0"/>
                       </a:rPr>
                       <m:t>𝑞</m:t>
                     </m:r>
                     <m:r>
-                      <a:rPr lang="ru-RU" sz="2100" i="1">
+                      <a:rPr lang="ru-RU" sz="2300" i="1">
                         <a:latin typeface="Cambria Math" panose="02040503050406030204" pitchFamily="18" charset="0"/>
                       </a:rPr>
                       <m:t>∈</m:t>
                     </m:r>
                     <m:r>
-                      <a:rPr lang="ru-RU" sz="2100" i="1">
+                      <a:rPr lang="ru-RU" sz="2300" i="1">
                         <a:latin typeface="Cambria Math" panose="02040503050406030204" pitchFamily="18" charset="0"/>
                       </a:rPr>
                       <m:t>𝑄</m:t>
@@ -14938,13 +15234,13 @@
                   </m:oMath>
                 </a14:m>
                 <a:r>
-                  <a:rPr lang="ru-RU" sz="2100" dirty="0"/>
+                  <a:rPr lang="ru-RU" sz="2300" dirty="0"/>
                   <a:t> так, что количество </a:t>
                 </a:r>
                 <a14:m>
                   <m:oMath xmlns:m="http://schemas.openxmlformats.org/officeDocument/2006/math">
                     <m:r>
-                      <a:rPr lang="ru-RU" sz="2100" i="1">
+                      <a:rPr lang="ru-RU" sz="2300" i="1">
                         <a:latin typeface="Cambria Math" panose="02040503050406030204" pitchFamily="18" charset="0"/>
                       </a:rPr>
                       <m:t>𝑞</m:t>
@@ -14952,7 +15248,7 @@
                   </m:oMath>
                 </a14:m>
                 <a:r>
-                  <a:rPr lang="ru-RU" sz="2100" dirty="0"/>
+                  <a:rPr lang="ru-RU" sz="2300" dirty="0"/>
                   <a:t> совпадает со значением оптимального количества кластеров, вычисленным ранее.</a:t>
                 </a:r>
               </a:p>
@@ -14961,19 +15257,19 @@
                   <a:buNone/>
                 </a:pPr>
                 <a:r>
-                  <a:rPr lang="ru-RU" sz="2100" dirty="0" smtClean="0"/>
+                  <a:rPr lang="ru-RU" sz="2300" dirty="0" smtClean="0"/>
                   <a:t>2. Для </a:t>
                 </a:r>
                 <a:r>
-                  <a:rPr lang="ru-RU" sz="2100" dirty="0"/>
+                  <a:rPr lang="ru-RU" sz="2300" dirty="0"/>
                   <a:t>каждого </a:t>
                 </a:r>
                 <a:r>
-                  <a:rPr lang="ru-RU" sz="2100" dirty="0" err="1"/>
+                  <a:rPr lang="ru-RU" sz="2300" dirty="0" err="1"/>
                   <a:t>центроида</a:t>
                 </a:r>
                 <a:r>
-                  <a:rPr lang="ru-RU" sz="2100" dirty="0"/>
+                  <a:rPr lang="ru-RU" sz="2300" dirty="0"/>
                   <a:t> </a:t>
                 </a:r>
                 <a14:m>
@@ -14981,14 +15277,14 @@
                     <m:sSub>
                       <m:sSubPr>
                         <m:ctrlPr>
-                          <a:rPr lang="ru-RU" sz="2100" i="1">
+                          <a:rPr lang="ru-RU" sz="2300" i="1">
                             <a:latin typeface="Cambria Math" panose="02040503050406030204" pitchFamily="18" charset="0"/>
                           </a:rPr>
                         </m:ctrlPr>
                       </m:sSubPr>
                       <m:e>
                         <m:r>
-                          <a:rPr lang="ru-RU" sz="2100" i="1">
+                          <a:rPr lang="ru-RU" sz="2300" i="1">
                             <a:latin typeface="Cambria Math" panose="02040503050406030204" pitchFamily="18" charset="0"/>
                           </a:rPr>
                           <m:t>𝜇</m:t>
@@ -14996,7 +15292,7 @@
                       </m:e>
                       <m:sub>
                         <m:r>
-                          <a:rPr lang="ru-RU" sz="2100" i="1">
+                          <a:rPr lang="ru-RU" sz="2300" i="1">
                             <a:latin typeface="Cambria Math" panose="02040503050406030204" pitchFamily="18" charset="0"/>
                           </a:rPr>
                           <m:t>𝑘</m:t>
@@ -15006,7 +15302,7 @@
                   </m:oMath>
                 </a14:m>
                 <a:r>
-                  <a:rPr lang="ru-RU" sz="2100" dirty="0"/>
+                  <a:rPr lang="ru-RU" sz="2300" dirty="0"/>
                   <a:t> вычислить расстояния </a:t>
                 </a:r>
                 <a14:m>
@@ -15014,14 +15310,14 @@
                     <m:sSub>
                       <m:sSubPr>
                         <m:ctrlPr>
-                          <a:rPr lang="ru-RU" sz="2100" i="1">
+                          <a:rPr lang="ru-RU" sz="2300" i="1">
                             <a:latin typeface="Cambria Math" panose="02040503050406030204" pitchFamily="18" charset="0"/>
                           </a:rPr>
                         </m:ctrlPr>
                       </m:sSubPr>
                       <m:e>
                         <m:r>
-                          <a:rPr lang="ru-RU" sz="2100" i="1">
+                          <a:rPr lang="ru-RU" sz="2300" i="1">
                             <a:latin typeface="Cambria Math" panose="02040503050406030204" pitchFamily="18" charset="0"/>
                           </a:rPr>
                           <m:t>𝑙</m:t>
@@ -15029,19 +15325,19 @@
                       </m:e>
                       <m:sub>
                         <m:r>
-                          <a:rPr lang="ru-RU" sz="2100" i="1">
+                          <a:rPr lang="ru-RU" sz="2300" i="1">
                             <a:latin typeface="Cambria Math" panose="02040503050406030204" pitchFamily="18" charset="0"/>
                           </a:rPr>
                           <m:t>𝑘</m:t>
                         </m:r>
                         <m:r>
-                          <a:rPr lang="ru-RU" sz="2100" i="1">
+                          <a:rPr lang="ru-RU" sz="2300" i="1">
                             <a:latin typeface="Cambria Math" panose="02040503050406030204" pitchFamily="18" charset="0"/>
                           </a:rPr>
                           <m:t>,</m:t>
                         </m:r>
                         <m:r>
-                          <a:rPr lang="ru-RU" sz="2100" i="1">
+                          <a:rPr lang="ru-RU" sz="2300" i="1">
                             <a:latin typeface="Cambria Math" panose="02040503050406030204" pitchFamily="18" charset="0"/>
                           </a:rPr>
                           <m:t>𝑖</m:t>
@@ -15051,7 +15347,7 @@
                   </m:oMath>
                 </a14:m>
                 <a:r>
-                  <a:rPr lang="ru-RU" sz="2100" dirty="0"/>
+                  <a:rPr lang="ru-RU" sz="2300" dirty="0"/>
                   <a:t> до всех точек </a:t>
                 </a:r>
                 <a14:m>
@@ -15059,14 +15355,14 @@
                     <m:sSub>
                       <m:sSubPr>
                         <m:ctrlPr>
-                          <a:rPr lang="ru-RU" sz="2100" i="1">
+                          <a:rPr lang="ru-RU" sz="2300" i="1">
                             <a:latin typeface="Cambria Math" panose="02040503050406030204" pitchFamily="18" charset="0"/>
                           </a:rPr>
                         </m:ctrlPr>
                       </m:sSubPr>
                       <m:e>
                         <m:r>
-                          <a:rPr lang="ru-RU" sz="2100" i="1">
+                          <a:rPr lang="ru-RU" sz="2300" i="1">
                             <a:latin typeface="Cambria Math" panose="02040503050406030204" pitchFamily="18" charset="0"/>
                           </a:rPr>
                           <m:t>𝑞</m:t>
@@ -15074,7 +15370,7 @@
                       </m:e>
                       <m:sub>
                         <m:r>
-                          <a:rPr lang="ru-RU" sz="2100" i="1">
+                          <a:rPr lang="ru-RU" sz="2300" i="1">
                             <a:latin typeface="Cambria Math" panose="02040503050406030204" pitchFamily="18" charset="0"/>
                           </a:rPr>
                           <m:t>𝑖</m:t>
@@ -15082,14 +15378,14 @@
                       </m:sub>
                     </m:sSub>
                     <m:r>
-                      <a:rPr lang="ru-RU" sz="2100" i="1">
+                      <a:rPr lang="ru-RU" sz="2300" i="1">
                         <a:latin typeface="Cambria Math" panose="02040503050406030204" pitchFamily="18" charset="0"/>
                       </a:rPr>
                       <m:t>:</m:t>
                     </m:r>
                   </m:oMath>
                 </a14:m>
-                <a:endParaRPr lang="ru-RU" sz="2100" dirty="0"/>
+                <a:endParaRPr lang="ru-RU" sz="2300" dirty="0"/>
               </a:p>
               <a:p>
                 <a:pPr marL="0" indent="0">
@@ -15104,14 +15400,14 @@
                       <m:sSub>
                         <m:sSubPr>
                           <m:ctrlPr>
-                            <a:rPr lang="ru-RU" sz="2100" i="1">
+                            <a:rPr lang="ru-RU" sz="2300" i="1">
                               <a:latin typeface="Cambria Math" panose="02040503050406030204" pitchFamily="18" charset="0"/>
                             </a:rPr>
                           </m:ctrlPr>
                         </m:sSubPr>
                         <m:e>
                           <m:r>
-                            <a:rPr lang="ru-RU" sz="2100" i="1">
+                            <a:rPr lang="ru-RU" sz="2300" i="1">
                               <a:latin typeface="Cambria Math" panose="02040503050406030204" pitchFamily="18" charset="0"/>
                             </a:rPr>
                             <m:t>𝑙</m:t>
@@ -15119,19 +15415,19 @@
                         </m:e>
                         <m:sub>
                           <m:r>
-                            <a:rPr lang="ru-RU" sz="2100" i="1">
+                            <a:rPr lang="ru-RU" sz="2300" i="1">
                               <a:latin typeface="Cambria Math" panose="02040503050406030204" pitchFamily="18" charset="0"/>
                             </a:rPr>
                             <m:t>𝑘</m:t>
                           </m:r>
                           <m:r>
-                            <a:rPr lang="ru-RU" sz="2100" i="1">
+                            <a:rPr lang="ru-RU" sz="2300" i="1">
                               <a:latin typeface="Cambria Math" panose="02040503050406030204" pitchFamily="18" charset="0"/>
                             </a:rPr>
                             <m:t>,</m:t>
                           </m:r>
                           <m:r>
-                            <a:rPr lang="ru-RU" sz="2100" i="1">
+                            <a:rPr lang="ru-RU" sz="2300" i="1">
                               <a:latin typeface="Cambria Math" panose="02040503050406030204" pitchFamily="18" charset="0"/>
                             </a:rPr>
                             <m:t>𝑖</m:t>
@@ -15139,19 +15435,19 @@
                         </m:sub>
                       </m:sSub>
                       <m:r>
-                        <a:rPr lang="ru-RU" sz="2100" i="1">
+                        <a:rPr lang="ru-RU" sz="2300" i="1">
                           <a:latin typeface="Cambria Math" panose="02040503050406030204" pitchFamily="18" charset="0"/>
                         </a:rPr>
                         <m:t>= </m:t>
                       </m:r>
                       <m:r>
-                        <a:rPr lang="ru-RU" sz="2100" i="1">
+                        <a:rPr lang="ru-RU" sz="2300" i="1">
                           <a:latin typeface="Cambria Math" panose="02040503050406030204" pitchFamily="18" charset="0"/>
                         </a:rPr>
                         <m:t>𝜌</m:t>
                       </m:r>
                       <m:r>
-                        <a:rPr lang="ru-RU" sz="2100" i="1">
+                        <a:rPr lang="ru-RU" sz="2300" i="1">
                           <a:latin typeface="Cambria Math" panose="02040503050406030204" pitchFamily="18" charset="0"/>
                         </a:rPr>
                         <m:t>(</m:t>
@@ -15159,14 +15455,14 @@
                       <m:sSub>
                         <m:sSubPr>
                           <m:ctrlPr>
-                            <a:rPr lang="ru-RU" sz="2100" i="1">
+                            <a:rPr lang="ru-RU" sz="2300" i="1">
                               <a:latin typeface="Cambria Math" panose="02040503050406030204" pitchFamily="18" charset="0"/>
                             </a:rPr>
                           </m:ctrlPr>
                         </m:sSubPr>
                         <m:e>
                           <m:r>
-                            <a:rPr lang="ru-RU" sz="2100" i="1">
+                            <a:rPr lang="ru-RU" sz="2300" i="1">
                               <a:latin typeface="Cambria Math" panose="02040503050406030204" pitchFamily="18" charset="0"/>
                             </a:rPr>
                             <m:t>𝑞</m:t>
@@ -15174,7 +15470,7 @@
                         </m:e>
                         <m:sub>
                           <m:r>
-                            <a:rPr lang="ru-RU" sz="2100" i="1">
+                            <a:rPr lang="ru-RU" sz="2300" i="1">
                               <a:latin typeface="Cambria Math" panose="02040503050406030204" pitchFamily="18" charset="0"/>
                             </a:rPr>
                             <m:t>𝑖</m:t>
@@ -15182,7 +15478,7 @@
                         </m:sub>
                       </m:sSub>
                       <m:r>
-                        <a:rPr lang="ru-RU" sz="2100" i="1">
+                        <a:rPr lang="ru-RU" sz="2300" i="1">
                           <a:latin typeface="Cambria Math" panose="02040503050406030204" pitchFamily="18" charset="0"/>
                         </a:rPr>
                         <m:t>,</m:t>
@@ -15190,14 +15486,14 @@
                       <m:sSub>
                         <m:sSubPr>
                           <m:ctrlPr>
-                            <a:rPr lang="ru-RU" sz="2100" i="1">
+                            <a:rPr lang="ru-RU" sz="2300" i="1">
                               <a:latin typeface="Cambria Math" panose="02040503050406030204" pitchFamily="18" charset="0"/>
                             </a:rPr>
                           </m:ctrlPr>
                         </m:sSubPr>
                         <m:e>
                           <m:r>
-                            <a:rPr lang="ru-RU" sz="2100" i="1">
+                            <a:rPr lang="ru-RU" sz="2300" i="1">
                               <a:latin typeface="Cambria Math" panose="02040503050406030204" pitchFamily="18" charset="0"/>
                             </a:rPr>
                             <m:t>𝜇</m:t>
@@ -15205,7 +15501,7 @@
                         </m:e>
                         <m:sub>
                           <m:r>
-                            <a:rPr lang="ru-RU" sz="2100" i="1">
+                            <a:rPr lang="ru-RU" sz="2300" i="1">
                               <a:latin typeface="Cambria Math" panose="02040503050406030204" pitchFamily="18" charset="0"/>
                             </a:rPr>
                             <m:t>𝑘</m:t>
@@ -15213,7 +15509,7 @@
                         </m:sub>
                       </m:sSub>
                       <m:r>
-                        <a:rPr lang="ru-RU" sz="2100" i="1">
+                        <a:rPr lang="ru-RU" sz="2300" i="1">
                           <a:latin typeface="Cambria Math" panose="02040503050406030204" pitchFamily="18" charset="0"/>
                         </a:rPr>
                         <m:t>)</m:t>
@@ -15221,26 +15517,26 @@
                     </m:oMath>
                   </m:oMathPara>
                 </a14:m>
-                <a:endParaRPr lang="ru-RU" sz="2100" dirty="0"/>
+                <a:endParaRPr lang="ru-RU" sz="2300" dirty="0"/>
               </a:p>
               <a:p>
                 <a:pPr marL="0" indent="0">
                   <a:buNone/>
                 </a:pPr>
                 <a:r>
-                  <a:rPr lang="ru-RU" sz="2100" dirty="0" smtClean="0"/>
+                  <a:rPr lang="ru-RU" sz="2300" dirty="0" smtClean="0"/>
                   <a:t>3. Сформировать </a:t>
                 </a:r>
                 <a:r>
-                  <a:rPr lang="ru-RU" sz="2100" dirty="0"/>
+                  <a:rPr lang="ru-RU" sz="2300" dirty="0"/>
                   <a:t>кластеры. Для каждого </a:t>
                 </a:r>
                 <a:r>
-                  <a:rPr lang="ru-RU" sz="2100" dirty="0" err="1"/>
+                  <a:rPr lang="ru-RU" sz="2300" dirty="0" err="1"/>
                   <a:t>центроида</a:t>
                 </a:r>
                 <a:r>
-                  <a:rPr lang="ru-RU" sz="2100" dirty="0"/>
+                  <a:rPr lang="ru-RU" sz="2300" dirty="0"/>
                   <a:t> </a:t>
                 </a:r>
                 <a14:m>
@@ -15248,14 +15544,14 @@
                     <m:sSub>
                       <m:sSubPr>
                         <m:ctrlPr>
-                          <a:rPr lang="ru-RU" sz="2100" i="1">
+                          <a:rPr lang="ru-RU" sz="2300" i="1">
                             <a:latin typeface="Cambria Math" panose="02040503050406030204" pitchFamily="18" charset="0"/>
                           </a:rPr>
                         </m:ctrlPr>
                       </m:sSubPr>
                       <m:e>
                         <m:r>
-                          <a:rPr lang="ru-RU" sz="2100" i="1">
+                          <a:rPr lang="ru-RU" sz="2300" i="1">
                             <a:latin typeface="Cambria Math" panose="02040503050406030204" pitchFamily="18" charset="0"/>
                           </a:rPr>
                           <m:t>𝜇</m:t>
@@ -15263,7 +15559,7 @@
                       </m:e>
                       <m:sub>
                         <m:r>
-                          <a:rPr lang="ru-RU" sz="2100" i="1">
+                          <a:rPr lang="ru-RU" sz="2300" i="1">
                             <a:latin typeface="Cambria Math" panose="02040503050406030204" pitchFamily="18" charset="0"/>
                           </a:rPr>
                           <m:t>𝑘</m:t>
@@ -15273,13 +15569,13 @@
                   </m:oMath>
                 </a14:m>
                 <a:r>
-                  <a:rPr lang="ru-RU" sz="2100" dirty="0"/>
+                  <a:rPr lang="ru-RU" sz="2300" dirty="0"/>
                   <a:t> из множества </a:t>
                 </a:r>
                 <a14:m>
                   <m:oMath xmlns:m="http://schemas.openxmlformats.org/officeDocument/2006/math">
                     <m:r>
-                      <a:rPr lang="ru-RU" sz="2100" i="1">
+                      <a:rPr lang="ru-RU" sz="2300" i="1">
                         <a:latin typeface="Cambria Math" panose="02040503050406030204" pitchFamily="18" charset="0"/>
                       </a:rPr>
                       <m:t>𝑋</m:t>
@@ -15287,7 +15583,7 @@
                   </m:oMath>
                 </a14:m>
                 <a:r>
-                  <a:rPr lang="ru-RU" sz="2100" dirty="0"/>
+                  <a:rPr lang="ru-RU" sz="2300" dirty="0"/>
                   <a:t> отобрать подмножество точек </a:t>
                 </a:r>
                 <a14:m>
@@ -15295,14 +15591,14 @@
                     <m:sSub>
                       <m:sSubPr>
                         <m:ctrlPr>
-                          <a:rPr lang="ru-RU" sz="2100" i="1">
+                          <a:rPr lang="ru-RU" sz="2300" i="1">
                             <a:latin typeface="Cambria Math" panose="02040503050406030204" pitchFamily="18" charset="0"/>
                           </a:rPr>
                         </m:ctrlPr>
                       </m:sSubPr>
                       <m:e>
                         <m:r>
-                          <a:rPr lang="ru-RU" sz="2100" i="1">
+                          <a:rPr lang="ru-RU" sz="2300" i="1">
                             <a:latin typeface="Cambria Math" panose="02040503050406030204" pitchFamily="18" charset="0"/>
                           </a:rPr>
                           <m:t>𝑋</m:t>
@@ -15310,7 +15606,7 @@
                       </m:e>
                       <m:sub>
                         <m:r>
-                          <a:rPr lang="ru-RU" sz="2100" i="1">
+                          <a:rPr lang="ru-RU" sz="2300" i="1">
                             <a:latin typeface="Cambria Math" panose="02040503050406030204" pitchFamily="18" charset="0"/>
                           </a:rPr>
                           <m:t>𝑘</m:t>
@@ -15320,7 +15616,7 @@
                   </m:oMath>
                 </a14:m>
                 <a:r>
-                  <a:rPr lang="ru-RU" sz="2100" dirty="0"/>
+                  <a:rPr lang="ru-RU" sz="2300" dirty="0"/>
                   <a:t> с минимальным расстоянием до </a:t>
                 </a:r>
                 <a14:m>
@@ -15328,14 +15624,14 @@
                     <m:sSub>
                       <m:sSubPr>
                         <m:ctrlPr>
-                          <a:rPr lang="ru-RU" sz="2100" i="1">
+                          <a:rPr lang="ru-RU" sz="2300" i="1">
                             <a:latin typeface="Cambria Math" panose="02040503050406030204" pitchFamily="18" charset="0"/>
                           </a:rPr>
                         </m:ctrlPr>
                       </m:sSubPr>
                       <m:e>
                         <m:r>
-                          <a:rPr lang="ru-RU" sz="2100" i="1">
+                          <a:rPr lang="ru-RU" sz="2300" i="1">
                             <a:latin typeface="Cambria Math" panose="02040503050406030204" pitchFamily="18" charset="0"/>
                           </a:rPr>
                           <m:t>𝜇</m:t>
@@ -15343,7 +15639,7 @@
                       </m:e>
                       <m:sub>
                         <m:r>
-                          <a:rPr lang="ru-RU" sz="2100" i="1">
+                          <a:rPr lang="ru-RU" sz="2300" i="1">
                             <a:latin typeface="Cambria Math" panose="02040503050406030204" pitchFamily="18" charset="0"/>
                           </a:rPr>
                           <m:t>𝑘</m:t>
@@ -15351,14 +15647,14 @@
                       </m:sub>
                     </m:sSub>
                     <m:r>
-                      <a:rPr lang="ru-RU" sz="2100" i="1">
+                      <a:rPr lang="ru-RU" sz="2300" i="1">
                         <a:latin typeface="Cambria Math" panose="02040503050406030204" pitchFamily="18" charset="0"/>
                       </a:rPr>
                       <m:t>:</m:t>
                     </m:r>
                   </m:oMath>
                 </a14:m>
-                <a:endParaRPr lang="ru-RU" sz="2100" dirty="0"/>
+                <a:endParaRPr lang="ru-RU" sz="2300" dirty="0"/>
               </a:p>
               <a:p>
                 <a:pPr marL="0" indent="0">
@@ -15373,7 +15669,7 @@
                       <m:sSub>
                         <m:sSubPr>
                           <m:ctrlPr>
-                            <a:rPr lang="ru-RU" sz="2100" i="1">
+                            <a:rPr lang="ru-RU" sz="2300" i="1">
                               <a:latin typeface="Cambria Math" panose="02040503050406030204" pitchFamily="18" charset="0"/>
                             </a:rPr>
                           </m:ctrlPr>
@@ -15383,7 +15679,7 @@
                             <m:rPr>
                               <m:sty m:val="p"/>
                             </m:rPr>
-                            <a:rPr lang="ru-RU" sz="2100">
+                            <a:rPr lang="ru-RU" sz="2300">
                               <a:latin typeface="Cambria Math" panose="02040503050406030204" pitchFamily="18" charset="0"/>
                             </a:rPr>
                             <m:t>min</m:t>
@@ -15391,7 +15687,7 @@
                         </m:e>
                         <m:sub>
                           <m:r>
-                            <a:rPr lang="ru-RU" sz="2100" i="1">
+                            <a:rPr lang="ru-RU" sz="2300" i="1">
                               <a:latin typeface="Cambria Math" panose="02040503050406030204" pitchFamily="18" charset="0"/>
                             </a:rPr>
                             <m:t>𝑘</m:t>
@@ -15399,13 +15695,13 @@
                         </m:sub>
                       </m:sSub>
                       <m:r>
-                        <a:rPr lang="ru-RU" sz="2100">
+                        <a:rPr lang="ru-RU" sz="2300">
                           <a:latin typeface="Cambria Math" panose="02040503050406030204" pitchFamily="18" charset="0"/>
                         </a:rPr>
                         <m:t>⁡</m:t>
                       </m:r>
                       <m:r>
-                        <a:rPr lang="ru-RU" sz="2100" i="1">
+                        <a:rPr lang="ru-RU" sz="2300" i="1">
                           <a:latin typeface="Cambria Math" panose="02040503050406030204" pitchFamily="18" charset="0"/>
                         </a:rPr>
                         <m:t>(</m:t>
@@ -15413,14 +15709,14 @@
                       <m:sSub>
                         <m:sSubPr>
                           <m:ctrlPr>
-                            <a:rPr lang="ru-RU" sz="2100" i="1">
+                            <a:rPr lang="ru-RU" sz="2300" i="1">
                               <a:latin typeface="Cambria Math" panose="02040503050406030204" pitchFamily="18" charset="0"/>
                             </a:rPr>
                           </m:ctrlPr>
                         </m:sSubPr>
                         <m:e>
                           <m:r>
-                            <a:rPr lang="ru-RU" sz="2100" i="1">
+                            <a:rPr lang="ru-RU" sz="2300" i="1">
                               <a:latin typeface="Cambria Math" panose="02040503050406030204" pitchFamily="18" charset="0"/>
                             </a:rPr>
                             <m:t>𝑙</m:t>
@@ -15428,19 +15724,19 @@
                         </m:e>
                         <m:sub>
                           <m:r>
-                            <a:rPr lang="ru-RU" sz="2100" i="1">
+                            <a:rPr lang="ru-RU" sz="2300" i="1">
                               <a:latin typeface="Cambria Math" panose="02040503050406030204" pitchFamily="18" charset="0"/>
                             </a:rPr>
                             <m:t>𝑘</m:t>
                           </m:r>
                           <m:r>
-                            <a:rPr lang="ru-RU" sz="2100" i="1">
+                            <a:rPr lang="ru-RU" sz="2300" i="1">
                               <a:latin typeface="Cambria Math" panose="02040503050406030204" pitchFamily="18" charset="0"/>
                             </a:rPr>
                             <m:t>,</m:t>
                           </m:r>
                           <m:r>
-                            <a:rPr lang="ru-RU" sz="2100" i="1">
+                            <a:rPr lang="ru-RU" sz="2300" i="1">
                               <a:latin typeface="Cambria Math" panose="02040503050406030204" pitchFamily="18" charset="0"/>
                             </a:rPr>
                             <m:t>𝑖</m:t>
@@ -15448,7 +15744,7 @@
                         </m:sub>
                       </m:sSub>
                       <m:r>
-                        <a:rPr lang="ru-RU" sz="2100" i="1">
+                        <a:rPr lang="ru-RU" sz="2300" i="1">
                           <a:latin typeface="Cambria Math" panose="02040503050406030204" pitchFamily="18" charset="0"/>
                         </a:rPr>
                         <m:t>)</m:t>
@@ -15456,26 +15752,26 @@
                     </m:oMath>
                   </m:oMathPara>
                 </a14:m>
-                <a:endParaRPr lang="ru-RU" sz="2100" dirty="0"/>
+                <a:endParaRPr lang="ru-RU" sz="2300" dirty="0"/>
               </a:p>
               <a:p>
                 <a:pPr marL="0" indent="0">
                   <a:buNone/>
                 </a:pPr>
                 <a:r>
-                  <a:rPr lang="ru-RU" sz="2100" dirty="0" smtClean="0"/>
+                  <a:rPr lang="ru-RU" sz="2300" dirty="0" smtClean="0"/>
                   <a:t>4. Вычислить </a:t>
                 </a:r>
                 <a:r>
-                  <a:rPr lang="ru-RU" sz="2100" dirty="0"/>
+                  <a:rPr lang="ru-RU" sz="2300" dirty="0"/>
                   <a:t>новые </a:t>
                 </a:r>
                 <a:r>
-                  <a:rPr lang="ru-RU" sz="2100" dirty="0" err="1"/>
+                  <a:rPr lang="ru-RU" sz="2300" dirty="0" err="1"/>
                   <a:t>центроиды</a:t>
                 </a:r>
                 <a:r>
-                  <a:rPr lang="ru-RU" sz="2100" dirty="0"/>
+                  <a:rPr lang="ru-RU" sz="2300" dirty="0"/>
                   <a:t> как среднее всех точек кластера </a:t>
                 </a:r>
                 <a14:m>
@@ -15483,14 +15779,14 @@
                     <m:sSub>
                       <m:sSubPr>
                         <m:ctrlPr>
-                          <a:rPr lang="ru-RU" sz="2100" i="1">
+                          <a:rPr lang="ru-RU" sz="2300" i="1">
                             <a:latin typeface="Cambria Math" panose="02040503050406030204" pitchFamily="18" charset="0"/>
                           </a:rPr>
                         </m:ctrlPr>
                       </m:sSubPr>
                       <m:e>
                         <m:r>
-                          <a:rPr lang="ru-RU" sz="2100" i="1">
+                          <a:rPr lang="ru-RU" sz="2300" i="1">
                             <a:latin typeface="Cambria Math" panose="02040503050406030204" pitchFamily="18" charset="0"/>
                           </a:rPr>
                           <m:t>𝑋</m:t>
@@ -15498,7 +15794,7 @@
                       </m:e>
                       <m:sub>
                         <m:r>
-                          <a:rPr lang="ru-RU" sz="2100" i="1">
+                          <a:rPr lang="ru-RU" sz="2300" i="1">
                             <a:latin typeface="Cambria Math" panose="02040503050406030204" pitchFamily="18" charset="0"/>
                           </a:rPr>
                           <m:t>𝑘</m:t>
@@ -15508,7 +15804,7 @@
                   </m:oMath>
                 </a14:m>
                 <a:r>
-                  <a:rPr lang="ru-RU" sz="2100" dirty="0"/>
+                  <a:rPr lang="ru-RU" sz="2300" dirty="0"/>
                   <a:t>:</a:t>
                 </a:r>
               </a:p>
@@ -15525,14 +15821,14 @@
                       <m:sSub>
                         <m:sSubPr>
                           <m:ctrlPr>
-                            <a:rPr lang="ru-RU" sz="2100" i="1">
+                            <a:rPr lang="ru-RU" sz="2300" i="1">
                               <a:latin typeface="Cambria Math" panose="02040503050406030204" pitchFamily="18" charset="0"/>
                             </a:rPr>
                           </m:ctrlPr>
                         </m:sSubPr>
                         <m:e>
                           <m:r>
-                            <a:rPr lang="ru-RU" sz="2100" i="1">
+                            <a:rPr lang="ru-RU" sz="2300" i="1">
                               <a:latin typeface="Cambria Math" panose="02040503050406030204" pitchFamily="18" charset="0"/>
                             </a:rPr>
                             <m:t>𝜇</m:t>
@@ -15540,7 +15836,7 @@
                         </m:e>
                         <m:sub>
                           <m:r>
-                            <a:rPr lang="ru-RU" sz="2100" i="1">
+                            <a:rPr lang="ru-RU" sz="2300" i="1">
                               <a:latin typeface="Cambria Math" panose="02040503050406030204" pitchFamily="18" charset="0"/>
                             </a:rPr>
                             <m:t>𝑘</m:t>
@@ -15548,7 +15844,7 @@
                         </m:sub>
                       </m:sSub>
                       <m:r>
-                        <a:rPr lang="ru-RU" sz="2100" i="1">
+                        <a:rPr lang="ru-RU" sz="2300" i="1">
                           <a:latin typeface="Cambria Math" panose="02040503050406030204" pitchFamily="18" charset="0"/>
                         </a:rPr>
                         <m:t>= </m:t>
@@ -15556,14 +15852,14 @@
                       <m:f>
                         <m:fPr>
                           <m:ctrlPr>
-                            <a:rPr lang="ru-RU" sz="2100" i="1">
+                            <a:rPr lang="ru-RU" sz="2300" i="1">
                               <a:latin typeface="Cambria Math" panose="02040503050406030204" pitchFamily="18" charset="0"/>
                             </a:rPr>
                           </m:ctrlPr>
                         </m:fPr>
                         <m:num>
                           <m:r>
-                            <a:rPr lang="ru-RU" sz="2100" i="1">
+                            <a:rPr lang="ru-RU" sz="2300" i="1">
                               <a:latin typeface="Cambria Math" panose="02040503050406030204" pitchFamily="18" charset="0"/>
                             </a:rPr>
                             <m:t>1</m:t>
@@ -15573,14 +15869,14 @@
                           <m:sSub>
                             <m:sSubPr>
                               <m:ctrlPr>
-                                <a:rPr lang="ru-RU" sz="2100" i="1">
+                                <a:rPr lang="ru-RU" sz="2300" i="1">
                                   <a:latin typeface="Cambria Math" panose="02040503050406030204" pitchFamily="18" charset="0"/>
                                 </a:rPr>
                               </m:ctrlPr>
                             </m:sSubPr>
                             <m:e>
                               <m:r>
-                                <a:rPr lang="en-US" sz="2100" i="1">
+                                <a:rPr lang="en-US" sz="2300" i="1">
                                   <a:latin typeface="Cambria Math" panose="02040503050406030204" pitchFamily="18" charset="0"/>
                                 </a:rPr>
                                 <m:t>𝑠</m:t>
@@ -15588,7 +15884,7 @@
                             </m:e>
                             <m:sub>
                               <m:r>
-                                <a:rPr lang="ru-RU" sz="2100" i="1">
+                                <a:rPr lang="ru-RU" sz="2300" i="1">
                                   <a:latin typeface="Cambria Math" panose="02040503050406030204" pitchFamily="18" charset="0"/>
                                 </a:rPr>
                                 <m:t>𝑘</m:t>
@@ -15604,7 +15900,7 @@
                           <m:subHide m:val="on"/>
                           <m:supHide m:val="on"/>
                           <m:ctrlPr>
-                            <a:rPr lang="ru-RU" sz="2100" i="1">
+                            <a:rPr lang="ru-RU" sz="2300" i="1">
                               <a:latin typeface="Cambria Math" panose="02040503050406030204" pitchFamily="18" charset="0"/>
                             </a:rPr>
                           </m:ctrlPr>
@@ -15615,14 +15911,14 @@
                           <m:sSub>
                             <m:sSubPr>
                               <m:ctrlPr>
-                                <a:rPr lang="ru-RU" sz="2100" i="1">
+                                <a:rPr lang="ru-RU" sz="2300" i="1">
                                   <a:latin typeface="Cambria Math" panose="02040503050406030204" pitchFamily="18" charset="0"/>
                                 </a:rPr>
                               </m:ctrlPr>
                             </m:sSubPr>
                             <m:e>
                               <m:r>
-                                <a:rPr lang="ru-RU" sz="2100" i="1">
+                                <a:rPr lang="ru-RU" sz="2300" i="1">
                                   <a:latin typeface="Cambria Math" panose="02040503050406030204" pitchFamily="18" charset="0"/>
                                 </a:rPr>
                                 <m:t>𝑋</m:t>
@@ -15630,7 +15926,7 @@
                             </m:e>
                             <m:sub>
                               <m:r>
-                                <a:rPr lang="ru-RU" sz="2100" i="1">
+                                <a:rPr lang="ru-RU" sz="2300" i="1">
                                   <a:latin typeface="Cambria Math" panose="02040503050406030204" pitchFamily="18" charset="0"/>
                                 </a:rPr>
                                 <m:t>𝑘</m:t>
@@ -15640,7 +15936,7 @@
                         </m:e>
                       </m:nary>
                       <m:r>
-                        <a:rPr lang="ru-RU" sz="2100" i="1">
+                        <a:rPr lang="ru-RU" sz="2300" i="1">
                           <a:latin typeface="Cambria Math" panose="02040503050406030204" pitchFamily="18" charset="0"/>
                         </a:rPr>
                         <m:t>, где </m:t>
@@ -15648,14 +15944,14 @@
                       <m:sSub>
                         <m:sSubPr>
                           <m:ctrlPr>
-                            <a:rPr lang="ru-RU" sz="2100" i="1">
+                            <a:rPr lang="ru-RU" sz="2300" i="1">
                               <a:latin typeface="Cambria Math" panose="02040503050406030204" pitchFamily="18" charset="0"/>
                             </a:rPr>
                           </m:ctrlPr>
                         </m:sSubPr>
                         <m:e>
                           <m:r>
-                            <a:rPr lang="en-US" sz="2100" i="1">
+                            <a:rPr lang="en-US" sz="2300" i="1">
                               <a:latin typeface="Cambria Math" panose="02040503050406030204" pitchFamily="18" charset="0"/>
                             </a:rPr>
                             <m:t>𝑠</m:t>
@@ -15663,7 +15959,7 @@
                         </m:e>
                         <m:sub>
                           <m:r>
-                            <a:rPr lang="ru-RU" sz="2100" i="1">
+                            <a:rPr lang="ru-RU" sz="2300" i="1">
                               <a:latin typeface="Cambria Math" panose="02040503050406030204" pitchFamily="18" charset="0"/>
                             </a:rPr>
                             <m:t>𝑘</m:t>
@@ -15671,13 +15967,13 @@
                         </m:sub>
                       </m:sSub>
                       <m:r>
-                        <a:rPr lang="ru-RU" sz="2100" i="1">
+                        <a:rPr lang="ru-RU" sz="2300" i="1">
                           <a:latin typeface="Cambria Math" panose="02040503050406030204" pitchFamily="18" charset="0"/>
                         </a:rPr>
                         <m:t>−количество точек в кластере </m:t>
                       </m:r>
                       <m:r>
-                        <a:rPr lang="en-US" sz="2100" i="1">
+                        <a:rPr lang="en-US" sz="2300" i="1">
                           <a:latin typeface="Cambria Math" panose="02040503050406030204" pitchFamily="18" charset="0"/>
                         </a:rPr>
                         <m:t>𝑘</m:t>
@@ -15685,18 +15981,18 @@
                     </m:oMath>
                   </m:oMathPara>
                 </a14:m>
-                <a:endParaRPr lang="ru-RU" sz="2100" dirty="0"/>
+                <a:endParaRPr lang="ru-RU" sz="2300" dirty="0"/>
               </a:p>
               <a:p>
                 <a:pPr marL="0" indent="0">
                   <a:buNone/>
                 </a:pPr>
                 <a:r>
-                  <a:rPr lang="ru-RU" sz="2100" dirty="0" smtClean="0"/>
+                  <a:rPr lang="ru-RU" sz="2300" dirty="0" smtClean="0"/>
                   <a:t>5. Сравнить </a:t>
                 </a:r>
                 <a:r>
-                  <a:rPr lang="ru-RU" sz="2100" dirty="0"/>
+                  <a:rPr lang="ru-RU" sz="2300" dirty="0"/>
                   <a:t>значения </a:t>
                 </a:r>
                 <a14:m>
@@ -15704,14 +16000,14 @@
                     <m:sSub>
                       <m:sSubPr>
                         <m:ctrlPr>
-                          <a:rPr lang="ru-RU" sz="2100" i="1">
+                          <a:rPr lang="ru-RU" sz="2300" i="1">
                             <a:latin typeface="Cambria Math" panose="02040503050406030204" pitchFamily="18" charset="0"/>
                           </a:rPr>
                         </m:ctrlPr>
                       </m:sSubPr>
                       <m:e>
                         <m:r>
-                          <a:rPr lang="ru-RU" sz="2100" i="1">
+                          <a:rPr lang="ru-RU" sz="2300" i="1">
                             <a:latin typeface="Cambria Math" panose="02040503050406030204" pitchFamily="18" charset="0"/>
                           </a:rPr>
                           <m:t>𝜇</m:t>
@@ -15719,7 +16015,7 @@
                       </m:e>
                       <m:sub>
                         <m:r>
-                          <a:rPr lang="ru-RU" sz="2100" i="1">
+                          <a:rPr lang="ru-RU" sz="2300" i="1">
                             <a:latin typeface="Cambria Math" panose="02040503050406030204" pitchFamily="18" charset="0"/>
                           </a:rPr>
                           <m:t>𝑘</m:t>
@@ -15729,7 +16025,7 @@
                   </m:oMath>
                 </a14:m>
                 <a:r>
-                  <a:rPr lang="ru-RU" sz="2100" dirty="0"/>
+                  <a:rPr lang="ru-RU" sz="2300" dirty="0"/>
                   <a:t> с полученными на предыдущей итерации. В случае нахождения хотя бы одного несовпадения перейти к шагу 2.</a:t>
                 </a:r>
               </a:p>
@@ -15738,11 +16034,11 @@
                   <a:buNone/>
                 </a:pPr>
                 <a:r>
-                  <a:rPr lang="ru-RU" sz="2100" dirty="0" smtClean="0"/>
+                  <a:rPr lang="ru-RU" sz="2300" dirty="0" smtClean="0"/>
                   <a:t>6. Конец </a:t>
                 </a:r>
                 <a:r>
-                  <a:rPr lang="ru-RU" sz="2100" dirty="0"/>
+                  <a:rPr lang="ru-RU" sz="2300" dirty="0"/>
                   <a:t>алгоритма</a:t>
                 </a:r>
               </a:p>
@@ -15752,7 +16048,7 @@
             </p:txBody>
           </p:sp>
         </mc:Choice>
-        <mc:Fallback xmlns="">
+        <mc:Fallback>
           <p:sp>
             <p:nvSpPr>
               <p:cNvPr id="3" name="Объект 2"/>
@@ -15769,7 +16065,7 @@
                 <a:ext cx="7569731" cy="4772006"/>
               </a:xfrm>
               <a:blipFill rotWithShape="0">
-                <a:blip r:embed="rId2"/>
+                <a:blip r:embed="rId3"/>
                 <a:stretch>
                   <a:fillRect l="-483" t="-1660"/>
                 </a:stretch>
@@ -16807,15 +17103,30 @@
           </a:p>
         </p:txBody>
       </p:sp>
+      <p:sp>
+        <p:nvSpPr>
+          <p:cNvPr id="3" name="Объект 2"/>
+          <p:cNvSpPr>
+            <a:spLocks noGrp="1"/>
+          </p:cNvSpPr>
+          <p:nvPr>
+            <p:ph idx="1"/>
+          </p:nvPr>
+        </p:nvSpPr>
+        <p:spPr/>
+        <p:txBody>
+          <a:bodyPr/>
+          <a:lstStyle/>
+          <a:p>
+            <a:endParaRPr lang="ru-RU"/>
+          </a:p>
+        </p:txBody>
+      </p:sp>
       <p:pic>
         <p:nvPicPr>
-          <p:cNvPr id="7" name="Объект 6"/>
-          <p:cNvPicPr>
-            <a:picLocks noGrp="1" noChangeAspect="1"/>
-          </p:cNvPicPr>
-          <p:nvPr>
-            <p:ph idx="1"/>
-          </p:nvPr>
+          <p:cNvPr id="6" name="Рисунок 5" descr="C:\Users\Екатерина\Downloads\UseCaseInt - Use Case (4).png"/>
+          <p:cNvPicPr/>
+          <p:nvPr/>
         </p:nvPicPr>
         <p:blipFill>
           <a:blip r:embed="rId2">
@@ -16825,15 +17136,23 @@
               </a:ext>
             </a:extLst>
           </a:blip>
+          <a:srcRect/>
           <a:stretch>
             <a:fillRect/>
           </a:stretch>
         </p:blipFill>
-        <p:spPr>
+        <p:spPr bwMode="auto">
           <a:xfrm>
-            <a:off x="1076838" y="997719"/>
-            <a:ext cx="6109442" cy="5768207"/>
+            <a:off x="1179111" y="1060813"/>
+            <a:ext cx="6213813" cy="5408250"/>
           </a:xfrm>
+          <a:prstGeom prst="rect">
+            <a:avLst/>
+          </a:prstGeom>
+          <a:noFill/>
+          <a:ln>
+            <a:noFill/>
+          </a:ln>
         </p:spPr>
       </p:pic>
     </p:spTree>
@@ -16901,15 +17220,53 @@
           </a:p>
         </p:txBody>
       </p:sp>
+      <p:sp>
+        <p:nvSpPr>
+          <p:cNvPr id="4" name="Номер слайда 3"/>
+          <p:cNvSpPr>
+            <a:spLocks noGrp="1"/>
+          </p:cNvSpPr>
+          <p:nvPr>
+            <p:ph type="sldNum" sz="quarter" idx="12"/>
+          </p:nvPr>
+        </p:nvSpPr>
+        <p:spPr/>
+        <p:txBody>
+          <a:bodyPr/>
+          <a:lstStyle/>
+          <a:p>
+            <a:fld id="{B8FD4787-A815-42E7-9C3F-EE8E3DD8A60B}" type="slidenum">
+              <a:rPr lang="ru-RU" smtClean="0"/>
+              <a:t>9</a:t>
+            </a:fld>
+            <a:endParaRPr lang="ru-RU"/>
+          </a:p>
+        </p:txBody>
+      </p:sp>
+      <p:sp>
+        <p:nvSpPr>
+          <p:cNvPr id="3" name="Объект 2"/>
+          <p:cNvSpPr>
+            <a:spLocks noGrp="1"/>
+          </p:cNvSpPr>
+          <p:nvPr>
+            <p:ph idx="1"/>
+          </p:nvPr>
+        </p:nvSpPr>
+        <p:spPr/>
+        <p:txBody>
+          <a:bodyPr/>
+          <a:lstStyle/>
+          <a:p>
+            <a:endParaRPr lang="ru-RU"/>
+          </a:p>
+        </p:txBody>
+      </p:sp>
       <p:pic>
         <p:nvPicPr>
-          <p:cNvPr id="6" name="Объект 5"/>
-          <p:cNvPicPr>
-            <a:picLocks noGrp="1" noChangeAspect="1"/>
-          </p:cNvPicPr>
-          <p:nvPr>
-            <p:ph idx="1"/>
-          </p:nvPr>
+          <p:cNvPr id="7" name="Рисунок 6" descr="C:\Users\Екатерина\Downloads\Comnponents - New Page (2).png"/>
+          <p:cNvPicPr/>
+          <p:nvPr/>
         </p:nvPicPr>
         <p:blipFill>
           <a:blip r:embed="rId2" cstate="print">
@@ -16919,40 +17276,25 @@
               </a:ext>
             </a:extLst>
           </a:blip>
+          <a:srcRect/>
           <a:stretch>
             <a:fillRect/>
           </a:stretch>
         </p:blipFill>
-        <p:spPr>
+        <p:spPr bwMode="auto">
           <a:xfrm>
-            <a:off x="431979" y="1301858"/>
-            <a:ext cx="7135586" cy="5002267"/>
+            <a:off x="799723" y="1094977"/>
+            <a:ext cx="7150907" cy="5460806"/>
           </a:xfrm>
+          <a:prstGeom prst="rect">
+            <a:avLst/>
+          </a:prstGeom>
+          <a:noFill/>
+          <a:ln>
+            <a:noFill/>
+          </a:ln>
         </p:spPr>
       </p:pic>
-      <p:sp>
-        <p:nvSpPr>
-          <p:cNvPr id="4" name="Номер слайда 3"/>
-          <p:cNvSpPr>
-            <a:spLocks noGrp="1"/>
-          </p:cNvSpPr>
-          <p:nvPr>
-            <p:ph type="sldNum" sz="quarter" idx="12"/>
-          </p:nvPr>
-        </p:nvSpPr>
-        <p:spPr/>
-        <p:txBody>
-          <a:bodyPr/>
-          <a:lstStyle/>
-          <a:p>
-            <a:fld id="{B8FD4787-A815-42E7-9C3F-EE8E3DD8A60B}" type="slidenum">
-              <a:rPr lang="ru-RU" smtClean="0"/>
-              <a:t>9</a:t>
-            </a:fld>
-            <a:endParaRPr lang="ru-RU"/>
-          </a:p>
-        </p:txBody>
-      </p:sp>
     </p:spTree>
     <p:extLst>
       <p:ext uri="{BB962C8B-B14F-4D97-AF65-F5344CB8AC3E}">

--- a/Отчет/Доклад Неповинных.pptx
+++ b/Отчет/Доклад Неповинных.pptx
@@ -7,25 +7,27 @@
     <p:sldMasterId id="2147483948" r:id="rId3"/>
   </p:sldMasterIdLst>
   <p:notesMasterIdLst>
-    <p:notesMasterId r:id="rId20"/>
+    <p:notesMasterId r:id="rId22"/>
   </p:notesMasterIdLst>
   <p:sldIdLst>
     <p:sldId id="256" r:id="rId4"/>
     <p:sldId id="257" r:id="rId5"/>
     <p:sldId id="258" r:id="rId6"/>
-    <p:sldId id="263" r:id="rId7"/>
-    <p:sldId id="264" r:id="rId8"/>
-    <p:sldId id="265" r:id="rId9"/>
-    <p:sldId id="266" r:id="rId10"/>
-    <p:sldId id="260" r:id="rId11"/>
-    <p:sldId id="261" r:id="rId12"/>
-    <p:sldId id="262" r:id="rId13"/>
-    <p:sldId id="267" r:id="rId14"/>
-    <p:sldId id="268" r:id="rId15"/>
-    <p:sldId id="271" r:id="rId16"/>
-    <p:sldId id="270" r:id="rId17"/>
-    <p:sldId id="272" r:id="rId18"/>
-    <p:sldId id="269" r:id="rId19"/>
+    <p:sldId id="274" r:id="rId7"/>
+    <p:sldId id="266" r:id="rId8"/>
+    <p:sldId id="263" r:id="rId9"/>
+    <p:sldId id="264" r:id="rId10"/>
+    <p:sldId id="265" r:id="rId11"/>
+    <p:sldId id="260" r:id="rId12"/>
+    <p:sldId id="261" r:id="rId13"/>
+    <p:sldId id="262" r:id="rId14"/>
+    <p:sldId id="267" r:id="rId15"/>
+    <p:sldId id="268" r:id="rId16"/>
+    <p:sldId id="271" r:id="rId17"/>
+    <p:sldId id="270" r:id="rId18"/>
+    <p:sldId id="272" r:id="rId19"/>
+    <p:sldId id="273" r:id="rId20"/>
+    <p:sldId id="269" r:id="rId21"/>
   </p:sldIdLst>
   <p:sldSz cx="9144000" cy="6858000" type="screen4x3"/>
   <p:notesSz cx="6858000" cy="9144000"/>
@@ -214,7 +216,7 @@
           <a:p>
             <a:fld id="{92DF813F-1706-4352-AD8B-733ADD07516A}" type="datetimeFigureOut">
               <a:rPr lang="ru-RU" smtClean="0"/>
-              <a:t>02.06.2015</a:t>
+              <a:t>03.06.15</a:t>
             </a:fld>
             <a:endParaRPr lang="ru-RU"/>
           </a:p>
@@ -631,7 +633,7 @@
           <a:p>
             <a:fld id="{8A3A1F0C-4D94-437E-80F2-F313780206D4}" type="slidenum">
               <a:rPr lang="ru-RU" smtClean="0"/>
-              <a:t>5</a:t>
+              <a:t>7</a:t>
             </a:fld>
             <a:endParaRPr lang="ru-RU"/>
           </a:p>
@@ -715,7 +717,7 @@
           <a:p>
             <a:fld id="{8A3A1F0C-4D94-437E-80F2-F313780206D4}" type="slidenum">
               <a:rPr lang="ru-RU" smtClean="0"/>
-              <a:t>13</a:t>
+              <a:t>14</a:t>
             </a:fld>
             <a:endParaRPr lang="ru-RU"/>
           </a:p>
@@ -876,7 +878,7 @@
           <a:p>
             <a:fld id="{CA6132C5-4EF7-44E9-8AC0-543A9CBD21A3}" type="datetime1">
               <a:rPr lang="ru-RU" smtClean="0"/>
-              <a:t>02.06.2015</a:t>
+              <a:t>03.06.15</a:t>
             </a:fld>
             <a:endParaRPr lang="ru-RU"/>
           </a:p>
@@ -1046,7 +1048,7 @@
           <a:p>
             <a:fld id="{EF1CE88B-3451-485D-B0B9-5D3B791D9A61}" type="datetime1">
               <a:rPr lang="ru-RU" smtClean="0"/>
-              <a:t>02.06.2015</a:t>
+              <a:t>03.06.15</a:t>
             </a:fld>
             <a:endParaRPr lang="ru-RU"/>
           </a:p>
@@ -1226,7 +1228,7 @@
           <a:p>
             <a:fld id="{1FE7C88E-07F6-4A72-8D7F-2003DD58C999}" type="datetime1">
               <a:rPr lang="ru-RU" smtClean="0"/>
-              <a:t>02.06.2015</a:t>
+              <a:t>03.06.15</a:t>
             </a:fld>
             <a:endParaRPr lang="ru-RU"/>
           </a:p>
@@ -1429,7 +1431,7 @@
           <a:p>
             <a:fld id="{CA6132C5-4EF7-44E9-8AC0-543A9CBD21A3}" type="datetime1">
               <a:rPr lang="ru-RU" smtClean="0"/>
-              <a:t>02.06.2015</a:t>
+              <a:t>03.06.15</a:t>
             </a:fld>
             <a:endParaRPr lang="ru-RU"/>
           </a:p>
@@ -1599,7 +1601,7 @@
           <a:p>
             <a:fld id="{3F6630A2-8F33-4019-B2B9-16E2D46DA9AF}" type="datetime1">
               <a:rPr lang="ru-RU" smtClean="0"/>
-              <a:t>02.06.2015</a:t>
+              <a:t>03.06.15</a:t>
             </a:fld>
             <a:endParaRPr lang="ru-RU"/>
           </a:p>
@@ -1850,7 +1852,7 @@
           <a:p>
             <a:fld id="{CCE73EC7-A2E5-4B05-A3A2-EDC11E6BB65E}" type="datetime1">
               <a:rPr lang="ru-RU" smtClean="0"/>
-              <a:t>02.06.2015</a:t>
+              <a:t>03.06.15</a:t>
             </a:fld>
             <a:endParaRPr lang="ru-RU"/>
           </a:p>
@@ -2082,7 +2084,7 @@
           <a:p>
             <a:fld id="{D3B8EC41-8B8A-432E-80E4-D3C07A84920C}" type="datetime1">
               <a:rPr lang="ru-RU" smtClean="0"/>
-              <a:t>02.06.2015</a:t>
+              <a:t>03.06.15</a:t>
             </a:fld>
             <a:endParaRPr lang="ru-RU"/>
           </a:p>
@@ -2429,7 +2431,7 @@
           <a:p>
             <a:fld id="{A699E73B-8EDA-491A-A5C4-A553EBDA5D2E}" type="datetime1">
               <a:rPr lang="ru-RU" smtClean="0"/>
-              <a:t>02.06.2015</a:t>
+              <a:t>03.06.15</a:t>
             </a:fld>
             <a:endParaRPr lang="ru-RU"/>
           </a:p>
@@ -2547,7 +2549,7 @@
           <a:p>
             <a:fld id="{4A785036-5E83-4504-9337-1D74968FFD10}" type="datetime1">
               <a:rPr lang="ru-RU" smtClean="0"/>
-              <a:t>02.06.2015</a:t>
+              <a:t>03.06.15</a:t>
             </a:fld>
             <a:endParaRPr lang="ru-RU"/>
           </a:p>
@@ -2665,7 +2667,7 @@
           <a:p>
             <a:fld id="{D223FB0C-0787-4D86-8856-F1CE01B147E6}" type="datetime1">
               <a:rPr lang="ru-RU" smtClean="0"/>
-              <a:t>02.06.2015</a:t>
+              <a:t>03.06.15</a:t>
             </a:fld>
             <a:endParaRPr lang="ru-RU"/>
           </a:p>
@@ -2949,7 +2951,7 @@
           <a:p>
             <a:fld id="{1720D9EF-0D22-4E69-8813-9F7557DA16D7}" type="datetime1">
               <a:rPr lang="ru-RU" smtClean="0"/>
-              <a:t>02.06.2015</a:t>
+              <a:t>03.06.15</a:t>
             </a:fld>
             <a:endParaRPr lang="ru-RU"/>
           </a:p>
@@ -3119,7 +3121,7 @@
           <a:p>
             <a:fld id="{3F6630A2-8F33-4019-B2B9-16E2D46DA9AF}" type="datetime1">
               <a:rPr lang="ru-RU" smtClean="0"/>
-              <a:t>02.06.2015</a:t>
+              <a:t>03.06.15</a:t>
             </a:fld>
             <a:endParaRPr lang="ru-RU"/>
           </a:p>
@@ -3383,7 +3385,7 @@
           <a:p>
             <a:fld id="{1D921FA4-050E-406C-836E-B49CE3F44A12}" type="datetime1">
               <a:rPr lang="ru-RU" smtClean="0"/>
-              <a:t>02.06.2015</a:t>
+              <a:t>03.06.15</a:t>
             </a:fld>
             <a:endParaRPr lang="ru-RU"/>
           </a:p>
@@ -3553,7 +3555,7 @@
           <a:p>
             <a:fld id="{EF1CE88B-3451-485D-B0B9-5D3B791D9A61}" type="datetime1">
               <a:rPr lang="ru-RU" smtClean="0"/>
-              <a:t>02.06.2015</a:t>
+              <a:t>03.06.15</a:t>
             </a:fld>
             <a:endParaRPr lang="ru-RU"/>
           </a:p>
@@ -3733,7 +3735,7 @@
           <a:p>
             <a:fld id="{1FE7C88E-07F6-4A72-8D7F-2003DD58C999}" type="datetime1">
               <a:rPr lang="ru-RU" smtClean="0"/>
-              <a:t>02.06.2015</a:t>
+              <a:t>03.06.15</a:t>
             </a:fld>
             <a:endParaRPr lang="ru-RU"/>
           </a:p>
@@ -4001,7 +4003,7 @@
           <a:p>
             <a:fld id="{CA6132C5-4EF7-44E9-8AC0-543A9CBD21A3}" type="datetime1">
               <a:rPr lang="ru-RU" smtClean="0"/>
-              <a:t>02.06.2015</a:t>
+              <a:t>03.06.15</a:t>
             </a:fld>
             <a:endParaRPr lang="ru-RU"/>
           </a:p>
@@ -4193,7 +4195,7 @@
           <a:p>
             <a:fld id="{3F6630A2-8F33-4019-B2B9-16E2D46DA9AF}" type="datetime1">
               <a:rPr lang="ru-RU" smtClean="0"/>
-              <a:t>02.06.2015</a:t>
+              <a:t>03.06.15</a:t>
             </a:fld>
             <a:endParaRPr lang="ru-RU"/>
           </a:p>
@@ -4447,7 +4449,7 @@
           <a:p>
             <a:fld id="{CCE73EC7-A2E5-4B05-A3A2-EDC11E6BB65E}" type="datetime1">
               <a:rPr lang="ru-RU" smtClean="0"/>
-              <a:t>02.06.2015</a:t>
+              <a:t>03.06.15</a:t>
             </a:fld>
             <a:endParaRPr lang="ru-RU"/>
           </a:p>
@@ -4773,7 +4775,7 @@
           <a:p>
             <a:fld id="{D3B8EC41-8B8A-432E-80E4-D3C07A84920C}" type="datetime1">
               <a:rPr lang="ru-RU" smtClean="0"/>
-              <a:t>02.06.2015</a:t>
+              <a:t>03.06.15</a:t>
             </a:fld>
             <a:endParaRPr lang="ru-RU"/>
           </a:p>
@@ -5193,7 +5195,7 @@
           <a:p>
             <a:fld id="{A699E73B-8EDA-491A-A5C4-A553EBDA5D2E}" type="datetime1">
               <a:rPr lang="ru-RU" smtClean="0"/>
-              <a:t>02.06.2015</a:t>
+              <a:t>03.06.15</a:t>
             </a:fld>
             <a:endParaRPr lang="ru-RU"/>
           </a:p>
@@ -5311,7 +5313,7 @@
           <a:p>
             <a:fld id="{4A785036-5E83-4504-9337-1D74968FFD10}" type="datetime1">
               <a:rPr lang="ru-RU" smtClean="0"/>
-              <a:t>02.06.2015</a:t>
+              <a:t>03.06.15</a:t>
             </a:fld>
             <a:endParaRPr lang="ru-RU"/>
           </a:p>
@@ -5406,7 +5408,7 @@
           <a:p>
             <a:fld id="{D223FB0C-0787-4D86-8856-F1CE01B147E6}" type="datetime1">
               <a:rPr lang="ru-RU" smtClean="0"/>
-              <a:t>02.06.2015</a:t>
+              <a:t>03.06.15</a:t>
             </a:fld>
             <a:endParaRPr lang="ru-RU"/>
           </a:p>
@@ -5657,7 +5659,7 @@
           <a:p>
             <a:fld id="{CCE73EC7-A2E5-4B05-A3A2-EDC11E6BB65E}" type="datetime1">
               <a:rPr lang="ru-RU" smtClean="0"/>
-              <a:t>02.06.2015</a:t>
+              <a:t>03.06.15</a:t>
             </a:fld>
             <a:endParaRPr lang="ru-RU"/>
           </a:p>
@@ -5944,7 +5946,7 @@
           <a:p>
             <a:fld id="{1720D9EF-0D22-4E69-8813-9F7557DA16D7}" type="datetime1">
               <a:rPr lang="ru-RU" smtClean="0"/>
-              <a:t>02.06.2015</a:t>
+              <a:t>03.06.15</a:t>
             </a:fld>
             <a:endParaRPr lang="ru-RU"/>
           </a:p>
@@ -6269,7 +6271,7 @@
           <a:p>
             <a:fld id="{1D921FA4-050E-406C-836E-B49CE3F44A12}" type="datetime1">
               <a:rPr lang="ru-RU" smtClean="0"/>
-              <a:t>02.06.2015</a:t>
+              <a:t>03.06.15</a:t>
             </a:fld>
             <a:endParaRPr lang="ru-RU"/>
           </a:p>
@@ -6439,7 +6441,7 @@
           <a:p>
             <a:fld id="{EF1CE88B-3451-485D-B0B9-5D3B791D9A61}" type="datetime1">
               <a:rPr lang="ru-RU" smtClean="0"/>
-              <a:t>02.06.2015</a:t>
+              <a:t>03.06.15</a:t>
             </a:fld>
             <a:endParaRPr lang="ru-RU"/>
           </a:p>
@@ -6619,7 +6621,7 @@
           <a:p>
             <a:fld id="{1FE7C88E-07F6-4A72-8D7F-2003DD58C999}" type="datetime1">
               <a:rPr lang="ru-RU" smtClean="0"/>
-              <a:t>02.06.2015</a:t>
+              <a:t>03.06.15</a:t>
             </a:fld>
             <a:endParaRPr lang="ru-RU"/>
           </a:p>
@@ -6851,7 +6853,7 @@
           <a:p>
             <a:fld id="{D3B8EC41-8B8A-432E-80E4-D3C07A84920C}" type="datetime1">
               <a:rPr lang="ru-RU" smtClean="0"/>
-              <a:t>02.06.2015</a:t>
+              <a:t>03.06.15</a:t>
             </a:fld>
             <a:endParaRPr lang="ru-RU"/>
           </a:p>
@@ -7198,7 +7200,7 @@
           <a:p>
             <a:fld id="{A699E73B-8EDA-491A-A5C4-A553EBDA5D2E}" type="datetime1">
               <a:rPr lang="ru-RU" smtClean="0"/>
-              <a:t>02.06.2015</a:t>
+              <a:t>03.06.15</a:t>
             </a:fld>
             <a:endParaRPr lang="ru-RU"/>
           </a:p>
@@ -7316,7 +7318,7 @@
           <a:p>
             <a:fld id="{4A785036-5E83-4504-9337-1D74968FFD10}" type="datetime1">
               <a:rPr lang="ru-RU" smtClean="0"/>
-              <a:t>02.06.2015</a:t>
+              <a:t>03.06.15</a:t>
             </a:fld>
             <a:endParaRPr lang="ru-RU"/>
           </a:p>
@@ -7434,7 +7436,7 @@
           <a:p>
             <a:fld id="{D223FB0C-0787-4D86-8856-F1CE01B147E6}" type="datetime1">
               <a:rPr lang="ru-RU" smtClean="0"/>
-              <a:t>02.06.2015</a:t>
+              <a:t>03.06.15</a:t>
             </a:fld>
             <a:endParaRPr lang="ru-RU"/>
           </a:p>
@@ -7718,7 +7720,7 @@
           <a:p>
             <a:fld id="{1720D9EF-0D22-4E69-8813-9F7557DA16D7}" type="datetime1">
               <a:rPr lang="ru-RU" smtClean="0"/>
-              <a:t>02.06.2015</a:t>
+              <a:t>03.06.15</a:t>
             </a:fld>
             <a:endParaRPr lang="ru-RU"/>
           </a:p>
@@ -7982,7 +7984,7 @@
           <a:p>
             <a:fld id="{1D921FA4-050E-406C-836E-B49CE3F44A12}" type="datetime1">
               <a:rPr lang="ru-RU" smtClean="0"/>
-              <a:t>02.06.2015</a:t>
+              <a:t>03.06.15</a:t>
             </a:fld>
             <a:endParaRPr lang="ru-RU"/>
           </a:p>
@@ -8196,7 +8198,7 @@
           <a:p>
             <a:fld id="{4F72220C-91D8-4189-84C0-4513D35A07A8}" type="datetime1">
               <a:rPr lang="ru-RU" smtClean="0"/>
-              <a:t>02.06.2015</a:t>
+              <a:t>03.06.15</a:t>
             </a:fld>
             <a:endParaRPr lang="ru-RU"/>
           </a:p>
@@ -8727,7 +8729,7 @@
           <a:p>
             <a:fld id="{4F72220C-91D8-4189-84C0-4513D35A07A8}" type="datetime1">
               <a:rPr lang="ru-RU" smtClean="0"/>
-              <a:t>02.06.2015</a:t>
+              <a:t>03.06.15</a:t>
             </a:fld>
             <a:endParaRPr lang="ru-RU"/>
           </a:p>
@@ -9298,7 +9300,7 @@
           <a:p>
             <a:fld id="{4F72220C-91D8-4189-84C0-4513D35A07A8}" type="datetime1">
               <a:rPr lang="ru-RU" smtClean="0"/>
-              <a:t>02.06.2015</a:t>
+              <a:t>03.06.15</a:t>
             </a:fld>
             <a:endParaRPr lang="ru-RU"/>
           </a:p>
@@ -10507,6 +10509,154 @@
         </p:nvSpPr>
         <p:spPr>
           <a:xfrm>
+            <a:off x="946404" y="218364"/>
+            <a:ext cx="7228605" cy="681388"/>
+          </a:xfrm>
+        </p:spPr>
+        <p:txBody>
+          <a:bodyPr/>
+          <a:lstStyle/>
+          <a:p>
+            <a:r>
+              <a:rPr lang="ru-RU" dirty="0" smtClean="0">
+                <a:solidFill>
+                  <a:srgbClr val="FF0000"/>
+                </a:solidFill>
+              </a:rPr>
+              <a:t>Архитектура системы</a:t>
+            </a:r>
+            <a:endParaRPr lang="ru-RU" dirty="0">
+              <a:solidFill>
+                <a:srgbClr val="FF0000"/>
+              </a:solidFill>
+            </a:endParaRPr>
+          </a:p>
+        </p:txBody>
+      </p:sp>
+      <p:sp>
+        <p:nvSpPr>
+          <p:cNvPr id="4" name="Номер слайда 3"/>
+          <p:cNvSpPr>
+            <a:spLocks noGrp="1"/>
+          </p:cNvSpPr>
+          <p:nvPr>
+            <p:ph type="sldNum" sz="quarter" idx="12"/>
+          </p:nvPr>
+        </p:nvSpPr>
+        <p:spPr/>
+        <p:txBody>
+          <a:bodyPr/>
+          <a:lstStyle/>
+          <a:p>
+            <a:fld id="{B8FD4787-A815-42E7-9C3F-EE8E3DD8A60B}" type="slidenum">
+              <a:rPr lang="ru-RU" smtClean="0"/>
+              <a:t>10</a:t>
+            </a:fld>
+            <a:endParaRPr lang="ru-RU"/>
+          </a:p>
+        </p:txBody>
+      </p:sp>
+      <p:sp>
+        <p:nvSpPr>
+          <p:cNvPr id="3" name="Объект 2"/>
+          <p:cNvSpPr>
+            <a:spLocks noGrp="1"/>
+          </p:cNvSpPr>
+          <p:nvPr>
+            <p:ph idx="1"/>
+          </p:nvPr>
+        </p:nvSpPr>
+        <p:spPr/>
+        <p:txBody>
+          <a:bodyPr/>
+          <a:lstStyle/>
+          <a:p>
+            <a:endParaRPr lang="ru-RU"/>
+          </a:p>
+        </p:txBody>
+      </p:sp>
+      <p:pic>
+        <p:nvPicPr>
+          <p:cNvPr id="7" name="Рисунок 6" descr="C:\Users\Екатерина\Downloads\Comnponents - New Page (2).png"/>
+          <p:cNvPicPr/>
+          <p:nvPr/>
+        </p:nvPicPr>
+        <p:blipFill>
+          <a:blip r:embed="rId2" cstate="print">
+            <a:extLst>
+              <a:ext uri="{28A0092B-C50C-407E-A947-70E740481C1C}">
+                <a14:useLocalDpi xmlns:a14="http://schemas.microsoft.com/office/drawing/2010/main" val="0"/>
+              </a:ext>
+            </a:extLst>
+          </a:blip>
+          <a:srcRect/>
+          <a:stretch>
+            <a:fillRect/>
+          </a:stretch>
+        </p:blipFill>
+        <p:spPr bwMode="auto">
+          <a:xfrm>
+            <a:off x="799723" y="1094977"/>
+            <a:ext cx="7150907" cy="5460806"/>
+          </a:xfrm>
+          <a:prstGeom prst="rect">
+            <a:avLst/>
+          </a:prstGeom>
+          <a:noFill/>
+          <a:ln>
+            <a:noFill/>
+          </a:ln>
+        </p:spPr>
+      </p:pic>
+    </p:spTree>
+    <p:extLst>
+      <p:ext uri="{BB962C8B-B14F-4D97-AF65-F5344CB8AC3E}">
+        <p14:creationId xmlns:p14="http://schemas.microsoft.com/office/powerpoint/2010/main" val="190005929"/>
+      </p:ext>
+    </p:extLst>
+  </p:cSld>
+  <p:clrMapOvr>
+    <a:masterClrMapping/>
+  </p:clrMapOvr>
+  <p:timing>
+    <p:tnLst>
+      <p:par>
+        <p:cTn id="1" dur="indefinite" restart="never" nodeType="tmRoot"/>
+      </p:par>
+    </p:tnLst>
+  </p:timing>
+</p:sld>
+</file>
+
+<file path=ppt/slides/slide11.xml><?xml version="1.0" encoding="utf-8"?>
+<p:sld xmlns:a="http://schemas.openxmlformats.org/drawingml/2006/main" xmlns:r="http://schemas.openxmlformats.org/officeDocument/2006/relationships" xmlns:p="http://schemas.openxmlformats.org/presentationml/2006/main">
+  <p:cSld>
+    <p:spTree>
+      <p:nvGrpSpPr>
+        <p:cNvPr id="1" name=""/>
+        <p:cNvGrpSpPr/>
+        <p:nvPr/>
+      </p:nvGrpSpPr>
+      <p:grpSpPr>
+        <a:xfrm>
+          <a:off x="0" y="0"/>
+          <a:ext cx="0" cy="0"/>
+          <a:chOff x="0" y="0"/>
+          <a:chExt cx="0" cy="0"/>
+        </a:xfrm>
+      </p:grpSpPr>
+      <p:sp>
+        <p:nvSpPr>
+          <p:cNvPr id="2" name="Заголовок 1"/>
+          <p:cNvSpPr>
+            <a:spLocks noGrp="1"/>
+          </p:cNvSpPr>
+          <p:nvPr>
+            <p:ph type="title"/>
+          </p:nvPr>
+        </p:nvSpPr>
+        <p:spPr>
+          <a:xfrm>
             <a:off x="946404" y="177420"/>
             <a:ext cx="7242253" cy="735979"/>
           </a:xfrm>
@@ -10540,7 +10690,7 @@
           <a:p>
             <a:fld id="{B8FD4787-A815-42E7-9C3F-EE8E3DD8A60B}" type="slidenum">
               <a:rPr lang="ru-RU" smtClean="0"/>
-              <a:t>10</a:t>
+              <a:t>11</a:t>
             </a:fld>
             <a:endParaRPr lang="ru-RU"/>
           </a:p>
@@ -10686,7 +10836,7 @@
 </p:sld>
 </file>
 
-<file path=ppt/slides/slide11.xml><?xml version="1.0" encoding="utf-8"?>
+<file path=ppt/slides/slide12.xml><?xml version="1.0" encoding="utf-8"?>
 <p:sld xmlns:a="http://schemas.openxmlformats.org/drawingml/2006/main" xmlns:r="http://schemas.openxmlformats.org/officeDocument/2006/relationships" xmlns:p="http://schemas.openxmlformats.org/presentationml/2006/main">
   <p:cSld>
     <p:spTree>
@@ -10748,7 +10898,7 @@
           <a:p>
             <a:fld id="{B8FD4787-A815-42E7-9C3F-EE8E3DD8A60B}" type="slidenum">
               <a:rPr lang="ru-RU" smtClean="0"/>
-              <a:t>11</a:t>
+              <a:t>12</a:t>
             </a:fld>
             <a:endParaRPr lang="ru-RU"/>
           </a:p>
@@ -10826,7 +10976,7 @@
 </p:sld>
 </file>
 
-<file path=ppt/slides/slide12.xml><?xml version="1.0" encoding="utf-8"?>
+<file path=ppt/slides/slide13.xml><?xml version="1.0" encoding="utf-8"?>
 <p:sld xmlns:a="http://schemas.openxmlformats.org/drawingml/2006/main" xmlns:r="http://schemas.openxmlformats.org/officeDocument/2006/relationships" xmlns:p="http://schemas.openxmlformats.org/presentationml/2006/main">
   <p:cSld>
     <p:spTree>
@@ -10896,7 +11046,7 @@
           <a:p>
             <a:fld id="{B8FD4787-A815-42E7-9C3F-EE8E3DD8A60B}" type="slidenum">
               <a:rPr lang="ru-RU" smtClean="0"/>
-              <a:t>12</a:t>
+              <a:t>13</a:t>
             </a:fld>
             <a:endParaRPr lang="ru-RU"/>
           </a:p>
@@ -10965,7 +11115,7 @@
 </p:sld>
 </file>
 
-<file path=ppt/slides/slide13.xml><?xml version="1.0" encoding="utf-8"?>
+<file path=ppt/slides/slide14.xml><?xml version="1.0" encoding="utf-8"?>
 <p:sld xmlns:a="http://schemas.openxmlformats.org/drawingml/2006/main" xmlns:r="http://schemas.openxmlformats.org/officeDocument/2006/relationships" xmlns:p="http://schemas.openxmlformats.org/presentationml/2006/main">
   <p:cSld>
     <p:spTree>
@@ -11084,7 +11234,7 @@
           <a:p>
             <a:fld id="{B8FD4787-A815-42E7-9C3F-EE8E3DD8A60B}" type="slidenum">
               <a:rPr lang="ru-RU" smtClean="0"/>
-              <a:t>13</a:t>
+              <a:t>14</a:t>
             </a:fld>
             <a:endParaRPr lang="ru-RU"/>
           </a:p>
@@ -12147,7 +12297,7 @@
 </p:sld>
 </file>
 
-<file path=ppt/slides/slide14.xml><?xml version="1.0" encoding="utf-8"?>
+<file path=ppt/slides/slide15.xml><?xml version="1.0" encoding="utf-8"?>
 <p:sld xmlns:a="http://schemas.openxmlformats.org/drawingml/2006/main" xmlns:r="http://schemas.openxmlformats.org/officeDocument/2006/relationships" xmlns:p="http://schemas.openxmlformats.org/presentationml/2006/main">
   <p:cSld>
     <p:spTree>
@@ -12186,9 +12336,21 @@
           <a:p>
             <a:r>
               <a:rPr lang="ru-RU" dirty="0" smtClean="0"/>
-              <a:t>Эксперименты</a:t>
-            </a:r>
-            <a:endParaRPr lang="ru-RU" dirty="0"/>
+              <a:t>Эксперименты </a:t>
+            </a:r>
+            <a:r>
+              <a:rPr lang="ru-RU" dirty="0" smtClean="0">
+                <a:solidFill>
+                  <a:srgbClr val="FF0000"/>
+                </a:solidFill>
+              </a:rPr>
+              <a:t>Уточнить</a:t>
+            </a:r>
+            <a:endParaRPr lang="ru-RU" dirty="0">
+              <a:solidFill>
+                <a:srgbClr val="FF0000"/>
+              </a:solidFill>
+            </a:endParaRPr>
           </a:p>
         </p:txBody>
       </p:sp>
@@ -12209,7 +12371,7 @@
           <a:p>
             <a:fld id="{B8FD4787-A815-42E7-9C3F-EE8E3DD8A60B}" type="slidenum">
               <a:rPr lang="ru-RU" smtClean="0"/>
-              <a:t>14</a:t>
+              <a:t>15</a:t>
             </a:fld>
             <a:endParaRPr lang="ru-RU"/>
           </a:p>
@@ -12770,16 +12932,43 @@
           <a:lstStyle/>
           <a:p>
             <a:r>
+              <a:rPr lang="ru-RU" sz="2400" spc="10" dirty="0" smtClean="0">
+                <a:solidFill>
+                  <a:srgbClr val="FF0000"/>
+                </a:solidFill>
+              </a:rPr>
+              <a:t>Регион-</a:t>
+            </a:r>
+            <a:r>
+              <a:rPr lang="ru-RU" sz="2400" spc="10" dirty="0" err="1" smtClean="0">
+                <a:solidFill>
+                  <a:srgbClr val="FF0000"/>
+                </a:solidFill>
+              </a:rPr>
+              <a:t>челябинск</a:t>
+            </a:r>
+            <a:r>
+              <a:rPr lang="ru-RU" sz="2400" spc="10" dirty="0" err="1" smtClean="0"/>
+              <a:t>Пример</a:t>
+            </a:r>
+            <a:r>
+              <a:rPr lang="ru-RU" sz="2400" spc="10" dirty="0" smtClean="0"/>
+              <a:t> </a:t>
+            </a:r>
+            <a:r>
               <a:rPr lang="ru-RU" sz="2400" spc="10" dirty="0"/>
-              <a:t>Пример работы системы для поиска конкурентов </a:t>
+              <a:t>работы системы для поиска конкурентов </a:t>
             </a:r>
             <a:r>
               <a:rPr lang="ru-RU" sz="2400" spc="10" dirty="0" smtClean="0"/>
               <a:t>веб-сайта </a:t>
             </a:r>
-            <a:r>
-              <a:rPr lang="en-US" sz="2400" spc="10" dirty="0" smtClean="0"/>
-              <a:t>computer.susu.ac.ru</a:t>
+            <a:endParaRPr lang="ru-RU" sz="2400" spc="10" dirty="0" smtClean="0"/>
+          </a:p>
+          <a:p>
+            <a:r>
+              <a:rPr lang="en-US" sz="2400" spc="10" dirty="0" err="1" smtClean="0"/>
+              <a:t>computer.susu.ru</a:t>
             </a:r>
             <a:endParaRPr lang="ru-RU" sz="2400" spc="10" dirty="0"/>
           </a:p>
@@ -12829,7 +13018,7 @@
 </p:sld>
 </file>
 
-<file path=ppt/slides/slide15.xml><?xml version="1.0" encoding="utf-8"?>
+<file path=ppt/slides/slide16.xml><?xml version="1.0" encoding="utf-8"?>
 <p:sld xmlns:a="http://schemas.openxmlformats.org/drawingml/2006/main" xmlns:r="http://schemas.openxmlformats.org/officeDocument/2006/relationships" xmlns:p="http://schemas.openxmlformats.org/presentationml/2006/main">
   <p:cSld>
     <p:spTree>
@@ -12891,7 +13080,7 @@
           <a:p>
             <a:fld id="{B8FD4787-A815-42E7-9C3F-EE8E3DD8A60B}" type="slidenum">
               <a:rPr lang="ru-RU" smtClean="0"/>
-              <a:t>15</a:t>
+              <a:t>16</a:t>
             </a:fld>
             <a:endParaRPr lang="ru-RU"/>
           </a:p>
@@ -13444,15 +13633,7 @@
             </a:r>
             <a:r>
               <a:rPr lang="ru-RU" sz="4500" dirty="0" smtClean="0"/>
-              <a:t>и </a:t>
-            </a:r>
-            <a:r>
-              <a:rPr lang="ru-RU" sz="4500" dirty="0" smtClean="0"/>
-              <a:t>продвижения </a:t>
-            </a:r>
-            <a:r>
-              <a:rPr lang="ru-RU" sz="4500" dirty="0" smtClean="0"/>
-              <a:t>веб-сайтов </a:t>
+              <a:t>и продвижения веб-сайтов </a:t>
             </a:r>
             <a:r>
               <a:rPr lang="ru-RU" sz="4500" dirty="0"/>
@@ -13460,11 +13641,7 @@
             </a:r>
             <a:r>
               <a:rPr lang="ru-RU" sz="4500" dirty="0" smtClean="0"/>
-              <a:t>поисковых системах  </a:t>
-            </a:r>
-            <a:r>
-              <a:rPr lang="ru-RU" sz="4500" dirty="0" smtClean="0"/>
-              <a:t>введена </a:t>
+              <a:t>поисковых системах  введена </a:t>
             </a:r>
             <a:r>
               <a:rPr lang="ru-RU" sz="4500" dirty="0"/>
@@ -13554,7 +13731,7 @@
 </p:sld>
 </file>
 
-<file path=ppt/slides/slide16.xml><?xml version="1.0" encoding="utf-8"?>
+<file path=ppt/slides/slide17.xml><?xml version="1.0" encoding="utf-8"?>
 <p:sld xmlns:a="http://schemas.openxmlformats.org/drawingml/2006/main" xmlns:r="http://schemas.openxmlformats.org/officeDocument/2006/relationships" xmlns:p="http://schemas.openxmlformats.org/presentationml/2006/main">
   <p:cSld>
     <p:spTree>
@@ -13573,6 +13750,105 @@
       </p:grpSpPr>
       <p:sp>
         <p:nvSpPr>
+          <p:cNvPr id="2" name="Title 1"/>
+          <p:cNvSpPr>
+            <a:spLocks noGrp="1"/>
+          </p:cNvSpPr>
+          <p:nvPr>
+            <p:ph type="title"/>
+          </p:nvPr>
+        </p:nvSpPr>
+        <p:spPr/>
+        <p:txBody>
+          <a:bodyPr/>
+          <a:lstStyle/>
+          <a:p>
+            <a:r>
+              <a:rPr lang="ru-RU" dirty="0" smtClean="0"/>
+              <a:t>Апробация</a:t>
+            </a:r>
+            <a:endParaRPr lang="en-US" dirty="0"/>
+          </a:p>
+        </p:txBody>
+      </p:sp>
+      <p:sp>
+        <p:nvSpPr>
+          <p:cNvPr id="3" name="Content Placeholder 2"/>
+          <p:cNvSpPr>
+            <a:spLocks noGrp="1"/>
+          </p:cNvSpPr>
+          <p:nvPr>
+            <p:ph idx="1"/>
+          </p:nvPr>
+        </p:nvSpPr>
+        <p:spPr/>
+        <p:txBody>
+          <a:bodyPr/>
+          <a:lstStyle/>
+          <a:p>
+            <a:r>
+              <a:rPr lang="ru-RU" dirty="0" smtClean="0"/>
+              <a:t>Выступление</a:t>
+            </a:r>
+            <a:endParaRPr lang="en-US" dirty="0"/>
+          </a:p>
+        </p:txBody>
+      </p:sp>
+      <p:sp>
+        <p:nvSpPr>
+          <p:cNvPr id="4" name="Slide Number Placeholder 3"/>
+          <p:cNvSpPr>
+            <a:spLocks noGrp="1"/>
+          </p:cNvSpPr>
+          <p:nvPr>
+            <p:ph type="sldNum" sz="quarter" idx="12"/>
+          </p:nvPr>
+        </p:nvSpPr>
+        <p:spPr/>
+        <p:txBody>
+          <a:bodyPr/>
+          <a:lstStyle/>
+          <a:p>
+            <a:fld id="{B8FD4787-A815-42E7-9C3F-EE8E3DD8A60B}" type="slidenum">
+              <a:rPr lang="ru-RU" smtClean="0"/>
+              <a:t>17</a:t>
+            </a:fld>
+            <a:endParaRPr lang="ru-RU"/>
+          </a:p>
+        </p:txBody>
+      </p:sp>
+    </p:spTree>
+    <p:extLst>
+      <p:ext uri="{BB962C8B-B14F-4D97-AF65-F5344CB8AC3E}">
+        <p14:creationId xmlns:p14="http://schemas.microsoft.com/office/powerpoint/2010/main" val="1799878206"/>
+      </p:ext>
+    </p:extLst>
+  </p:cSld>
+  <p:clrMapOvr>
+    <a:masterClrMapping/>
+  </p:clrMapOvr>
+</p:sld>
+</file>
+
+<file path=ppt/slides/slide18.xml><?xml version="1.0" encoding="utf-8"?>
+<p:sld xmlns:a="http://schemas.openxmlformats.org/drawingml/2006/main" xmlns:r="http://schemas.openxmlformats.org/officeDocument/2006/relationships" xmlns:p="http://schemas.openxmlformats.org/presentationml/2006/main">
+  <p:cSld>
+    <p:spTree>
+      <p:nvGrpSpPr>
+        <p:cNvPr id="1" name=""/>
+        <p:cNvGrpSpPr/>
+        <p:nvPr/>
+      </p:nvGrpSpPr>
+      <p:grpSpPr>
+        <a:xfrm>
+          <a:off x="0" y="0"/>
+          <a:ext cx="0" cy="0"/>
+          <a:chOff x="0" y="0"/>
+          <a:chExt cx="0" cy="0"/>
+        </a:xfrm>
+      </p:grpSpPr>
+      <p:sp>
+        <p:nvSpPr>
           <p:cNvPr id="2" name="Заголовок 1"/>
           <p:cNvSpPr>
             <a:spLocks noGrp="1"/>
@@ -13743,7 +14019,7 @@
           <a:p>
             <a:fld id="{B8FD4787-A815-42E7-9C3F-EE8E3DD8A60B}" type="slidenum">
               <a:rPr lang="ru-RU" smtClean="0"/>
-              <a:t>16</a:t>
+              <a:t>18</a:t>
             </a:fld>
             <a:endParaRPr lang="ru-RU"/>
           </a:p>
@@ -14203,7 +14479,7 @@
       </p:grpSpPr>
       <p:sp>
         <p:nvSpPr>
-          <p:cNvPr id="2" name="Заголовок 1"/>
+          <p:cNvPr id="2" name="Title 1"/>
           <p:cNvSpPr>
             <a:spLocks noGrp="1"/>
           </p:cNvSpPr>
@@ -14211,830 +14487,41 @@
             <p:ph type="title"/>
           </p:nvPr>
         </p:nvSpPr>
-        <p:spPr>
-          <a:xfrm>
-            <a:off x="946404" y="0"/>
-            <a:ext cx="7269480" cy="1325562"/>
-          </a:xfrm>
-        </p:spPr>
-        <p:txBody>
-          <a:bodyPr>
-            <a:normAutofit/>
-          </a:bodyPr>
+        <p:spPr/>
+        <p:txBody>
+          <a:bodyPr/>
           <a:lstStyle/>
           <a:p>
             <a:r>
               <a:rPr lang="ru-RU" dirty="0" smtClean="0"/>
-              <a:t>Применение </a:t>
-            </a:r>
-            <a:r>
-              <a:rPr lang="ru-RU" dirty="0"/>
-              <a:t>алгоритма кластеризации для </a:t>
-            </a:r>
-            <a:r>
-              <a:rPr lang="ru-RU" dirty="0" smtClean="0"/>
-              <a:t>запросов</a:t>
-            </a:r>
-            <a:endParaRPr lang="ru-RU" dirty="0"/>
-          </a:p>
-        </p:txBody>
-      </p:sp>
-      <mc:AlternateContent xmlns:mc="http://schemas.openxmlformats.org/markup-compatibility/2006" xmlns:a14="http://schemas.microsoft.com/office/drawing/2010/main">
-        <mc:Choice Requires="a14">
-          <p:sp>
-            <p:nvSpPr>
-              <p:cNvPr id="3" name="Объект 2"/>
-              <p:cNvSpPr>
-                <a:spLocks noGrp="1"/>
-              </p:cNvSpPr>
-              <p:nvPr>
-                <p:ph idx="1"/>
-              </p:nvPr>
-            </p:nvSpPr>
-            <p:spPr>
-              <a:xfrm>
-                <a:off x="1055585" y="1610437"/>
-                <a:ext cx="6873763" cy="4776715"/>
-              </a:xfrm>
-            </p:spPr>
-            <p:txBody>
-              <a:bodyPr>
-                <a:normAutofit fontScale="92500"/>
-              </a:bodyPr>
-              <a:lstStyle/>
-              <a:p>
-                <a:pPr marL="0" indent="0" algn="just">
-                  <a:buNone/>
-                </a:pPr>
-                <a:r>
-                  <a:rPr lang="ru-RU" dirty="0"/>
-                  <a:t>Сборщик позиций производит постоянный мониторинг позиций </a:t>
-                </a:r>
-                <a14:m>
-                  <m:oMath xmlns:m="http://schemas.openxmlformats.org/officeDocument/2006/math">
-                    <m:sSubSup>
-                      <m:sSubSupPr>
-                        <m:ctrlPr>
-                          <a:rPr lang="ru-RU" i="1">
-                            <a:latin typeface="Cambria Math" panose="02040503050406030204" pitchFamily="18" charset="0"/>
-                          </a:rPr>
-                        </m:ctrlPr>
-                      </m:sSubSupPr>
-                      <m:e>
-                        <m:r>
-                          <a:rPr lang="ru-RU" i="1">
-                            <a:latin typeface="Cambria Math" panose="02040503050406030204" pitchFamily="18" charset="0"/>
-                          </a:rPr>
-                          <m:t>𝑝</m:t>
-                        </m:r>
-                      </m:e>
-                      <m:sub>
-                        <m:sSub>
-                          <m:sSubPr>
-                            <m:ctrlPr>
-                              <a:rPr lang="ru-RU" i="1">
-                                <a:latin typeface="Cambria Math" panose="02040503050406030204" pitchFamily="18" charset="0"/>
-                              </a:rPr>
-                            </m:ctrlPr>
-                          </m:sSubPr>
-                          <m:e>
-                            <m:sSub>
-                              <m:sSubPr>
-                                <m:ctrlPr>
-                                  <a:rPr lang="ru-RU" i="1">
-                                    <a:latin typeface="Cambria Math" panose="02040503050406030204" pitchFamily="18" charset="0"/>
-                                  </a:rPr>
-                                </m:ctrlPr>
-                              </m:sSubPr>
-                              <m:e>
-                                <m:r>
-                                  <a:rPr lang="ru-RU" i="1">
-                                    <a:latin typeface="Cambria Math" panose="02040503050406030204" pitchFamily="18" charset="0"/>
-                                  </a:rPr>
-                                  <m:t>𝑞</m:t>
-                                </m:r>
-                              </m:e>
-                              <m:sub>
-                                <m:r>
-                                  <a:rPr lang="ru-RU" i="1">
-                                    <a:latin typeface="Cambria Math" panose="02040503050406030204" pitchFamily="18" charset="0"/>
-                                  </a:rPr>
-                                  <m:t>𝑖</m:t>
-                                </m:r>
-                              </m:sub>
-                            </m:sSub>
-                            <m:r>
-                              <a:rPr lang="ru-RU" i="1">
-                                <a:latin typeface="Cambria Math" panose="02040503050406030204" pitchFamily="18" charset="0"/>
-                              </a:rPr>
-                              <m:t>𝑟</m:t>
-                            </m:r>
-                          </m:e>
-                          <m:sub>
-                            <m:r>
-                              <a:rPr lang="ru-RU" i="1">
-                                <a:latin typeface="Cambria Math" panose="02040503050406030204" pitchFamily="18" charset="0"/>
-                              </a:rPr>
-                              <m:t>𝑗</m:t>
-                            </m:r>
-                          </m:sub>
-                        </m:sSub>
-                      </m:sub>
-                      <m:sup>
-                        <m:r>
-                          <a:rPr lang="ru-RU" i="1">
-                            <a:latin typeface="Cambria Math" panose="02040503050406030204" pitchFamily="18" charset="0"/>
-                          </a:rPr>
-                          <m:t>𝑑</m:t>
-                        </m:r>
-                      </m:sup>
-                    </m:sSubSup>
-                  </m:oMath>
-                </a14:m>
-                <a:r>
-                  <a:rPr lang="ru-RU" dirty="0"/>
-                  <a:t> ресурсов </a:t>
-                </a:r>
-                <a14:m>
-                  <m:oMath xmlns:m="http://schemas.openxmlformats.org/officeDocument/2006/math">
-                    <m:r>
-                      <a:rPr lang="en-US" i="1">
-                        <a:latin typeface="Cambria Math" panose="02040503050406030204" pitchFamily="18" charset="0"/>
-                      </a:rPr>
-                      <m:t>𝑅</m:t>
-                    </m:r>
-                    <m:r>
-                      <a:rPr lang="ru-RU" i="1">
-                        <a:latin typeface="Cambria Math" panose="02040503050406030204" pitchFamily="18" charset="0"/>
-                      </a:rPr>
-                      <m:t>=(</m:t>
-                    </m:r>
-                    <m:sSub>
-                      <m:sSubPr>
-                        <m:ctrlPr>
-                          <a:rPr lang="ru-RU" i="1">
-                            <a:latin typeface="Cambria Math" panose="02040503050406030204" pitchFamily="18" charset="0"/>
-                          </a:rPr>
-                        </m:ctrlPr>
-                      </m:sSubPr>
-                      <m:e>
-                        <m:r>
-                          <a:rPr lang="ru-RU" i="1">
-                            <a:latin typeface="Cambria Math" panose="02040503050406030204" pitchFamily="18" charset="0"/>
-                          </a:rPr>
-                          <m:t>𝑟</m:t>
-                        </m:r>
-                      </m:e>
-                      <m:sub>
-                        <m:r>
-                          <a:rPr lang="ru-RU" i="1">
-                            <a:latin typeface="Cambria Math" panose="02040503050406030204" pitchFamily="18" charset="0"/>
-                          </a:rPr>
-                          <m:t>1</m:t>
-                        </m:r>
-                      </m:sub>
-                    </m:sSub>
-                    <m:r>
-                      <a:rPr lang="ru-RU" i="1">
-                        <a:latin typeface="Cambria Math" panose="02040503050406030204" pitchFamily="18" charset="0"/>
-                      </a:rPr>
-                      <m:t>,</m:t>
-                    </m:r>
-                    <m:sSub>
-                      <m:sSubPr>
-                        <m:ctrlPr>
-                          <a:rPr lang="ru-RU" i="1">
-                            <a:latin typeface="Cambria Math" panose="02040503050406030204" pitchFamily="18" charset="0"/>
-                          </a:rPr>
-                        </m:ctrlPr>
-                      </m:sSubPr>
-                      <m:e>
-                        <m:r>
-                          <a:rPr lang="ru-RU" i="1">
-                            <a:latin typeface="Cambria Math" panose="02040503050406030204" pitchFamily="18" charset="0"/>
-                          </a:rPr>
-                          <m:t>𝑟</m:t>
-                        </m:r>
-                      </m:e>
-                      <m:sub>
-                        <m:r>
-                          <a:rPr lang="ru-RU" i="1">
-                            <a:latin typeface="Cambria Math" panose="02040503050406030204" pitchFamily="18" charset="0"/>
-                          </a:rPr>
-                          <m:t>2</m:t>
-                        </m:r>
-                      </m:sub>
-                    </m:sSub>
-                    <m:r>
-                      <a:rPr lang="ru-RU" i="1">
-                        <a:latin typeface="Cambria Math" panose="02040503050406030204" pitchFamily="18" charset="0"/>
-                      </a:rPr>
-                      <m:t>…</m:t>
-                    </m:r>
-                    <m:sSub>
-                      <m:sSubPr>
-                        <m:ctrlPr>
-                          <a:rPr lang="ru-RU" i="1">
-                            <a:latin typeface="Cambria Math" panose="02040503050406030204" pitchFamily="18" charset="0"/>
-                          </a:rPr>
-                        </m:ctrlPr>
-                      </m:sSubPr>
-                      <m:e>
-                        <m:r>
-                          <a:rPr lang="ru-RU" i="1">
-                            <a:latin typeface="Cambria Math" panose="02040503050406030204" pitchFamily="18" charset="0"/>
-                          </a:rPr>
-                          <m:t>𝑟</m:t>
-                        </m:r>
-                      </m:e>
-                      <m:sub>
-                        <m:r>
-                          <a:rPr lang="en-US" i="1">
-                            <a:latin typeface="Cambria Math" panose="02040503050406030204" pitchFamily="18" charset="0"/>
-                          </a:rPr>
-                          <m:t>𝑛</m:t>
-                        </m:r>
-                      </m:sub>
-                    </m:sSub>
-                    <m:r>
-                      <a:rPr lang="ru-RU" i="1">
-                        <a:latin typeface="Cambria Math" panose="02040503050406030204" pitchFamily="18" charset="0"/>
-                      </a:rPr>
-                      <m:t>)</m:t>
-                    </m:r>
-                  </m:oMath>
-                </a14:m>
-                <a:r>
-                  <a:rPr lang="ru-RU" dirty="0"/>
-                  <a:t> в результатах поиска по заданному набору запросов </a:t>
-                </a:r>
-                <a14:m>
-                  <m:oMath xmlns:m="http://schemas.openxmlformats.org/officeDocument/2006/math">
-                    <m:r>
-                      <a:rPr lang="ru-RU" i="1">
-                        <a:latin typeface="Cambria Math" panose="02040503050406030204" pitchFamily="18" charset="0"/>
-                      </a:rPr>
-                      <m:t>𝑄</m:t>
-                    </m:r>
-                    <m:r>
-                      <a:rPr lang="ru-RU" i="1">
-                        <a:latin typeface="Cambria Math" panose="02040503050406030204" pitchFamily="18" charset="0"/>
-                      </a:rPr>
-                      <m:t>=(</m:t>
-                    </m:r>
-                    <m:sSub>
-                      <m:sSubPr>
-                        <m:ctrlPr>
-                          <a:rPr lang="ru-RU" i="1">
-                            <a:latin typeface="Cambria Math" panose="02040503050406030204" pitchFamily="18" charset="0"/>
-                          </a:rPr>
-                        </m:ctrlPr>
-                      </m:sSubPr>
-                      <m:e>
-                        <m:r>
-                          <a:rPr lang="ru-RU" i="1">
-                            <a:latin typeface="Cambria Math" panose="02040503050406030204" pitchFamily="18" charset="0"/>
-                          </a:rPr>
-                          <m:t>𝑞</m:t>
-                        </m:r>
-                      </m:e>
-                      <m:sub>
-                        <m:r>
-                          <a:rPr lang="ru-RU" i="1">
-                            <a:latin typeface="Cambria Math" panose="02040503050406030204" pitchFamily="18" charset="0"/>
-                          </a:rPr>
-                          <m:t>1</m:t>
-                        </m:r>
-                      </m:sub>
-                    </m:sSub>
-                    <m:r>
-                      <a:rPr lang="ru-RU" i="1">
-                        <a:latin typeface="Cambria Math" panose="02040503050406030204" pitchFamily="18" charset="0"/>
-                      </a:rPr>
-                      <m:t>,</m:t>
-                    </m:r>
-                    <m:sSub>
-                      <m:sSubPr>
-                        <m:ctrlPr>
-                          <a:rPr lang="ru-RU" i="1">
-                            <a:latin typeface="Cambria Math" panose="02040503050406030204" pitchFamily="18" charset="0"/>
-                          </a:rPr>
-                        </m:ctrlPr>
-                      </m:sSubPr>
-                      <m:e>
-                        <m:r>
-                          <a:rPr lang="ru-RU" i="1">
-                            <a:latin typeface="Cambria Math" panose="02040503050406030204" pitchFamily="18" charset="0"/>
-                          </a:rPr>
-                          <m:t>𝑞</m:t>
-                        </m:r>
-                      </m:e>
-                      <m:sub>
-                        <m:r>
-                          <a:rPr lang="ru-RU" i="1">
-                            <a:latin typeface="Cambria Math" panose="02040503050406030204" pitchFamily="18" charset="0"/>
-                          </a:rPr>
-                          <m:t>2</m:t>
-                        </m:r>
-                      </m:sub>
-                    </m:sSub>
-                    <m:r>
-                      <a:rPr lang="ru-RU" i="1">
-                        <a:latin typeface="Cambria Math" panose="02040503050406030204" pitchFamily="18" charset="0"/>
-                      </a:rPr>
-                      <m:t>…</m:t>
-                    </m:r>
-                    <m:sSub>
-                      <m:sSubPr>
-                        <m:ctrlPr>
-                          <a:rPr lang="ru-RU" i="1">
-                            <a:latin typeface="Cambria Math" panose="02040503050406030204" pitchFamily="18" charset="0"/>
-                          </a:rPr>
-                        </m:ctrlPr>
-                      </m:sSubPr>
-                      <m:e>
-                        <m:r>
-                          <a:rPr lang="ru-RU" i="1">
-                            <a:latin typeface="Cambria Math" panose="02040503050406030204" pitchFamily="18" charset="0"/>
-                          </a:rPr>
-                          <m:t>𝑞</m:t>
-                        </m:r>
-                      </m:e>
-                      <m:sub>
-                        <m:r>
-                          <a:rPr lang="ru-RU" i="1">
-                            <a:latin typeface="Cambria Math" panose="02040503050406030204" pitchFamily="18" charset="0"/>
-                          </a:rPr>
-                          <m:t>𝑚</m:t>
-                        </m:r>
-                      </m:sub>
-                    </m:sSub>
-                    <m:r>
-                      <a:rPr lang="ru-RU" i="1">
-                        <a:latin typeface="Cambria Math" panose="02040503050406030204" pitchFamily="18" charset="0"/>
-                      </a:rPr>
-                      <m:t>)</m:t>
-                    </m:r>
-                  </m:oMath>
-                </a14:m>
-                <a:r>
-                  <a:rPr lang="ru-RU" dirty="0"/>
-                  <a:t> в день </a:t>
-                </a:r>
-                <a14:m>
-                  <m:oMath xmlns:m="http://schemas.openxmlformats.org/officeDocument/2006/math">
-                    <m:r>
-                      <a:rPr lang="ru-RU" i="1">
-                        <a:latin typeface="Cambria Math" panose="02040503050406030204" pitchFamily="18" charset="0"/>
-                      </a:rPr>
-                      <m:t>𝑑</m:t>
-                    </m:r>
-                  </m:oMath>
-                </a14:m>
-                <a:r>
-                  <a:rPr lang="ru-RU" dirty="0"/>
-                  <a:t>. Основной характеристикой отслеживания является максимальная глубина поиска </a:t>
-                </a:r>
-                <a14:m>
-                  <m:oMath xmlns:m="http://schemas.openxmlformats.org/officeDocument/2006/math">
-                    <m:r>
-                      <a:rPr lang="ru-RU" i="1">
-                        <a:latin typeface="Cambria Math" panose="02040503050406030204" pitchFamily="18" charset="0"/>
-                      </a:rPr>
-                      <m:t>𝐷</m:t>
-                    </m:r>
-                  </m:oMath>
-                </a14:m>
-                <a:r>
-                  <a:rPr lang="ru-RU" dirty="0"/>
-                  <a:t>, определяющая максимальное количество позиций, анализируемых сборщиком.</a:t>
-                </a:r>
-              </a:p>
-              <a:p>
-                <a:pPr marL="0" indent="0" algn="just">
-                  <a:buNone/>
-                </a:pPr>
-                <a:r>
-                  <a:rPr lang="ru-RU" dirty="0"/>
-                  <a:t>Исходной информацией для алгоритма кластеризации </a:t>
-                </a:r>
-                <a:r>
-                  <a:rPr lang="ru-RU" dirty="0" smtClean="0"/>
-                  <a:t>в является </a:t>
-                </a:r>
-                <a:r>
-                  <a:rPr lang="ru-RU" dirty="0"/>
-                  <a:t>матрица </a:t>
-                </a:r>
-                <a14:m>
-                  <m:oMath xmlns:m="http://schemas.openxmlformats.org/officeDocument/2006/math">
-                    <m:r>
-                      <a:rPr lang="ru-RU" i="1">
-                        <a:latin typeface="Cambria Math" panose="02040503050406030204" pitchFamily="18" charset="0"/>
-                      </a:rPr>
-                      <m:t>𝐴</m:t>
-                    </m:r>
-                  </m:oMath>
-                </a14:m>
-                <a:r>
-                  <a:rPr lang="ru-RU" dirty="0"/>
-                  <a:t>, каждая строка которой представляет собой поисковый запрос, а столбец представляет определенный анализируемый веб-сайт. </a:t>
-                </a:r>
-              </a:p>
-              <a:p>
-                <a:pPr marL="0" indent="0" algn="just">
-                  <a:buNone/>
-                </a:pPr>
-                <a:r>
-                  <a:rPr lang="ru-RU" dirty="0"/>
-                  <a:t>Для заполнения ячейки матрицы </a:t>
-                </a:r>
-                <a14:m>
-                  <m:oMath xmlns:m="http://schemas.openxmlformats.org/officeDocument/2006/math">
-                    <m:r>
-                      <a:rPr lang="ru-RU" i="1">
-                        <a:latin typeface="Cambria Math" panose="02040503050406030204" pitchFamily="18" charset="0"/>
-                      </a:rPr>
-                      <m:t>𝐴</m:t>
-                    </m:r>
-                  </m:oMath>
-                </a14:m>
-                <a:r>
-                  <a:rPr lang="ru-RU" dirty="0"/>
-                  <a:t> с номером </a:t>
-                </a:r>
-                <a14:m>
-                  <m:oMath xmlns:m="http://schemas.openxmlformats.org/officeDocument/2006/math">
-                    <m:r>
-                      <a:rPr lang="ru-RU" i="1">
-                        <a:latin typeface="Cambria Math" panose="02040503050406030204" pitchFamily="18" charset="0"/>
-                      </a:rPr>
-                      <m:t>[</m:t>
-                    </m:r>
-                    <m:r>
-                      <a:rPr lang="ru-RU" i="1">
-                        <a:latin typeface="Cambria Math" panose="02040503050406030204" pitchFamily="18" charset="0"/>
-                      </a:rPr>
-                      <m:t>𝑖</m:t>
-                    </m:r>
-                    <m:r>
-                      <a:rPr lang="ru-RU" i="1">
-                        <a:latin typeface="Cambria Math" panose="02040503050406030204" pitchFamily="18" charset="0"/>
-                      </a:rPr>
-                      <m:t>,</m:t>
-                    </m:r>
-                    <m:r>
-                      <a:rPr lang="ru-RU" i="1">
-                        <a:latin typeface="Cambria Math" panose="02040503050406030204" pitchFamily="18" charset="0"/>
-                      </a:rPr>
-                      <m:t>𝑗</m:t>
-                    </m:r>
-                    <m:r>
-                      <a:rPr lang="ru-RU" i="1">
-                        <a:latin typeface="Cambria Math" panose="02040503050406030204" pitchFamily="18" charset="0"/>
-                      </a:rPr>
-                      <m:t>]</m:t>
-                    </m:r>
-                  </m:oMath>
-                </a14:m>
-                <a:r>
-                  <a:rPr lang="ru-RU" dirty="0"/>
-                  <a:t>, отвечающей за усредненную позицию </a:t>
-                </a:r>
-                <a14:m>
-                  <m:oMath xmlns:m="http://schemas.openxmlformats.org/officeDocument/2006/math">
-                    <m:r>
-                      <a:rPr lang="ru-RU" i="1">
-                        <a:latin typeface="Cambria Math" panose="02040503050406030204" pitchFamily="18" charset="0"/>
-                      </a:rPr>
-                      <m:t>𝑗</m:t>
-                    </m:r>
-                  </m:oMath>
-                </a14:m>
-                <a:r>
-                  <a:rPr lang="ru-RU" dirty="0"/>
-                  <a:t>-того сайта по </a:t>
-                </a:r>
-                <a14:m>
-                  <m:oMath xmlns:m="http://schemas.openxmlformats.org/officeDocument/2006/math">
-                    <m:r>
-                      <a:rPr lang="ru-RU" i="1">
-                        <a:latin typeface="Cambria Math" panose="02040503050406030204" pitchFamily="18" charset="0"/>
-                      </a:rPr>
-                      <m:t>𝑖</m:t>
-                    </m:r>
-                  </m:oMath>
-                </a14:m>
-                <a:r>
-                  <a:rPr lang="ru-RU" dirty="0"/>
-                  <a:t>-тому запросу за </a:t>
-                </a:r>
-                <a14:m>
-                  <m:oMath xmlns:m="http://schemas.openxmlformats.org/officeDocument/2006/math">
-                    <m:r>
-                      <a:rPr lang="ru-RU" i="1">
-                        <a:latin typeface="Cambria Math" panose="02040503050406030204" pitchFamily="18" charset="0"/>
-                      </a:rPr>
-                      <m:t>𝑙</m:t>
-                    </m:r>
-                  </m:oMath>
-                </a14:m>
-                <a:r>
-                  <a:rPr lang="ru-RU" dirty="0"/>
-                  <a:t> дней, воспользуемся следующей метрикой:</a:t>
-                </a:r>
-              </a:p>
-              <a:p>
-                <a:pPr marL="0" indent="0" algn="just">
-                  <a:buNone/>
-                </a:pPr>
-                <a14:m>
-                  <m:oMath xmlns:m="http://schemas.openxmlformats.org/officeDocument/2006/math">
-                    <m:sSub>
-                      <m:sSubPr>
-                        <m:ctrlPr>
-                          <a:rPr lang="ru-RU" i="1">
-                            <a:latin typeface="Cambria Math" panose="02040503050406030204" pitchFamily="18" charset="0"/>
-                          </a:rPr>
-                        </m:ctrlPr>
-                      </m:sSubPr>
-                      <m:e>
-                        <m:r>
-                          <a:rPr lang="en-US" i="1">
-                            <a:latin typeface="Cambria Math" panose="02040503050406030204" pitchFamily="18" charset="0"/>
-                          </a:rPr>
-                          <m:t>𝑎</m:t>
-                        </m:r>
-                      </m:e>
-                      <m:sub>
-                        <m:r>
-                          <a:rPr lang="en-US" i="1">
-                            <a:latin typeface="Cambria Math" panose="02040503050406030204" pitchFamily="18" charset="0"/>
-                          </a:rPr>
-                          <m:t>𝑖𝑗</m:t>
-                        </m:r>
-                      </m:sub>
-                    </m:sSub>
-                    <m:r>
-                      <a:rPr lang="ru-RU" i="1">
-                        <a:latin typeface="Cambria Math" panose="02040503050406030204" pitchFamily="18" charset="0"/>
-                      </a:rPr>
-                      <m:t>=</m:t>
-                    </m:r>
-                    <m:d>
-                      <m:dPr>
-                        <m:begChr m:val="{"/>
-                        <m:endChr m:val=""/>
-                        <m:ctrlPr>
-                          <a:rPr lang="ru-RU" i="1">
-                            <a:latin typeface="Cambria Math" panose="02040503050406030204" pitchFamily="18" charset="0"/>
-                          </a:rPr>
-                        </m:ctrlPr>
-                      </m:dPr>
-                      <m:e>
-                        <m:m>
-                          <m:mPr>
-                            <m:mcs>
-                              <m:mc>
-                                <m:mcPr>
-                                  <m:count m:val="1"/>
-                                  <m:mcJc m:val="center"/>
-                                </m:mcPr>
-                              </m:mc>
-                            </m:mcs>
-                            <m:ctrlPr>
-                              <a:rPr lang="ru-RU" i="1">
-                                <a:latin typeface="Cambria Math" panose="02040503050406030204" pitchFamily="18" charset="0"/>
-                              </a:rPr>
-                            </m:ctrlPr>
-                          </m:mPr>
-                          <m:mr>
-                            <m:e>
-                              <m:f>
-                                <m:fPr>
-                                  <m:ctrlPr>
-                                    <a:rPr lang="ru-RU" i="1">
-                                      <a:latin typeface="Cambria Math" panose="02040503050406030204" pitchFamily="18" charset="0"/>
-                                    </a:rPr>
-                                  </m:ctrlPr>
-                                </m:fPr>
-                                <m:num>
-                                  <m:nary>
-                                    <m:naryPr>
-                                      <m:chr m:val="∑"/>
-                                      <m:limLoc m:val="undOvr"/>
-                                      <m:ctrlPr>
-                                        <a:rPr lang="ru-RU" i="1">
-                                          <a:latin typeface="Cambria Math" panose="02040503050406030204" pitchFamily="18" charset="0"/>
-                                        </a:rPr>
-                                      </m:ctrlPr>
-                                    </m:naryPr>
-                                    <m:sub>
-                                      <m:r>
-                                        <a:rPr lang="ru-RU" i="1">
-                                          <a:latin typeface="Cambria Math" panose="02040503050406030204" pitchFamily="18" charset="0"/>
-                                        </a:rPr>
-                                        <m:t>𝑘</m:t>
-                                      </m:r>
-                                      <m:r>
-                                        <a:rPr lang="ru-RU" i="1">
-                                          <a:latin typeface="Cambria Math" panose="02040503050406030204" pitchFamily="18" charset="0"/>
-                                        </a:rPr>
-                                        <m:t>=1</m:t>
-                                      </m:r>
-                                    </m:sub>
-                                    <m:sup>
-                                      <m:r>
-                                        <a:rPr lang="ru-RU" i="1">
-                                          <a:latin typeface="Cambria Math" panose="02040503050406030204" pitchFamily="18" charset="0"/>
-                                        </a:rPr>
-                                        <m:t>𝑙</m:t>
-                                      </m:r>
-                                    </m:sup>
-                                    <m:e>
-                                      <m:d>
-                                        <m:dPr>
-                                          <m:ctrlPr>
-                                            <a:rPr lang="ru-RU" i="1">
-                                              <a:latin typeface="Cambria Math" panose="02040503050406030204" pitchFamily="18" charset="0"/>
-                                            </a:rPr>
-                                          </m:ctrlPr>
-                                        </m:dPr>
-                                        <m:e>
-                                          <m:r>
-                                            <a:rPr lang="ru-RU" i="1">
-                                              <a:latin typeface="Cambria Math" panose="02040503050406030204" pitchFamily="18" charset="0"/>
-                                            </a:rPr>
-                                            <m:t>𝐷</m:t>
-                                          </m:r>
-                                          <m:r>
-                                            <a:rPr lang="ru-RU" i="1">
-                                              <a:latin typeface="Cambria Math" panose="02040503050406030204" pitchFamily="18" charset="0"/>
-                                            </a:rPr>
-                                            <m:t>−</m:t>
-                                          </m:r>
-                                          <m:sSubSup>
-                                            <m:sSubSupPr>
-                                              <m:ctrlPr>
-                                                <a:rPr lang="ru-RU" i="1">
-                                                  <a:latin typeface="Cambria Math" panose="02040503050406030204" pitchFamily="18" charset="0"/>
-                                                </a:rPr>
-                                              </m:ctrlPr>
-                                            </m:sSubSupPr>
-                                            <m:e>
-                                              <m:r>
-                                                <a:rPr lang="ru-RU" i="1">
-                                                  <a:latin typeface="Cambria Math" panose="02040503050406030204" pitchFamily="18" charset="0"/>
-                                                </a:rPr>
-                                                <m:t>𝑝</m:t>
-                                              </m:r>
-                                            </m:e>
-                                            <m:sub>
-                                              <m:r>
-                                                <a:rPr lang="ru-RU" i="1">
-                                                  <a:latin typeface="Cambria Math" panose="02040503050406030204" pitchFamily="18" charset="0"/>
-                                                </a:rPr>
-                                                <m:t>𝑖𝑗</m:t>
-                                              </m:r>
-                                            </m:sub>
-                                            <m:sup>
-                                              <m:r>
-                                                <a:rPr lang="ru-RU" i="1">
-                                                  <a:latin typeface="Cambria Math" panose="02040503050406030204" pitchFamily="18" charset="0"/>
-                                                </a:rPr>
-                                                <m:t>𝑘</m:t>
-                                              </m:r>
-                                            </m:sup>
-                                          </m:sSubSup>
-                                        </m:e>
-                                      </m:d>
-                                    </m:e>
-                                  </m:nary>
-                                </m:num>
-                                <m:den>
-                                  <m:r>
-                                    <a:rPr lang="ru-RU" i="1">
-                                      <a:latin typeface="Cambria Math" panose="02040503050406030204" pitchFamily="18" charset="0"/>
-                                    </a:rPr>
-                                    <m:t>𝑙</m:t>
-                                  </m:r>
-                                </m:den>
-                              </m:f>
-                              <m:r>
-                                <a:rPr lang="ru-RU" i="1">
-                                  <a:latin typeface="Cambria Math" panose="02040503050406030204" pitchFamily="18" charset="0"/>
-                                </a:rPr>
-                                <m:t>, если  сайт </m:t>
-                              </m:r>
-                              <m:r>
-                                <a:rPr lang="en-US" i="1">
-                                  <a:latin typeface="Cambria Math" panose="02040503050406030204" pitchFamily="18" charset="0"/>
-                                </a:rPr>
-                                <m:t>𝑗</m:t>
-                              </m:r>
-                              <m:r>
-                                <a:rPr lang="ru-RU" i="1">
-                                  <a:latin typeface="Cambria Math" panose="02040503050406030204" pitchFamily="18" charset="0"/>
-                                </a:rPr>
-                                <m:t> присутствует в выдаче по запрсу </m:t>
-                              </m:r>
-                              <m:r>
-                                <a:rPr lang="en-US" i="1">
-                                  <a:latin typeface="Cambria Math" panose="02040503050406030204" pitchFamily="18" charset="0"/>
-                                </a:rPr>
-                                <m:t>𝑖</m:t>
-                              </m:r>
-                            </m:e>
-                          </m:mr>
-                          <m:mr>
-                            <m:e>
-                              <m:r>
-                                <a:rPr lang="ru-RU" i="1">
-                                  <a:latin typeface="Cambria Math" panose="02040503050406030204" pitchFamily="18" charset="0"/>
-                                </a:rPr>
-                                <m:t>0,  если сайт </m:t>
-                              </m:r>
-                              <m:r>
-                                <a:rPr lang="en-US" i="1">
-                                  <a:latin typeface="Cambria Math" panose="02040503050406030204" pitchFamily="18" charset="0"/>
-                                </a:rPr>
-                                <m:t>𝑗</m:t>
-                              </m:r>
-                              <m:r>
-                                <a:rPr lang="ru-RU" i="1">
-                                  <a:latin typeface="Cambria Math" panose="02040503050406030204" pitchFamily="18" charset="0"/>
-                                </a:rPr>
-                                <m:t> отсутствует в выдаче по запросу </m:t>
-                              </m:r>
-                              <m:r>
-                                <a:rPr lang="en-US" i="1">
-                                  <a:latin typeface="Cambria Math" panose="02040503050406030204" pitchFamily="18" charset="0"/>
-                                </a:rPr>
-                                <m:t>𝑖</m:t>
-                              </m:r>
-                            </m:e>
-                          </m:mr>
-                        </m:m>
-                      </m:e>
-                    </m:d>
-                  </m:oMath>
-                </a14:m>
-                <a:r>
-                  <a:rPr lang="ru-RU" i="1" dirty="0"/>
-                  <a:t>.</a:t>
-                </a:r>
-                <a:endParaRPr lang="ru-RU" dirty="0"/>
-              </a:p>
-              <a:p>
-                <a:pPr marL="0" indent="0" algn="just">
-                  <a:buNone/>
-                </a:pPr>
-                <a:endParaRPr lang="ru-RU" dirty="0"/>
-              </a:p>
-            </p:txBody>
-          </p:sp>
-        </mc:Choice>
-        <mc:Fallback xmlns="">
-          <p:sp>
-            <p:nvSpPr>
-              <p:cNvPr id="3" name="Объект 2"/>
-              <p:cNvSpPr>
-                <a:spLocks noGrp="1" noRot="1" noChangeAspect="1" noMove="1" noResize="1" noEditPoints="1" noAdjustHandles="1" noChangeArrowheads="1" noChangeShapeType="1" noTextEdit="1"/>
-              </p:cNvSpPr>
-              <p:nvPr>
-                <p:ph idx="1"/>
-              </p:nvPr>
-            </p:nvSpPr>
-            <p:spPr>
-              <a:xfrm>
-                <a:off x="1055585" y="1610437"/>
-                <a:ext cx="6873763" cy="4776715"/>
-              </a:xfrm>
-              <a:blipFill rotWithShape="0">
-                <a:blip r:embed="rId2"/>
-                <a:stretch>
-                  <a:fillRect l="-532" t="-510" r="-532"/>
-                </a:stretch>
-              </a:blipFill>
-            </p:spPr>
-            <p:txBody>
-              <a:bodyPr/>
-              <a:lstStyle/>
-              <a:p>
-                <a:r>
-                  <a:rPr lang="ru-RU">
-                    <a:noFill/>
-                  </a:rPr>
-                  <a:t> </a:t>
-                </a:r>
-              </a:p>
-            </p:txBody>
-          </p:sp>
-        </mc:Fallback>
-      </mc:AlternateContent>
-      <p:sp>
-        <p:nvSpPr>
-          <p:cNvPr id="4" name="Номер слайда 3"/>
+              <a:t>Обзор существующих систем</a:t>
+            </a:r>
+            <a:endParaRPr lang="en-US" dirty="0"/>
+          </a:p>
+        </p:txBody>
+      </p:sp>
+      <p:sp>
+        <p:nvSpPr>
+          <p:cNvPr id="3" name="Content Placeholder 2"/>
+          <p:cNvSpPr>
+            <a:spLocks noGrp="1"/>
+          </p:cNvSpPr>
+          <p:nvPr>
+            <p:ph idx="1"/>
+          </p:nvPr>
+        </p:nvSpPr>
+        <p:spPr/>
+        <p:txBody>
+          <a:bodyPr/>
+          <a:lstStyle/>
+          <a:p>
+            <a:endParaRPr lang="en-US"/>
+          </a:p>
+        </p:txBody>
+      </p:sp>
+      <p:sp>
+        <p:nvSpPr>
+          <p:cNvPr id="4" name="Slide Number Placeholder 3"/>
           <p:cNvSpPr>
             <a:spLocks noGrp="1"/>
           </p:cNvSpPr>
@@ -15058,20 +14545,13 @@
     </p:spTree>
     <p:extLst>
       <p:ext uri="{BB962C8B-B14F-4D97-AF65-F5344CB8AC3E}">
-        <p14:creationId xmlns:p14="http://schemas.microsoft.com/office/powerpoint/2010/main" val="3465077887"/>
+        <p14:creationId xmlns:p14="http://schemas.microsoft.com/office/powerpoint/2010/main" val="110613202"/>
       </p:ext>
     </p:extLst>
   </p:cSld>
   <p:clrMapOvr>
     <a:masterClrMapping/>
   </p:clrMapOvr>
-  <p:timing>
-    <p:tnLst>
-      <p:par>
-        <p:cTn id="1" dur="indefinite" restart="never" nodeType="tmRoot"/>
-      </p:par>
-    </p:tnLst>
-  </p:timing>
 </p:sld>
 </file>
 
@@ -15104,1208 +14584,29 @@
         </p:nvSpPr>
         <p:spPr>
           <a:xfrm>
-            <a:off x="468800" y="147396"/>
-            <a:ext cx="7269480" cy="1325562"/>
-          </a:xfrm>
-        </p:spPr>
-        <p:txBody>
-          <a:bodyPr>
-            <a:normAutofit/>
-          </a:bodyPr>
-          <a:lstStyle/>
-          <a:p>
-            <a:r>
-              <a:rPr lang="ru-RU" dirty="0" smtClean="0"/>
-              <a:t>Применение </a:t>
-            </a:r>
-            <a:r>
-              <a:rPr lang="ru-RU" dirty="0"/>
-              <a:t>алгоритма кластеризации для </a:t>
-            </a:r>
-            <a:r>
-              <a:rPr lang="ru-RU" dirty="0" smtClean="0"/>
-              <a:t>запросов</a:t>
-            </a:r>
-            <a:endParaRPr lang="ru-RU" dirty="0"/>
-          </a:p>
-        </p:txBody>
-      </p:sp>
-      <mc:AlternateContent xmlns:mc="http://schemas.openxmlformats.org/markup-compatibility/2006">
-        <mc:Choice xmlns:a14="http://schemas.microsoft.com/office/drawing/2010/main" Requires="a14">
-          <p:sp>
-            <p:nvSpPr>
-              <p:cNvPr id="3" name="Объект 2"/>
-              <p:cNvSpPr>
-                <a:spLocks noGrp="1"/>
-              </p:cNvSpPr>
-              <p:nvPr>
-                <p:ph idx="1"/>
-              </p:nvPr>
-            </p:nvSpPr>
-            <p:spPr>
-              <a:xfrm>
-                <a:off x="468800" y="1833511"/>
-                <a:ext cx="7569731" cy="4772006"/>
-              </a:xfrm>
-            </p:spPr>
-            <p:txBody>
-              <a:bodyPr>
-                <a:normAutofit fontScale="70000" lnSpcReduction="20000"/>
-              </a:bodyPr>
-              <a:lstStyle/>
-              <a:p>
-                <a:pPr marL="0" indent="0">
-                  <a:buNone/>
-                </a:pPr>
-                <a:r>
-                  <a:rPr lang="ru-RU" sz="2300" dirty="0" smtClean="0"/>
-                  <a:t>1. Случайным </a:t>
-                </a:r>
-                <a:r>
-                  <a:rPr lang="ru-RU" sz="2300" dirty="0"/>
-                  <a:t>образом инициализировать </a:t>
-                </a:r>
-                <a:r>
-                  <a:rPr lang="ru-RU" sz="2300" dirty="0" err="1" smtClean="0"/>
-                  <a:t>центроиды</a:t>
-                </a:r>
-                <a:r>
-                  <a:rPr lang="ru-RU" sz="2300" dirty="0" smtClean="0"/>
-                  <a:t> (</a:t>
-                </a:r>
-                <a:r>
-                  <a:rPr lang="ru-RU" sz="2100" dirty="0" smtClean="0"/>
-                  <a:t>точки, являющиеся центрами</a:t>
-                </a:r>
-                <a:r>
-                  <a:rPr lang="ru-RU" sz="2100" b="1" dirty="0" smtClean="0"/>
-                  <a:t>)</a:t>
-                </a:r>
-                <a:r>
-                  <a:rPr lang="ru-RU" sz="2300" dirty="0" smtClean="0"/>
-                  <a:t> </a:t>
-                </a:r>
-                <a14:m>
-                  <m:oMath xmlns:m="http://schemas.openxmlformats.org/officeDocument/2006/math">
-                    <m:r>
-                      <a:rPr lang="ru-RU" sz="2300" i="1">
-                        <a:latin typeface="Cambria Math" panose="02040503050406030204" pitchFamily="18" charset="0"/>
-                      </a:rPr>
-                      <m:t>𝜇</m:t>
-                    </m:r>
-                  </m:oMath>
-                </a14:m>
-                <a:r>
-                  <a:rPr lang="ru-RU" sz="2300" dirty="0"/>
-                  <a:t> кластеров запросами </a:t>
-                </a:r>
-                <a14:m>
-                  <m:oMath xmlns:m="http://schemas.openxmlformats.org/officeDocument/2006/math">
-                    <m:r>
-                      <a:rPr lang="ru-RU" sz="2300" i="1">
-                        <a:latin typeface="Cambria Math" panose="02040503050406030204" pitchFamily="18" charset="0"/>
-                      </a:rPr>
-                      <m:t>𝑞</m:t>
-                    </m:r>
-                    <m:r>
-                      <a:rPr lang="ru-RU" sz="2300" i="1">
-                        <a:latin typeface="Cambria Math" panose="02040503050406030204" pitchFamily="18" charset="0"/>
-                      </a:rPr>
-                      <m:t>, </m:t>
-                    </m:r>
-                    <m:r>
-                      <a:rPr lang="ru-RU" sz="2300" i="1">
-                        <a:latin typeface="Cambria Math" panose="02040503050406030204" pitchFamily="18" charset="0"/>
-                      </a:rPr>
-                      <m:t>𝑞</m:t>
-                    </m:r>
-                    <m:r>
-                      <a:rPr lang="ru-RU" sz="2300" i="1">
-                        <a:latin typeface="Cambria Math" panose="02040503050406030204" pitchFamily="18" charset="0"/>
-                      </a:rPr>
-                      <m:t>∈</m:t>
-                    </m:r>
-                    <m:r>
-                      <a:rPr lang="ru-RU" sz="2300" i="1">
-                        <a:latin typeface="Cambria Math" panose="02040503050406030204" pitchFamily="18" charset="0"/>
-                      </a:rPr>
-                      <m:t>𝑄</m:t>
-                    </m:r>
-                  </m:oMath>
-                </a14:m>
-                <a:r>
-                  <a:rPr lang="ru-RU" sz="2300" dirty="0"/>
-                  <a:t> так, что количество </a:t>
-                </a:r>
-                <a14:m>
-                  <m:oMath xmlns:m="http://schemas.openxmlformats.org/officeDocument/2006/math">
-                    <m:r>
-                      <a:rPr lang="ru-RU" sz="2300" i="1">
-                        <a:latin typeface="Cambria Math" panose="02040503050406030204" pitchFamily="18" charset="0"/>
-                      </a:rPr>
-                      <m:t>𝑞</m:t>
-                    </m:r>
-                  </m:oMath>
-                </a14:m>
-                <a:r>
-                  <a:rPr lang="ru-RU" sz="2300" dirty="0"/>
-                  <a:t> совпадает со значением оптимального количества кластеров, вычисленным ранее.</a:t>
-                </a:r>
-              </a:p>
-              <a:p>
-                <a:pPr marL="0" indent="0">
-                  <a:buNone/>
-                </a:pPr>
-                <a:r>
-                  <a:rPr lang="ru-RU" sz="2300" dirty="0" smtClean="0"/>
-                  <a:t>2. Для </a:t>
-                </a:r>
-                <a:r>
-                  <a:rPr lang="ru-RU" sz="2300" dirty="0"/>
-                  <a:t>каждого </a:t>
-                </a:r>
-                <a:r>
-                  <a:rPr lang="ru-RU" sz="2300" dirty="0" err="1"/>
-                  <a:t>центроида</a:t>
-                </a:r>
-                <a:r>
-                  <a:rPr lang="ru-RU" sz="2300" dirty="0"/>
-                  <a:t> </a:t>
-                </a:r>
-                <a14:m>
-                  <m:oMath xmlns:m="http://schemas.openxmlformats.org/officeDocument/2006/math">
-                    <m:sSub>
-                      <m:sSubPr>
-                        <m:ctrlPr>
-                          <a:rPr lang="ru-RU" sz="2300" i="1">
-                            <a:latin typeface="Cambria Math" panose="02040503050406030204" pitchFamily="18" charset="0"/>
-                          </a:rPr>
-                        </m:ctrlPr>
-                      </m:sSubPr>
-                      <m:e>
-                        <m:r>
-                          <a:rPr lang="ru-RU" sz="2300" i="1">
-                            <a:latin typeface="Cambria Math" panose="02040503050406030204" pitchFamily="18" charset="0"/>
-                          </a:rPr>
-                          <m:t>𝜇</m:t>
-                        </m:r>
-                      </m:e>
-                      <m:sub>
-                        <m:r>
-                          <a:rPr lang="ru-RU" sz="2300" i="1">
-                            <a:latin typeface="Cambria Math" panose="02040503050406030204" pitchFamily="18" charset="0"/>
-                          </a:rPr>
-                          <m:t>𝑘</m:t>
-                        </m:r>
-                      </m:sub>
-                    </m:sSub>
-                  </m:oMath>
-                </a14:m>
-                <a:r>
-                  <a:rPr lang="ru-RU" sz="2300" dirty="0"/>
-                  <a:t> вычислить расстояния </a:t>
-                </a:r>
-                <a14:m>
-                  <m:oMath xmlns:m="http://schemas.openxmlformats.org/officeDocument/2006/math">
-                    <m:sSub>
-                      <m:sSubPr>
-                        <m:ctrlPr>
-                          <a:rPr lang="ru-RU" sz="2300" i="1">
-                            <a:latin typeface="Cambria Math" panose="02040503050406030204" pitchFamily="18" charset="0"/>
-                          </a:rPr>
-                        </m:ctrlPr>
-                      </m:sSubPr>
-                      <m:e>
-                        <m:r>
-                          <a:rPr lang="ru-RU" sz="2300" i="1">
-                            <a:latin typeface="Cambria Math" panose="02040503050406030204" pitchFamily="18" charset="0"/>
-                          </a:rPr>
-                          <m:t>𝑙</m:t>
-                        </m:r>
-                      </m:e>
-                      <m:sub>
-                        <m:r>
-                          <a:rPr lang="ru-RU" sz="2300" i="1">
-                            <a:latin typeface="Cambria Math" panose="02040503050406030204" pitchFamily="18" charset="0"/>
-                          </a:rPr>
-                          <m:t>𝑘</m:t>
-                        </m:r>
-                        <m:r>
-                          <a:rPr lang="ru-RU" sz="2300" i="1">
-                            <a:latin typeface="Cambria Math" panose="02040503050406030204" pitchFamily="18" charset="0"/>
-                          </a:rPr>
-                          <m:t>,</m:t>
-                        </m:r>
-                        <m:r>
-                          <a:rPr lang="ru-RU" sz="2300" i="1">
-                            <a:latin typeface="Cambria Math" panose="02040503050406030204" pitchFamily="18" charset="0"/>
-                          </a:rPr>
-                          <m:t>𝑖</m:t>
-                        </m:r>
-                      </m:sub>
-                    </m:sSub>
-                  </m:oMath>
-                </a14:m>
-                <a:r>
-                  <a:rPr lang="ru-RU" sz="2300" dirty="0"/>
-                  <a:t> до всех точек </a:t>
-                </a:r>
-                <a14:m>
-                  <m:oMath xmlns:m="http://schemas.openxmlformats.org/officeDocument/2006/math">
-                    <m:sSub>
-                      <m:sSubPr>
-                        <m:ctrlPr>
-                          <a:rPr lang="ru-RU" sz="2300" i="1">
-                            <a:latin typeface="Cambria Math" panose="02040503050406030204" pitchFamily="18" charset="0"/>
-                          </a:rPr>
-                        </m:ctrlPr>
-                      </m:sSubPr>
-                      <m:e>
-                        <m:r>
-                          <a:rPr lang="ru-RU" sz="2300" i="1">
-                            <a:latin typeface="Cambria Math" panose="02040503050406030204" pitchFamily="18" charset="0"/>
-                          </a:rPr>
-                          <m:t>𝑞</m:t>
-                        </m:r>
-                      </m:e>
-                      <m:sub>
-                        <m:r>
-                          <a:rPr lang="ru-RU" sz="2300" i="1">
-                            <a:latin typeface="Cambria Math" panose="02040503050406030204" pitchFamily="18" charset="0"/>
-                          </a:rPr>
-                          <m:t>𝑖</m:t>
-                        </m:r>
-                      </m:sub>
-                    </m:sSub>
-                    <m:r>
-                      <a:rPr lang="ru-RU" sz="2300" i="1">
-                        <a:latin typeface="Cambria Math" panose="02040503050406030204" pitchFamily="18" charset="0"/>
-                      </a:rPr>
-                      <m:t>:</m:t>
-                    </m:r>
-                  </m:oMath>
-                </a14:m>
-                <a:endParaRPr lang="ru-RU" sz="2300" dirty="0"/>
-              </a:p>
-              <a:p>
-                <a:pPr marL="0" indent="0">
-                  <a:buNone/>
-                </a:pPr>
-                <a14:m>
-                  <m:oMathPara xmlns:m="http://schemas.openxmlformats.org/officeDocument/2006/math">
-                    <m:oMathParaPr>
-                      <m:jc m:val="centerGroup"/>
-                    </m:oMathParaPr>
-                    <m:oMath xmlns:m="http://schemas.openxmlformats.org/officeDocument/2006/math">
-                      <m:sSub>
-                        <m:sSubPr>
-                          <m:ctrlPr>
-                            <a:rPr lang="ru-RU" sz="2300" i="1">
-                              <a:latin typeface="Cambria Math" panose="02040503050406030204" pitchFamily="18" charset="0"/>
-                            </a:rPr>
-                          </m:ctrlPr>
-                        </m:sSubPr>
-                        <m:e>
-                          <m:r>
-                            <a:rPr lang="ru-RU" sz="2300" i="1">
-                              <a:latin typeface="Cambria Math" panose="02040503050406030204" pitchFamily="18" charset="0"/>
-                            </a:rPr>
-                            <m:t>𝑙</m:t>
-                          </m:r>
-                        </m:e>
-                        <m:sub>
-                          <m:r>
-                            <a:rPr lang="ru-RU" sz="2300" i="1">
-                              <a:latin typeface="Cambria Math" panose="02040503050406030204" pitchFamily="18" charset="0"/>
-                            </a:rPr>
-                            <m:t>𝑘</m:t>
-                          </m:r>
-                          <m:r>
-                            <a:rPr lang="ru-RU" sz="2300" i="1">
-                              <a:latin typeface="Cambria Math" panose="02040503050406030204" pitchFamily="18" charset="0"/>
-                            </a:rPr>
-                            <m:t>,</m:t>
-                          </m:r>
-                          <m:r>
-                            <a:rPr lang="ru-RU" sz="2300" i="1">
-                              <a:latin typeface="Cambria Math" panose="02040503050406030204" pitchFamily="18" charset="0"/>
-                            </a:rPr>
-                            <m:t>𝑖</m:t>
-                          </m:r>
-                        </m:sub>
-                      </m:sSub>
-                      <m:r>
-                        <a:rPr lang="ru-RU" sz="2300" i="1">
-                          <a:latin typeface="Cambria Math" panose="02040503050406030204" pitchFamily="18" charset="0"/>
-                        </a:rPr>
-                        <m:t>= </m:t>
-                      </m:r>
-                      <m:r>
-                        <a:rPr lang="ru-RU" sz="2300" i="1">
-                          <a:latin typeface="Cambria Math" panose="02040503050406030204" pitchFamily="18" charset="0"/>
-                        </a:rPr>
-                        <m:t>𝜌</m:t>
-                      </m:r>
-                      <m:r>
-                        <a:rPr lang="ru-RU" sz="2300" i="1">
-                          <a:latin typeface="Cambria Math" panose="02040503050406030204" pitchFamily="18" charset="0"/>
-                        </a:rPr>
-                        <m:t>(</m:t>
-                      </m:r>
-                      <m:sSub>
-                        <m:sSubPr>
-                          <m:ctrlPr>
-                            <a:rPr lang="ru-RU" sz="2300" i="1">
-                              <a:latin typeface="Cambria Math" panose="02040503050406030204" pitchFamily="18" charset="0"/>
-                            </a:rPr>
-                          </m:ctrlPr>
-                        </m:sSubPr>
-                        <m:e>
-                          <m:r>
-                            <a:rPr lang="ru-RU" sz="2300" i="1">
-                              <a:latin typeface="Cambria Math" panose="02040503050406030204" pitchFamily="18" charset="0"/>
-                            </a:rPr>
-                            <m:t>𝑞</m:t>
-                          </m:r>
-                        </m:e>
-                        <m:sub>
-                          <m:r>
-                            <a:rPr lang="ru-RU" sz="2300" i="1">
-                              <a:latin typeface="Cambria Math" panose="02040503050406030204" pitchFamily="18" charset="0"/>
-                            </a:rPr>
-                            <m:t>𝑖</m:t>
-                          </m:r>
-                        </m:sub>
-                      </m:sSub>
-                      <m:r>
-                        <a:rPr lang="ru-RU" sz="2300" i="1">
-                          <a:latin typeface="Cambria Math" panose="02040503050406030204" pitchFamily="18" charset="0"/>
-                        </a:rPr>
-                        <m:t>,</m:t>
-                      </m:r>
-                      <m:sSub>
-                        <m:sSubPr>
-                          <m:ctrlPr>
-                            <a:rPr lang="ru-RU" sz="2300" i="1">
-                              <a:latin typeface="Cambria Math" panose="02040503050406030204" pitchFamily="18" charset="0"/>
-                            </a:rPr>
-                          </m:ctrlPr>
-                        </m:sSubPr>
-                        <m:e>
-                          <m:r>
-                            <a:rPr lang="ru-RU" sz="2300" i="1">
-                              <a:latin typeface="Cambria Math" panose="02040503050406030204" pitchFamily="18" charset="0"/>
-                            </a:rPr>
-                            <m:t>𝜇</m:t>
-                          </m:r>
-                        </m:e>
-                        <m:sub>
-                          <m:r>
-                            <a:rPr lang="ru-RU" sz="2300" i="1">
-                              <a:latin typeface="Cambria Math" panose="02040503050406030204" pitchFamily="18" charset="0"/>
-                            </a:rPr>
-                            <m:t>𝑘</m:t>
-                          </m:r>
-                        </m:sub>
-                      </m:sSub>
-                      <m:r>
-                        <a:rPr lang="ru-RU" sz="2300" i="1">
-                          <a:latin typeface="Cambria Math" panose="02040503050406030204" pitchFamily="18" charset="0"/>
-                        </a:rPr>
-                        <m:t>)</m:t>
-                      </m:r>
-                    </m:oMath>
-                  </m:oMathPara>
-                </a14:m>
-                <a:endParaRPr lang="ru-RU" sz="2300" dirty="0"/>
-              </a:p>
-              <a:p>
-                <a:pPr marL="0" indent="0">
-                  <a:buNone/>
-                </a:pPr>
-                <a:r>
-                  <a:rPr lang="ru-RU" sz="2300" dirty="0" smtClean="0"/>
-                  <a:t>3. Сформировать </a:t>
-                </a:r>
-                <a:r>
-                  <a:rPr lang="ru-RU" sz="2300" dirty="0"/>
-                  <a:t>кластеры. Для каждого </a:t>
-                </a:r>
-                <a:r>
-                  <a:rPr lang="ru-RU" sz="2300" dirty="0" err="1"/>
-                  <a:t>центроида</a:t>
-                </a:r>
-                <a:r>
-                  <a:rPr lang="ru-RU" sz="2300" dirty="0"/>
-                  <a:t> </a:t>
-                </a:r>
-                <a14:m>
-                  <m:oMath xmlns:m="http://schemas.openxmlformats.org/officeDocument/2006/math">
-                    <m:sSub>
-                      <m:sSubPr>
-                        <m:ctrlPr>
-                          <a:rPr lang="ru-RU" sz="2300" i="1">
-                            <a:latin typeface="Cambria Math" panose="02040503050406030204" pitchFamily="18" charset="0"/>
-                          </a:rPr>
-                        </m:ctrlPr>
-                      </m:sSubPr>
-                      <m:e>
-                        <m:r>
-                          <a:rPr lang="ru-RU" sz="2300" i="1">
-                            <a:latin typeface="Cambria Math" panose="02040503050406030204" pitchFamily="18" charset="0"/>
-                          </a:rPr>
-                          <m:t>𝜇</m:t>
-                        </m:r>
-                      </m:e>
-                      <m:sub>
-                        <m:r>
-                          <a:rPr lang="ru-RU" sz="2300" i="1">
-                            <a:latin typeface="Cambria Math" panose="02040503050406030204" pitchFamily="18" charset="0"/>
-                          </a:rPr>
-                          <m:t>𝑘</m:t>
-                        </m:r>
-                      </m:sub>
-                    </m:sSub>
-                  </m:oMath>
-                </a14:m>
-                <a:r>
-                  <a:rPr lang="ru-RU" sz="2300" dirty="0"/>
-                  <a:t> из множества </a:t>
-                </a:r>
-                <a14:m>
-                  <m:oMath xmlns:m="http://schemas.openxmlformats.org/officeDocument/2006/math">
-                    <m:r>
-                      <a:rPr lang="ru-RU" sz="2300" i="1">
-                        <a:latin typeface="Cambria Math" panose="02040503050406030204" pitchFamily="18" charset="0"/>
-                      </a:rPr>
-                      <m:t>𝑋</m:t>
-                    </m:r>
-                  </m:oMath>
-                </a14:m>
-                <a:r>
-                  <a:rPr lang="ru-RU" sz="2300" dirty="0"/>
-                  <a:t> отобрать подмножество точек </a:t>
-                </a:r>
-                <a14:m>
-                  <m:oMath xmlns:m="http://schemas.openxmlformats.org/officeDocument/2006/math">
-                    <m:sSub>
-                      <m:sSubPr>
-                        <m:ctrlPr>
-                          <a:rPr lang="ru-RU" sz="2300" i="1">
-                            <a:latin typeface="Cambria Math" panose="02040503050406030204" pitchFamily="18" charset="0"/>
-                          </a:rPr>
-                        </m:ctrlPr>
-                      </m:sSubPr>
-                      <m:e>
-                        <m:r>
-                          <a:rPr lang="ru-RU" sz="2300" i="1">
-                            <a:latin typeface="Cambria Math" panose="02040503050406030204" pitchFamily="18" charset="0"/>
-                          </a:rPr>
-                          <m:t>𝑋</m:t>
-                        </m:r>
-                      </m:e>
-                      <m:sub>
-                        <m:r>
-                          <a:rPr lang="ru-RU" sz="2300" i="1">
-                            <a:latin typeface="Cambria Math" panose="02040503050406030204" pitchFamily="18" charset="0"/>
-                          </a:rPr>
-                          <m:t>𝑘</m:t>
-                        </m:r>
-                      </m:sub>
-                    </m:sSub>
-                  </m:oMath>
-                </a14:m>
-                <a:r>
-                  <a:rPr lang="ru-RU" sz="2300" dirty="0"/>
-                  <a:t> с минимальным расстоянием до </a:t>
-                </a:r>
-                <a14:m>
-                  <m:oMath xmlns:m="http://schemas.openxmlformats.org/officeDocument/2006/math">
-                    <m:sSub>
-                      <m:sSubPr>
-                        <m:ctrlPr>
-                          <a:rPr lang="ru-RU" sz="2300" i="1">
-                            <a:latin typeface="Cambria Math" panose="02040503050406030204" pitchFamily="18" charset="0"/>
-                          </a:rPr>
-                        </m:ctrlPr>
-                      </m:sSubPr>
-                      <m:e>
-                        <m:r>
-                          <a:rPr lang="ru-RU" sz="2300" i="1">
-                            <a:latin typeface="Cambria Math" panose="02040503050406030204" pitchFamily="18" charset="0"/>
-                          </a:rPr>
-                          <m:t>𝜇</m:t>
-                        </m:r>
-                      </m:e>
-                      <m:sub>
-                        <m:r>
-                          <a:rPr lang="ru-RU" sz="2300" i="1">
-                            <a:latin typeface="Cambria Math" panose="02040503050406030204" pitchFamily="18" charset="0"/>
-                          </a:rPr>
-                          <m:t>𝑘</m:t>
-                        </m:r>
-                      </m:sub>
-                    </m:sSub>
-                    <m:r>
-                      <a:rPr lang="ru-RU" sz="2300" i="1">
-                        <a:latin typeface="Cambria Math" panose="02040503050406030204" pitchFamily="18" charset="0"/>
-                      </a:rPr>
-                      <m:t>:</m:t>
-                    </m:r>
-                  </m:oMath>
-                </a14:m>
-                <a:endParaRPr lang="ru-RU" sz="2300" dirty="0"/>
-              </a:p>
-              <a:p>
-                <a:pPr marL="0" indent="0">
-                  <a:buNone/>
-                </a:pPr>
-                <a14:m>
-                  <m:oMathPara xmlns:m="http://schemas.openxmlformats.org/officeDocument/2006/math">
-                    <m:oMathParaPr>
-                      <m:jc m:val="centerGroup"/>
-                    </m:oMathParaPr>
-                    <m:oMath xmlns:m="http://schemas.openxmlformats.org/officeDocument/2006/math">
-                      <m:sSub>
-                        <m:sSubPr>
-                          <m:ctrlPr>
-                            <a:rPr lang="ru-RU" sz="2300" i="1">
-                              <a:latin typeface="Cambria Math" panose="02040503050406030204" pitchFamily="18" charset="0"/>
-                            </a:rPr>
-                          </m:ctrlPr>
-                        </m:sSubPr>
-                        <m:e>
-                          <m:r>
-                            <m:rPr>
-                              <m:sty m:val="p"/>
-                            </m:rPr>
-                            <a:rPr lang="ru-RU" sz="2300">
-                              <a:latin typeface="Cambria Math" panose="02040503050406030204" pitchFamily="18" charset="0"/>
-                            </a:rPr>
-                            <m:t>min</m:t>
-                          </m:r>
-                        </m:e>
-                        <m:sub>
-                          <m:r>
-                            <a:rPr lang="ru-RU" sz="2300" i="1">
-                              <a:latin typeface="Cambria Math" panose="02040503050406030204" pitchFamily="18" charset="0"/>
-                            </a:rPr>
-                            <m:t>𝑘</m:t>
-                          </m:r>
-                        </m:sub>
-                      </m:sSub>
-                      <m:r>
-                        <a:rPr lang="ru-RU" sz="2300">
-                          <a:latin typeface="Cambria Math" panose="02040503050406030204" pitchFamily="18" charset="0"/>
-                        </a:rPr>
-                        <m:t>⁡</m:t>
-                      </m:r>
-                      <m:r>
-                        <a:rPr lang="ru-RU" sz="2300" i="1">
-                          <a:latin typeface="Cambria Math" panose="02040503050406030204" pitchFamily="18" charset="0"/>
-                        </a:rPr>
-                        <m:t>(</m:t>
-                      </m:r>
-                      <m:sSub>
-                        <m:sSubPr>
-                          <m:ctrlPr>
-                            <a:rPr lang="ru-RU" sz="2300" i="1">
-                              <a:latin typeface="Cambria Math" panose="02040503050406030204" pitchFamily="18" charset="0"/>
-                            </a:rPr>
-                          </m:ctrlPr>
-                        </m:sSubPr>
-                        <m:e>
-                          <m:r>
-                            <a:rPr lang="ru-RU" sz="2300" i="1">
-                              <a:latin typeface="Cambria Math" panose="02040503050406030204" pitchFamily="18" charset="0"/>
-                            </a:rPr>
-                            <m:t>𝑙</m:t>
-                          </m:r>
-                        </m:e>
-                        <m:sub>
-                          <m:r>
-                            <a:rPr lang="ru-RU" sz="2300" i="1">
-                              <a:latin typeface="Cambria Math" panose="02040503050406030204" pitchFamily="18" charset="0"/>
-                            </a:rPr>
-                            <m:t>𝑘</m:t>
-                          </m:r>
-                          <m:r>
-                            <a:rPr lang="ru-RU" sz="2300" i="1">
-                              <a:latin typeface="Cambria Math" panose="02040503050406030204" pitchFamily="18" charset="0"/>
-                            </a:rPr>
-                            <m:t>,</m:t>
-                          </m:r>
-                          <m:r>
-                            <a:rPr lang="ru-RU" sz="2300" i="1">
-                              <a:latin typeface="Cambria Math" panose="02040503050406030204" pitchFamily="18" charset="0"/>
-                            </a:rPr>
-                            <m:t>𝑖</m:t>
-                          </m:r>
-                        </m:sub>
-                      </m:sSub>
-                      <m:r>
-                        <a:rPr lang="ru-RU" sz="2300" i="1">
-                          <a:latin typeface="Cambria Math" panose="02040503050406030204" pitchFamily="18" charset="0"/>
-                        </a:rPr>
-                        <m:t>)</m:t>
-                      </m:r>
-                    </m:oMath>
-                  </m:oMathPara>
-                </a14:m>
-                <a:endParaRPr lang="ru-RU" sz="2300" dirty="0"/>
-              </a:p>
-              <a:p>
-                <a:pPr marL="0" indent="0">
-                  <a:buNone/>
-                </a:pPr>
-                <a:r>
-                  <a:rPr lang="ru-RU" sz="2300" dirty="0" smtClean="0"/>
-                  <a:t>4. Вычислить </a:t>
-                </a:r>
-                <a:r>
-                  <a:rPr lang="ru-RU" sz="2300" dirty="0"/>
-                  <a:t>новые </a:t>
-                </a:r>
-                <a:r>
-                  <a:rPr lang="ru-RU" sz="2300" dirty="0" err="1"/>
-                  <a:t>центроиды</a:t>
-                </a:r>
-                <a:r>
-                  <a:rPr lang="ru-RU" sz="2300" dirty="0"/>
-                  <a:t> как среднее всех точек кластера </a:t>
-                </a:r>
-                <a14:m>
-                  <m:oMath xmlns:m="http://schemas.openxmlformats.org/officeDocument/2006/math">
-                    <m:sSub>
-                      <m:sSubPr>
-                        <m:ctrlPr>
-                          <a:rPr lang="ru-RU" sz="2300" i="1">
-                            <a:latin typeface="Cambria Math" panose="02040503050406030204" pitchFamily="18" charset="0"/>
-                          </a:rPr>
-                        </m:ctrlPr>
-                      </m:sSubPr>
-                      <m:e>
-                        <m:r>
-                          <a:rPr lang="ru-RU" sz="2300" i="1">
-                            <a:latin typeface="Cambria Math" panose="02040503050406030204" pitchFamily="18" charset="0"/>
-                          </a:rPr>
-                          <m:t>𝑋</m:t>
-                        </m:r>
-                      </m:e>
-                      <m:sub>
-                        <m:r>
-                          <a:rPr lang="ru-RU" sz="2300" i="1">
-                            <a:latin typeface="Cambria Math" panose="02040503050406030204" pitchFamily="18" charset="0"/>
-                          </a:rPr>
-                          <m:t>𝑘</m:t>
-                        </m:r>
-                      </m:sub>
-                    </m:sSub>
-                  </m:oMath>
-                </a14:m>
-                <a:r>
-                  <a:rPr lang="ru-RU" sz="2300" dirty="0"/>
-                  <a:t>:</a:t>
-                </a:r>
-              </a:p>
-              <a:p>
-                <a:pPr marL="0" indent="0">
-                  <a:buNone/>
-                </a:pPr>
-                <a14:m>
-                  <m:oMathPara xmlns:m="http://schemas.openxmlformats.org/officeDocument/2006/math">
-                    <m:oMathParaPr>
-                      <m:jc m:val="centerGroup"/>
-                    </m:oMathParaPr>
-                    <m:oMath xmlns:m="http://schemas.openxmlformats.org/officeDocument/2006/math">
-                      <m:sSub>
-                        <m:sSubPr>
-                          <m:ctrlPr>
-                            <a:rPr lang="ru-RU" sz="2300" i="1">
-                              <a:latin typeface="Cambria Math" panose="02040503050406030204" pitchFamily="18" charset="0"/>
-                            </a:rPr>
-                          </m:ctrlPr>
-                        </m:sSubPr>
-                        <m:e>
-                          <m:r>
-                            <a:rPr lang="ru-RU" sz="2300" i="1">
-                              <a:latin typeface="Cambria Math" panose="02040503050406030204" pitchFamily="18" charset="0"/>
-                            </a:rPr>
-                            <m:t>𝜇</m:t>
-                          </m:r>
-                        </m:e>
-                        <m:sub>
-                          <m:r>
-                            <a:rPr lang="ru-RU" sz="2300" i="1">
-                              <a:latin typeface="Cambria Math" panose="02040503050406030204" pitchFamily="18" charset="0"/>
-                            </a:rPr>
-                            <m:t>𝑘</m:t>
-                          </m:r>
-                        </m:sub>
-                      </m:sSub>
-                      <m:r>
-                        <a:rPr lang="ru-RU" sz="2300" i="1">
-                          <a:latin typeface="Cambria Math" panose="02040503050406030204" pitchFamily="18" charset="0"/>
-                        </a:rPr>
-                        <m:t>= </m:t>
-                      </m:r>
-                      <m:f>
-                        <m:fPr>
-                          <m:ctrlPr>
-                            <a:rPr lang="ru-RU" sz="2300" i="1">
-                              <a:latin typeface="Cambria Math" panose="02040503050406030204" pitchFamily="18" charset="0"/>
-                            </a:rPr>
-                          </m:ctrlPr>
-                        </m:fPr>
-                        <m:num>
-                          <m:r>
-                            <a:rPr lang="ru-RU" sz="2300" i="1">
-                              <a:latin typeface="Cambria Math" panose="02040503050406030204" pitchFamily="18" charset="0"/>
-                            </a:rPr>
-                            <m:t>1</m:t>
-                          </m:r>
-                        </m:num>
-                        <m:den>
-                          <m:sSub>
-                            <m:sSubPr>
-                              <m:ctrlPr>
-                                <a:rPr lang="ru-RU" sz="2300" i="1">
-                                  <a:latin typeface="Cambria Math" panose="02040503050406030204" pitchFamily="18" charset="0"/>
-                                </a:rPr>
-                              </m:ctrlPr>
-                            </m:sSubPr>
-                            <m:e>
-                              <m:r>
-                                <a:rPr lang="en-US" sz="2300" i="1">
-                                  <a:latin typeface="Cambria Math" panose="02040503050406030204" pitchFamily="18" charset="0"/>
-                                </a:rPr>
-                                <m:t>𝑠</m:t>
-                              </m:r>
-                            </m:e>
-                            <m:sub>
-                              <m:r>
-                                <a:rPr lang="ru-RU" sz="2300" i="1">
-                                  <a:latin typeface="Cambria Math" panose="02040503050406030204" pitchFamily="18" charset="0"/>
-                                </a:rPr>
-                                <m:t>𝑘</m:t>
-                              </m:r>
-                            </m:sub>
-                          </m:sSub>
-                        </m:den>
-                      </m:f>
-                      <m:nary>
-                        <m:naryPr>
-                          <m:chr m:val="∑"/>
-                          <m:limLoc m:val="undOvr"/>
-                          <m:subHide m:val="on"/>
-                          <m:supHide m:val="on"/>
-                          <m:ctrlPr>
-                            <a:rPr lang="ru-RU" sz="2300" i="1">
-                              <a:latin typeface="Cambria Math" panose="02040503050406030204" pitchFamily="18" charset="0"/>
-                            </a:rPr>
-                          </m:ctrlPr>
-                        </m:naryPr>
-                        <m:sub/>
-                        <m:sup/>
-                        <m:e>
-                          <m:sSub>
-                            <m:sSubPr>
-                              <m:ctrlPr>
-                                <a:rPr lang="ru-RU" sz="2300" i="1">
-                                  <a:latin typeface="Cambria Math" panose="02040503050406030204" pitchFamily="18" charset="0"/>
-                                </a:rPr>
-                              </m:ctrlPr>
-                            </m:sSubPr>
-                            <m:e>
-                              <m:r>
-                                <a:rPr lang="ru-RU" sz="2300" i="1">
-                                  <a:latin typeface="Cambria Math" panose="02040503050406030204" pitchFamily="18" charset="0"/>
-                                </a:rPr>
-                                <m:t>𝑋</m:t>
-                              </m:r>
-                            </m:e>
-                            <m:sub>
-                              <m:r>
-                                <a:rPr lang="ru-RU" sz="2300" i="1">
-                                  <a:latin typeface="Cambria Math" panose="02040503050406030204" pitchFamily="18" charset="0"/>
-                                </a:rPr>
-                                <m:t>𝑘</m:t>
-                              </m:r>
-                            </m:sub>
-                          </m:sSub>
-                        </m:e>
-                      </m:nary>
-                      <m:r>
-                        <a:rPr lang="ru-RU" sz="2300" i="1">
-                          <a:latin typeface="Cambria Math" panose="02040503050406030204" pitchFamily="18" charset="0"/>
-                        </a:rPr>
-                        <m:t>, где </m:t>
-                      </m:r>
-                      <m:sSub>
-                        <m:sSubPr>
-                          <m:ctrlPr>
-                            <a:rPr lang="ru-RU" sz="2300" i="1">
-                              <a:latin typeface="Cambria Math" panose="02040503050406030204" pitchFamily="18" charset="0"/>
-                            </a:rPr>
-                          </m:ctrlPr>
-                        </m:sSubPr>
-                        <m:e>
-                          <m:r>
-                            <a:rPr lang="en-US" sz="2300" i="1">
-                              <a:latin typeface="Cambria Math" panose="02040503050406030204" pitchFamily="18" charset="0"/>
-                            </a:rPr>
-                            <m:t>𝑠</m:t>
-                          </m:r>
-                        </m:e>
-                        <m:sub>
-                          <m:r>
-                            <a:rPr lang="ru-RU" sz="2300" i="1">
-                              <a:latin typeface="Cambria Math" panose="02040503050406030204" pitchFamily="18" charset="0"/>
-                            </a:rPr>
-                            <m:t>𝑘</m:t>
-                          </m:r>
-                        </m:sub>
-                      </m:sSub>
-                      <m:r>
-                        <a:rPr lang="ru-RU" sz="2300" i="1">
-                          <a:latin typeface="Cambria Math" panose="02040503050406030204" pitchFamily="18" charset="0"/>
-                        </a:rPr>
-                        <m:t>−количество точек в кластере </m:t>
-                      </m:r>
-                      <m:r>
-                        <a:rPr lang="en-US" sz="2300" i="1">
-                          <a:latin typeface="Cambria Math" panose="02040503050406030204" pitchFamily="18" charset="0"/>
-                        </a:rPr>
-                        <m:t>𝑘</m:t>
-                      </m:r>
-                    </m:oMath>
-                  </m:oMathPara>
-                </a14:m>
-                <a:endParaRPr lang="ru-RU" sz="2300" dirty="0"/>
-              </a:p>
-              <a:p>
-                <a:pPr marL="0" indent="0">
-                  <a:buNone/>
-                </a:pPr>
-                <a:r>
-                  <a:rPr lang="ru-RU" sz="2300" dirty="0" smtClean="0"/>
-                  <a:t>5. Сравнить </a:t>
-                </a:r>
-                <a:r>
-                  <a:rPr lang="ru-RU" sz="2300" dirty="0"/>
-                  <a:t>значения </a:t>
-                </a:r>
-                <a14:m>
-                  <m:oMath xmlns:m="http://schemas.openxmlformats.org/officeDocument/2006/math">
-                    <m:sSub>
-                      <m:sSubPr>
-                        <m:ctrlPr>
-                          <a:rPr lang="ru-RU" sz="2300" i="1">
-                            <a:latin typeface="Cambria Math" panose="02040503050406030204" pitchFamily="18" charset="0"/>
-                          </a:rPr>
-                        </m:ctrlPr>
-                      </m:sSubPr>
-                      <m:e>
-                        <m:r>
-                          <a:rPr lang="ru-RU" sz="2300" i="1">
-                            <a:latin typeface="Cambria Math" panose="02040503050406030204" pitchFamily="18" charset="0"/>
-                          </a:rPr>
-                          <m:t>𝜇</m:t>
-                        </m:r>
-                      </m:e>
-                      <m:sub>
-                        <m:r>
-                          <a:rPr lang="ru-RU" sz="2300" i="1">
-                            <a:latin typeface="Cambria Math" panose="02040503050406030204" pitchFamily="18" charset="0"/>
-                          </a:rPr>
-                          <m:t>𝑘</m:t>
-                        </m:r>
-                      </m:sub>
-                    </m:sSub>
-                  </m:oMath>
-                </a14:m>
-                <a:r>
-                  <a:rPr lang="ru-RU" sz="2300" dirty="0"/>
-                  <a:t> с полученными на предыдущей итерации. В случае нахождения хотя бы одного несовпадения перейти к шагу 2.</a:t>
-                </a:r>
-              </a:p>
-              <a:p>
-                <a:pPr marL="0" indent="0">
-                  <a:buNone/>
-                </a:pPr>
-                <a:r>
-                  <a:rPr lang="ru-RU" sz="2300" dirty="0" smtClean="0"/>
-                  <a:t>6. Конец </a:t>
-                </a:r>
-                <a:r>
-                  <a:rPr lang="ru-RU" sz="2300" dirty="0"/>
-                  <a:t>алгоритма</a:t>
-                </a:r>
-              </a:p>
-              <a:p>
-                <a:endParaRPr lang="ru-RU" dirty="0"/>
-              </a:p>
-            </p:txBody>
-          </p:sp>
-        </mc:Choice>
-        <mc:Fallback>
-          <p:sp>
-            <p:nvSpPr>
-              <p:cNvPr id="3" name="Объект 2"/>
-              <p:cNvSpPr>
-                <a:spLocks noGrp="1" noRot="1" noChangeAspect="1" noMove="1" noResize="1" noEditPoints="1" noAdjustHandles="1" noChangeArrowheads="1" noChangeShapeType="1" noTextEdit="1"/>
-              </p:cNvSpPr>
-              <p:nvPr>
-                <p:ph idx="1"/>
-              </p:nvPr>
-            </p:nvSpPr>
-            <p:spPr>
-              <a:xfrm>
-                <a:off x="468800" y="1833511"/>
-                <a:ext cx="7569731" cy="4772006"/>
-              </a:xfrm>
-              <a:blipFill rotWithShape="0">
-                <a:blip r:embed="rId3"/>
-                <a:stretch>
-                  <a:fillRect l="-483" t="-1660"/>
-                </a:stretch>
-              </a:blipFill>
-            </p:spPr>
-            <p:txBody>
-              <a:bodyPr/>
-              <a:lstStyle/>
-              <a:p>
-                <a:r>
-                  <a:rPr lang="ru-RU">
-                    <a:noFill/>
-                  </a:rPr>
-                  <a:t> </a:t>
-                </a:r>
-              </a:p>
-            </p:txBody>
-          </p:sp>
-        </mc:Fallback>
-      </mc:AlternateContent>
-      <p:sp>
-        <p:nvSpPr>
-          <p:cNvPr id="4" name="Номер слайда 3"/>
-          <p:cNvSpPr>
-            <a:spLocks noGrp="1"/>
-          </p:cNvSpPr>
-          <p:nvPr>
-            <p:ph type="sldNum" sz="quarter" idx="12"/>
-          </p:nvPr>
-        </p:nvSpPr>
-        <p:spPr/>
-        <p:txBody>
-          <a:bodyPr/>
-          <a:lstStyle/>
-          <a:p>
-            <a:fld id="{B8FD4787-A815-42E7-9C3F-EE8E3DD8A60B}" type="slidenum">
-              <a:rPr lang="ru-RU" smtClean="0"/>
-              <a:t>5</a:t>
-            </a:fld>
-            <a:endParaRPr lang="ru-RU"/>
-          </a:p>
-        </p:txBody>
-      </p:sp>
-    </p:spTree>
-    <p:extLst>
-      <p:ext uri="{BB962C8B-B14F-4D97-AF65-F5344CB8AC3E}">
-        <p14:creationId xmlns:p14="http://schemas.microsoft.com/office/powerpoint/2010/main" val="461532867"/>
-      </p:ext>
-    </p:extLst>
-  </p:cSld>
-  <p:clrMapOvr>
-    <a:masterClrMapping/>
-  </p:clrMapOvr>
-</p:sld>
-</file>
-
-<file path=ppt/slides/slide6.xml><?xml version="1.0" encoding="utf-8"?>
-<p:sld xmlns:a="http://schemas.openxmlformats.org/drawingml/2006/main" xmlns:r="http://schemas.openxmlformats.org/officeDocument/2006/relationships" xmlns:p="http://schemas.openxmlformats.org/presentationml/2006/main">
-  <p:cSld>
-    <p:spTree>
-      <p:nvGrpSpPr>
-        <p:cNvPr id="1" name=""/>
-        <p:cNvGrpSpPr/>
-        <p:nvPr/>
-      </p:nvGrpSpPr>
-      <p:grpSpPr>
-        <a:xfrm>
-          <a:off x="0" y="0"/>
-          <a:ext cx="0" cy="0"/>
-          <a:chOff x="0" y="0"/>
-          <a:chExt cx="0" cy="0"/>
-        </a:xfrm>
-      </p:grpSpPr>
-      <p:sp>
-        <p:nvSpPr>
-          <p:cNvPr id="2" name="Заголовок 1"/>
-          <p:cNvSpPr>
-            <a:spLocks noGrp="1"/>
-          </p:cNvSpPr>
-          <p:nvPr>
-            <p:ph type="title"/>
-          </p:nvPr>
-        </p:nvSpPr>
-        <p:spPr>
-          <a:xfrm>
-            <a:off x="946404" y="259308"/>
-            <a:ext cx="7105775" cy="776922"/>
-          </a:xfrm>
-        </p:spPr>
-        <p:txBody>
-          <a:bodyPr>
-            <a:normAutofit/>
-          </a:bodyPr>
-          <a:lstStyle/>
-          <a:p>
-            <a:r>
-              <a:rPr lang="ru-RU" dirty="0" smtClean="0"/>
-              <a:t>Диаграмма деятельности</a:t>
-            </a:r>
-            <a:endParaRPr lang="ru-RU" dirty="0"/>
-          </a:p>
-        </p:txBody>
-      </p:sp>
-      <p:sp>
-        <p:nvSpPr>
-          <p:cNvPr id="3" name="Объект 2"/>
-          <p:cNvSpPr>
-            <a:spLocks noGrp="1"/>
-          </p:cNvSpPr>
-          <p:nvPr>
-            <p:ph idx="1"/>
-          </p:nvPr>
-        </p:nvSpPr>
-        <p:spPr/>
-        <p:txBody>
-          <a:bodyPr/>
-          <a:lstStyle/>
-          <a:p>
-            <a:endParaRPr lang="ru-RU"/>
-          </a:p>
-        </p:txBody>
-      </p:sp>
-      <p:sp>
-        <p:nvSpPr>
-          <p:cNvPr id="4" name="Номер слайда 3"/>
-          <p:cNvSpPr>
-            <a:spLocks noGrp="1"/>
-          </p:cNvSpPr>
-          <p:nvPr>
-            <p:ph type="sldNum" sz="quarter" idx="12"/>
-          </p:nvPr>
-        </p:nvSpPr>
-        <p:spPr/>
-        <p:txBody>
-          <a:bodyPr/>
-          <a:lstStyle/>
-          <a:p>
-            <a:fld id="{B8FD4787-A815-42E7-9C3F-EE8E3DD8A60B}" type="slidenum">
-              <a:rPr lang="ru-RU" smtClean="0"/>
-              <a:t>6</a:t>
-            </a:fld>
-            <a:endParaRPr lang="ru-RU"/>
-          </a:p>
-        </p:txBody>
-      </p:sp>
-      <p:pic>
-        <p:nvPicPr>
-          <p:cNvPr id="5" name="Рисунок 4" descr="C:\Users\Екатерина\Downloads\Basic State Diagram - UML State Diagram (1).png"/>
-          <p:cNvPicPr/>
-          <p:nvPr/>
-        </p:nvPicPr>
-        <p:blipFill>
-          <a:blip r:embed="rId2">
-            <a:extLst>
-              <a:ext uri="{28A0092B-C50C-407E-A947-70E740481C1C}">
-                <a14:useLocalDpi xmlns:a14="http://schemas.microsoft.com/office/drawing/2010/main" val="0"/>
-              </a:ext>
-            </a:extLst>
-          </a:blip>
-          <a:srcRect/>
-          <a:stretch>
-            <a:fillRect/>
-          </a:stretch>
-        </p:blipFill>
-        <p:spPr bwMode="auto">
-          <a:xfrm>
-            <a:off x="2340864" y="1261269"/>
-            <a:ext cx="3657600" cy="5486399"/>
-          </a:xfrm>
-          <a:prstGeom prst="rect">
-            <a:avLst/>
-          </a:prstGeom>
-          <a:noFill/>
-          <a:ln>
-            <a:noFill/>
-          </a:ln>
-        </p:spPr>
-      </p:pic>
-    </p:spTree>
-    <p:extLst>
-      <p:ext uri="{BB962C8B-B14F-4D97-AF65-F5344CB8AC3E}">
-        <p14:creationId xmlns:p14="http://schemas.microsoft.com/office/powerpoint/2010/main" val="1613910406"/>
-      </p:ext>
-    </p:extLst>
-  </p:cSld>
-  <p:clrMapOvr>
-    <a:masterClrMapping/>
-  </p:clrMapOvr>
-  <p:timing>
-    <p:tnLst>
-      <p:par>
-        <p:cTn id="1" dur="indefinite" restart="never" nodeType="tmRoot"/>
-      </p:par>
-    </p:tnLst>
-  </p:timing>
-</p:sld>
-</file>
-
-<file path=ppt/slides/slide7.xml><?xml version="1.0" encoding="utf-8"?>
-<p:sld xmlns:a="http://schemas.openxmlformats.org/drawingml/2006/main" xmlns:r="http://schemas.openxmlformats.org/officeDocument/2006/relationships" xmlns:p="http://schemas.openxmlformats.org/presentationml/2006/main">
-  <p:cSld>
-    <p:spTree>
-      <p:nvGrpSpPr>
-        <p:cNvPr id="1" name=""/>
-        <p:cNvGrpSpPr/>
-        <p:nvPr/>
-      </p:nvGrpSpPr>
-      <p:grpSpPr>
-        <a:xfrm>
-          <a:off x="0" y="0"/>
-          <a:ext cx="0" cy="0"/>
-          <a:chOff x="0" y="0"/>
-          <a:chExt cx="0" cy="0"/>
-        </a:xfrm>
-      </p:grpSpPr>
-      <p:sp>
-        <p:nvSpPr>
-          <p:cNvPr id="2" name="Заголовок 1"/>
-          <p:cNvSpPr>
-            <a:spLocks noGrp="1"/>
-          </p:cNvSpPr>
-          <p:nvPr>
-            <p:ph type="title"/>
-          </p:nvPr>
-        </p:nvSpPr>
-        <p:spPr>
-          <a:xfrm>
             <a:off x="900112" y="157161"/>
             <a:ext cx="6930009" cy="748347"/>
           </a:xfrm>
         </p:spPr>
         <p:txBody>
-          <a:bodyPr/>
-          <a:lstStyle/>
-          <a:p>
-            <a:r>
-              <a:rPr lang="ru-RU" dirty="0" smtClean="0"/>
-              <a:t>Пример</a:t>
-            </a:r>
-            <a:endParaRPr lang="ru-RU" dirty="0"/>
+          <a:bodyPr>
+            <a:normAutofit fontScale="90000"/>
+          </a:bodyPr>
+          <a:lstStyle/>
+          <a:p>
+            <a:r>
+              <a:rPr lang="ru-RU" dirty="0" smtClean="0">
+                <a:solidFill>
+                  <a:srgbClr val="FF0000"/>
+                </a:solidFill>
+              </a:rPr>
+              <a:t>Пример (чего?) Связать пример и функции</a:t>
+            </a:r>
+            <a:endParaRPr lang="ru-RU" dirty="0">
+              <a:solidFill>
+                <a:srgbClr val="FF0000"/>
+              </a:solidFill>
+            </a:endParaRPr>
           </a:p>
         </p:txBody>
       </p:sp>
@@ -16974,7 +15275,7 @@
           <a:p>
             <a:fld id="{B8FD4787-A815-42E7-9C3F-EE8E3DD8A60B}" type="slidenum">
               <a:rPr lang="ru-RU" smtClean="0"/>
-              <a:t>7</a:t>
+              <a:t>5</a:t>
             </a:fld>
             <a:endParaRPr lang="ru-RU"/>
           </a:p>
@@ -17013,6 +15314,70 @@
           </a:ln>
         </p:spPr>
       </p:pic>
+      <p:sp>
+        <p:nvSpPr>
+          <p:cNvPr id="3" name="TextBox 2"/>
+          <p:cNvSpPr txBox="1"/>
+          <p:nvPr/>
+        </p:nvSpPr>
+        <p:spPr>
+          <a:xfrm>
+            <a:off x="4270917" y="4036741"/>
+            <a:ext cx="2916183" cy="369332"/>
+          </a:xfrm>
+          <a:prstGeom prst="rect">
+            <a:avLst/>
+          </a:prstGeom>
+          <a:noFill/>
+        </p:spPr>
+        <p:txBody>
+          <a:bodyPr wrap="none" rtlCol="0">
+            <a:spAutoFit/>
+          </a:bodyPr>
+          <a:lstStyle/>
+          <a:p>
+            <a:r>
+              <a:rPr lang="ru-RU" dirty="0" smtClean="0"/>
+              <a:t>формула вычисления </a:t>
+            </a:r>
+            <a:r>
+              <a:rPr lang="en-US" dirty="0" err="1" smtClean="0"/>
+              <a:t>aij</a:t>
+            </a:r>
+            <a:endParaRPr lang="en-US" dirty="0"/>
+          </a:p>
+        </p:txBody>
+      </p:sp>
+      <p:sp>
+        <p:nvSpPr>
+          <p:cNvPr id="7" name="TextBox 6"/>
+          <p:cNvSpPr txBox="1"/>
+          <p:nvPr/>
+        </p:nvSpPr>
+        <p:spPr>
+          <a:xfrm>
+            <a:off x="5270809" y="2217782"/>
+            <a:ext cx="2214068" cy="369332"/>
+          </a:xfrm>
+          <a:prstGeom prst="rect">
+            <a:avLst/>
+          </a:prstGeom>
+          <a:noFill/>
+        </p:spPr>
+        <p:txBody>
+          <a:bodyPr wrap="none" rtlCol="0">
+            <a:spAutoFit/>
+          </a:bodyPr>
+          <a:lstStyle/>
+          <a:p>
+            <a:r>
+              <a:rPr lang="ru-RU" dirty="0" smtClean="0"/>
+              <a:t>Увеличить шрифт</a:t>
+            </a:r>
+            <a:endParaRPr lang="en-US" dirty="0"/>
+          </a:p>
+        </p:txBody>
+      </p:sp>
     </p:spTree>
     <p:extLst>
       <p:ext uri="{BB962C8B-B14F-4D97-AF65-F5344CB8AC3E}">
@@ -17033,6 +15398,1944 @@
 </p:sld>
 </file>
 
+<file path=ppt/slides/slide6.xml><?xml version="1.0" encoding="utf-8"?>
+<p:sld xmlns:a="http://schemas.openxmlformats.org/drawingml/2006/main" xmlns:r="http://schemas.openxmlformats.org/officeDocument/2006/relationships" xmlns:p="http://schemas.openxmlformats.org/presentationml/2006/main">
+  <p:cSld>
+    <p:spTree>
+      <p:nvGrpSpPr>
+        <p:cNvPr id="1" name=""/>
+        <p:cNvGrpSpPr/>
+        <p:nvPr/>
+      </p:nvGrpSpPr>
+      <p:grpSpPr>
+        <a:xfrm>
+          <a:off x="0" y="0"/>
+          <a:ext cx="0" cy="0"/>
+          <a:chOff x="0" y="0"/>
+          <a:chExt cx="0" cy="0"/>
+        </a:xfrm>
+      </p:grpSpPr>
+      <p:sp>
+        <p:nvSpPr>
+          <p:cNvPr id="2" name="Заголовок 1"/>
+          <p:cNvSpPr>
+            <a:spLocks noGrp="1"/>
+          </p:cNvSpPr>
+          <p:nvPr>
+            <p:ph type="title"/>
+          </p:nvPr>
+        </p:nvSpPr>
+        <p:spPr>
+          <a:xfrm>
+            <a:off x="946404" y="0"/>
+            <a:ext cx="7269480" cy="1325562"/>
+          </a:xfrm>
+        </p:spPr>
+        <p:txBody>
+          <a:bodyPr>
+            <a:normAutofit/>
+          </a:bodyPr>
+          <a:lstStyle/>
+          <a:p>
+            <a:r>
+              <a:rPr lang="ru-RU" dirty="0" smtClean="0"/>
+              <a:t>Применение </a:t>
+            </a:r>
+            <a:r>
+              <a:rPr lang="ru-RU" dirty="0"/>
+              <a:t>алгоритма кластеризации для </a:t>
+            </a:r>
+            <a:r>
+              <a:rPr lang="ru-RU" dirty="0" smtClean="0"/>
+              <a:t>запросов</a:t>
+            </a:r>
+            <a:endParaRPr lang="ru-RU" dirty="0"/>
+          </a:p>
+        </p:txBody>
+      </p:sp>
+      <mc:AlternateContent xmlns:mc="http://schemas.openxmlformats.org/markup-compatibility/2006" xmlns:a14="http://schemas.microsoft.com/office/drawing/2010/main">
+        <mc:Choice Requires="a14">
+          <p:sp>
+            <p:nvSpPr>
+              <p:cNvPr id="3" name="Объект 2"/>
+              <p:cNvSpPr>
+                <a:spLocks noGrp="1"/>
+              </p:cNvSpPr>
+              <p:nvPr>
+                <p:ph idx="1"/>
+              </p:nvPr>
+            </p:nvSpPr>
+            <p:spPr>
+              <a:xfrm>
+                <a:off x="1055585" y="1610437"/>
+                <a:ext cx="6873763" cy="4776715"/>
+              </a:xfrm>
+            </p:spPr>
+            <p:txBody>
+              <a:bodyPr>
+                <a:normAutofit fontScale="92500"/>
+              </a:bodyPr>
+              <a:lstStyle/>
+              <a:p>
+                <a:pPr marL="0" indent="0" algn="just">
+                  <a:buNone/>
+                </a:pPr>
+                <a:r>
+                  <a:rPr lang="ru-RU" dirty="0"/>
+                  <a:t>Сборщик позиций производит постоянный мониторинг позиций </a:t>
+                </a:r>
+                <a14:m>
+                  <m:oMath xmlns:m="http://schemas.openxmlformats.org/officeDocument/2006/math">
+                    <m:sSubSup>
+                      <m:sSubSupPr>
+                        <m:ctrlPr>
+                          <a:rPr lang="ru-RU" i="1">
+                            <a:latin typeface="Cambria Math" charset="0"/>
+                          </a:rPr>
+                        </m:ctrlPr>
+                      </m:sSubSupPr>
+                      <m:e>
+                        <m:r>
+                          <a:rPr lang="ru-RU" i="1">
+                            <a:latin typeface="Cambria Math" panose="02040503050406030204" pitchFamily="18" charset="0"/>
+                          </a:rPr>
+                          <m:t>𝑝</m:t>
+                        </m:r>
+                      </m:e>
+                      <m:sub>
+                        <m:sSub>
+                          <m:sSubPr>
+                            <m:ctrlPr>
+                              <a:rPr lang="ru-RU" i="1">
+                                <a:latin typeface="Cambria Math" charset="0"/>
+                              </a:rPr>
+                            </m:ctrlPr>
+                          </m:sSubPr>
+                          <m:e>
+                            <m:sSub>
+                              <m:sSubPr>
+                                <m:ctrlPr>
+                                  <a:rPr lang="ru-RU" i="1">
+                                    <a:latin typeface="Cambria Math" charset="0"/>
+                                  </a:rPr>
+                                </m:ctrlPr>
+                              </m:sSubPr>
+                              <m:e>
+                                <m:r>
+                                  <a:rPr lang="ru-RU" i="1">
+                                    <a:latin typeface="Cambria Math" panose="02040503050406030204" pitchFamily="18" charset="0"/>
+                                  </a:rPr>
+                                  <m:t>𝑞</m:t>
+                                </m:r>
+                              </m:e>
+                              <m:sub>
+                                <m:r>
+                                  <a:rPr lang="ru-RU" i="1">
+                                    <a:latin typeface="Cambria Math" panose="02040503050406030204" pitchFamily="18" charset="0"/>
+                                  </a:rPr>
+                                  <m:t>𝑖</m:t>
+                                </m:r>
+                              </m:sub>
+                            </m:sSub>
+                            <m:r>
+                              <a:rPr lang="ru-RU" i="1">
+                                <a:latin typeface="Cambria Math" panose="02040503050406030204" pitchFamily="18" charset="0"/>
+                              </a:rPr>
+                              <m:t>𝑟</m:t>
+                            </m:r>
+                          </m:e>
+                          <m:sub>
+                            <m:r>
+                              <a:rPr lang="ru-RU" i="1">
+                                <a:latin typeface="Cambria Math" panose="02040503050406030204" pitchFamily="18" charset="0"/>
+                              </a:rPr>
+                              <m:t>𝑗</m:t>
+                            </m:r>
+                          </m:sub>
+                        </m:sSub>
+                      </m:sub>
+                      <m:sup>
+                        <m:r>
+                          <a:rPr lang="ru-RU" i="1">
+                            <a:latin typeface="Cambria Math" panose="02040503050406030204" pitchFamily="18" charset="0"/>
+                          </a:rPr>
+                          <m:t>𝑑</m:t>
+                        </m:r>
+                      </m:sup>
+                    </m:sSubSup>
+                  </m:oMath>
+                </a14:m>
+                <a:r>
+                  <a:rPr lang="ru-RU" dirty="0"/>
+                  <a:t> ресурсов </a:t>
+                </a:r>
+                <a14:m>
+                  <m:oMath xmlns:m="http://schemas.openxmlformats.org/officeDocument/2006/math">
+                    <m:r>
+                      <a:rPr lang="en-US" i="1">
+                        <a:latin typeface="Cambria Math" panose="02040503050406030204" pitchFamily="18" charset="0"/>
+                      </a:rPr>
+                      <m:t>𝑅</m:t>
+                    </m:r>
+                    <m:r>
+                      <a:rPr lang="ru-RU" i="1">
+                        <a:latin typeface="Cambria Math" panose="02040503050406030204" pitchFamily="18" charset="0"/>
+                      </a:rPr>
+                      <m:t>=(</m:t>
+                    </m:r>
+                    <m:sSub>
+                      <m:sSubPr>
+                        <m:ctrlPr>
+                          <a:rPr lang="ru-RU" i="1">
+                            <a:latin typeface="Cambria Math" charset="0"/>
+                          </a:rPr>
+                        </m:ctrlPr>
+                      </m:sSubPr>
+                      <m:e>
+                        <m:r>
+                          <a:rPr lang="ru-RU" i="1">
+                            <a:latin typeface="Cambria Math" panose="02040503050406030204" pitchFamily="18" charset="0"/>
+                          </a:rPr>
+                          <m:t>𝑟</m:t>
+                        </m:r>
+                      </m:e>
+                      <m:sub>
+                        <m:r>
+                          <a:rPr lang="ru-RU" i="1">
+                            <a:latin typeface="Cambria Math" panose="02040503050406030204" pitchFamily="18" charset="0"/>
+                          </a:rPr>
+                          <m:t>1</m:t>
+                        </m:r>
+                      </m:sub>
+                    </m:sSub>
+                    <m:r>
+                      <a:rPr lang="ru-RU" i="1">
+                        <a:latin typeface="Cambria Math" panose="02040503050406030204" pitchFamily="18" charset="0"/>
+                      </a:rPr>
+                      <m:t>,</m:t>
+                    </m:r>
+                    <m:sSub>
+                      <m:sSubPr>
+                        <m:ctrlPr>
+                          <a:rPr lang="ru-RU" i="1">
+                            <a:latin typeface="Cambria Math" charset="0"/>
+                          </a:rPr>
+                        </m:ctrlPr>
+                      </m:sSubPr>
+                      <m:e>
+                        <m:r>
+                          <a:rPr lang="ru-RU" i="1">
+                            <a:latin typeface="Cambria Math" panose="02040503050406030204" pitchFamily="18" charset="0"/>
+                          </a:rPr>
+                          <m:t>𝑟</m:t>
+                        </m:r>
+                      </m:e>
+                      <m:sub>
+                        <m:r>
+                          <a:rPr lang="ru-RU" i="1">
+                            <a:latin typeface="Cambria Math" panose="02040503050406030204" pitchFamily="18" charset="0"/>
+                          </a:rPr>
+                          <m:t>2</m:t>
+                        </m:r>
+                      </m:sub>
+                    </m:sSub>
+                    <m:r>
+                      <a:rPr lang="ru-RU" i="1">
+                        <a:latin typeface="Cambria Math" panose="02040503050406030204" pitchFamily="18" charset="0"/>
+                      </a:rPr>
+                      <m:t>…</m:t>
+                    </m:r>
+                    <m:sSub>
+                      <m:sSubPr>
+                        <m:ctrlPr>
+                          <a:rPr lang="ru-RU" i="1">
+                            <a:latin typeface="Cambria Math" charset="0"/>
+                          </a:rPr>
+                        </m:ctrlPr>
+                      </m:sSubPr>
+                      <m:e>
+                        <m:r>
+                          <a:rPr lang="ru-RU" i="1">
+                            <a:latin typeface="Cambria Math" panose="02040503050406030204" pitchFamily="18" charset="0"/>
+                          </a:rPr>
+                          <m:t>𝑟</m:t>
+                        </m:r>
+                      </m:e>
+                      <m:sub>
+                        <m:r>
+                          <a:rPr lang="en-US" i="1">
+                            <a:latin typeface="Cambria Math" panose="02040503050406030204" pitchFamily="18" charset="0"/>
+                          </a:rPr>
+                          <m:t>𝑛</m:t>
+                        </m:r>
+                      </m:sub>
+                    </m:sSub>
+                    <m:r>
+                      <a:rPr lang="ru-RU" i="1">
+                        <a:latin typeface="Cambria Math" panose="02040503050406030204" pitchFamily="18" charset="0"/>
+                      </a:rPr>
+                      <m:t>)</m:t>
+                    </m:r>
+                  </m:oMath>
+                </a14:m>
+                <a:r>
+                  <a:rPr lang="ru-RU" dirty="0"/>
+                  <a:t> в результатах поиска по заданному набору запросов </a:t>
+                </a:r>
+                <a14:m>
+                  <m:oMath xmlns:m="http://schemas.openxmlformats.org/officeDocument/2006/math">
+                    <m:r>
+                      <a:rPr lang="ru-RU" i="1">
+                        <a:latin typeface="Cambria Math" panose="02040503050406030204" pitchFamily="18" charset="0"/>
+                      </a:rPr>
+                      <m:t>𝑄</m:t>
+                    </m:r>
+                    <m:r>
+                      <a:rPr lang="ru-RU" i="1">
+                        <a:latin typeface="Cambria Math" panose="02040503050406030204" pitchFamily="18" charset="0"/>
+                      </a:rPr>
+                      <m:t>=(</m:t>
+                    </m:r>
+                    <m:sSub>
+                      <m:sSubPr>
+                        <m:ctrlPr>
+                          <a:rPr lang="ru-RU" i="1">
+                            <a:latin typeface="Cambria Math" charset="0"/>
+                          </a:rPr>
+                        </m:ctrlPr>
+                      </m:sSubPr>
+                      <m:e>
+                        <m:r>
+                          <a:rPr lang="ru-RU" i="1">
+                            <a:latin typeface="Cambria Math" panose="02040503050406030204" pitchFamily="18" charset="0"/>
+                          </a:rPr>
+                          <m:t>𝑞</m:t>
+                        </m:r>
+                      </m:e>
+                      <m:sub>
+                        <m:r>
+                          <a:rPr lang="ru-RU" i="1">
+                            <a:latin typeface="Cambria Math" panose="02040503050406030204" pitchFamily="18" charset="0"/>
+                          </a:rPr>
+                          <m:t>1</m:t>
+                        </m:r>
+                      </m:sub>
+                    </m:sSub>
+                    <m:r>
+                      <a:rPr lang="ru-RU" i="1">
+                        <a:latin typeface="Cambria Math" panose="02040503050406030204" pitchFamily="18" charset="0"/>
+                      </a:rPr>
+                      <m:t>,</m:t>
+                    </m:r>
+                    <m:sSub>
+                      <m:sSubPr>
+                        <m:ctrlPr>
+                          <a:rPr lang="ru-RU" i="1">
+                            <a:latin typeface="Cambria Math" charset="0"/>
+                          </a:rPr>
+                        </m:ctrlPr>
+                      </m:sSubPr>
+                      <m:e>
+                        <m:r>
+                          <a:rPr lang="ru-RU" i="1">
+                            <a:latin typeface="Cambria Math" panose="02040503050406030204" pitchFamily="18" charset="0"/>
+                          </a:rPr>
+                          <m:t>𝑞</m:t>
+                        </m:r>
+                      </m:e>
+                      <m:sub>
+                        <m:r>
+                          <a:rPr lang="ru-RU" i="1">
+                            <a:latin typeface="Cambria Math" panose="02040503050406030204" pitchFamily="18" charset="0"/>
+                          </a:rPr>
+                          <m:t>2</m:t>
+                        </m:r>
+                      </m:sub>
+                    </m:sSub>
+                    <m:r>
+                      <a:rPr lang="ru-RU" i="1">
+                        <a:latin typeface="Cambria Math" panose="02040503050406030204" pitchFamily="18" charset="0"/>
+                      </a:rPr>
+                      <m:t>…</m:t>
+                    </m:r>
+                    <m:sSub>
+                      <m:sSubPr>
+                        <m:ctrlPr>
+                          <a:rPr lang="ru-RU" i="1">
+                            <a:latin typeface="Cambria Math" charset="0"/>
+                          </a:rPr>
+                        </m:ctrlPr>
+                      </m:sSubPr>
+                      <m:e>
+                        <m:r>
+                          <a:rPr lang="ru-RU" i="1">
+                            <a:latin typeface="Cambria Math" panose="02040503050406030204" pitchFamily="18" charset="0"/>
+                          </a:rPr>
+                          <m:t>𝑞</m:t>
+                        </m:r>
+                      </m:e>
+                      <m:sub>
+                        <m:r>
+                          <a:rPr lang="ru-RU" i="1">
+                            <a:latin typeface="Cambria Math" panose="02040503050406030204" pitchFamily="18" charset="0"/>
+                          </a:rPr>
+                          <m:t>𝑚</m:t>
+                        </m:r>
+                      </m:sub>
+                    </m:sSub>
+                    <m:r>
+                      <a:rPr lang="ru-RU" i="1">
+                        <a:latin typeface="Cambria Math" panose="02040503050406030204" pitchFamily="18" charset="0"/>
+                      </a:rPr>
+                      <m:t>)</m:t>
+                    </m:r>
+                  </m:oMath>
+                </a14:m>
+                <a:r>
+                  <a:rPr lang="ru-RU" dirty="0"/>
+                  <a:t> в день </a:t>
+                </a:r>
+                <a14:m>
+                  <m:oMath xmlns:m="http://schemas.openxmlformats.org/officeDocument/2006/math">
+                    <m:r>
+                      <a:rPr lang="ru-RU" i="1">
+                        <a:latin typeface="Cambria Math" panose="02040503050406030204" pitchFamily="18" charset="0"/>
+                      </a:rPr>
+                      <m:t>𝑑</m:t>
+                    </m:r>
+                  </m:oMath>
+                </a14:m>
+                <a:r>
+                  <a:rPr lang="ru-RU" dirty="0"/>
+                  <a:t>. Основной характеристикой отслеживания является максимальная глубина поиска </a:t>
+                </a:r>
+                <a14:m>
+                  <m:oMath xmlns:m="http://schemas.openxmlformats.org/officeDocument/2006/math">
+                    <m:r>
+                      <a:rPr lang="ru-RU" i="1">
+                        <a:latin typeface="Cambria Math" panose="02040503050406030204" pitchFamily="18" charset="0"/>
+                      </a:rPr>
+                      <m:t>𝐷</m:t>
+                    </m:r>
+                  </m:oMath>
+                </a14:m>
+                <a:r>
+                  <a:rPr lang="ru-RU" dirty="0"/>
+                  <a:t>, определяющая максимальное количество позиций, анализируемых сборщиком.</a:t>
+                </a:r>
+              </a:p>
+              <a:p>
+                <a:pPr marL="0" indent="0" algn="just">
+                  <a:buNone/>
+                </a:pPr>
+                <a:r>
+                  <a:rPr lang="ru-RU" dirty="0"/>
+                  <a:t>Исходной информацией для алгоритма кластеризации </a:t>
+                </a:r>
+                <a:r>
+                  <a:rPr lang="ru-RU" dirty="0" smtClean="0"/>
+                  <a:t>в является </a:t>
+                </a:r>
+                <a:r>
+                  <a:rPr lang="ru-RU" dirty="0"/>
+                  <a:t>матрица </a:t>
+                </a:r>
+                <a14:m>
+                  <m:oMath xmlns:m="http://schemas.openxmlformats.org/officeDocument/2006/math">
+                    <m:r>
+                      <a:rPr lang="ru-RU" i="1">
+                        <a:latin typeface="Cambria Math" panose="02040503050406030204" pitchFamily="18" charset="0"/>
+                      </a:rPr>
+                      <m:t>𝐴</m:t>
+                    </m:r>
+                  </m:oMath>
+                </a14:m>
+                <a:r>
+                  <a:rPr lang="ru-RU" dirty="0"/>
+                  <a:t>, каждая строка которой представляет собой поисковый запрос, а столбец представляет определенный анализируемый веб-сайт. </a:t>
+                </a:r>
+              </a:p>
+              <a:p>
+                <a:pPr marL="0" indent="0" algn="just">
+                  <a:buNone/>
+                </a:pPr>
+                <a:r>
+                  <a:rPr lang="ru-RU" dirty="0"/>
+                  <a:t>Для заполнения ячейки матрицы </a:t>
+                </a:r>
+                <a14:m>
+                  <m:oMath xmlns:m="http://schemas.openxmlformats.org/officeDocument/2006/math">
+                    <m:r>
+                      <a:rPr lang="ru-RU" i="1">
+                        <a:latin typeface="Cambria Math" panose="02040503050406030204" pitchFamily="18" charset="0"/>
+                      </a:rPr>
+                      <m:t>𝐴</m:t>
+                    </m:r>
+                  </m:oMath>
+                </a14:m>
+                <a:r>
+                  <a:rPr lang="ru-RU" dirty="0"/>
+                  <a:t> с номером </a:t>
+                </a:r>
+                <a14:m>
+                  <m:oMath xmlns:m="http://schemas.openxmlformats.org/officeDocument/2006/math">
+                    <m:r>
+                      <a:rPr lang="ru-RU" i="1">
+                        <a:latin typeface="Cambria Math" panose="02040503050406030204" pitchFamily="18" charset="0"/>
+                      </a:rPr>
+                      <m:t>[</m:t>
+                    </m:r>
+                    <m:r>
+                      <a:rPr lang="ru-RU" i="1">
+                        <a:latin typeface="Cambria Math" panose="02040503050406030204" pitchFamily="18" charset="0"/>
+                      </a:rPr>
+                      <m:t>𝑖</m:t>
+                    </m:r>
+                    <m:r>
+                      <a:rPr lang="ru-RU" i="1">
+                        <a:latin typeface="Cambria Math" panose="02040503050406030204" pitchFamily="18" charset="0"/>
+                      </a:rPr>
+                      <m:t>,</m:t>
+                    </m:r>
+                    <m:r>
+                      <a:rPr lang="ru-RU" i="1">
+                        <a:latin typeface="Cambria Math" panose="02040503050406030204" pitchFamily="18" charset="0"/>
+                      </a:rPr>
+                      <m:t>𝑗</m:t>
+                    </m:r>
+                    <m:r>
+                      <a:rPr lang="ru-RU" i="1">
+                        <a:latin typeface="Cambria Math" panose="02040503050406030204" pitchFamily="18" charset="0"/>
+                      </a:rPr>
+                      <m:t>]</m:t>
+                    </m:r>
+                  </m:oMath>
+                </a14:m>
+                <a:r>
+                  <a:rPr lang="ru-RU" dirty="0"/>
+                  <a:t>, отвечающей за усредненную позицию </a:t>
+                </a:r>
+                <a14:m>
+                  <m:oMath xmlns:m="http://schemas.openxmlformats.org/officeDocument/2006/math">
+                    <m:r>
+                      <a:rPr lang="ru-RU" i="1">
+                        <a:latin typeface="Cambria Math" panose="02040503050406030204" pitchFamily="18" charset="0"/>
+                      </a:rPr>
+                      <m:t>𝑗</m:t>
+                    </m:r>
+                  </m:oMath>
+                </a14:m>
+                <a:r>
+                  <a:rPr lang="ru-RU" dirty="0"/>
+                  <a:t>-того сайта по </a:t>
+                </a:r>
+                <a14:m>
+                  <m:oMath xmlns:m="http://schemas.openxmlformats.org/officeDocument/2006/math">
+                    <m:r>
+                      <a:rPr lang="ru-RU" i="1">
+                        <a:latin typeface="Cambria Math" panose="02040503050406030204" pitchFamily="18" charset="0"/>
+                      </a:rPr>
+                      <m:t>𝑖</m:t>
+                    </m:r>
+                  </m:oMath>
+                </a14:m>
+                <a:r>
+                  <a:rPr lang="ru-RU" dirty="0"/>
+                  <a:t>-тому запросу за </a:t>
+                </a:r>
+                <a14:m>
+                  <m:oMath xmlns:m="http://schemas.openxmlformats.org/officeDocument/2006/math">
+                    <m:r>
+                      <a:rPr lang="ru-RU" i="1">
+                        <a:latin typeface="Cambria Math" panose="02040503050406030204" pitchFamily="18" charset="0"/>
+                      </a:rPr>
+                      <m:t>𝑙</m:t>
+                    </m:r>
+                  </m:oMath>
+                </a14:m>
+                <a:r>
+                  <a:rPr lang="ru-RU" dirty="0"/>
+                  <a:t> дней, воспользуемся следующей метрикой:</a:t>
+                </a:r>
+              </a:p>
+              <a:p>
+                <a:pPr marL="0" indent="0" algn="just">
+                  <a:buNone/>
+                </a:pPr>
+                <a14:m>
+                  <m:oMath xmlns:m="http://schemas.openxmlformats.org/officeDocument/2006/math">
+                    <m:sSub>
+                      <m:sSubPr>
+                        <m:ctrlPr>
+                          <a:rPr lang="ru-RU" i="1">
+                            <a:latin typeface="Cambria Math" charset="0"/>
+                          </a:rPr>
+                        </m:ctrlPr>
+                      </m:sSubPr>
+                      <m:e>
+                        <m:r>
+                          <a:rPr lang="en-US" i="1">
+                            <a:latin typeface="Cambria Math" panose="02040503050406030204" pitchFamily="18" charset="0"/>
+                          </a:rPr>
+                          <m:t>𝑎</m:t>
+                        </m:r>
+                      </m:e>
+                      <m:sub>
+                        <m:r>
+                          <a:rPr lang="en-US" i="1">
+                            <a:latin typeface="Cambria Math" panose="02040503050406030204" pitchFamily="18" charset="0"/>
+                          </a:rPr>
+                          <m:t>𝑖𝑗</m:t>
+                        </m:r>
+                      </m:sub>
+                    </m:sSub>
+                    <m:r>
+                      <a:rPr lang="ru-RU" i="1">
+                        <a:latin typeface="Cambria Math" panose="02040503050406030204" pitchFamily="18" charset="0"/>
+                      </a:rPr>
+                      <m:t>=</m:t>
+                    </m:r>
+                    <m:d>
+                      <m:dPr>
+                        <m:begChr m:val="{"/>
+                        <m:endChr m:val=""/>
+                        <m:ctrlPr>
+                          <a:rPr lang="ru-RU" i="1">
+                            <a:latin typeface="Cambria Math" charset="0"/>
+                          </a:rPr>
+                        </m:ctrlPr>
+                      </m:dPr>
+                      <m:e>
+                        <m:m>
+                          <m:mPr>
+                            <m:mcs>
+                              <m:mc>
+                                <m:mcPr>
+                                  <m:count m:val="1"/>
+                                  <m:mcJc m:val="center"/>
+                                </m:mcPr>
+                              </m:mc>
+                            </m:mcs>
+                            <m:ctrlPr>
+                              <a:rPr lang="ru-RU" i="1">
+                                <a:latin typeface="Cambria Math" charset="0"/>
+                              </a:rPr>
+                            </m:ctrlPr>
+                          </m:mPr>
+                          <m:mr>
+                            <m:e>
+                              <m:f>
+                                <m:fPr>
+                                  <m:ctrlPr>
+                                    <a:rPr lang="ru-RU" i="1">
+                                      <a:latin typeface="Cambria Math" charset="0"/>
+                                    </a:rPr>
+                                  </m:ctrlPr>
+                                </m:fPr>
+                                <m:num>
+                                  <m:nary>
+                                    <m:naryPr>
+                                      <m:chr m:val="∑"/>
+                                      <m:limLoc m:val="undOvr"/>
+                                      <m:ctrlPr>
+                                        <a:rPr lang="ru-RU" i="1">
+                                          <a:latin typeface="Cambria Math" charset="0"/>
+                                        </a:rPr>
+                                      </m:ctrlPr>
+                                    </m:naryPr>
+                                    <m:sub>
+                                      <m:r>
+                                        <a:rPr lang="ru-RU" i="1">
+                                          <a:latin typeface="Cambria Math" panose="02040503050406030204" pitchFamily="18" charset="0"/>
+                                        </a:rPr>
+                                        <m:t>𝑘</m:t>
+                                      </m:r>
+                                      <m:r>
+                                        <a:rPr lang="ru-RU" i="1">
+                                          <a:latin typeface="Cambria Math" panose="02040503050406030204" pitchFamily="18" charset="0"/>
+                                        </a:rPr>
+                                        <m:t>=1</m:t>
+                                      </m:r>
+                                    </m:sub>
+                                    <m:sup>
+                                      <m:r>
+                                        <a:rPr lang="ru-RU" i="1">
+                                          <a:latin typeface="Cambria Math" panose="02040503050406030204" pitchFamily="18" charset="0"/>
+                                        </a:rPr>
+                                        <m:t>𝑙</m:t>
+                                      </m:r>
+                                    </m:sup>
+                                    <m:e>
+                                      <m:d>
+                                        <m:dPr>
+                                          <m:ctrlPr>
+                                            <a:rPr lang="ru-RU" i="1">
+                                              <a:latin typeface="Cambria Math" charset="0"/>
+                                            </a:rPr>
+                                          </m:ctrlPr>
+                                        </m:dPr>
+                                        <m:e>
+                                          <m:r>
+                                            <a:rPr lang="ru-RU" i="1">
+                                              <a:latin typeface="Cambria Math" panose="02040503050406030204" pitchFamily="18" charset="0"/>
+                                            </a:rPr>
+                                            <m:t>𝐷</m:t>
+                                          </m:r>
+                                          <m:r>
+                                            <a:rPr lang="ru-RU" i="1">
+                                              <a:latin typeface="Cambria Math" panose="02040503050406030204" pitchFamily="18" charset="0"/>
+                                            </a:rPr>
+                                            <m:t>−</m:t>
+                                          </m:r>
+                                          <m:sSubSup>
+                                            <m:sSubSupPr>
+                                              <m:ctrlPr>
+                                                <a:rPr lang="ru-RU" i="1">
+                                                  <a:latin typeface="Cambria Math" charset="0"/>
+                                                </a:rPr>
+                                              </m:ctrlPr>
+                                            </m:sSubSupPr>
+                                            <m:e>
+                                              <m:r>
+                                                <a:rPr lang="ru-RU" i="1">
+                                                  <a:latin typeface="Cambria Math" panose="02040503050406030204" pitchFamily="18" charset="0"/>
+                                                </a:rPr>
+                                                <m:t>𝑝</m:t>
+                                              </m:r>
+                                            </m:e>
+                                            <m:sub>
+                                              <m:r>
+                                                <a:rPr lang="ru-RU" i="1">
+                                                  <a:latin typeface="Cambria Math" panose="02040503050406030204" pitchFamily="18" charset="0"/>
+                                                </a:rPr>
+                                                <m:t>𝑖𝑗</m:t>
+                                              </m:r>
+                                            </m:sub>
+                                            <m:sup>
+                                              <m:r>
+                                                <a:rPr lang="ru-RU" i="1">
+                                                  <a:latin typeface="Cambria Math" panose="02040503050406030204" pitchFamily="18" charset="0"/>
+                                                </a:rPr>
+                                                <m:t>𝑘</m:t>
+                                              </m:r>
+                                            </m:sup>
+                                          </m:sSubSup>
+                                        </m:e>
+                                      </m:d>
+                                    </m:e>
+                                  </m:nary>
+                                </m:num>
+                                <m:den>
+                                  <m:r>
+                                    <a:rPr lang="ru-RU" i="1">
+                                      <a:latin typeface="Cambria Math" panose="02040503050406030204" pitchFamily="18" charset="0"/>
+                                    </a:rPr>
+                                    <m:t>𝑙</m:t>
+                                  </m:r>
+                                </m:den>
+                              </m:f>
+                              <m:r>
+                                <a:rPr lang="ru-RU" i="1">
+                                  <a:latin typeface="Cambria Math" panose="02040503050406030204" pitchFamily="18" charset="0"/>
+                                </a:rPr>
+                                <m:t>, если  сайт </m:t>
+                              </m:r>
+                              <m:r>
+                                <a:rPr lang="en-US" i="1">
+                                  <a:latin typeface="Cambria Math" panose="02040503050406030204" pitchFamily="18" charset="0"/>
+                                </a:rPr>
+                                <m:t>𝑗</m:t>
+                              </m:r>
+                              <m:r>
+                                <a:rPr lang="ru-RU" i="1">
+                                  <a:latin typeface="Cambria Math" panose="02040503050406030204" pitchFamily="18" charset="0"/>
+                                </a:rPr>
+                                <m:t> присутствует в выдаче по запрсу </m:t>
+                              </m:r>
+                              <m:r>
+                                <a:rPr lang="en-US" i="1">
+                                  <a:latin typeface="Cambria Math" panose="02040503050406030204" pitchFamily="18" charset="0"/>
+                                </a:rPr>
+                                <m:t>𝑖</m:t>
+                              </m:r>
+                            </m:e>
+                          </m:mr>
+                          <m:mr>
+                            <m:e>
+                              <m:r>
+                                <a:rPr lang="ru-RU" i="1">
+                                  <a:latin typeface="Cambria Math" panose="02040503050406030204" pitchFamily="18" charset="0"/>
+                                </a:rPr>
+                                <m:t>0,  если сайт </m:t>
+                              </m:r>
+                              <m:r>
+                                <a:rPr lang="en-US" i="1">
+                                  <a:latin typeface="Cambria Math" panose="02040503050406030204" pitchFamily="18" charset="0"/>
+                                </a:rPr>
+                                <m:t>𝑗</m:t>
+                              </m:r>
+                              <m:r>
+                                <a:rPr lang="ru-RU" i="1">
+                                  <a:latin typeface="Cambria Math" panose="02040503050406030204" pitchFamily="18" charset="0"/>
+                                </a:rPr>
+                                <m:t> отсутствует в выдаче по запросу </m:t>
+                              </m:r>
+                              <m:r>
+                                <a:rPr lang="en-US" i="1">
+                                  <a:latin typeface="Cambria Math" panose="02040503050406030204" pitchFamily="18" charset="0"/>
+                                </a:rPr>
+                                <m:t>𝑖</m:t>
+                              </m:r>
+                            </m:e>
+                          </m:mr>
+                        </m:m>
+                      </m:e>
+                    </m:d>
+                  </m:oMath>
+                </a14:m>
+                <a:r>
+                  <a:rPr lang="ru-RU" i="1" dirty="0"/>
+                  <a:t>.</a:t>
+                </a:r>
+                <a:endParaRPr lang="ru-RU" dirty="0"/>
+              </a:p>
+              <a:p>
+                <a:pPr marL="0" indent="0" algn="just">
+                  <a:buNone/>
+                </a:pPr>
+                <a:endParaRPr lang="ru-RU" dirty="0"/>
+              </a:p>
+            </p:txBody>
+          </p:sp>
+        </mc:Choice>
+        <mc:Fallback xmlns="">
+          <p:sp>
+            <p:nvSpPr>
+              <p:cNvPr id="3" name="Объект 2"/>
+              <p:cNvSpPr>
+                <a:spLocks noGrp="1" noRot="1" noChangeAspect="1" noMove="1" noResize="1" noEditPoints="1" noAdjustHandles="1" noChangeArrowheads="1" noChangeShapeType="1" noTextEdit="1"/>
+              </p:cNvSpPr>
+              <p:nvPr>
+                <p:ph idx="1"/>
+              </p:nvPr>
+            </p:nvSpPr>
+            <p:spPr>
+              <a:xfrm>
+                <a:off x="1055585" y="1610437"/>
+                <a:ext cx="6873763" cy="4776715"/>
+              </a:xfrm>
+              <a:blipFill rotWithShape="0">
+                <a:blip r:embed="rId2"/>
+                <a:stretch>
+                  <a:fillRect l="-532" t="-510" r="-532"/>
+                </a:stretch>
+              </a:blipFill>
+            </p:spPr>
+            <p:txBody>
+              <a:bodyPr/>
+              <a:lstStyle/>
+              <a:p>
+                <a:r>
+                  <a:rPr lang="ru-RU">
+                    <a:noFill/>
+                  </a:rPr>
+                  <a:t> </a:t>
+                </a:r>
+              </a:p>
+            </p:txBody>
+          </p:sp>
+        </mc:Fallback>
+      </mc:AlternateContent>
+      <p:sp>
+        <p:nvSpPr>
+          <p:cNvPr id="4" name="Номер слайда 3"/>
+          <p:cNvSpPr>
+            <a:spLocks noGrp="1"/>
+          </p:cNvSpPr>
+          <p:nvPr>
+            <p:ph type="sldNum" sz="quarter" idx="12"/>
+          </p:nvPr>
+        </p:nvSpPr>
+        <p:spPr/>
+        <p:txBody>
+          <a:bodyPr/>
+          <a:lstStyle/>
+          <a:p>
+            <a:fld id="{B8FD4787-A815-42E7-9C3F-EE8E3DD8A60B}" type="slidenum">
+              <a:rPr lang="ru-RU" smtClean="0"/>
+              <a:t>6</a:t>
+            </a:fld>
+            <a:endParaRPr lang="ru-RU"/>
+          </a:p>
+        </p:txBody>
+      </p:sp>
+    </p:spTree>
+    <p:extLst>
+      <p:ext uri="{BB962C8B-B14F-4D97-AF65-F5344CB8AC3E}">
+        <p14:creationId xmlns:p14="http://schemas.microsoft.com/office/powerpoint/2010/main" val="3465077887"/>
+      </p:ext>
+    </p:extLst>
+  </p:cSld>
+  <p:clrMapOvr>
+    <a:masterClrMapping/>
+  </p:clrMapOvr>
+  <p:timing>
+    <p:tnLst>
+      <p:par>
+        <p:cTn id="1" dur="indefinite" restart="never" nodeType="tmRoot"/>
+      </p:par>
+    </p:tnLst>
+  </p:timing>
+</p:sld>
+</file>
+
+<file path=ppt/slides/slide7.xml><?xml version="1.0" encoding="utf-8"?>
+<p:sld xmlns:a="http://schemas.openxmlformats.org/drawingml/2006/main" xmlns:r="http://schemas.openxmlformats.org/officeDocument/2006/relationships" xmlns:p="http://schemas.openxmlformats.org/presentationml/2006/main">
+  <p:cSld>
+    <p:spTree>
+      <p:nvGrpSpPr>
+        <p:cNvPr id="1" name=""/>
+        <p:cNvGrpSpPr/>
+        <p:nvPr/>
+      </p:nvGrpSpPr>
+      <p:grpSpPr>
+        <a:xfrm>
+          <a:off x="0" y="0"/>
+          <a:ext cx="0" cy="0"/>
+          <a:chOff x="0" y="0"/>
+          <a:chExt cx="0" cy="0"/>
+        </a:xfrm>
+      </p:grpSpPr>
+      <p:sp>
+        <p:nvSpPr>
+          <p:cNvPr id="2" name="Заголовок 1"/>
+          <p:cNvSpPr>
+            <a:spLocks noGrp="1"/>
+          </p:cNvSpPr>
+          <p:nvPr>
+            <p:ph type="title"/>
+          </p:nvPr>
+        </p:nvSpPr>
+        <p:spPr>
+          <a:xfrm>
+            <a:off x="468800" y="147396"/>
+            <a:ext cx="7269480" cy="1325562"/>
+          </a:xfrm>
+        </p:spPr>
+        <p:txBody>
+          <a:bodyPr>
+            <a:normAutofit/>
+          </a:bodyPr>
+          <a:lstStyle/>
+          <a:p>
+            <a:r>
+              <a:rPr lang="ru-RU" dirty="0" smtClean="0"/>
+              <a:t>Применение </a:t>
+            </a:r>
+            <a:r>
+              <a:rPr lang="ru-RU" dirty="0"/>
+              <a:t>алгоритма кластеризации для </a:t>
+            </a:r>
+            <a:r>
+              <a:rPr lang="ru-RU" dirty="0" smtClean="0"/>
+              <a:t>запросов</a:t>
+            </a:r>
+            <a:endParaRPr lang="ru-RU" dirty="0"/>
+          </a:p>
+        </p:txBody>
+      </p:sp>
+      <mc:AlternateContent xmlns:mc="http://schemas.openxmlformats.org/markup-compatibility/2006" xmlns:a14="http://schemas.microsoft.com/office/drawing/2010/main">
+        <mc:Choice Requires="a14">
+          <p:sp>
+            <p:nvSpPr>
+              <p:cNvPr id="3" name="Объект 2"/>
+              <p:cNvSpPr>
+                <a:spLocks noGrp="1"/>
+              </p:cNvSpPr>
+              <p:nvPr>
+                <p:ph idx="1"/>
+              </p:nvPr>
+            </p:nvSpPr>
+            <p:spPr>
+              <a:xfrm>
+                <a:off x="468800" y="1833511"/>
+                <a:ext cx="7569731" cy="4772006"/>
+              </a:xfrm>
+            </p:spPr>
+            <p:txBody>
+              <a:bodyPr>
+                <a:normAutofit fontScale="70000" lnSpcReduction="20000"/>
+              </a:bodyPr>
+              <a:lstStyle/>
+              <a:p>
+                <a:pPr marL="0" indent="0">
+                  <a:buNone/>
+                </a:pPr>
+                <a:r>
+                  <a:rPr lang="ru-RU" sz="2300" dirty="0" smtClean="0"/>
+                  <a:t>1. Случайным </a:t>
+                </a:r>
+                <a:r>
+                  <a:rPr lang="ru-RU" sz="2300" dirty="0"/>
+                  <a:t>образом инициализировать </a:t>
+                </a:r>
+                <a:r>
+                  <a:rPr lang="ru-RU" sz="2300" dirty="0" err="1" smtClean="0"/>
+                  <a:t>центроиды</a:t>
+                </a:r>
+                <a:r>
+                  <a:rPr lang="ru-RU" sz="2300" dirty="0" smtClean="0"/>
+                  <a:t> (</a:t>
+                </a:r>
+                <a:r>
+                  <a:rPr lang="ru-RU" sz="2100" dirty="0" smtClean="0"/>
+                  <a:t>точки, являющиеся центрами</a:t>
+                </a:r>
+                <a:r>
+                  <a:rPr lang="ru-RU" sz="2100" b="1" dirty="0" smtClean="0"/>
+                  <a:t>)</a:t>
+                </a:r>
+                <a:r>
+                  <a:rPr lang="ru-RU" sz="2300" dirty="0" smtClean="0"/>
+                  <a:t> </a:t>
+                </a:r>
+                <a14:m>
+                  <m:oMath xmlns:m="http://schemas.openxmlformats.org/officeDocument/2006/math">
+                    <m:r>
+                      <a:rPr lang="ru-RU" sz="2300" i="1">
+                        <a:latin typeface="Cambria Math" panose="02040503050406030204" pitchFamily="18" charset="0"/>
+                      </a:rPr>
+                      <m:t>𝜇</m:t>
+                    </m:r>
+                  </m:oMath>
+                </a14:m>
+                <a:r>
+                  <a:rPr lang="ru-RU" sz="2300" dirty="0"/>
+                  <a:t> кластеров запросами </a:t>
+                </a:r>
+                <a14:m>
+                  <m:oMath xmlns:m="http://schemas.openxmlformats.org/officeDocument/2006/math">
+                    <m:r>
+                      <a:rPr lang="ru-RU" sz="2300" i="1">
+                        <a:latin typeface="Cambria Math" panose="02040503050406030204" pitchFamily="18" charset="0"/>
+                      </a:rPr>
+                      <m:t>𝑞</m:t>
+                    </m:r>
+                    <m:r>
+                      <a:rPr lang="ru-RU" sz="2300" i="1">
+                        <a:latin typeface="Cambria Math" panose="02040503050406030204" pitchFamily="18" charset="0"/>
+                      </a:rPr>
+                      <m:t>, </m:t>
+                    </m:r>
+                    <m:r>
+                      <a:rPr lang="ru-RU" sz="2300" i="1">
+                        <a:latin typeface="Cambria Math" panose="02040503050406030204" pitchFamily="18" charset="0"/>
+                      </a:rPr>
+                      <m:t>𝑞</m:t>
+                    </m:r>
+                    <m:r>
+                      <a:rPr lang="ru-RU" sz="2300" i="1">
+                        <a:latin typeface="Cambria Math" panose="02040503050406030204" pitchFamily="18" charset="0"/>
+                      </a:rPr>
+                      <m:t>∈</m:t>
+                    </m:r>
+                    <m:r>
+                      <a:rPr lang="ru-RU" sz="2300" i="1">
+                        <a:latin typeface="Cambria Math" panose="02040503050406030204" pitchFamily="18" charset="0"/>
+                      </a:rPr>
+                      <m:t>𝑄</m:t>
+                    </m:r>
+                  </m:oMath>
+                </a14:m>
+                <a:r>
+                  <a:rPr lang="ru-RU" sz="2300" dirty="0"/>
+                  <a:t> так, что количество </a:t>
+                </a:r>
+                <a14:m>
+                  <m:oMath xmlns:m="http://schemas.openxmlformats.org/officeDocument/2006/math">
+                    <m:r>
+                      <a:rPr lang="ru-RU" sz="2300" i="1">
+                        <a:latin typeface="Cambria Math" panose="02040503050406030204" pitchFamily="18" charset="0"/>
+                      </a:rPr>
+                      <m:t>𝑞</m:t>
+                    </m:r>
+                  </m:oMath>
+                </a14:m>
+                <a:r>
+                  <a:rPr lang="ru-RU" sz="2300" dirty="0"/>
+                  <a:t> совпадает со значением оптимального количества кластеров, вычисленным ранее.</a:t>
+                </a:r>
+              </a:p>
+              <a:p>
+                <a:pPr marL="0" indent="0">
+                  <a:buNone/>
+                </a:pPr>
+                <a:r>
+                  <a:rPr lang="ru-RU" sz="2300" dirty="0" smtClean="0"/>
+                  <a:t>2. Для </a:t>
+                </a:r>
+                <a:r>
+                  <a:rPr lang="ru-RU" sz="2300" dirty="0"/>
+                  <a:t>каждого </a:t>
+                </a:r>
+                <a:r>
+                  <a:rPr lang="ru-RU" sz="2300" dirty="0" err="1"/>
+                  <a:t>центроида</a:t>
+                </a:r>
+                <a:r>
+                  <a:rPr lang="ru-RU" sz="2300" dirty="0"/>
+                  <a:t> </a:t>
+                </a:r>
+                <a14:m>
+                  <m:oMath xmlns:m="http://schemas.openxmlformats.org/officeDocument/2006/math">
+                    <m:sSub>
+                      <m:sSubPr>
+                        <m:ctrlPr>
+                          <a:rPr lang="ru-RU" sz="2300" i="1">
+                            <a:latin typeface="Cambria Math" charset="0"/>
+                          </a:rPr>
+                        </m:ctrlPr>
+                      </m:sSubPr>
+                      <m:e>
+                        <m:r>
+                          <a:rPr lang="ru-RU" sz="2300" i="1">
+                            <a:latin typeface="Cambria Math" panose="02040503050406030204" pitchFamily="18" charset="0"/>
+                          </a:rPr>
+                          <m:t>𝜇</m:t>
+                        </m:r>
+                      </m:e>
+                      <m:sub>
+                        <m:r>
+                          <a:rPr lang="ru-RU" sz="2300" i="1">
+                            <a:latin typeface="Cambria Math" panose="02040503050406030204" pitchFamily="18" charset="0"/>
+                          </a:rPr>
+                          <m:t>𝑘</m:t>
+                        </m:r>
+                      </m:sub>
+                    </m:sSub>
+                  </m:oMath>
+                </a14:m>
+                <a:r>
+                  <a:rPr lang="ru-RU" sz="2300" dirty="0"/>
+                  <a:t> вычислить расстояния </a:t>
+                </a:r>
+                <a14:m>
+                  <m:oMath xmlns:m="http://schemas.openxmlformats.org/officeDocument/2006/math">
+                    <m:sSub>
+                      <m:sSubPr>
+                        <m:ctrlPr>
+                          <a:rPr lang="ru-RU" sz="2300" i="1">
+                            <a:latin typeface="Cambria Math" charset="0"/>
+                          </a:rPr>
+                        </m:ctrlPr>
+                      </m:sSubPr>
+                      <m:e>
+                        <m:r>
+                          <a:rPr lang="ru-RU" sz="2300" i="1">
+                            <a:latin typeface="Cambria Math" panose="02040503050406030204" pitchFamily="18" charset="0"/>
+                          </a:rPr>
+                          <m:t>𝑙</m:t>
+                        </m:r>
+                      </m:e>
+                      <m:sub>
+                        <m:r>
+                          <a:rPr lang="ru-RU" sz="2300" i="1">
+                            <a:latin typeface="Cambria Math" panose="02040503050406030204" pitchFamily="18" charset="0"/>
+                          </a:rPr>
+                          <m:t>𝑘</m:t>
+                        </m:r>
+                        <m:r>
+                          <a:rPr lang="ru-RU" sz="2300" i="1">
+                            <a:latin typeface="Cambria Math" panose="02040503050406030204" pitchFamily="18" charset="0"/>
+                          </a:rPr>
+                          <m:t>,</m:t>
+                        </m:r>
+                        <m:r>
+                          <a:rPr lang="ru-RU" sz="2300" i="1">
+                            <a:latin typeface="Cambria Math" panose="02040503050406030204" pitchFamily="18" charset="0"/>
+                          </a:rPr>
+                          <m:t>𝑖</m:t>
+                        </m:r>
+                      </m:sub>
+                    </m:sSub>
+                  </m:oMath>
+                </a14:m>
+                <a:r>
+                  <a:rPr lang="ru-RU" sz="2300" dirty="0"/>
+                  <a:t> до всех точек </a:t>
+                </a:r>
+                <a14:m>
+                  <m:oMath xmlns:m="http://schemas.openxmlformats.org/officeDocument/2006/math">
+                    <m:sSub>
+                      <m:sSubPr>
+                        <m:ctrlPr>
+                          <a:rPr lang="ru-RU" sz="2300" i="1">
+                            <a:latin typeface="Cambria Math" charset="0"/>
+                          </a:rPr>
+                        </m:ctrlPr>
+                      </m:sSubPr>
+                      <m:e>
+                        <m:r>
+                          <a:rPr lang="ru-RU" sz="2300" i="1">
+                            <a:latin typeface="Cambria Math" panose="02040503050406030204" pitchFamily="18" charset="0"/>
+                          </a:rPr>
+                          <m:t>𝑞</m:t>
+                        </m:r>
+                      </m:e>
+                      <m:sub>
+                        <m:r>
+                          <a:rPr lang="ru-RU" sz="2300" i="1">
+                            <a:latin typeface="Cambria Math" panose="02040503050406030204" pitchFamily="18" charset="0"/>
+                          </a:rPr>
+                          <m:t>𝑖</m:t>
+                        </m:r>
+                      </m:sub>
+                    </m:sSub>
+                    <m:r>
+                      <a:rPr lang="ru-RU" sz="2300" i="1">
+                        <a:latin typeface="Cambria Math" panose="02040503050406030204" pitchFamily="18" charset="0"/>
+                      </a:rPr>
+                      <m:t>:</m:t>
+                    </m:r>
+                  </m:oMath>
+                </a14:m>
+                <a:endParaRPr lang="ru-RU" sz="2300" dirty="0"/>
+              </a:p>
+              <a:p>
+                <a:pPr marL="0" indent="0">
+                  <a:buNone/>
+                </a:pPr>
+                <a14:m>
+                  <m:oMathPara xmlns:m="http://schemas.openxmlformats.org/officeDocument/2006/math">
+                    <m:oMathParaPr>
+                      <m:jc m:val="centerGroup"/>
+                    </m:oMathParaPr>
+                    <m:oMath xmlns:m="http://schemas.openxmlformats.org/officeDocument/2006/math">
+                      <m:sSub>
+                        <m:sSubPr>
+                          <m:ctrlPr>
+                            <a:rPr lang="ru-RU" sz="2300" i="1">
+                              <a:latin typeface="Cambria Math" charset="0"/>
+                            </a:rPr>
+                          </m:ctrlPr>
+                        </m:sSubPr>
+                        <m:e>
+                          <m:r>
+                            <a:rPr lang="ru-RU" sz="2300" i="1">
+                              <a:latin typeface="Cambria Math" panose="02040503050406030204" pitchFamily="18" charset="0"/>
+                            </a:rPr>
+                            <m:t>𝑙</m:t>
+                          </m:r>
+                        </m:e>
+                        <m:sub>
+                          <m:r>
+                            <a:rPr lang="ru-RU" sz="2300" i="1">
+                              <a:latin typeface="Cambria Math" panose="02040503050406030204" pitchFamily="18" charset="0"/>
+                            </a:rPr>
+                            <m:t>𝑘</m:t>
+                          </m:r>
+                          <m:r>
+                            <a:rPr lang="ru-RU" sz="2300" i="1">
+                              <a:latin typeface="Cambria Math" panose="02040503050406030204" pitchFamily="18" charset="0"/>
+                            </a:rPr>
+                            <m:t>,</m:t>
+                          </m:r>
+                          <m:r>
+                            <a:rPr lang="ru-RU" sz="2300" i="1">
+                              <a:latin typeface="Cambria Math" panose="02040503050406030204" pitchFamily="18" charset="0"/>
+                            </a:rPr>
+                            <m:t>𝑖</m:t>
+                          </m:r>
+                        </m:sub>
+                      </m:sSub>
+                      <m:r>
+                        <a:rPr lang="ru-RU" sz="2300" i="1">
+                          <a:latin typeface="Cambria Math" panose="02040503050406030204" pitchFamily="18" charset="0"/>
+                        </a:rPr>
+                        <m:t>= </m:t>
+                      </m:r>
+                      <m:r>
+                        <a:rPr lang="ru-RU" sz="2300" i="1">
+                          <a:latin typeface="Cambria Math" panose="02040503050406030204" pitchFamily="18" charset="0"/>
+                        </a:rPr>
+                        <m:t>𝜌</m:t>
+                      </m:r>
+                      <m:r>
+                        <a:rPr lang="ru-RU" sz="2300" i="1">
+                          <a:latin typeface="Cambria Math" panose="02040503050406030204" pitchFamily="18" charset="0"/>
+                        </a:rPr>
+                        <m:t>(</m:t>
+                      </m:r>
+                      <m:sSub>
+                        <m:sSubPr>
+                          <m:ctrlPr>
+                            <a:rPr lang="ru-RU" sz="2300" i="1">
+                              <a:latin typeface="Cambria Math" charset="0"/>
+                            </a:rPr>
+                          </m:ctrlPr>
+                        </m:sSubPr>
+                        <m:e>
+                          <m:r>
+                            <a:rPr lang="ru-RU" sz="2300" i="1">
+                              <a:latin typeface="Cambria Math" panose="02040503050406030204" pitchFamily="18" charset="0"/>
+                            </a:rPr>
+                            <m:t>𝑞</m:t>
+                          </m:r>
+                        </m:e>
+                        <m:sub>
+                          <m:r>
+                            <a:rPr lang="ru-RU" sz="2300" i="1">
+                              <a:latin typeface="Cambria Math" panose="02040503050406030204" pitchFamily="18" charset="0"/>
+                            </a:rPr>
+                            <m:t>𝑖</m:t>
+                          </m:r>
+                        </m:sub>
+                      </m:sSub>
+                      <m:r>
+                        <a:rPr lang="ru-RU" sz="2300" i="1">
+                          <a:latin typeface="Cambria Math" panose="02040503050406030204" pitchFamily="18" charset="0"/>
+                        </a:rPr>
+                        <m:t>,</m:t>
+                      </m:r>
+                      <m:sSub>
+                        <m:sSubPr>
+                          <m:ctrlPr>
+                            <a:rPr lang="ru-RU" sz="2300" i="1">
+                              <a:latin typeface="Cambria Math" charset="0"/>
+                            </a:rPr>
+                          </m:ctrlPr>
+                        </m:sSubPr>
+                        <m:e>
+                          <m:r>
+                            <a:rPr lang="ru-RU" sz="2300" i="1">
+                              <a:latin typeface="Cambria Math" panose="02040503050406030204" pitchFamily="18" charset="0"/>
+                            </a:rPr>
+                            <m:t>𝜇</m:t>
+                          </m:r>
+                        </m:e>
+                        <m:sub>
+                          <m:r>
+                            <a:rPr lang="ru-RU" sz="2300" i="1">
+                              <a:latin typeface="Cambria Math" panose="02040503050406030204" pitchFamily="18" charset="0"/>
+                            </a:rPr>
+                            <m:t>𝑘</m:t>
+                          </m:r>
+                        </m:sub>
+                      </m:sSub>
+                      <m:r>
+                        <a:rPr lang="ru-RU" sz="2300" i="1">
+                          <a:latin typeface="Cambria Math" panose="02040503050406030204" pitchFamily="18" charset="0"/>
+                        </a:rPr>
+                        <m:t>)</m:t>
+                      </m:r>
+                    </m:oMath>
+                  </m:oMathPara>
+                </a14:m>
+                <a:endParaRPr lang="ru-RU" sz="2300" dirty="0"/>
+              </a:p>
+              <a:p>
+                <a:pPr marL="0" indent="0">
+                  <a:buNone/>
+                </a:pPr>
+                <a:r>
+                  <a:rPr lang="ru-RU" sz="2300" dirty="0" smtClean="0"/>
+                  <a:t>3. Сформировать </a:t>
+                </a:r>
+                <a:r>
+                  <a:rPr lang="ru-RU" sz="2300" dirty="0"/>
+                  <a:t>кластеры. Для каждого </a:t>
+                </a:r>
+                <a:r>
+                  <a:rPr lang="ru-RU" sz="2300" dirty="0" err="1"/>
+                  <a:t>центроида</a:t>
+                </a:r>
+                <a:r>
+                  <a:rPr lang="ru-RU" sz="2300" dirty="0"/>
+                  <a:t> </a:t>
+                </a:r>
+                <a14:m>
+                  <m:oMath xmlns:m="http://schemas.openxmlformats.org/officeDocument/2006/math">
+                    <m:sSub>
+                      <m:sSubPr>
+                        <m:ctrlPr>
+                          <a:rPr lang="ru-RU" sz="2300" i="1">
+                            <a:latin typeface="Cambria Math" charset="0"/>
+                          </a:rPr>
+                        </m:ctrlPr>
+                      </m:sSubPr>
+                      <m:e>
+                        <m:r>
+                          <a:rPr lang="ru-RU" sz="2300" i="1">
+                            <a:latin typeface="Cambria Math" panose="02040503050406030204" pitchFamily="18" charset="0"/>
+                          </a:rPr>
+                          <m:t>𝜇</m:t>
+                        </m:r>
+                      </m:e>
+                      <m:sub>
+                        <m:r>
+                          <a:rPr lang="ru-RU" sz="2300" i="1">
+                            <a:latin typeface="Cambria Math" panose="02040503050406030204" pitchFamily="18" charset="0"/>
+                          </a:rPr>
+                          <m:t>𝑘</m:t>
+                        </m:r>
+                      </m:sub>
+                    </m:sSub>
+                  </m:oMath>
+                </a14:m>
+                <a:r>
+                  <a:rPr lang="ru-RU" sz="2300" dirty="0"/>
+                  <a:t> из множества </a:t>
+                </a:r>
+                <a14:m>
+                  <m:oMath xmlns:m="http://schemas.openxmlformats.org/officeDocument/2006/math">
+                    <m:r>
+                      <a:rPr lang="ru-RU" sz="2300" i="1">
+                        <a:latin typeface="Cambria Math" panose="02040503050406030204" pitchFamily="18" charset="0"/>
+                      </a:rPr>
+                      <m:t>𝑋</m:t>
+                    </m:r>
+                  </m:oMath>
+                </a14:m>
+                <a:r>
+                  <a:rPr lang="ru-RU" sz="2300" dirty="0"/>
+                  <a:t> отобрать подмножество точек </a:t>
+                </a:r>
+                <a14:m>
+                  <m:oMath xmlns:m="http://schemas.openxmlformats.org/officeDocument/2006/math">
+                    <m:sSub>
+                      <m:sSubPr>
+                        <m:ctrlPr>
+                          <a:rPr lang="ru-RU" sz="2300" i="1">
+                            <a:latin typeface="Cambria Math" charset="0"/>
+                          </a:rPr>
+                        </m:ctrlPr>
+                      </m:sSubPr>
+                      <m:e>
+                        <m:r>
+                          <a:rPr lang="ru-RU" sz="2300" i="1">
+                            <a:latin typeface="Cambria Math" panose="02040503050406030204" pitchFamily="18" charset="0"/>
+                          </a:rPr>
+                          <m:t>𝑋</m:t>
+                        </m:r>
+                      </m:e>
+                      <m:sub>
+                        <m:r>
+                          <a:rPr lang="ru-RU" sz="2300" i="1">
+                            <a:latin typeface="Cambria Math" panose="02040503050406030204" pitchFamily="18" charset="0"/>
+                          </a:rPr>
+                          <m:t>𝑘</m:t>
+                        </m:r>
+                      </m:sub>
+                    </m:sSub>
+                  </m:oMath>
+                </a14:m>
+                <a:r>
+                  <a:rPr lang="ru-RU" sz="2300" dirty="0"/>
+                  <a:t> с минимальным расстоянием до </a:t>
+                </a:r>
+                <a14:m>
+                  <m:oMath xmlns:m="http://schemas.openxmlformats.org/officeDocument/2006/math">
+                    <m:sSub>
+                      <m:sSubPr>
+                        <m:ctrlPr>
+                          <a:rPr lang="ru-RU" sz="2300" i="1">
+                            <a:latin typeface="Cambria Math" charset="0"/>
+                          </a:rPr>
+                        </m:ctrlPr>
+                      </m:sSubPr>
+                      <m:e>
+                        <m:r>
+                          <a:rPr lang="ru-RU" sz="2300" i="1">
+                            <a:latin typeface="Cambria Math" panose="02040503050406030204" pitchFamily="18" charset="0"/>
+                          </a:rPr>
+                          <m:t>𝜇</m:t>
+                        </m:r>
+                      </m:e>
+                      <m:sub>
+                        <m:r>
+                          <a:rPr lang="ru-RU" sz="2300" i="1">
+                            <a:latin typeface="Cambria Math" panose="02040503050406030204" pitchFamily="18" charset="0"/>
+                          </a:rPr>
+                          <m:t>𝑘</m:t>
+                        </m:r>
+                      </m:sub>
+                    </m:sSub>
+                    <m:r>
+                      <a:rPr lang="ru-RU" sz="2300" i="1">
+                        <a:latin typeface="Cambria Math" panose="02040503050406030204" pitchFamily="18" charset="0"/>
+                      </a:rPr>
+                      <m:t>:</m:t>
+                    </m:r>
+                  </m:oMath>
+                </a14:m>
+                <a:endParaRPr lang="ru-RU" sz="2300" dirty="0"/>
+              </a:p>
+              <a:p>
+                <a:pPr marL="0" indent="0">
+                  <a:buNone/>
+                </a:pPr>
+                <a14:m>
+                  <m:oMathPara xmlns:m="http://schemas.openxmlformats.org/officeDocument/2006/math">
+                    <m:oMathParaPr>
+                      <m:jc m:val="centerGroup"/>
+                    </m:oMathParaPr>
+                    <m:oMath xmlns:m="http://schemas.openxmlformats.org/officeDocument/2006/math">
+                      <m:sSub>
+                        <m:sSubPr>
+                          <m:ctrlPr>
+                            <a:rPr lang="ru-RU" sz="2300" i="1">
+                              <a:latin typeface="Cambria Math" charset="0"/>
+                            </a:rPr>
+                          </m:ctrlPr>
+                        </m:sSubPr>
+                        <m:e>
+                          <m:r>
+                            <m:rPr>
+                              <m:sty m:val="p"/>
+                            </m:rPr>
+                            <a:rPr lang="ru-RU" sz="2300">
+                              <a:latin typeface="Cambria Math" panose="02040503050406030204" pitchFamily="18" charset="0"/>
+                            </a:rPr>
+                            <m:t>min</m:t>
+                          </m:r>
+                        </m:e>
+                        <m:sub>
+                          <m:r>
+                            <a:rPr lang="ru-RU" sz="2300" i="1">
+                              <a:latin typeface="Cambria Math" panose="02040503050406030204" pitchFamily="18" charset="0"/>
+                            </a:rPr>
+                            <m:t>𝑘</m:t>
+                          </m:r>
+                        </m:sub>
+                      </m:sSub>
+                      <m:r>
+                        <a:rPr lang="ru-RU" sz="2300">
+                          <a:latin typeface="Cambria Math" panose="02040503050406030204" pitchFamily="18" charset="0"/>
+                        </a:rPr>
+                        <m:t>⁡</m:t>
+                      </m:r>
+                      <m:r>
+                        <a:rPr lang="ru-RU" sz="2300" i="1">
+                          <a:latin typeface="Cambria Math" panose="02040503050406030204" pitchFamily="18" charset="0"/>
+                        </a:rPr>
+                        <m:t>(</m:t>
+                      </m:r>
+                      <m:sSub>
+                        <m:sSubPr>
+                          <m:ctrlPr>
+                            <a:rPr lang="ru-RU" sz="2300" i="1">
+                              <a:latin typeface="Cambria Math" charset="0"/>
+                            </a:rPr>
+                          </m:ctrlPr>
+                        </m:sSubPr>
+                        <m:e>
+                          <m:r>
+                            <a:rPr lang="ru-RU" sz="2300" i="1">
+                              <a:latin typeface="Cambria Math" panose="02040503050406030204" pitchFamily="18" charset="0"/>
+                            </a:rPr>
+                            <m:t>𝑙</m:t>
+                          </m:r>
+                        </m:e>
+                        <m:sub>
+                          <m:r>
+                            <a:rPr lang="ru-RU" sz="2300" i="1">
+                              <a:latin typeface="Cambria Math" panose="02040503050406030204" pitchFamily="18" charset="0"/>
+                            </a:rPr>
+                            <m:t>𝑘</m:t>
+                          </m:r>
+                          <m:r>
+                            <a:rPr lang="ru-RU" sz="2300" i="1">
+                              <a:latin typeface="Cambria Math" panose="02040503050406030204" pitchFamily="18" charset="0"/>
+                            </a:rPr>
+                            <m:t>,</m:t>
+                          </m:r>
+                          <m:r>
+                            <a:rPr lang="ru-RU" sz="2300" i="1">
+                              <a:latin typeface="Cambria Math" panose="02040503050406030204" pitchFamily="18" charset="0"/>
+                            </a:rPr>
+                            <m:t>𝑖</m:t>
+                          </m:r>
+                        </m:sub>
+                      </m:sSub>
+                      <m:r>
+                        <a:rPr lang="ru-RU" sz="2300" i="1">
+                          <a:latin typeface="Cambria Math" panose="02040503050406030204" pitchFamily="18" charset="0"/>
+                        </a:rPr>
+                        <m:t>)</m:t>
+                      </m:r>
+                    </m:oMath>
+                  </m:oMathPara>
+                </a14:m>
+                <a:endParaRPr lang="ru-RU" sz="2300" dirty="0"/>
+              </a:p>
+              <a:p>
+                <a:pPr marL="0" indent="0">
+                  <a:buNone/>
+                </a:pPr>
+                <a:r>
+                  <a:rPr lang="ru-RU" sz="2300" dirty="0" smtClean="0"/>
+                  <a:t>4. Вычислить </a:t>
+                </a:r>
+                <a:r>
+                  <a:rPr lang="ru-RU" sz="2300" dirty="0"/>
+                  <a:t>новые </a:t>
+                </a:r>
+                <a:r>
+                  <a:rPr lang="ru-RU" sz="2300" dirty="0" err="1"/>
+                  <a:t>центроиды</a:t>
+                </a:r>
+                <a:r>
+                  <a:rPr lang="ru-RU" sz="2300" dirty="0"/>
+                  <a:t> как среднее всех точек кластера </a:t>
+                </a:r>
+                <a14:m>
+                  <m:oMath xmlns:m="http://schemas.openxmlformats.org/officeDocument/2006/math">
+                    <m:sSub>
+                      <m:sSubPr>
+                        <m:ctrlPr>
+                          <a:rPr lang="ru-RU" sz="2300" i="1">
+                            <a:latin typeface="Cambria Math" charset="0"/>
+                          </a:rPr>
+                        </m:ctrlPr>
+                      </m:sSubPr>
+                      <m:e>
+                        <m:r>
+                          <a:rPr lang="ru-RU" sz="2300" i="1">
+                            <a:latin typeface="Cambria Math" panose="02040503050406030204" pitchFamily="18" charset="0"/>
+                          </a:rPr>
+                          <m:t>𝑋</m:t>
+                        </m:r>
+                      </m:e>
+                      <m:sub>
+                        <m:r>
+                          <a:rPr lang="ru-RU" sz="2300" i="1">
+                            <a:latin typeface="Cambria Math" panose="02040503050406030204" pitchFamily="18" charset="0"/>
+                          </a:rPr>
+                          <m:t>𝑘</m:t>
+                        </m:r>
+                      </m:sub>
+                    </m:sSub>
+                  </m:oMath>
+                </a14:m>
+                <a:r>
+                  <a:rPr lang="ru-RU" sz="2300" dirty="0"/>
+                  <a:t>:</a:t>
+                </a:r>
+              </a:p>
+              <a:p>
+                <a:pPr marL="0" indent="0">
+                  <a:buNone/>
+                </a:pPr>
+                <a14:m>
+                  <m:oMathPara xmlns:m="http://schemas.openxmlformats.org/officeDocument/2006/math">
+                    <m:oMathParaPr>
+                      <m:jc m:val="centerGroup"/>
+                    </m:oMathParaPr>
+                    <m:oMath xmlns:m="http://schemas.openxmlformats.org/officeDocument/2006/math">
+                      <m:sSub>
+                        <m:sSubPr>
+                          <m:ctrlPr>
+                            <a:rPr lang="ru-RU" sz="2300" i="1">
+                              <a:latin typeface="Cambria Math" charset="0"/>
+                            </a:rPr>
+                          </m:ctrlPr>
+                        </m:sSubPr>
+                        <m:e>
+                          <m:r>
+                            <a:rPr lang="ru-RU" sz="2300" i="1">
+                              <a:latin typeface="Cambria Math" panose="02040503050406030204" pitchFamily="18" charset="0"/>
+                            </a:rPr>
+                            <m:t>𝜇</m:t>
+                          </m:r>
+                        </m:e>
+                        <m:sub>
+                          <m:r>
+                            <a:rPr lang="ru-RU" sz="2300" i="1">
+                              <a:latin typeface="Cambria Math" panose="02040503050406030204" pitchFamily="18" charset="0"/>
+                            </a:rPr>
+                            <m:t>𝑘</m:t>
+                          </m:r>
+                        </m:sub>
+                      </m:sSub>
+                      <m:r>
+                        <a:rPr lang="ru-RU" sz="2300" i="1">
+                          <a:latin typeface="Cambria Math" panose="02040503050406030204" pitchFamily="18" charset="0"/>
+                        </a:rPr>
+                        <m:t>= </m:t>
+                      </m:r>
+                      <m:f>
+                        <m:fPr>
+                          <m:ctrlPr>
+                            <a:rPr lang="ru-RU" sz="2300" i="1">
+                              <a:latin typeface="Cambria Math" charset="0"/>
+                            </a:rPr>
+                          </m:ctrlPr>
+                        </m:fPr>
+                        <m:num>
+                          <m:r>
+                            <a:rPr lang="ru-RU" sz="2300" i="1">
+                              <a:latin typeface="Cambria Math" panose="02040503050406030204" pitchFamily="18" charset="0"/>
+                            </a:rPr>
+                            <m:t>1</m:t>
+                          </m:r>
+                        </m:num>
+                        <m:den>
+                          <m:sSub>
+                            <m:sSubPr>
+                              <m:ctrlPr>
+                                <a:rPr lang="ru-RU" sz="2300" i="1">
+                                  <a:latin typeface="Cambria Math" charset="0"/>
+                                </a:rPr>
+                              </m:ctrlPr>
+                            </m:sSubPr>
+                            <m:e>
+                              <m:r>
+                                <a:rPr lang="en-US" sz="2300" i="1">
+                                  <a:latin typeface="Cambria Math" panose="02040503050406030204" pitchFamily="18" charset="0"/>
+                                </a:rPr>
+                                <m:t>𝑠</m:t>
+                              </m:r>
+                            </m:e>
+                            <m:sub>
+                              <m:r>
+                                <a:rPr lang="ru-RU" sz="2300" i="1">
+                                  <a:latin typeface="Cambria Math" panose="02040503050406030204" pitchFamily="18" charset="0"/>
+                                </a:rPr>
+                                <m:t>𝑘</m:t>
+                              </m:r>
+                            </m:sub>
+                          </m:sSub>
+                        </m:den>
+                      </m:f>
+                      <m:nary>
+                        <m:naryPr>
+                          <m:chr m:val="∑"/>
+                          <m:limLoc m:val="undOvr"/>
+                          <m:subHide m:val="on"/>
+                          <m:supHide m:val="on"/>
+                          <m:ctrlPr>
+                            <a:rPr lang="ru-RU" sz="2300" i="1">
+                              <a:latin typeface="Cambria Math" charset="0"/>
+                            </a:rPr>
+                          </m:ctrlPr>
+                        </m:naryPr>
+                        <m:sub/>
+                        <m:sup/>
+                        <m:e>
+                          <m:sSub>
+                            <m:sSubPr>
+                              <m:ctrlPr>
+                                <a:rPr lang="ru-RU" sz="2300" i="1">
+                                  <a:latin typeface="Cambria Math" charset="0"/>
+                                </a:rPr>
+                              </m:ctrlPr>
+                            </m:sSubPr>
+                            <m:e>
+                              <m:r>
+                                <a:rPr lang="ru-RU" sz="2300" i="1">
+                                  <a:latin typeface="Cambria Math" panose="02040503050406030204" pitchFamily="18" charset="0"/>
+                                </a:rPr>
+                                <m:t>𝑋</m:t>
+                              </m:r>
+                            </m:e>
+                            <m:sub>
+                              <m:r>
+                                <a:rPr lang="ru-RU" sz="2300" i="1">
+                                  <a:latin typeface="Cambria Math" panose="02040503050406030204" pitchFamily="18" charset="0"/>
+                                </a:rPr>
+                                <m:t>𝑘</m:t>
+                              </m:r>
+                            </m:sub>
+                          </m:sSub>
+                        </m:e>
+                      </m:nary>
+                      <m:r>
+                        <a:rPr lang="ru-RU" sz="2300" i="1">
+                          <a:latin typeface="Cambria Math" panose="02040503050406030204" pitchFamily="18" charset="0"/>
+                        </a:rPr>
+                        <m:t>, где </m:t>
+                      </m:r>
+                      <m:sSub>
+                        <m:sSubPr>
+                          <m:ctrlPr>
+                            <a:rPr lang="ru-RU" sz="2300" i="1">
+                              <a:latin typeface="Cambria Math" charset="0"/>
+                            </a:rPr>
+                          </m:ctrlPr>
+                        </m:sSubPr>
+                        <m:e>
+                          <m:r>
+                            <a:rPr lang="en-US" sz="2300" i="1">
+                              <a:latin typeface="Cambria Math" panose="02040503050406030204" pitchFamily="18" charset="0"/>
+                            </a:rPr>
+                            <m:t>𝑠</m:t>
+                          </m:r>
+                        </m:e>
+                        <m:sub>
+                          <m:r>
+                            <a:rPr lang="ru-RU" sz="2300" i="1">
+                              <a:latin typeface="Cambria Math" panose="02040503050406030204" pitchFamily="18" charset="0"/>
+                            </a:rPr>
+                            <m:t>𝑘</m:t>
+                          </m:r>
+                        </m:sub>
+                      </m:sSub>
+                      <m:r>
+                        <a:rPr lang="ru-RU" sz="2300" i="1">
+                          <a:latin typeface="Cambria Math" panose="02040503050406030204" pitchFamily="18" charset="0"/>
+                        </a:rPr>
+                        <m:t>−количество точек в кластере </m:t>
+                      </m:r>
+                      <m:r>
+                        <a:rPr lang="en-US" sz="2300" i="1">
+                          <a:latin typeface="Cambria Math" panose="02040503050406030204" pitchFamily="18" charset="0"/>
+                        </a:rPr>
+                        <m:t>𝑘</m:t>
+                      </m:r>
+                    </m:oMath>
+                  </m:oMathPara>
+                </a14:m>
+                <a:endParaRPr lang="ru-RU" sz="2300" dirty="0"/>
+              </a:p>
+              <a:p>
+                <a:pPr marL="0" indent="0">
+                  <a:buNone/>
+                </a:pPr>
+                <a:r>
+                  <a:rPr lang="ru-RU" sz="2300" dirty="0" smtClean="0"/>
+                  <a:t>5. Сравнить </a:t>
+                </a:r>
+                <a:r>
+                  <a:rPr lang="ru-RU" sz="2300" dirty="0"/>
+                  <a:t>значения </a:t>
+                </a:r>
+                <a14:m>
+                  <m:oMath xmlns:m="http://schemas.openxmlformats.org/officeDocument/2006/math">
+                    <m:sSub>
+                      <m:sSubPr>
+                        <m:ctrlPr>
+                          <a:rPr lang="ru-RU" sz="2300" i="1">
+                            <a:latin typeface="Cambria Math" charset="0"/>
+                          </a:rPr>
+                        </m:ctrlPr>
+                      </m:sSubPr>
+                      <m:e>
+                        <m:r>
+                          <a:rPr lang="ru-RU" sz="2300" i="1">
+                            <a:latin typeface="Cambria Math" panose="02040503050406030204" pitchFamily="18" charset="0"/>
+                          </a:rPr>
+                          <m:t>𝜇</m:t>
+                        </m:r>
+                      </m:e>
+                      <m:sub>
+                        <m:r>
+                          <a:rPr lang="ru-RU" sz="2300" i="1">
+                            <a:latin typeface="Cambria Math" panose="02040503050406030204" pitchFamily="18" charset="0"/>
+                          </a:rPr>
+                          <m:t>𝑘</m:t>
+                        </m:r>
+                      </m:sub>
+                    </m:sSub>
+                  </m:oMath>
+                </a14:m>
+                <a:r>
+                  <a:rPr lang="ru-RU" sz="2300" dirty="0"/>
+                  <a:t> с полученными на предыдущей итерации. В случае нахождения хотя бы одного несовпадения перейти к шагу 2.</a:t>
+                </a:r>
+              </a:p>
+              <a:p>
+                <a:pPr marL="0" indent="0">
+                  <a:buNone/>
+                </a:pPr>
+                <a:r>
+                  <a:rPr lang="ru-RU" sz="2300" dirty="0" smtClean="0"/>
+                  <a:t>6. Конец </a:t>
+                </a:r>
+                <a:r>
+                  <a:rPr lang="ru-RU" sz="2300" dirty="0"/>
+                  <a:t>алгоритма</a:t>
+                </a:r>
+              </a:p>
+              <a:p>
+                <a:endParaRPr lang="ru-RU" dirty="0"/>
+              </a:p>
+            </p:txBody>
+          </p:sp>
+        </mc:Choice>
+        <mc:Fallback xmlns="">
+          <p:sp>
+            <p:nvSpPr>
+              <p:cNvPr id="3" name="Объект 2"/>
+              <p:cNvSpPr>
+                <a:spLocks noGrp="1" noRot="1" noChangeAspect="1" noMove="1" noResize="1" noEditPoints="1" noAdjustHandles="1" noChangeArrowheads="1" noChangeShapeType="1" noTextEdit="1"/>
+              </p:cNvSpPr>
+              <p:nvPr>
+                <p:ph idx="1"/>
+              </p:nvPr>
+            </p:nvSpPr>
+            <p:spPr>
+              <a:xfrm>
+                <a:off x="468800" y="1833511"/>
+                <a:ext cx="7569731" cy="4772006"/>
+              </a:xfrm>
+              <a:blipFill rotWithShape="0">
+                <a:blip r:embed="rId3"/>
+                <a:stretch>
+                  <a:fillRect l="-483" t="-1660"/>
+                </a:stretch>
+              </a:blipFill>
+            </p:spPr>
+            <p:txBody>
+              <a:bodyPr/>
+              <a:lstStyle/>
+              <a:p>
+                <a:r>
+                  <a:rPr lang="ru-RU">
+                    <a:noFill/>
+                  </a:rPr>
+                  <a:t> </a:t>
+                </a:r>
+              </a:p>
+            </p:txBody>
+          </p:sp>
+        </mc:Fallback>
+      </mc:AlternateContent>
+      <p:sp>
+        <p:nvSpPr>
+          <p:cNvPr id="4" name="Номер слайда 3"/>
+          <p:cNvSpPr>
+            <a:spLocks noGrp="1"/>
+          </p:cNvSpPr>
+          <p:nvPr>
+            <p:ph type="sldNum" sz="quarter" idx="12"/>
+          </p:nvPr>
+        </p:nvSpPr>
+        <p:spPr/>
+        <p:txBody>
+          <a:bodyPr/>
+          <a:lstStyle/>
+          <a:p>
+            <a:fld id="{B8FD4787-A815-42E7-9C3F-EE8E3DD8A60B}" type="slidenum">
+              <a:rPr lang="ru-RU" smtClean="0"/>
+              <a:t>7</a:t>
+            </a:fld>
+            <a:endParaRPr lang="ru-RU"/>
+          </a:p>
+        </p:txBody>
+      </p:sp>
+    </p:spTree>
+    <p:extLst>
+      <p:ext uri="{BB962C8B-B14F-4D97-AF65-F5344CB8AC3E}">
+        <p14:creationId xmlns:p14="http://schemas.microsoft.com/office/powerpoint/2010/main" val="461532867"/>
+      </p:ext>
+    </p:extLst>
+  </p:cSld>
+  <p:clrMapOvr>
+    <a:masterClrMapping/>
+  </p:clrMapOvr>
+</p:sld>
+</file>
+
 <file path=ppt/slides/slide8.xml><?xml version="1.0" encoding="utf-8"?>
 <p:sld xmlns:a="http://schemas.openxmlformats.org/drawingml/2006/main" xmlns:r="http://schemas.openxmlformats.org/officeDocument/2006/relationships" xmlns:p="http://schemas.openxmlformats.org/presentationml/2006/main">
   <p:cSld>
@@ -17062,6 +17365,180 @@
         </p:nvSpPr>
         <p:spPr>
           <a:xfrm>
+            <a:off x="946404" y="259308"/>
+            <a:ext cx="7105775" cy="776922"/>
+          </a:xfrm>
+        </p:spPr>
+        <p:txBody>
+          <a:bodyPr>
+            <a:noAutofit/>
+          </a:bodyPr>
+          <a:lstStyle/>
+          <a:p>
+            <a:r>
+              <a:rPr lang="ru-RU" sz="3600" dirty="0" smtClean="0">
+                <a:solidFill>
+                  <a:srgbClr val="FF0000"/>
+                </a:solidFill>
+              </a:rPr>
+              <a:t>Диаграмма </a:t>
+            </a:r>
+            <a:r>
+              <a:rPr lang="ru-RU" sz="3600" dirty="0" smtClean="0">
+                <a:solidFill>
+                  <a:srgbClr val="FF0000"/>
+                </a:solidFill>
+              </a:rPr>
+              <a:t>деятельности</a:t>
+            </a:r>
+            <a:r>
+              <a:rPr lang="en-US" sz="3600" dirty="0" smtClean="0">
+                <a:solidFill>
+                  <a:srgbClr val="FF0000"/>
+                </a:solidFill>
+              </a:rPr>
+              <a:t> </a:t>
+            </a:r>
+            <a:r>
+              <a:rPr lang="ru-RU" sz="3600" dirty="0" smtClean="0">
+                <a:solidFill>
+                  <a:srgbClr val="FF0000"/>
+                </a:solidFill>
+              </a:rPr>
+              <a:t>переименовать – что за деятельность?</a:t>
+            </a:r>
+            <a:endParaRPr lang="ru-RU" sz="3600" dirty="0">
+              <a:solidFill>
+                <a:srgbClr val="FF0000"/>
+              </a:solidFill>
+            </a:endParaRPr>
+          </a:p>
+        </p:txBody>
+      </p:sp>
+      <p:sp>
+        <p:nvSpPr>
+          <p:cNvPr id="3" name="Объект 2"/>
+          <p:cNvSpPr>
+            <a:spLocks noGrp="1"/>
+          </p:cNvSpPr>
+          <p:nvPr>
+            <p:ph idx="1"/>
+          </p:nvPr>
+        </p:nvSpPr>
+        <p:spPr/>
+        <p:txBody>
+          <a:bodyPr/>
+          <a:lstStyle/>
+          <a:p>
+            <a:endParaRPr lang="ru-RU"/>
+          </a:p>
+        </p:txBody>
+      </p:sp>
+      <p:sp>
+        <p:nvSpPr>
+          <p:cNvPr id="4" name="Номер слайда 3"/>
+          <p:cNvSpPr>
+            <a:spLocks noGrp="1"/>
+          </p:cNvSpPr>
+          <p:nvPr>
+            <p:ph type="sldNum" sz="quarter" idx="12"/>
+          </p:nvPr>
+        </p:nvSpPr>
+        <p:spPr/>
+        <p:txBody>
+          <a:bodyPr/>
+          <a:lstStyle/>
+          <a:p>
+            <a:fld id="{B8FD4787-A815-42E7-9C3F-EE8E3DD8A60B}" type="slidenum">
+              <a:rPr lang="ru-RU" smtClean="0"/>
+              <a:t>8</a:t>
+            </a:fld>
+            <a:endParaRPr lang="ru-RU"/>
+          </a:p>
+        </p:txBody>
+      </p:sp>
+      <p:pic>
+        <p:nvPicPr>
+          <p:cNvPr id="5" name="Рисунок 4" descr="C:\Users\Екатерина\Downloads\Basic State Diagram - UML State Diagram (1).png"/>
+          <p:cNvPicPr/>
+          <p:nvPr/>
+        </p:nvPicPr>
+        <p:blipFill>
+          <a:blip r:embed="rId2">
+            <a:extLst>
+              <a:ext uri="{28A0092B-C50C-407E-A947-70E740481C1C}">
+                <a14:useLocalDpi xmlns:a14="http://schemas.microsoft.com/office/drawing/2010/main" val="0"/>
+              </a:ext>
+            </a:extLst>
+          </a:blip>
+          <a:srcRect/>
+          <a:stretch>
+            <a:fillRect/>
+          </a:stretch>
+        </p:blipFill>
+        <p:spPr bwMode="auto">
+          <a:xfrm>
+            <a:off x="2340864" y="1261269"/>
+            <a:ext cx="3657600" cy="5486399"/>
+          </a:xfrm>
+          <a:prstGeom prst="rect">
+            <a:avLst/>
+          </a:prstGeom>
+          <a:noFill/>
+          <a:ln>
+            <a:noFill/>
+          </a:ln>
+        </p:spPr>
+      </p:pic>
+    </p:spTree>
+    <p:extLst>
+      <p:ext uri="{BB962C8B-B14F-4D97-AF65-F5344CB8AC3E}">
+        <p14:creationId xmlns:p14="http://schemas.microsoft.com/office/powerpoint/2010/main" val="1613910406"/>
+      </p:ext>
+    </p:extLst>
+  </p:cSld>
+  <p:clrMapOvr>
+    <a:masterClrMapping/>
+  </p:clrMapOvr>
+  <p:timing>
+    <p:tnLst>
+      <p:par>
+        <p:cTn id="1" dur="indefinite" restart="never" nodeType="tmRoot"/>
+      </p:par>
+    </p:tnLst>
+  </p:timing>
+</p:sld>
+</file>
+
+<file path=ppt/slides/slide9.xml><?xml version="1.0" encoding="utf-8"?>
+<p:sld xmlns:a="http://schemas.openxmlformats.org/drawingml/2006/main" xmlns:r="http://schemas.openxmlformats.org/officeDocument/2006/relationships" xmlns:p="http://schemas.openxmlformats.org/presentationml/2006/main">
+  <p:cSld>
+    <p:spTree>
+      <p:nvGrpSpPr>
+        <p:cNvPr id="1" name=""/>
+        <p:cNvGrpSpPr/>
+        <p:nvPr/>
+      </p:nvGrpSpPr>
+      <p:grpSpPr>
+        <a:xfrm>
+          <a:off x="0" y="0"/>
+          <a:ext cx="0" cy="0"/>
+          <a:chOff x="0" y="0"/>
+          <a:chExt cx="0" cy="0"/>
+        </a:xfrm>
+      </p:grpSpPr>
+      <p:sp>
+        <p:nvSpPr>
+          <p:cNvPr id="2" name="Заголовок 1"/>
+          <p:cNvSpPr>
+            <a:spLocks noGrp="1"/>
+          </p:cNvSpPr>
+          <p:nvPr>
+            <p:ph type="title"/>
+          </p:nvPr>
+        </p:nvSpPr>
+        <p:spPr>
+          <a:xfrm>
             <a:off x="791158" y="259011"/>
             <a:ext cx="7268033" cy="738708"/>
           </a:xfrm>
@@ -17073,10 +17550,18 @@
           <a:lstStyle/>
           <a:p>
             <a:r>
-              <a:rPr lang="ru-RU" sz="3200" dirty="0" smtClean="0"/>
+              <a:rPr lang="ru-RU" sz="3200" dirty="0" smtClean="0">
+                <a:solidFill>
+                  <a:srgbClr val="FF0000"/>
+                </a:solidFill>
+              </a:rPr>
               <a:t>Актеры и варианты использования системы</a:t>
             </a:r>
-            <a:endParaRPr lang="ru-RU" sz="3200" dirty="0"/>
+            <a:endParaRPr lang="ru-RU" sz="3200" dirty="0">
+              <a:solidFill>
+                <a:srgbClr val="FF0000"/>
+              </a:solidFill>
+            </a:endParaRPr>
           </a:p>
         </p:txBody>
       </p:sp>
@@ -17097,7 +17582,7 @@
           <a:p>
             <a:fld id="{B8FD4787-A815-42E7-9C3F-EE8E3DD8A60B}" type="slidenum">
               <a:rPr lang="ru-RU" smtClean="0"/>
-              <a:t>8</a:t>
+              <a:t>9</a:t>
             </a:fld>
             <a:endParaRPr lang="ru-RU"/>
           </a:p>
@@ -17159,146 +17644,6 @@
     <p:extLst>
       <p:ext uri="{BB962C8B-B14F-4D97-AF65-F5344CB8AC3E}">
         <p14:creationId xmlns:p14="http://schemas.microsoft.com/office/powerpoint/2010/main" val="3088423106"/>
-      </p:ext>
-    </p:extLst>
-  </p:cSld>
-  <p:clrMapOvr>
-    <a:masterClrMapping/>
-  </p:clrMapOvr>
-  <p:timing>
-    <p:tnLst>
-      <p:par>
-        <p:cTn id="1" dur="indefinite" restart="never" nodeType="tmRoot"/>
-      </p:par>
-    </p:tnLst>
-  </p:timing>
-</p:sld>
-</file>
-
-<file path=ppt/slides/slide9.xml><?xml version="1.0" encoding="utf-8"?>
-<p:sld xmlns:a="http://schemas.openxmlformats.org/drawingml/2006/main" xmlns:r="http://schemas.openxmlformats.org/officeDocument/2006/relationships" xmlns:p="http://schemas.openxmlformats.org/presentationml/2006/main">
-  <p:cSld>
-    <p:spTree>
-      <p:nvGrpSpPr>
-        <p:cNvPr id="1" name=""/>
-        <p:cNvGrpSpPr/>
-        <p:nvPr/>
-      </p:nvGrpSpPr>
-      <p:grpSpPr>
-        <a:xfrm>
-          <a:off x="0" y="0"/>
-          <a:ext cx="0" cy="0"/>
-          <a:chOff x="0" y="0"/>
-          <a:chExt cx="0" cy="0"/>
-        </a:xfrm>
-      </p:grpSpPr>
-      <p:sp>
-        <p:nvSpPr>
-          <p:cNvPr id="2" name="Заголовок 1"/>
-          <p:cNvSpPr>
-            <a:spLocks noGrp="1"/>
-          </p:cNvSpPr>
-          <p:nvPr>
-            <p:ph type="title"/>
-          </p:nvPr>
-        </p:nvSpPr>
-        <p:spPr>
-          <a:xfrm>
-            <a:off x="946404" y="218364"/>
-            <a:ext cx="7228605" cy="681388"/>
-          </a:xfrm>
-        </p:spPr>
-        <p:txBody>
-          <a:bodyPr/>
-          <a:lstStyle/>
-          <a:p>
-            <a:r>
-              <a:rPr lang="ru-RU" dirty="0" smtClean="0"/>
-              <a:t>Архитектура системы</a:t>
-            </a:r>
-            <a:endParaRPr lang="ru-RU" dirty="0"/>
-          </a:p>
-        </p:txBody>
-      </p:sp>
-      <p:sp>
-        <p:nvSpPr>
-          <p:cNvPr id="4" name="Номер слайда 3"/>
-          <p:cNvSpPr>
-            <a:spLocks noGrp="1"/>
-          </p:cNvSpPr>
-          <p:nvPr>
-            <p:ph type="sldNum" sz="quarter" idx="12"/>
-          </p:nvPr>
-        </p:nvSpPr>
-        <p:spPr/>
-        <p:txBody>
-          <a:bodyPr/>
-          <a:lstStyle/>
-          <a:p>
-            <a:fld id="{B8FD4787-A815-42E7-9C3F-EE8E3DD8A60B}" type="slidenum">
-              <a:rPr lang="ru-RU" smtClean="0"/>
-              <a:t>9</a:t>
-            </a:fld>
-            <a:endParaRPr lang="ru-RU"/>
-          </a:p>
-        </p:txBody>
-      </p:sp>
-      <p:sp>
-        <p:nvSpPr>
-          <p:cNvPr id="3" name="Объект 2"/>
-          <p:cNvSpPr>
-            <a:spLocks noGrp="1"/>
-          </p:cNvSpPr>
-          <p:nvPr>
-            <p:ph idx="1"/>
-          </p:nvPr>
-        </p:nvSpPr>
-        <p:spPr/>
-        <p:txBody>
-          <a:bodyPr/>
-          <a:lstStyle/>
-          <a:p>
-            <a:endParaRPr lang="ru-RU"/>
-          </a:p>
-        </p:txBody>
-      </p:sp>
-      <p:pic>
-        <p:nvPicPr>
-          <p:cNvPr id="7" name="Рисунок 6" descr="C:\Users\Екатерина\Downloads\Comnponents - New Page (2).png"/>
-          <p:cNvPicPr/>
-          <p:nvPr/>
-        </p:nvPicPr>
-        <p:blipFill>
-          <a:blip r:embed="rId2" cstate="print">
-            <a:extLst>
-              <a:ext uri="{28A0092B-C50C-407E-A947-70E740481C1C}">
-                <a14:useLocalDpi xmlns:a14="http://schemas.microsoft.com/office/drawing/2010/main" val="0"/>
-              </a:ext>
-            </a:extLst>
-          </a:blip>
-          <a:srcRect/>
-          <a:stretch>
-            <a:fillRect/>
-          </a:stretch>
-        </p:blipFill>
-        <p:spPr bwMode="auto">
-          <a:xfrm>
-            <a:off x="799723" y="1094977"/>
-            <a:ext cx="7150907" cy="5460806"/>
-          </a:xfrm>
-          <a:prstGeom prst="rect">
-            <a:avLst/>
-          </a:prstGeom>
-          <a:noFill/>
-          <a:ln>
-            <a:noFill/>
-          </a:ln>
-        </p:spPr>
-      </p:pic>
-    </p:spTree>
-    <p:extLst>
-      <p:ext uri="{BB962C8B-B14F-4D97-AF65-F5344CB8AC3E}">
-        <p14:creationId xmlns:p14="http://schemas.microsoft.com/office/powerpoint/2010/main" val="190005929"/>
       </p:ext>
     </p:extLst>
   </p:cSld>

--- a/Отчет/Доклад Неповинных.pptx
+++ b/Отчет/Доклад Неповинных.pptx
@@ -216,7 +216,7 @@
           <a:p>
             <a:fld id="{92DF813F-1706-4352-AD8B-733ADD07516A}" type="datetimeFigureOut">
               <a:rPr lang="ru-RU" smtClean="0"/>
-              <a:t>03.06.15</a:t>
+              <a:t>06.06.2015</a:t>
             </a:fld>
             <a:endParaRPr lang="ru-RU"/>
           </a:p>
@@ -878,7 +878,7 @@
           <a:p>
             <a:fld id="{CA6132C5-4EF7-44E9-8AC0-543A9CBD21A3}" type="datetime1">
               <a:rPr lang="ru-RU" smtClean="0"/>
-              <a:t>03.06.15</a:t>
+              <a:t>06.06.2015</a:t>
             </a:fld>
             <a:endParaRPr lang="ru-RU"/>
           </a:p>
@@ -1048,7 +1048,7 @@
           <a:p>
             <a:fld id="{EF1CE88B-3451-485D-B0B9-5D3B791D9A61}" type="datetime1">
               <a:rPr lang="ru-RU" smtClean="0"/>
-              <a:t>03.06.15</a:t>
+              <a:t>06.06.2015</a:t>
             </a:fld>
             <a:endParaRPr lang="ru-RU"/>
           </a:p>
@@ -1228,7 +1228,7 @@
           <a:p>
             <a:fld id="{1FE7C88E-07F6-4A72-8D7F-2003DD58C999}" type="datetime1">
               <a:rPr lang="ru-RU" smtClean="0"/>
-              <a:t>03.06.15</a:t>
+              <a:t>06.06.2015</a:t>
             </a:fld>
             <a:endParaRPr lang="ru-RU"/>
           </a:p>
@@ -1431,7 +1431,7 @@
           <a:p>
             <a:fld id="{CA6132C5-4EF7-44E9-8AC0-543A9CBD21A3}" type="datetime1">
               <a:rPr lang="ru-RU" smtClean="0"/>
-              <a:t>03.06.15</a:t>
+              <a:t>06.06.2015</a:t>
             </a:fld>
             <a:endParaRPr lang="ru-RU"/>
           </a:p>
@@ -1601,7 +1601,7 @@
           <a:p>
             <a:fld id="{3F6630A2-8F33-4019-B2B9-16E2D46DA9AF}" type="datetime1">
               <a:rPr lang="ru-RU" smtClean="0"/>
-              <a:t>03.06.15</a:t>
+              <a:t>06.06.2015</a:t>
             </a:fld>
             <a:endParaRPr lang="ru-RU"/>
           </a:p>
@@ -1852,7 +1852,7 @@
           <a:p>
             <a:fld id="{CCE73EC7-A2E5-4B05-A3A2-EDC11E6BB65E}" type="datetime1">
               <a:rPr lang="ru-RU" smtClean="0"/>
-              <a:t>03.06.15</a:t>
+              <a:t>06.06.2015</a:t>
             </a:fld>
             <a:endParaRPr lang="ru-RU"/>
           </a:p>
@@ -2084,7 +2084,7 @@
           <a:p>
             <a:fld id="{D3B8EC41-8B8A-432E-80E4-D3C07A84920C}" type="datetime1">
               <a:rPr lang="ru-RU" smtClean="0"/>
-              <a:t>03.06.15</a:t>
+              <a:t>06.06.2015</a:t>
             </a:fld>
             <a:endParaRPr lang="ru-RU"/>
           </a:p>
@@ -2431,7 +2431,7 @@
           <a:p>
             <a:fld id="{A699E73B-8EDA-491A-A5C4-A553EBDA5D2E}" type="datetime1">
               <a:rPr lang="ru-RU" smtClean="0"/>
-              <a:t>03.06.15</a:t>
+              <a:t>06.06.2015</a:t>
             </a:fld>
             <a:endParaRPr lang="ru-RU"/>
           </a:p>
@@ -2549,7 +2549,7 @@
           <a:p>
             <a:fld id="{4A785036-5E83-4504-9337-1D74968FFD10}" type="datetime1">
               <a:rPr lang="ru-RU" smtClean="0"/>
-              <a:t>03.06.15</a:t>
+              <a:t>06.06.2015</a:t>
             </a:fld>
             <a:endParaRPr lang="ru-RU"/>
           </a:p>
@@ -2667,7 +2667,7 @@
           <a:p>
             <a:fld id="{D223FB0C-0787-4D86-8856-F1CE01B147E6}" type="datetime1">
               <a:rPr lang="ru-RU" smtClean="0"/>
-              <a:t>03.06.15</a:t>
+              <a:t>06.06.2015</a:t>
             </a:fld>
             <a:endParaRPr lang="ru-RU"/>
           </a:p>
@@ -2951,7 +2951,7 @@
           <a:p>
             <a:fld id="{1720D9EF-0D22-4E69-8813-9F7557DA16D7}" type="datetime1">
               <a:rPr lang="ru-RU" smtClean="0"/>
-              <a:t>03.06.15</a:t>
+              <a:t>06.06.2015</a:t>
             </a:fld>
             <a:endParaRPr lang="ru-RU"/>
           </a:p>
@@ -3121,7 +3121,7 @@
           <a:p>
             <a:fld id="{3F6630A2-8F33-4019-B2B9-16E2D46DA9AF}" type="datetime1">
               <a:rPr lang="ru-RU" smtClean="0"/>
-              <a:t>03.06.15</a:t>
+              <a:t>06.06.2015</a:t>
             </a:fld>
             <a:endParaRPr lang="ru-RU"/>
           </a:p>
@@ -3385,7 +3385,7 @@
           <a:p>
             <a:fld id="{1D921FA4-050E-406C-836E-B49CE3F44A12}" type="datetime1">
               <a:rPr lang="ru-RU" smtClean="0"/>
-              <a:t>03.06.15</a:t>
+              <a:t>06.06.2015</a:t>
             </a:fld>
             <a:endParaRPr lang="ru-RU"/>
           </a:p>
@@ -3555,7 +3555,7 @@
           <a:p>
             <a:fld id="{EF1CE88B-3451-485D-B0B9-5D3B791D9A61}" type="datetime1">
               <a:rPr lang="ru-RU" smtClean="0"/>
-              <a:t>03.06.15</a:t>
+              <a:t>06.06.2015</a:t>
             </a:fld>
             <a:endParaRPr lang="ru-RU"/>
           </a:p>
@@ -3735,7 +3735,7 @@
           <a:p>
             <a:fld id="{1FE7C88E-07F6-4A72-8D7F-2003DD58C999}" type="datetime1">
               <a:rPr lang="ru-RU" smtClean="0"/>
-              <a:t>03.06.15</a:t>
+              <a:t>06.06.2015</a:t>
             </a:fld>
             <a:endParaRPr lang="ru-RU"/>
           </a:p>
@@ -4003,7 +4003,7 @@
           <a:p>
             <a:fld id="{CA6132C5-4EF7-44E9-8AC0-543A9CBD21A3}" type="datetime1">
               <a:rPr lang="ru-RU" smtClean="0"/>
-              <a:t>03.06.15</a:t>
+              <a:t>06.06.2015</a:t>
             </a:fld>
             <a:endParaRPr lang="ru-RU"/>
           </a:p>
@@ -4195,7 +4195,7 @@
           <a:p>
             <a:fld id="{3F6630A2-8F33-4019-B2B9-16E2D46DA9AF}" type="datetime1">
               <a:rPr lang="ru-RU" smtClean="0"/>
-              <a:t>03.06.15</a:t>
+              <a:t>06.06.2015</a:t>
             </a:fld>
             <a:endParaRPr lang="ru-RU"/>
           </a:p>
@@ -4449,7 +4449,7 @@
           <a:p>
             <a:fld id="{CCE73EC7-A2E5-4B05-A3A2-EDC11E6BB65E}" type="datetime1">
               <a:rPr lang="ru-RU" smtClean="0"/>
-              <a:t>03.06.15</a:t>
+              <a:t>06.06.2015</a:t>
             </a:fld>
             <a:endParaRPr lang="ru-RU"/>
           </a:p>
@@ -4775,7 +4775,7 @@
           <a:p>
             <a:fld id="{D3B8EC41-8B8A-432E-80E4-D3C07A84920C}" type="datetime1">
               <a:rPr lang="ru-RU" smtClean="0"/>
-              <a:t>03.06.15</a:t>
+              <a:t>06.06.2015</a:t>
             </a:fld>
             <a:endParaRPr lang="ru-RU"/>
           </a:p>
@@ -5195,7 +5195,7 @@
           <a:p>
             <a:fld id="{A699E73B-8EDA-491A-A5C4-A553EBDA5D2E}" type="datetime1">
               <a:rPr lang="ru-RU" smtClean="0"/>
-              <a:t>03.06.15</a:t>
+              <a:t>06.06.2015</a:t>
             </a:fld>
             <a:endParaRPr lang="ru-RU"/>
           </a:p>
@@ -5313,7 +5313,7 @@
           <a:p>
             <a:fld id="{4A785036-5E83-4504-9337-1D74968FFD10}" type="datetime1">
               <a:rPr lang="ru-RU" smtClean="0"/>
-              <a:t>03.06.15</a:t>
+              <a:t>06.06.2015</a:t>
             </a:fld>
             <a:endParaRPr lang="ru-RU"/>
           </a:p>
@@ -5408,7 +5408,7 @@
           <a:p>
             <a:fld id="{D223FB0C-0787-4D86-8856-F1CE01B147E6}" type="datetime1">
               <a:rPr lang="ru-RU" smtClean="0"/>
-              <a:t>03.06.15</a:t>
+              <a:t>06.06.2015</a:t>
             </a:fld>
             <a:endParaRPr lang="ru-RU"/>
           </a:p>
@@ -5659,7 +5659,7 @@
           <a:p>
             <a:fld id="{CCE73EC7-A2E5-4B05-A3A2-EDC11E6BB65E}" type="datetime1">
               <a:rPr lang="ru-RU" smtClean="0"/>
-              <a:t>03.06.15</a:t>
+              <a:t>06.06.2015</a:t>
             </a:fld>
             <a:endParaRPr lang="ru-RU"/>
           </a:p>
@@ -5946,7 +5946,7 @@
           <a:p>
             <a:fld id="{1720D9EF-0D22-4E69-8813-9F7557DA16D7}" type="datetime1">
               <a:rPr lang="ru-RU" smtClean="0"/>
-              <a:t>03.06.15</a:t>
+              <a:t>06.06.2015</a:t>
             </a:fld>
             <a:endParaRPr lang="ru-RU"/>
           </a:p>
@@ -6271,7 +6271,7 @@
           <a:p>
             <a:fld id="{1D921FA4-050E-406C-836E-B49CE3F44A12}" type="datetime1">
               <a:rPr lang="ru-RU" smtClean="0"/>
-              <a:t>03.06.15</a:t>
+              <a:t>06.06.2015</a:t>
             </a:fld>
             <a:endParaRPr lang="ru-RU"/>
           </a:p>
@@ -6441,7 +6441,7 @@
           <a:p>
             <a:fld id="{EF1CE88B-3451-485D-B0B9-5D3B791D9A61}" type="datetime1">
               <a:rPr lang="ru-RU" smtClean="0"/>
-              <a:t>03.06.15</a:t>
+              <a:t>06.06.2015</a:t>
             </a:fld>
             <a:endParaRPr lang="ru-RU"/>
           </a:p>
@@ -6621,7 +6621,7 @@
           <a:p>
             <a:fld id="{1FE7C88E-07F6-4A72-8D7F-2003DD58C999}" type="datetime1">
               <a:rPr lang="ru-RU" smtClean="0"/>
-              <a:t>03.06.15</a:t>
+              <a:t>06.06.2015</a:t>
             </a:fld>
             <a:endParaRPr lang="ru-RU"/>
           </a:p>
@@ -6853,7 +6853,7 @@
           <a:p>
             <a:fld id="{D3B8EC41-8B8A-432E-80E4-D3C07A84920C}" type="datetime1">
               <a:rPr lang="ru-RU" smtClean="0"/>
-              <a:t>03.06.15</a:t>
+              <a:t>06.06.2015</a:t>
             </a:fld>
             <a:endParaRPr lang="ru-RU"/>
           </a:p>
@@ -7200,7 +7200,7 @@
           <a:p>
             <a:fld id="{A699E73B-8EDA-491A-A5C4-A553EBDA5D2E}" type="datetime1">
               <a:rPr lang="ru-RU" smtClean="0"/>
-              <a:t>03.06.15</a:t>
+              <a:t>06.06.2015</a:t>
             </a:fld>
             <a:endParaRPr lang="ru-RU"/>
           </a:p>
@@ -7318,7 +7318,7 @@
           <a:p>
             <a:fld id="{4A785036-5E83-4504-9337-1D74968FFD10}" type="datetime1">
               <a:rPr lang="ru-RU" smtClean="0"/>
-              <a:t>03.06.15</a:t>
+              <a:t>06.06.2015</a:t>
             </a:fld>
             <a:endParaRPr lang="ru-RU"/>
           </a:p>
@@ -7436,7 +7436,7 @@
           <a:p>
             <a:fld id="{D223FB0C-0787-4D86-8856-F1CE01B147E6}" type="datetime1">
               <a:rPr lang="ru-RU" smtClean="0"/>
-              <a:t>03.06.15</a:t>
+              <a:t>06.06.2015</a:t>
             </a:fld>
             <a:endParaRPr lang="ru-RU"/>
           </a:p>
@@ -7720,7 +7720,7 @@
           <a:p>
             <a:fld id="{1720D9EF-0D22-4E69-8813-9F7557DA16D7}" type="datetime1">
               <a:rPr lang="ru-RU" smtClean="0"/>
-              <a:t>03.06.15</a:t>
+              <a:t>06.06.2015</a:t>
             </a:fld>
             <a:endParaRPr lang="ru-RU"/>
           </a:p>
@@ -7984,7 +7984,7 @@
           <a:p>
             <a:fld id="{1D921FA4-050E-406C-836E-B49CE3F44A12}" type="datetime1">
               <a:rPr lang="ru-RU" smtClean="0"/>
-              <a:t>03.06.15</a:t>
+              <a:t>06.06.2015</a:t>
             </a:fld>
             <a:endParaRPr lang="ru-RU"/>
           </a:p>
@@ -8198,7 +8198,7 @@
           <a:p>
             <a:fld id="{4F72220C-91D8-4189-84C0-4513D35A07A8}" type="datetime1">
               <a:rPr lang="ru-RU" smtClean="0"/>
-              <a:t>03.06.15</a:t>
+              <a:t>06.06.2015</a:t>
             </a:fld>
             <a:endParaRPr lang="ru-RU"/>
           </a:p>
@@ -8729,7 +8729,7 @@
           <a:p>
             <a:fld id="{4F72220C-91D8-4189-84C0-4513D35A07A8}" type="datetime1">
               <a:rPr lang="ru-RU" smtClean="0"/>
-              <a:t>03.06.15</a:t>
+              <a:t>06.06.2015</a:t>
             </a:fld>
             <a:endParaRPr lang="ru-RU"/>
           </a:p>
@@ -9300,7 +9300,7 @@
           <a:p>
             <a:fld id="{4F72220C-91D8-4189-84C0-4513D35A07A8}" type="datetime1">
               <a:rPr lang="ru-RU" smtClean="0"/>
-              <a:t>03.06.15</a:t>
+              <a:t>06.06.2015</a:t>
             </a:fld>
             <a:endParaRPr lang="ru-RU"/>
           </a:p>
@@ -10514,22 +10514,16 @@
           </a:xfrm>
         </p:spPr>
         <p:txBody>
-          <a:bodyPr/>
-          <a:lstStyle/>
-          <a:p>
-            <a:r>
-              <a:rPr lang="ru-RU" dirty="0" smtClean="0">
-                <a:solidFill>
-                  <a:srgbClr val="FF0000"/>
-                </a:solidFill>
-              </a:rPr>
+          <a:bodyPr>
+            <a:normAutofit/>
+          </a:bodyPr>
+          <a:lstStyle/>
+          <a:p>
+            <a:r>
+              <a:rPr lang="ru-RU" dirty="0"/>
               <a:t>Архитектура системы</a:t>
             </a:r>
-            <a:endParaRPr lang="ru-RU" dirty="0">
-              <a:solidFill>
-                <a:srgbClr val="FF0000"/>
-              </a:solidFill>
-            </a:endParaRPr>
+            <a:endParaRPr lang="ru-RU" dirty="0"/>
           </a:p>
         </p:txBody>
       </p:sp>
@@ -12336,15 +12330,7 @@
           <a:p>
             <a:r>
               <a:rPr lang="ru-RU" dirty="0" smtClean="0"/>
-              <a:t>Эксперименты </a:t>
-            </a:r>
-            <a:r>
-              <a:rPr lang="ru-RU" dirty="0" smtClean="0">
-                <a:solidFill>
-                  <a:srgbClr val="FF0000"/>
-                </a:solidFill>
-              </a:rPr>
-              <a:t>Уточнить</a:t>
+              <a:t>Эксперименты</a:t>
             </a:r>
             <a:endParaRPr lang="ru-RU" dirty="0">
               <a:solidFill>
@@ -12387,7 +12373,7 @@
         </p:nvSpPr>
         <p:spPr>
           <a:xfrm>
-            <a:off x="4745180" y="350214"/>
+            <a:off x="5115914" y="350214"/>
             <a:ext cx="4010941" cy="3595103"/>
           </a:xfrm>
           <a:prstGeom prst="rect">
@@ -12918,7 +12904,7 @@
         <p:spPr>
           <a:xfrm>
             <a:off x="455737" y="898864"/>
-            <a:ext cx="4289443" cy="1569660"/>
+            <a:ext cx="4660177" cy="1569660"/>
           </a:xfrm>
           <a:prstGeom prst="rect">
             <a:avLst/>
@@ -12932,28 +12918,8 @@
           <a:lstStyle/>
           <a:p>
             <a:r>
-              <a:rPr lang="ru-RU" sz="2400" spc="10" dirty="0" smtClean="0">
-                <a:solidFill>
-                  <a:srgbClr val="FF0000"/>
-                </a:solidFill>
-              </a:rPr>
-              <a:t>Регион-</a:t>
-            </a:r>
-            <a:r>
-              <a:rPr lang="ru-RU" sz="2400" spc="10" dirty="0" err="1" smtClean="0">
-                <a:solidFill>
-                  <a:srgbClr val="FF0000"/>
-                </a:solidFill>
-              </a:rPr>
-              <a:t>челябинск</a:t>
-            </a:r>
-            <a:r>
-              <a:rPr lang="ru-RU" sz="2400" spc="10" dirty="0" err="1" smtClean="0"/>
-              <a:t>Пример</a:t>
-            </a:r>
-            <a:r>
               <a:rPr lang="ru-RU" sz="2400" spc="10" dirty="0" smtClean="0"/>
-              <a:t> </a:t>
+              <a:t>Пример </a:t>
             </a:r>
             <a:r>
               <a:rPr lang="ru-RU" sz="2400" spc="10" dirty="0"/>
@@ -12963,12 +12929,15 @@
               <a:rPr lang="ru-RU" sz="2400" spc="10" dirty="0" smtClean="0"/>
               <a:t>веб-сайта </a:t>
             </a:r>
-            <a:endParaRPr lang="ru-RU" sz="2400" spc="10" dirty="0" smtClean="0"/>
-          </a:p>
-          <a:p>
-            <a:r>
-              <a:rPr lang="en-US" sz="2400" spc="10" dirty="0" err="1" smtClean="0"/>
+          </a:p>
+          <a:p>
+            <a:r>
+              <a:rPr lang="en-US" sz="2400" spc="10" dirty="0" smtClean="0"/>
               <a:t>computer.susu.ru</a:t>
+            </a:r>
+            <a:r>
+              <a:rPr lang="ru-RU" sz="2400" spc="10" dirty="0" smtClean="0"/>
+              <a:t> для региона Челябинск</a:t>
             </a:r>
             <a:endParaRPr lang="ru-RU" sz="2400" spc="10" dirty="0"/>
           </a:p>
@@ -12976,7 +12945,7 @@
       </p:sp>
       <p:pic>
         <p:nvPicPr>
-          <p:cNvPr id="12" name="Рисунок 11"/>
+          <p:cNvPr id="5" name="Рисунок 4"/>
           <p:cNvPicPr>
             <a:picLocks noChangeAspect="1"/>
           </p:cNvPicPr>
@@ -12990,8 +12959,8 @@
         </p:blipFill>
         <p:spPr>
           <a:xfrm>
-            <a:off x="1021083" y="2654889"/>
-            <a:ext cx="6705600" cy="4057650"/>
+            <a:off x="590771" y="2743753"/>
+            <a:ext cx="6274977" cy="3901220"/>
           </a:xfrm>
           <a:prstGeom prst="rect">
             <a:avLst/>
@@ -13781,16 +13750,53 @@
             <p:ph idx="1"/>
           </p:nvPr>
         </p:nvSpPr>
-        <p:spPr/>
-        <p:txBody>
-          <a:bodyPr/>
-          <a:lstStyle/>
-          <a:p>
-            <a:r>
-              <a:rPr lang="ru-RU" dirty="0" smtClean="0"/>
-              <a:t>Выступление</a:t>
-            </a:r>
-            <a:endParaRPr lang="en-US" dirty="0"/>
+        <p:spPr>
+          <a:xfrm>
+            <a:off x="946404" y="2400182"/>
+            <a:ext cx="6213813" cy="4351337"/>
+          </a:xfrm>
+        </p:spPr>
+        <p:txBody>
+          <a:bodyPr>
+            <a:normAutofit/>
+          </a:bodyPr>
+          <a:lstStyle/>
+          <a:p>
+            <a:pPr marL="0" indent="0">
+              <a:lnSpc>
+                <a:spcPct val="100000"/>
+              </a:lnSpc>
+              <a:buNone/>
+            </a:pPr>
+            <a:r>
+              <a:rPr lang="ru-RU" sz="2400" dirty="0" smtClean="0"/>
+              <a:t>Данная работа была представлена на </a:t>
+            </a:r>
+            <a:r>
+              <a:rPr lang="ru-RU" sz="2400" dirty="0" smtClean="0"/>
+              <a:t>68-ой студенческой научной</a:t>
+            </a:r>
+            <a:r>
+              <a:rPr lang="ru-RU" sz="2400" dirty="0"/>
+              <a:t> </a:t>
+            </a:r>
+            <a:r>
+              <a:rPr lang="ru-RU" sz="2400" dirty="0" smtClean="0"/>
+              <a:t>конференции</a:t>
+            </a:r>
+            <a:r>
+              <a:rPr lang="ru-RU" sz="2400" dirty="0"/>
+              <a:t> </a:t>
+            </a:r>
+            <a:r>
+              <a:rPr lang="ru-RU" sz="2400" dirty="0" err="1" smtClean="0"/>
+              <a:t>ЮУрГУ</a:t>
+            </a:r>
+            <a:r>
+              <a:rPr lang="ru-RU" sz="2400" dirty="0" smtClean="0"/>
+              <a:t>, проходившей 27 апреля 2015 года.</a:t>
+            </a:r>
+            <a:endParaRPr lang="en-US" sz="2400" dirty="0"/>
           </a:p>
         </p:txBody>
       </p:sp>
@@ -13869,7 +13875,7 @@
           <a:p>
             <a:r>
               <a:rPr lang="ru-RU" dirty="0" smtClean="0"/>
-              <a:t>Заключение</a:t>
+              <a:t>Основные результаты</a:t>
             </a:r>
             <a:endParaRPr lang="ru-RU" dirty="0"/>
           </a:p>
@@ -14487,7 +14493,12 @@
             <p:ph type="title"/>
           </p:nvPr>
         </p:nvSpPr>
-        <p:spPr/>
+        <p:spPr>
+          <a:xfrm>
+            <a:off x="946404" y="123985"/>
+            <a:ext cx="7190206" cy="714929"/>
+          </a:xfrm>
+        </p:spPr>
         <p:txBody>
           <a:bodyPr/>
           <a:lstStyle/>
@@ -14497,25 +14508,6 @@
               <a:t>Обзор существующих систем</a:t>
             </a:r>
             <a:endParaRPr lang="en-US" dirty="0"/>
-          </a:p>
-        </p:txBody>
-      </p:sp>
-      <p:sp>
-        <p:nvSpPr>
-          <p:cNvPr id="3" name="Content Placeholder 2"/>
-          <p:cNvSpPr>
-            <a:spLocks noGrp="1"/>
-          </p:cNvSpPr>
-          <p:nvPr>
-            <p:ph idx="1"/>
-          </p:nvPr>
-        </p:nvSpPr>
-        <p:spPr/>
-        <p:txBody>
-          <a:bodyPr/>
-          <a:lstStyle/>
-          <a:p>
-            <a:endParaRPr lang="en-US"/>
           </a:p>
         </p:txBody>
       </p:sp>
@@ -14539,6 +14531,142 @@
               <a:t>4</a:t>
             </a:fld>
             <a:endParaRPr lang="ru-RU"/>
+          </a:p>
+        </p:txBody>
+      </p:sp>
+      <p:pic>
+        <p:nvPicPr>
+          <p:cNvPr id="5" name="Рисунок 4" descr="C:\Users\Крокодил\Pictures\макет работы системы.png"/>
+          <p:cNvPicPr/>
+          <p:nvPr/>
+        </p:nvPicPr>
+        <p:blipFill>
+          <a:blip r:embed="rId2">
+            <a:extLst>
+              <a:ext uri="{28A0092B-C50C-407E-A947-70E740481C1C}">
+                <a14:useLocalDpi xmlns:a14="http://schemas.microsoft.com/office/drawing/2010/main" val="0"/>
+              </a:ext>
+            </a:extLst>
+          </a:blip>
+          <a:srcRect/>
+          <a:stretch>
+            <a:fillRect/>
+          </a:stretch>
+        </p:blipFill>
+        <p:spPr bwMode="auto">
+          <a:xfrm>
+            <a:off x="1713570" y="849227"/>
+            <a:ext cx="5655874" cy="2088452"/>
+          </a:xfrm>
+          <a:prstGeom prst="rect">
+            <a:avLst/>
+          </a:prstGeom>
+          <a:noFill/>
+          <a:ln>
+            <a:noFill/>
+          </a:ln>
+        </p:spPr>
+      </p:pic>
+      <p:pic>
+        <p:nvPicPr>
+          <p:cNvPr id="1026" name="Picture 2" descr="http://themiamiseocompany.com/wp-content/uploads/2014/02/ahrefs-snap-shot.png"/>
+          <p:cNvPicPr>
+            <a:picLocks noChangeAspect="1" noChangeArrowheads="1"/>
+          </p:cNvPicPr>
+          <p:nvPr/>
+        </p:nvPicPr>
+        <p:blipFill>
+          <a:blip r:embed="rId3" cstate="print">
+            <a:extLst>
+              <a:ext uri="{28A0092B-C50C-407E-A947-70E740481C1C}">
+                <a14:useLocalDpi xmlns:a14="http://schemas.microsoft.com/office/drawing/2010/main" val="0"/>
+              </a:ext>
+            </a:extLst>
+          </a:blip>
+          <a:srcRect/>
+          <a:stretch>
+            <a:fillRect/>
+          </a:stretch>
+        </p:blipFill>
+        <p:spPr bwMode="auto">
+          <a:xfrm>
+            <a:off x="1923048" y="3524364"/>
+            <a:ext cx="5236916" cy="2760033"/>
+          </a:xfrm>
+          <a:prstGeom prst="rect">
+            <a:avLst/>
+          </a:prstGeom>
+          <a:noFill/>
+          <a:extLst>
+            <a:ext uri="{909E8E84-426E-40DD-AFC4-6F175D3DCCD1}">
+              <a14:hiddenFill xmlns:a14="http://schemas.microsoft.com/office/drawing/2010/main">
+                <a:solidFill>
+                  <a:srgbClr val="FFFFFF"/>
+                </a:solidFill>
+              </a14:hiddenFill>
+            </a:ext>
+          </a:extLst>
+        </p:spPr>
+      </p:pic>
+      <p:sp>
+        <p:nvSpPr>
+          <p:cNvPr id="6" name="TextBox 5"/>
+          <p:cNvSpPr txBox="1"/>
+          <p:nvPr/>
+        </p:nvSpPr>
+        <p:spPr>
+          <a:xfrm>
+            <a:off x="2371744" y="3049875"/>
+            <a:ext cx="4339525" cy="369332"/>
+          </a:xfrm>
+          <a:prstGeom prst="rect">
+            <a:avLst/>
+          </a:prstGeom>
+          <a:noFill/>
+        </p:spPr>
+        <p:txBody>
+          <a:bodyPr wrap="square" rtlCol="0">
+            <a:spAutoFit/>
+          </a:bodyPr>
+          <a:lstStyle/>
+          <a:p>
+            <a:pPr algn="ctr"/>
+            <a:r>
+              <a:rPr lang="en-US" dirty="0" err="1" smtClean="0"/>
+              <a:t>SpyWords</a:t>
+            </a:r>
+            <a:endParaRPr lang="ru-RU" dirty="0"/>
+          </a:p>
+        </p:txBody>
+      </p:sp>
+      <p:sp>
+        <p:nvSpPr>
+          <p:cNvPr id="8" name="TextBox 7"/>
+          <p:cNvSpPr txBox="1"/>
+          <p:nvPr/>
+        </p:nvSpPr>
+        <p:spPr>
+          <a:xfrm>
+            <a:off x="2371744" y="6284397"/>
+            <a:ext cx="4339525" cy="369332"/>
+          </a:xfrm>
+          <a:prstGeom prst="rect">
+            <a:avLst/>
+          </a:prstGeom>
+          <a:noFill/>
+        </p:spPr>
+        <p:txBody>
+          <a:bodyPr wrap="square" rtlCol="0">
+            <a:spAutoFit/>
+          </a:bodyPr>
+          <a:lstStyle/>
+          <a:p>
+            <a:pPr algn="ctr"/>
+            <a:r>
+              <a:rPr lang="en-US" dirty="0" err="1" smtClean="0"/>
+              <a:t>Ahrefs</a:t>
+            </a:r>
+            <a:endParaRPr lang="ru-RU" dirty="0"/>
           </a:p>
         </p:txBody>
       </p:sp>
@@ -14584,29 +14712,21 @@
         </p:nvSpPr>
         <p:spPr>
           <a:xfrm>
-            <a:off x="900112" y="157161"/>
+            <a:off x="805912" y="91477"/>
             <a:ext cx="6930009" cy="748347"/>
           </a:xfrm>
         </p:spPr>
         <p:txBody>
           <a:bodyPr>
-            <a:normAutofit fontScale="90000"/>
+            <a:normAutofit/>
           </a:bodyPr>
           <a:lstStyle/>
           <a:p>
             <a:r>
-              <a:rPr lang="ru-RU" dirty="0" smtClean="0">
-                <a:solidFill>
-                  <a:srgbClr val="FF0000"/>
-                </a:solidFill>
-              </a:rPr>
-              <a:t>Пример (чего?) Связать пример и функции</a:t>
-            </a:r>
-            <a:endParaRPr lang="ru-RU" dirty="0">
-              <a:solidFill>
-                <a:srgbClr val="FF0000"/>
-              </a:solidFill>
-            </a:endParaRPr>
+              <a:rPr lang="ru-RU" dirty="0"/>
+              <a:t>Пример работы алгоритма</a:t>
+            </a:r>
+            <a:endParaRPr lang="ru-RU" dirty="0"/>
           </a:p>
         </p:txBody>
       </p:sp>
@@ -15490,7 +15610,7 @@
                       <m:sSubSupPr>
                         <m:ctrlPr>
                           <a:rPr lang="ru-RU" i="1">
-                            <a:latin typeface="Cambria Math" charset="0"/>
+                            <a:latin typeface="Cambria Math" panose="02040503050406030204" pitchFamily="18" charset="0"/>
                           </a:rPr>
                         </m:ctrlPr>
                       </m:sSubSupPr>
@@ -15507,7 +15627,7 @@
                           <m:sSubPr>
                             <m:ctrlPr>
                               <a:rPr lang="ru-RU" i="1">
-                                <a:latin typeface="Cambria Math" charset="0"/>
+                                <a:latin typeface="Cambria Math" panose="02040503050406030204" pitchFamily="18" charset="0"/>
                               </a:rPr>
                             </m:ctrlPr>
                           </m:sSubPr>
@@ -15516,7 +15636,7 @@
                               <m:sSubPr>
                                 <m:ctrlPr>
                                   <a:rPr lang="ru-RU" i="1">
-                                    <a:latin typeface="Cambria Math" charset="0"/>
+                                    <a:latin typeface="Cambria Math" panose="02040503050406030204" pitchFamily="18" charset="0"/>
                                   </a:rPr>
                                 </m:ctrlPr>
                               </m:sSubPr>
@@ -15587,7 +15707,7 @@
                       <m:sSubPr>
                         <m:ctrlPr>
                           <a:rPr lang="ru-RU" i="1">
-                            <a:latin typeface="Cambria Math" charset="0"/>
+                            <a:latin typeface="Cambria Math" panose="02040503050406030204" pitchFamily="18" charset="0"/>
                           </a:rPr>
                         </m:ctrlPr>
                       </m:sSubPr>
@@ -15618,7 +15738,7 @@
                       <m:sSubPr>
                         <m:ctrlPr>
                           <a:rPr lang="ru-RU" i="1">
-                            <a:latin typeface="Cambria Math" charset="0"/>
+                            <a:latin typeface="Cambria Math" panose="02040503050406030204" pitchFamily="18" charset="0"/>
                           </a:rPr>
                         </m:ctrlPr>
                       </m:sSubPr>
@@ -15649,7 +15769,7 @@
                       <m:sSubPr>
                         <m:ctrlPr>
                           <a:rPr lang="ru-RU" i="1">
-                            <a:latin typeface="Cambria Math" charset="0"/>
+                            <a:latin typeface="Cambria Math" panose="02040503050406030204" pitchFamily="18" charset="0"/>
                           </a:rPr>
                         </m:ctrlPr>
                       </m:sSubPr>
@@ -15700,7 +15820,7 @@
                       <m:sSubPr>
                         <m:ctrlPr>
                           <a:rPr lang="ru-RU" i="1">
-                            <a:latin typeface="Cambria Math" charset="0"/>
+                            <a:latin typeface="Cambria Math" panose="02040503050406030204" pitchFamily="18" charset="0"/>
                           </a:rPr>
                         </m:ctrlPr>
                       </m:sSubPr>
@@ -15731,7 +15851,7 @@
                       <m:sSubPr>
                         <m:ctrlPr>
                           <a:rPr lang="ru-RU" i="1">
-                            <a:latin typeface="Cambria Math" charset="0"/>
+                            <a:latin typeface="Cambria Math" panose="02040503050406030204" pitchFamily="18" charset="0"/>
                           </a:rPr>
                         </m:ctrlPr>
                       </m:sSubPr>
@@ -15762,7 +15882,7 @@
                       <m:sSubPr>
                         <m:ctrlPr>
                           <a:rPr lang="ru-RU" i="1">
-                            <a:latin typeface="Cambria Math" charset="0"/>
+                            <a:latin typeface="Cambria Math" panose="02040503050406030204" pitchFamily="18" charset="0"/>
                           </a:rPr>
                         </m:ctrlPr>
                       </m:sSubPr>
@@ -15968,7 +16088,7 @@
                       <m:sSubPr>
                         <m:ctrlPr>
                           <a:rPr lang="ru-RU" i="1">
-                            <a:latin typeface="Cambria Math" charset="0"/>
+                            <a:latin typeface="Cambria Math" panose="02040503050406030204" pitchFamily="18" charset="0"/>
                           </a:rPr>
                         </m:ctrlPr>
                       </m:sSubPr>
@@ -16001,7 +16121,7 @@
                         <m:endChr m:val=""/>
                         <m:ctrlPr>
                           <a:rPr lang="ru-RU" i="1">
-                            <a:latin typeface="Cambria Math" charset="0"/>
+                            <a:latin typeface="Cambria Math" panose="02040503050406030204" pitchFamily="18" charset="0"/>
                           </a:rPr>
                         </m:ctrlPr>
                       </m:dPr>
@@ -16018,7 +16138,7 @@
                             </m:mcs>
                             <m:ctrlPr>
                               <a:rPr lang="ru-RU" i="1">
-                                <a:latin typeface="Cambria Math" charset="0"/>
+                                <a:latin typeface="Cambria Math" panose="02040503050406030204" pitchFamily="18" charset="0"/>
                               </a:rPr>
                             </m:ctrlPr>
                           </m:mPr>
@@ -16028,7 +16148,7 @@
                                 <m:fPr>
                                   <m:ctrlPr>
                                     <a:rPr lang="ru-RU" i="1">
-                                      <a:latin typeface="Cambria Math" charset="0"/>
+                                      <a:latin typeface="Cambria Math" panose="02040503050406030204" pitchFamily="18" charset="0"/>
                                     </a:rPr>
                                   </m:ctrlPr>
                                 </m:fPr>
@@ -16039,7 +16159,7 @@
                                       <m:limLoc m:val="undOvr"/>
                                       <m:ctrlPr>
                                         <a:rPr lang="ru-RU" i="1">
-                                          <a:latin typeface="Cambria Math" charset="0"/>
+                                          <a:latin typeface="Cambria Math" panose="02040503050406030204" pitchFamily="18" charset="0"/>
                                         </a:rPr>
                                       </m:ctrlPr>
                                     </m:naryPr>
@@ -16070,7 +16190,7 @@
                                         <m:dPr>
                                           <m:ctrlPr>
                                             <a:rPr lang="ru-RU" i="1">
-                                              <a:latin typeface="Cambria Math" charset="0"/>
+                                              <a:latin typeface="Cambria Math" panose="02040503050406030204" pitchFamily="18" charset="0"/>
                                             </a:rPr>
                                           </m:ctrlPr>
                                         </m:dPr>
@@ -16091,7 +16211,7 @@
                                             <m:sSubSupPr>
                                               <m:ctrlPr>
                                                 <a:rPr lang="ru-RU" i="1">
-                                                  <a:latin typeface="Cambria Math" charset="0"/>
+                                                  <a:latin typeface="Cambria Math" panose="02040503050406030204" pitchFamily="18" charset="0"/>
                                                 </a:rPr>
                                               </m:ctrlPr>
                                             </m:sSubSupPr>
@@ -16492,7 +16612,7 @@
                       <m:sSubPr>
                         <m:ctrlPr>
                           <a:rPr lang="ru-RU" sz="2300" i="1">
-                            <a:latin typeface="Cambria Math" charset="0"/>
+                            <a:latin typeface="Cambria Math" panose="02040503050406030204" pitchFamily="18" charset="0"/>
                           </a:rPr>
                         </m:ctrlPr>
                       </m:sSubPr>
@@ -16525,7 +16645,7 @@
                       <m:sSubPr>
                         <m:ctrlPr>
                           <a:rPr lang="ru-RU" sz="2300" i="1">
-                            <a:latin typeface="Cambria Math" charset="0"/>
+                            <a:latin typeface="Cambria Math" panose="02040503050406030204" pitchFamily="18" charset="0"/>
                           </a:rPr>
                         </m:ctrlPr>
                       </m:sSubPr>
@@ -16570,7 +16690,7 @@
                       <m:sSubPr>
                         <m:ctrlPr>
                           <a:rPr lang="ru-RU" sz="2300" i="1">
-                            <a:latin typeface="Cambria Math" charset="0"/>
+                            <a:latin typeface="Cambria Math" panose="02040503050406030204" pitchFamily="18" charset="0"/>
                           </a:rPr>
                         </m:ctrlPr>
                       </m:sSubPr>
@@ -16615,7 +16735,7 @@
                         <m:sSubPr>
                           <m:ctrlPr>
                             <a:rPr lang="ru-RU" sz="2300" i="1">
-                              <a:latin typeface="Cambria Math" charset="0"/>
+                              <a:latin typeface="Cambria Math" panose="02040503050406030204" pitchFamily="18" charset="0"/>
                             </a:rPr>
                           </m:ctrlPr>
                         </m:sSubPr>
@@ -16670,7 +16790,7 @@
                         <m:sSubPr>
                           <m:ctrlPr>
                             <a:rPr lang="ru-RU" sz="2300" i="1">
-                              <a:latin typeface="Cambria Math" charset="0"/>
+                              <a:latin typeface="Cambria Math" panose="02040503050406030204" pitchFamily="18" charset="0"/>
                             </a:rPr>
                           </m:ctrlPr>
                         </m:sSubPr>
@@ -16701,7 +16821,7 @@
                         <m:sSubPr>
                           <m:ctrlPr>
                             <a:rPr lang="ru-RU" sz="2300" i="1">
-                              <a:latin typeface="Cambria Math" charset="0"/>
+                              <a:latin typeface="Cambria Math" panose="02040503050406030204" pitchFamily="18" charset="0"/>
                             </a:rPr>
                           </m:ctrlPr>
                         </m:sSubPr>
@@ -16759,7 +16879,7 @@
                       <m:sSubPr>
                         <m:ctrlPr>
                           <a:rPr lang="ru-RU" sz="2300" i="1">
-                            <a:latin typeface="Cambria Math" charset="0"/>
+                            <a:latin typeface="Cambria Math" panose="02040503050406030204" pitchFamily="18" charset="0"/>
                           </a:rPr>
                         </m:ctrlPr>
                       </m:sSubPr>
@@ -16806,7 +16926,7 @@
                       <m:sSubPr>
                         <m:ctrlPr>
                           <a:rPr lang="ru-RU" sz="2300" i="1">
-                            <a:latin typeface="Cambria Math" charset="0"/>
+                            <a:latin typeface="Cambria Math" panose="02040503050406030204" pitchFamily="18" charset="0"/>
                           </a:rPr>
                         </m:ctrlPr>
                       </m:sSubPr>
@@ -16839,7 +16959,7 @@
                       <m:sSubPr>
                         <m:ctrlPr>
                           <a:rPr lang="ru-RU" sz="2300" i="1">
-                            <a:latin typeface="Cambria Math" charset="0"/>
+                            <a:latin typeface="Cambria Math" panose="02040503050406030204" pitchFamily="18" charset="0"/>
                           </a:rPr>
                         </m:ctrlPr>
                       </m:sSubPr>
@@ -16884,7 +17004,7 @@
                         <m:sSubPr>
                           <m:ctrlPr>
                             <a:rPr lang="ru-RU" sz="2300" i="1">
-                              <a:latin typeface="Cambria Math" charset="0"/>
+                              <a:latin typeface="Cambria Math" panose="02040503050406030204" pitchFamily="18" charset="0"/>
                             </a:rPr>
                           </m:ctrlPr>
                         </m:sSubPr>
@@ -16924,7 +17044,7 @@
                         <m:sSubPr>
                           <m:ctrlPr>
                             <a:rPr lang="ru-RU" sz="2300" i="1">
-                              <a:latin typeface="Cambria Math" charset="0"/>
+                              <a:latin typeface="Cambria Math" panose="02040503050406030204" pitchFamily="18" charset="0"/>
                             </a:rPr>
                           </m:ctrlPr>
                         </m:sSubPr>
@@ -16994,7 +17114,7 @@
                       <m:sSubPr>
                         <m:ctrlPr>
                           <a:rPr lang="ru-RU" sz="2300" i="1">
-                            <a:latin typeface="Cambria Math" charset="0"/>
+                            <a:latin typeface="Cambria Math" panose="02040503050406030204" pitchFamily="18" charset="0"/>
                           </a:rPr>
                         </m:ctrlPr>
                       </m:sSubPr>
@@ -17036,7 +17156,7 @@
                         <m:sSubPr>
                           <m:ctrlPr>
                             <a:rPr lang="ru-RU" sz="2300" i="1">
-                              <a:latin typeface="Cambria Math" charset="0"/>
+                              <a:latin typeface="Cambria Math" panose="02040503050406030204" pitchFamily="18" charset="0"/>
                             </a:rPr>
                           </m:ctrlPr>
                         </m:sSubPr>
@@ -17067,7 +17187,7 @@
                         <m:fPr>
                           <m:ctrlPr>
                             <a:rPr lang="ru-RU" sz="2300" i="1">
-                              <a:latin typeface="Cambria Math" charset="0"/>
+                              <a:latin typeface="Cambria Math" panose="02040503050406030204" pitchFamily="18" charset="0"/>
                             </a:rPr>
                           </m:ctrlPr>
                         </m:fPr>
@@ -17084,7 +17204,7 @@
                             <m:sSubPr>
                               <m:ctrlPr>
                                 <a:rPr lang="ru-RU" sz="2300" i="1">
-                                  <a:latin typeface="Cambria Math" charset="0"/>
+                                  <a:latin typeface="Cambria Math" panose="02040503050406030204" pitchFamily="18" charset="0"/>
                                 </a:rPr>
                               </m:ctrlPr>
                             </m:sSubPr>
@@ -17115,7 +17235,7 @@
                           <m:supHide m:val="on"/>
                           <m:ctrlPr>
                             <a:rPr lang="ru-RU" sz="2300" i="1">
-                              <a:latin typeface="Cambria Math" charset="0"/>
+                              <a:latin typeface="Cambria Math" panose="02040503050406030204" pitchFamily="18" charset="0"/>
                             </a:rPr>
                           </m:ctrlPr>
                         </m:naryPr>
@@ -17126,7 +17246,7 @@
                             <m:sSubPr>
                               <m:ctrlPr>
                                 <a:rPr lang="ru-RU" sz="2300" i="1">
-                                  <a:latin typeface="Cambria Math" charset="0"/>
+                                  <a:latin typeface="Cambria Math" panose="02040503050406030204" pitchFamily="18" charset="0"/>
                                 </a:rPr>
                               </m:ctrlPr>
                             </m:sSubPr>
@@ -17159,7 +17279,7 @@
                         <m:sSubPr>
                           <m:ctrlPr>
                             <a:rPr lang="ru-RU" sz="2300" i="1">
-                              <a:latin typeface="Cambria Math" charset="0"/>
+                              <a:latin typeface="Cambria Math" panose="02040503050406030204" pitchFamily="18" charset="0"/>
                             </a:rPr>
                           </m:ctrlPr>
                         </m:sSubPr>
@@ -17215,7 +17335,7 @@
                       <m:sSubPr>
                         <m:ctrlPr>
                           <a:rPr lang="ru-RU" sz="2300" i="1">
-                            <a:latin typeface="Cambria Math" charset="0"/>
+                            <a:latin typeface="Cambria Math" panose="02040503050406030204" pitchFamily="18" charset="0"/>
                           </a:rPr>
                         </m:ctrlPr>
                       </m:sSubPr>
@@ -17365,8 +17485,8 @@
         </p:nvSpPr>
         <p:spPr>
           <a:xfrm>
-            <a:off x="946404" y="259308"/>
-            <a:ext cx="7105775" cy="776922"/>
+            <a:off x="379501" y="210867"/>
+            <a:ext cx="8239577" cy="776922"/>
           </a:xfrm>
         </p:spPr>
         <p:txBody>
@@ -17376,92 +17496,22 @@
           <a:lstStyle/>
           <a:p>
             <a:r>
-              <a:rPr lang="ru-RU" sz="3600" dirty="0" smtClean="0">
-                <a:solidFill>
-                  <a:srgbClr val="FF0000"/>
-                </a:solidFill>
-              </a:rPr>
-              <a:t>Диаграмма </a:t>
-            </a:r>
-            <a:r>
-              <a:rPr lang="ru-RU" sz="3600" dirty="0" smtClean="0">
-                <a:solidFill>
-                  <a:srgbClr val="FF0000"/>
-                </a:solidFill>
-              </a:rPr>
-              <a:t>деятельности</a:t>
-            </a:r>
-            <a:r>
-              <a:rPr lang="en-US" sz="3600" dirty="0" smtClean="0">
-                <a:solidFill>
-                  <a:srgbClr val="FF0000"/>
-                </a:solidFill>
-              </a:rPr>
-              <a:t> </a:t>
-            </a:r>
-            <a:r>
-              <a:rPr lang="ru-RU" sz="3600" dirty="0" smtClean="0">
-                <a:solidFill>
-                  <a:srgbClr val="FF0000"/>
-                </a:solidFill>
-              </a:rPr>
-              <a:t>переименовать – что за деятельность?</a:t>
-            </a:r>
-            <a:endParaRPr lang="ru-RU" sz="3600" dirty="0">
-              <a:solidFill>
-                <a:srgbClr val="FF0000"/>
-              </a:solidFill>
-            </a:endParaRPr>
-          </a:p>
-        </p:txBody>
-      </p:sp>
-      <p:sp>
-        <p:nvSpPr>
-          <p:cNvPr id="3" name="Объект 2"/>
-          <p:cNvSpPr>
-            <a:spLocks noGrp="1"/>
-          </p:cNvSpPr>
-          <p:nvPr>
-            <p:ph idx="1"/>
-          </p:nvPr>
-        </p:nvSpPr>
-        <p:spPr/>
-        <p:txBody>
-          <a:bodyPr/>
-          <a:lstStyle/>
-          <a:p>
-            <a:endParaRPr lang="ru-RU"/>
-          </a:p>
-        </p:txBody>
-      </p:sp>
-      <p:sp>
-        <p:nvSpPr>
-          <p:cNvPr id="4" name="Номер слайда 3"/>
-          <p:cNvSpPr>
-            <a:spLocks noGrp="1"/>
-          </p:cNvSpPr>
-          <p:nvPr>
-            <p:ph type="sldNum" sz="quarter" idx="12"/>
-          </p:nvPr>
-        </p:nvSpPr>
-        <p:spPr/>
-        <p:txBody>
-          <a:bodyPr/>
-          <a:lstStyle/>
-          <a:p>
-            <a:fld id="{B8FD4787-A815-42E7-9C3F-EE8E3DD8A60B}" type="slidenum">
-              <a:rPr lang="ru-RU" smtClean="0"/>
-              <a:t>8</a:t>
-            </a:fld>
-            <a:endParaRPr lang="ru-RU"/>
+              <a:rPr lang="ru-RU" dirty="0"/>
+              <a:t>Разбиение запросов на кластеры</a:t>
+            </a:r>
+            <a:endParaRPr lang="ru-RU" dirty="0"/>
           </a:p>
         </p:txBody>
       </p:sp>
       <p:pic>
         <p:nvPicPr>
-          <p:cNvPr id="5" name="Рисунок 4" descr="C:\Users\Екатерина\Downloads\Basic State Diagram - UML State Diagram (1).png"/>
-          <p:cNvPicPr/>
-          <p:nvPr/>
+          <p:cNvPr id="6" name="Объект 5"/>
+          <p:cNvPicPr>
+            <a:picLocks noGrp="1" noChangeAspect="1"/>
+          </p:cNvPicPr>
+          <p:nvPr>
+            <p:ph idx="1"/>
+          </p:nvPr>
         </p:nvPicPr>
         <p:blipFill>
           <a:blip r:embed="rId2">
@@ -17471,25 +17521,40 @@
               </a:ext>
             </a:extLst>
           </a:blip>
-          <a:srcRect/>
           <a:stretch>
             <a:fillRect/>
           </a:stretch>
         </p:blipFill>
-        <p:spPr bwMode="auto">
+        <p:spPr>
           <a:xfrm>
-            <a:off x="2340864" y="1261269"/>
-            <a:ext cx="3657600" cy="5486399"/>
+            <a:off x="2879824" y="987789"/>
+            <a:ext cx="3238933" cy="5481274"/>
           </a:xfrm>
-          <a:prstGeom prst="rect">
-            <a:avLst/>
-          </a:prstGeom>
-          <a:noFill/>
-          <a:ln>
-            <a:noFill/>
-          </a:ln>
         </p:spPr>
       </p:pic>
+      <p:sp>
+        <p:nvSpPr>
+          <p:cNvPr id="4" name="Номер слайда 3"/>
+          <p:cNvSpPr>
+            <a:spLocks noGrp="1"/>
+          </p:cNvSpPr>
+          <p:nvPr>
+            <p:ph type="sldNum" sz="quarter" idx="12"/>
+          </p:nvPr>
+        </p:nvSpPr>
+        <p:spPr/>
+        <p:txBody>
+          <a:bodyPr/>
+          <a:lstStyle/>
+          <a:p>
+            <a:fld id="{B8FD4787-A815-42E7-9C3F-EE8E3DD8A60B}" type="slidenum">
+              <a:rPr lang="ru-RU" smtClean="0"/>
+              <a:t>8</a:t>
+            </a:fld>
+            <a:endParaRPr lang="ru-RU"/>
+          </a:p>
+        </p:txBody>
+      </p:sp>
     </p:spTree>
     <p:extLst>
       <p:ext uri="{BB962C8B-B14F-4D97-AF65-F5344CB8AC3E}">
@@ -17539,29 +17604,21 @@
         </p:nvSpPr>
         <p:spPr>
           <a:xfrm>
-            <a:off x="791158" y="259011"/>
-            <a:ext cx="7268033" cy="738708"/>
+            <a:off x="803072" y="457267"/>
+            <a:ext cx="7980883" cy="738708"/>
           </a:xfrm>
         </p:spPr>
         <p:txBody>
           <a:bodyPr>
-            <a:normAutofit fontScale="90000"/>
+            <a:noAutofit/>
           </a:bodyPr>
           <a:lstStyle/>
           <a:p>
             <a:r>
-              <a:rPr lang="ru-RU" sz="3200" dirty="0" smtClean="0">
-                <a:solidFill>
-                  <a:srgbClr val="FF0000"/>
-                </a:solidFill>
-              </a:rPr>
+              <a:rPr lang="ru-RU" dirty="0"/>
               <a:t>Актеры и варианты использования системы</a:t>
             </a:r>
-            <a:endParaRPr lang="ru-RU" sz="3200" dirty="0">
-              <a:solidFill>
-                <a:srgbClr val="FF0000"/>
-              </a:solidFill>
-            </a:endParaRPr>
+            <a:endParaRPr lang="ru-RU" dirty="0"/>
           </a:p>
         </p:txBody>
       </p:sp>
@@ -17628,8 +17685,8 @@
         </p:blipFill>
         <p:spPr bwMode="auto">
           <a:xfrm>
-            <a:off x="1179111" y="1060813"/>
-            <a:ext cx="6213813" cy="5408250"/>
+            <a:off x="1175178" y="1420866"/>
+            <a:ext cx="5988972" cy="5167205"/>
           </a:xfrm>
           <a:prstGeom prst="rect">
             <a:avLst/>
